--- a/ACS_3909_ProjectPPT.pptx
+++ b/ACS_3909_ProjectPPT.pptx
@@ -17,7 +17,8 @@
     <p:sldId id="265" r:id="rId11"/>
     <p:sldId id="266" r:id="rId12"/>
     <p:sldId id="267" r:id="rId13"/>
-    <p:sldId id="268" r:id="rId14"/>
+    <p:sldId id="269" r:id="rId14"/>
+    <p:sldId id="268" r:id="rId15"/>
   </p:sldIdLst>
   <p:sldSz cx="12192000" cy="6858000"/>
   <p:notesSz cx="6858000" cy="9144000"/>
@@ -116,6 +117,11 @@
       </a:defRPr>
     </a:lvl9pPr>
   </p:defaultTextStyle>
+  <p:extLst>
+    <p:ext uri="{EFAFB233-063F-42B5-8137-9DF3F51BA10A}">
+      <p15:sldGuideLst xmlns:p15="http://schemas.microsoft.com/office/powerpoint/2012/main"/>
+    </p:ext>
+  </p:extLst>
 </p:presentation>
 </file>
 
@@ -268,7 +274,7 @@
           <a:p>
             <a:fld id="{BD25A4EB-92C0-419F-B2F4-9E8F078E214D}" type="datetimeFigureOut">
               <a:rPr lang="en-CA" smtClean="0"/>
-              <a:t>2022-10-26</a:t>
+              <a:t>2022-10-27</a:t>
             </a:fld>
             <a:endParaRPr lang="en-CA"/>
           </a:p>
@@ -468,7 +474,7 @@
           <a:p>
             <a:fld id="{BD25A4EB-92C0-419F-B2F4-9E8F078E214D}" type="datetimeFigureOut">
               <a:rPr lang="en-CA" smtClean="0"/>
-              <a:t>2022-10-26</a:t>
+              <a:t>2022-10-27</a:t>
             </a:fld>
             <a:endParaRPr lang="en-CA"/>
           </a:p>
@@ -678,7 +684,7 @@
           <a:p>
             <a:fld id="{BD25A4EB-92C0-419F-B2F4-9E8F078E214D}" type="datetimeFigureOut">
               <a:rPr lang="en-CA" smtClean="0"/>
-              <a:t>2022-10-26</a:t>
+              <a:t>2022-10-27</a:t>
             </a:fld>
             <a:endParaRPr lang="en-CA"/>
           </a:p>
@@ -878,7 +884,7 @@
           <a:p>
             <a:fld id="{BD25A4EB-92C0-419F-B2F4-9E8F078E214D}" type="datetimeFigureOut">
               <a:rPr lang="en-CA" smtClean="0"/>
-              <a:t>2022-10-26</a:t>
+              <a:t>2022-10-27</a:t>
             </a:fld>
             <a:endParaRPr lang="en-CA"/>
           </a:p>
@@ -1154,7 +1160,7 @@
           <a:p>
             <a:fld id="{BD25A4EB-92C0-419F-B2F4-9E8F078E214D}" type="datetimeFigureOut">
               <a:rPr lang="en-CA" smtClean="0"/>
-              <a:t>2022-10-26</a:t>
+              <a:t>2022-10-27</a:t>
             </a:fld>
             <a:endParaRPr lang="en-CA"/>
           </a:p>
@@ -1422,7 +1428,7 @@
           <a:p>
             <a:fld id="{BD25A4EB-92C0-419F-B2F4-9E8F078E214D}" type="datetimeFigureOut">
               <a:rPr lang="en-CA" smtClean="0"/>
-              <a:t>2022-10-26</a:t>
+              <a:t>2022-10-27</a:t>
             </a:fld>
             <a:endParaRPr lang="en-CA"/>
           </a:p>
@@ -1837,7 +1843,7 @@
           <a:p>
             <a:fld id="{BD25A4EB-92C0-419F-B2F4-9E8F078E214D}" type="datetimeFigureOut">
               <a:rPr lang="en-CA" smtClean="0"/>
-              <a:t>2022-10-26</a:t>
+              <a:t>2022-10-27</a:t>
             </a:fld>
             <a:endParaRPr lang="en-CA"/>
           </a:p>
@@ -1979,7 +1985,7 @@
           <a:p>
             <a:fld id="{BD25A4EB-92C0-419F-B2F4-9E8F078E214D}" type="datetimeFigureOut">
               <a:rPr lang="en-CA" smtClean="0"/>
-              <a:t>2022-10-26</a:t>
+              <a:t>2022-10-27</a:t>
             </a:fld>
             <a:endParaRPr lang="en-CA"/>
           </a:p>
@@ -2092,7 +2098,7 @@
           <a:p>
             <a:fld id="{BD25A4EB-92C0-419F-B2F4-9E8F078E214D}" type="datetimeFigureOut">
               <a:rPr lang="en-CA" smtClean="0"/>
-              <a:t>2022-10-26</a:t>
+              <a:t>2022-10-27</a:t>
             </a:fld>
             <a:endParaRPr lang="en-CA"/>
           </a:p>
@@ -2405,7 +2411,7 @@
           <a:p>
             <a:fld id="{BD25A4EB-92C0-419F-B2F4-9E8F078E214D}" type="datetimeFigureOut">
               <a:rPr lang="en-CA" smtClean="0"/>
-              <a:t>2022-10-26</a:t>
+              <a:t>2022-10-27</a:t>
             </a:fld>
             <a:endParaRPr lang="en-CA"/>
           </a:p>
@@ -2694,7 +2700,7 @@
           <a:p>
             <a:fld id="{BD25A4EB-92C0-419F-B2F4-9E8F078E214D}" type="datetimeFigureOut">
               <a:rPr lang="en-CA" smtClean="0"/>
-              <a:t>2022-10-26</a:t>
+              <a:t>2022-10-27</a:t>
             </a:fld>
             <a:endParaRPr lang="en-CA"/>
           </a:p>
@@ -2937,7 +2943,7 @@
           <a:p>
             <a:fld id="{BD25A4EB-92C0-419F-B2F4-9E8F078E214D}" type="datetimeFigureOut">
               <a:rPr lang="en-CA" smtClean="0"/>
-              <a:t>2022-10-26</a:t>
+              <a:t>2022-10-27</a:t>
             </a:fld>
             <a:endParaRPr lang="en-CA"/>
           </a:p>
@@ -4901,45 +4907,62 @@
       </p:grpSpPr>
       <p:sp>
         <p:nvSpPr>
-          <p:cNvPr id="2" name="TextBox 1">
-            <a:extLst>
-              <a:ext uri="{FF2B5EF4-FFF2-40B4-BE49-F238E27FC236}">
-                <a16:creationId xmlns:a16="http://schemas.microsoft.com/office/drawing/2014/main" id="{17C7F5DC-36FF-1517-05CD-547527DF8DBD}"/>
-              </a:ext>
-            </a:extLst>
-          </p:cNvPr>
-          <p:cNvSpPr txBox="1"/>
+          <p:cNvPr id="2" name="Rectangle 1">
+            <a:extLst>
+              <a:ext uri="{FF2B5EF4-FFF2-40B4-BE49-F238E27FC236}">
+                <a16:creationId xmlns:a16="http://schemas.microsoft.com/office/drawing/2014/main" id="{01C8981B-19D4-B0A3-1A1F-3E1F1C6B062C}"/>
+              </a:ext>
+            </a:extLst>
+          </p:cNvPr>
+          <p:cNvSpPr/>
           <p:nvPr/>
         </p:nvSpPr>
         <p:spPr>
           <a:xfrm>
-            <a:off x="690467" y="326571"/>
-            <a:ext cx="7053941" cy="646331"/>
+            <a:off x="1474237" y="1418253"/>
+            <a:ext cx="9078685" cy="4422710"/>
           </a:xfrm>
           <a:prstGeom prst="rect">
             <a:avLst/>
           </a:prstGeom>
           <a:noFill/>
-        </p:spPr>
-        <p:txBody>
-          <a:bodyPr wrap="square" rtlCol="0">
-            <a:spAutoFit/>
-          </a:bodyPr>
-          <a:lstStyle/>
-          <a:p>
-            <a:r>
-              <a:rPr lang="en-CA" sz="3600" b="1" dirty="0"/>
-              <a:t>Mid-term milestone requirements:</a:t>
-            </a:r>
-          </a:p>
-        </p:txBody>
-      </p:sp>
-      <p:sp>
-        <p:nvSpPr>
-          <p:cNvPr id="3" name="TextBox 2">
-            <a:extLst>
-              <a:ext uri="{FF2B5EF4-FFF2-40B4-BE49-F238E27FC236}">
-                <a16:creationId xmlns:a16="http://schemas.microsoft.com/office/drawing/2014/main" id="{F14A0760-E7C4-7DCC-DA88-C739507DDE1E}"/>
+          <a:ln>
+            <a:solidFill>
+              <a:schemeClr val="tx1"/>
+            </a:solidFill>
+          </a:ln>
+        </p:spPr>
+        <p:style>
+          <a:lnRef idx="2">
+            <a:schemeClr val="accent1">
+              <a:shade val="50000"/>
+            </a:schemeClr>
+          </a:lnRef>
+          <a:fillRef idx="1">
+            <a:schemeClr val="accent1"/>
+          </a:fillRef>
+          <a:effectRef idx="0">
+            <a:schemeClr val="accent1"/>
+          </a:effectRef>
+          <a:fontRef idx="minor">
+            <a:schemeClr val="lt1"/>
+          </a:fontRef>
+        </p:style>
+        <p:txBody>
+          <a:bodyPr rtlCol="0" anchor="ctr"/>
+          <a:lstStyle/>
+          <a:p>
+            <a:pPr algn="ctr"/>
+            <a:endParaRPr lang="en-CA"/>
+          </a:p>
+        </p:txBody>
+      </p:sp>
+      <p:sp>
+        <p:nvSpPr>
+          <p:cNvPr id="6" name="TextBox 5">
+            <a:extLst>
+              <a:ext uri="{FF2B5EF4-FFF2-40B4-BE49-F238E27FC236}">
+                <a16:creationId xmlns:a16="http://schemas.microsoft.com/office/drawing/2014/main" id="{E135E66C-3B8E-BFCF-31E7-CA814E4414D1}"/>
               </a:ext>
             </a:extLst>
           </p:cNvPr>
@@ -4948,8 +4971,8 @@
         </p:nvSpPr>
         <p:spPr>
           <a:xfrm>
-            <a:off x="690467" y="899118"/>
-            <a:ext cx="11000790" cy="5262979"/>
+            <a:off x="3407811" y="796222"/>
+            <a:ext cx="5376377" cy="369332"/>
           </a:xfrm>
           <a:prstGeom prst="rect">
             <a:avLst/>
@@ -4963,6 +4986,741 @@
           <a:lstStyle/>
           <a:p>
             <a:r>
+              <a:rPr lang="en-CA" dirty="0"/>
+              <a:t>Student/Customer index page with list of restaurants</a:t>
+            </a:r>
+          </a:p>
+        </p:txBody>
+      </p:sp>
+      <p:sp>
+        <p:nvSpPr>
+          <p:cNvPr id="9" name="Rectangle 8">
+            <a:extLst>
+              <a:ext uri="{FF2B5EF4-FFF2-40B4-BE49-F238E27FC236}">
+                <a16:creationId xmlns:a16="http://schemas.microsoft.com/office/drawing/2014/main" id="{C01B5876-889A-A538-7541-8FF77B5D1B0A}"/>
+              </a:ext>
+            </a:extLst>
+          </p:cNvPr>
+          <p:cNvSpPr/>
+          <p:nvPr/>
+        </p:nvSpPr>
+        <p:spPr>
+          <a:xfrm>
+            <a:off x="1474237" y="1418253"/>
+            <a:ext cx="9078685" cy="578498"/>
+          </a:xfrm>
+          <a:prstGeom prst="rect">
+            <a:avLst/>
+          </a:prstGeom>
+        </p:spPr>
+        <p:style>
+          <a:lnRef idx="2">
+            <a:schemeClr val="accent1">
+              <a:shade val="50000"/>
+            </a:schemeClr>
+          </a:lnRef>
+          <a:fillRef idx="1">
+            <a:schemeClr val="accent1"/>
+          </a:fillRef>
+          <a:effectRef idx="0">
+            <a:schemeClr val="accent1"/>
+          </a:effectRef>
+          <a:fontRef idx="minor">
+            <a:schemeClr val="lt1"/>
+          </a:fontRef>
+        </p:style>
+        <p:txBody>
+          <a:bodyPr rtlCol="0" anchor="ctr"/>
+          <a:lstStyle/>
+          <a:p>
+            <a:pPr algn="ctr"/>
+            <a:endParaRPr lang="en-CA"/>
+          </a:p>
+        </p:txBody>
+      </p:sp>
+      <p:sp>
+        <p:nvSpPr>
+          <p:cNvPr id="10" name="TextBox 9">
+            <a:extLst>
+              <a:ext uri="{FF2B5EF4-FFF2-40B4-BE49-F238E27FC236}">
+                <a16:creationId xmlns:a16="http://schemas.microsoft.com/office/drawing/2014/main" id="{146EC0A1-3AB8-2234-35E4-D33406F676C7}"/>
+              </a:ext>
+            </a:extLst>
+          </p:cNvPr>
+          <p:cNvSpPr txBox="1"/>
+          <p:nvPr/>
+        </p:nvSpPr>
+        <p:spPr>
+          <a:xfrm>
+            <a:off x="1639078" y="1522836"/>
+            <a:ext cx="870857" cy="369332"/>
+          </a:xfrm>
+          <a:prstGeom prst="rect">
+            <a:avLst/>
+          </a:prstGeom>
+          <a:noFill/>
+        </p:spPr>
+        <p:txBody>
+          <a:bodyPr wrap="square" rtlCol="0">
+            <a:spAutoFit/>
+          </a:bodyPr>
+          <a:lstStyle/>
+          <a:p>
+            <a:r>
+              <a:rPr lang="en-CA" dirty="0">
+                <a:solidFill>
+                  <a:schemeClr val="bg1"/>
+                </a:solidFill>
+              </a:rPr>
+              <a:t>LOGO</a:t>
+            </a:r>
+          </a:p>
+        </p:txBody>
+      </p:sp>
+      <p:sp>
+        <p:nvSpPr>
+          <p:cNvPr id="11" name="TextBox 10">
+            <a:extLst>
+              <a:ext uri="{FF2B5EF4-FFF2-40B4-BE49-F238E27FC236}">
+                <a16:creationId xmlns:a16="http://schemas.microsoft.com/office/drawing/2014/main" id="{86D44AFA-62AB-95FB-8DFE-466382D1CC9E}"/>
+              </a:ext>
+            </a:extLst>
+          </p:cNvPr>
+          <p:cNvSpPr txBox="1"/>
+          <p:nvPr/>
+        </p:nvSpPr>
+        <p:spPr>
+          <a:xfrm>
+            <a:off x="9330612" y="1522836"/>
+            <a:ext cx="1132115" cy="369332"/>
+          </a:xfrm>
+          <a:prstGeom prst="rect">
+            <a:avLst/>
+          </a:prstGeom>
+          <a:noFill/>
+        </p:spPr>
+        <p:txBody>
+          <a:bodyPr wrap="square" rtlCol="0">
+            <a:spAutoFit/>
+          </a:bodyPr>
+          <a:lstStyle/>
+          <a:p>
+            <a:r>
+              <a:rPr lang="en-CA" dirty="0">
+                <a:solidFill>
+                  <a:schemeClr val="bg1"/>
+                </a:solidFill>
+              </a:rPr>
+              <a:t>Log out</a:t>
+            </a:r>
+          </a:p>
+        </p:txBody>
+      </p:sp>
+      <p:sp>
+        <p:nvSpPr>
+          <p:cNvPr id="12" name="TextBox 11">
+            <a:extLst>
+              <a:ext uri="{FF2B5EF4-FFF2-40B4-BE49-F238E27FC236}">
+                <a16:creationId xmlns:a16="http://schemas.microsoft.com/office/drawing/2014/main" id="{B9851B59-C76E-8125-B06E-222F333D61C0}"/>
+              </a:ext>
+            </a:extLst>
+          </p:cNvPr>
+          <p:cNvSpPr txBox="1"/>
+          <p:nvPr/>
+        </p:nvSpPr>
+        <p:spPr>
+          <a:xfrm>
+            <a:off x="8198497" y="1522836"/>
+            <a:ext cx="1132115" cy="369332"/>
+          </a:xfrm>
+          <a:prstGeom prst="rect">
+            <a:avLst/>
+          </a:prstGeom>
+          <a:noFill/>
+        </p:spPr>
+        <p:txBody>
+          <a:bodyPr wrap="square" rtlCol="0">
+            <a:spAutoFit/>
+          </a:bodyPr>
+          <a:lstStyle/>
+          <a:p>
+            <a:r>
+              <a:rPr lang="en-CA" dirty="0">
+                <a:solidFill>
+                  <a:schemeClr val="bg1"/>
+                </a:solidFill>
+              </a:rPr>
+              <a:t>Account</a:t>
+            </a:r>
+          </a:p>
+        </p:txBody>
+      </p:sp>
+      <p:grpSp>
+        <p:nvGrpSpPr>
+          <p:cNvPr id="3" name="Group 2">
+            <a:extLst>
+              <a:ext uri="{FF2B5EF4-FFF2-40B4-BE49-F238E27FC236}">
+                <a16:creationId xmlns:a16="http://schemas.microsoft.com/office/drawing/2014/main" id="{487EF774-A8A1-7517-881A-E88AF0922F1B}"/>
+              </a:ext>
+            </a:extLst>
+          </p:cNvPr>
+          <p:cNvGrpSpPr/>
+          <p:nvPr/>
+        </p:nvGrpSpPr>
+        <p:grpSpPr>
+          <a:xfrm>
+            <a:off x="1734715" y="2875378"/>
+            <a:ext cx="8557728" cy="2564369"/>
+            <a:chOff x="1740158" y="2341984"/>
+            <a:chExt cx="8557728" cy="2564369"/>
+          </a:xfrm>
+        </p:grpSpPr>
+        <p:grpSp>
+          <p:nvGrpSpPr>
+            <p:cNvPr id="16" name="Group 15">
+              <a:extLst>
+                <a:ext uri="{FF2B5EF4-FFF2-40B4-BE49-F238E27FC236}">
+                  <a16:creationId xmlns:a16="http://schemas.microsoft.com/office/drawing/2014/main" id="{D692067B-9A39-8773-EE0D-E723EECA1BF1}"/>
+                </a:ext>
+              </a:extLst>
+            </p:cNvPr>
+            <p:cNvGrpSpPr/>
+            <p:nvPr/>
+          </p:nvGrpSpPr>
+          <p:grpSpPr>
+            <a:xfrm>
+              <a:off x="1740158" y="2341984"/>
+              <a:ext cx="8546842" cy="1087016"/>
+              <a:chOff x="1800807" y="2374249"/>
+              <a:chExt cx="8546842" cy="1087016"/>
+            </a:xfrm>
+          </p:grpSpPr>
+          <p:sp>
+            <p:nvSpPr>
+              <p:cNvPr id="13" name="Rectangle 12">
+                <a:extLst>
+                  <a:ext uri="{FF2B5EF4-FFF2-40B4-BE49-F238E27FC236}">
+                    <a16:creationId xmlns:a16="http://schemas.microsoft.com/office/drawing/2014/main" id="{E3B792A3-5E88-8FB0-FEEE-6821DCE1133B}"/>
+                  </a:ext>
+                </a:extLst>
+              </p:cNvPr>
+              <p:cNvSpPr/>
+              <p:nvPr/>
+            </p:nvSpPr>
+            <p:spPr>
+              <a:xfrm>
+                <a:off x="1800807" y="2374249"/>
+                <a:ext cx="2556588" cy="1087016"/>
+              </a:xfrm>
+              <a:prstGeom prst="rect">
+                <a:avLst/>
+              </a:prstGeom>
+            </p:spPr>
+            <p:style>
+              <a:lnRef idx="2">
+                <a:schemeClr val="accent1">
+                  <a:shade val="50000"/>
+                </a:schemeClr>
+              </a:lnRef>
+              <a:fillRef idx="1">
+                <a:schemeClr val="accent1"/>
+              </a:fillRef>
+              <a:effectRef idx="0">
+                <a:schemeClr val="accent1"/>
+              </a:effectRef>
+              <a:fontRef idx="minor">
+                <a:schemeClr val="lt1"/>
+              </a:fontRef>
+            </p:style>
+            <p:txBody>
+              <a:bodyPr rtlCol="0" anchor="ctr"/>
+              <a:lstStyle/>
+              <a:p>
+                <a:pPr algn="ctr"/>
+                <a:r>
+                  <a:rPr lang="en-CA" dirty="0" err="1"/>
+                  <a:t>Img</a:t>
+                </a:r>
+                <a:endParaRPr lang="en-CA" dirty="0"/>
+              </a:p>
+            </p:txBody>
+          </p:sp>
+          <p:sp>
+            <p:nvSpPr>
+              <p:cNvPr id="14" name="Rectangle 13">
+                <a:extLst>
+                  <a:ext uri="{FF2B5EF4-FFF2-40B4-BE49-F238E27FC236}">
+                    <a16:creationId xmlns:a16="http://schemas.microsoft.com/office/drawing/2014/main" id="{F4E8A5D4-272F-7574-35FD-27A5E57FA3C4}"/>
+                  </a:ext>
+                </a:extLst>
+              </p:cNvPr>
+              <p:cNvSpPr/>
+              <p:nvPr/>
+            </p:nvSpPr>
+            <p:spPr>
+              <a:xfrm>
+                <a:off x="4817706" y="2419353"/>
+                <a:ext cx="2534816" cy="1041912"/>
+              </a:xfrm>
+              <a:prstGeom prst="rect">
+                <a:avLst/>
+              </a:prstGeom>
+            </p:spPr>
+            <p:style>
+              <a:lnRef idx="2">
+                <a:schemeClr val="accent1">
+                  <a:shade val="50000"/>
+                </a:schemeClr>
+              </a:lnRef>
+              <a:fillRef idx="1">
+                <a:schemeClr val="accent1"/>
+              </a:fillRef>
+              <a:effectRef idx="0">
+                <a:schemeClr val="accent1"/>
+              </a:effectRef>
+              <a:fontRef idx="minor">
+                <a:schemeClr val="lt1"/>
+              </a:fontRef>
+            </p:style>
+            <p:txBody>
+              <a:bodyPr rtlCol="0" anchor="ctr"/>
+              <a:lstStyle/>
+              <a:p>
+                <a:pPr algn="ctr"/>
+                <a:r>
+                  <a:rPr lang="en-CA" dirty="0" err="1"/>
+                  <a:t>Img</a:t>
+                </a:r>
+                <a:endParaRPr lang="en-CA" dirty="0"/>
+              </a:p>
+            </p:txBody>
+          </p:sp>
+          <p:sp>
+            <p:nvSpPr>
+              <p:cNvPr id="15" name="Rectangle 14">
+                <a:extLst>
+                  <a:ext uri="{FF2B5EF4-FFF2-40B4-BE49-F238E27FC236}">
+                    <a16:creationId xmlns:a16="http://schemas.microsoft.com/office/drawing/2014/main" id="{A13F7B90-9086-1CE3-8811-26806755912D}"/>
+                  </a:ext>
+                </a:extLst>
+              </p:cNvPr>
+              <p:cNvSpPr/>
+              <p:nvPr/>
+            </p:nvSpPr>
+            <p:spPr>
+              <a:xfrm>
+                <a:off x="7812833" y="2419353"/>
+                <a:ext cx="2534816" cy="1041912"/>
+              </a:xfrm>
+              <a:prstGeom prst="rect">
+                <a:avLst/>
+              </a:prstGeom>
+            </p:spPr>
+            <p:style>
+              <a:lnRef idx="2">
+                <a:schemeClr val="accent1">
+                  <a:shade val="50000"/>
+                </a:schemeClr>
+              </a:lnRef>
+              <a:fillRef idx="1">
+                <a:schemeClr val="accent1"/>
+              </a:fillRef>
+              <a:effectRef idx="0">
+                <a:schemeClr val="accent1"/>
+              </a:effectRef>
+              <a:fontRef idx="minor">
+                <a:schemeClr val="lt1"/>
+              </a:fontRef>
+            </p:style>
+            <p:txBody>
+              <a:bodyPr rtlCol="0" anchor="ctr"/>
+              <a:lstStyle/>
+              <a:p>
+                <a:pPr algn="ctr"/>
+                <a:r>
+                  <a:rPr lang="en-CA" dirty="0" err="1"/>
+                  <a:t>Img</a:t>
+                </a:r>
+                <a:endParaRPr lang="en-CA" dirty="0"/>
+              </a:p>
+            </p:txBody>
+          </p:sp>
+        </p:grpSp>
+        <p:grpSp>
+          <p:nvGrpSpPr>
+            <p:cNvPr id="17" name="Group 16">
+              <a:extLst>
+                <a:ext uri="{FF2B5EF4-FFF2-40B4-BE49-F238E27FC236}">
+                  <a16:creationId xmlns:a16="http://schemas.microsoft.com/office/drawing/2014/main" id="{1E8EA798-DA44-CDBC-7A2C-93703A8D81A7}"/>
+                </a:ext>
+              </a:extLst>
+            </p:cNvPr>
+            <p:cNvGrpSpPr/>
+            <p:nvPr/>
+          </p:nvGrpSpPr>
+          <p:grpSpPr>
+            <a:xfrm>
+              <a:off x="1751044" y="3819337"/>
+              <a:ext cx="8546842" cy="1087016"/>
+              <a:chOff x="1800807" y="2374249"/>
+              <a:chExt cx="8546842" cy="1087016"/>
+            </a:xfrm>
+          </p:grpSpPr>
+          <p:sp>
+            <p:nvSpPr>
+              <p:cNvPr id="18" name="Rectangle 17">
+                <a:extLst>
+                  <a:ext uri="{FF2B5EF4-FFF2-40B4-BE49-F238E27FC236}">
+                    <a16:creationId xmlns:a16="http://schemas.microsoft.com/office/drawing/2014/main" id="{18199493-C51C-FC8A-65C4-36A9138CC8B5}"/>
+                  </a:ext>
+                </a:extLst>
+              </p:cNvPr>
+              <p:cNvSpPr/>
+              <p:nvPr/>
+            </p:nvSpPr>
+            <p:spPr>
+              <a:xfrm>
+                <a:off x="1800807" y="2374249"/>
+                <a:ext cx="2556588" cy="1087016"/>
+              </a:xfrm>
+              <a:prstGeom prst="rect">
+                <a:avLst/>
+              </a:prstGeom>
+            </p:spPr>
+            <p:style>
+              <a:lnRef idx="2">
+                <a:schemeClr val="accent1">
+                  <a:shade val="50000"/>
+                </a:schemeClr>
+              </a:lnRef>
+              <a:fillRef idx="1">
+                <a:schemeClr val="accent1"/>
+              </a:fillRef>
+              <a:effectRef idx="0">
+                <a:schemeClr val="accent1"/>
+              </a:effectRef>
+              <a:fontRef idx="minor">
+                <a:schemeClr val="lt1"/>
+              </a:fontRef>
+            </p:style>
+            <p:txBody>
+              <a:bodyPr rtlCol="0" anchor="ctr"/>
+              <a:lstStyle/>
+              <a:p>
+                <a:pPr algn="ctr"/>
+                <a:r>
+                  <a:rPr lang="en-CA" dirty="0" err="1"/>
+                  <a:t>Img</a:t>
+                </a:r>
+                <a:r>
+                  <a:rPr lang="en-CA" dirty="0"/>
+                  <a:t> 2</a:t>
+                </a:r>
+              </a:p>
+            </p:txBody>
+          </p:sp>
+          <p:sp>
+            <p:nvSpPr>
+              <p:cNvPr id="19" name="Rectangle 18">
+                <a:extLst>
+                  <a:ext uri="{FF2B5EF4-FFF2-40B4-BE49-F238E27FC236}">
+                    <a16:creationId xmlns:a16="http://schemas.microsoft.com/office/drawing/2014/main" id="{911D8149-DCA3-C13C-A915-2E9340A06153}"/>
+                  </a:ext>
+                </a:extLst>
+              </p:cNvPr>
+              <p:cNvSpPr/>
+              <p:nvPr/>
+            </p:nvSpPr>
+            <p:spPr>
+              <a:xfrm>
+                <a:off x="4817706" y="2419353"/>
+                <a:ext cx="2534816" cy="1041912"/>
+              </a:xfrm>
+              <a:prstGeom prst="rect">
+                <a:avLst/>
+              </a:prstGeom>
+            </p:spPr>
+            <p:style>
+              <a:lnRef idx="2">
+                <a:schemeClr val="accent1">
+                  <a:shade val="50000"/>
+                </a:schemeClr>
+              </a:lnRef>
+              <a:fillRef idx="1">
+                <a:schemeClr val="accent1"/>
+              </a:fillRef>
+              <a:effectRef idx="0">
+                <a:schemeClr val="accent1"/>
+              </a:effectRef>
+              <a:fontRef idx="minor">
+                <a:schemeClr val="lt1"/>
+              </a:fontRef>
+            </p:style>
+            <p:txBody>
+              <a:bodyPr rtlCol="0" anchor="ctr"/>
+              <a:lstStyle/>
+              <a:p>
+                <a:pPr algn="ctr"/>
+                <a:r>
+                  <a:rPr lang="en-CA" dirty="0" err="1"/>
+                  <a:t>Img</a:t>
+                </a:r>
+                <a:r>
+                  <a:rPr lang="en-CA" dirty="0"/>
+                  <a:t> 2</a:t>
+                </a:r>
+              </a:p>
+            </p:txBody>
+          </p:sp>
+          <p:sp>
+            <p:nvSpPr>
+              <p:cNvPr id="20" name="Rectangle 19">
+                <a:extLst>
+                  <a:ext uri="{FF2B5EF4-FFF2-40B4-BE49-F238E27FC236}">
+                    <a16:creationId xmlns:a16="http://schemas.microsoft.com/office/drawing/2014/main" id="{4C31A21A-BB56-C577-0811-4FDC96D6D368}"/>
+                  </a:ext>
+                </a:extLst>
+              </p:cNvPr>
+              <p:cNvSpPr/>
+              <p:nvPr/>
+            </p:nvSpPr>
+            <p:spPr>
+              <a:xfrm>
+                <a:off x="7812833" y="2419353"/>
+                <a:ext cx="2534816" cy="1041912"/>
+              </a:xfrm>
+              <a:prstGeom prst="rect">
+                <a:avLst/>
+              </a:prstGeom>
+            </p:spPr>
+            <p:style>
+              <a:lnRef idx="2">
+                <a:schemeClr val="accent1">
+                  <a:shade val="50000"/>
+                </a:schemeClr>
+              </a:lnRef>
+              <a:fillRef idx="1">
+                <a:schemeClr val="accent1"/>
+              </a:fillRef>
+              <a:effectRef idx="0">
+                <a:schemeClr val="accent1"/>
+              </a:effectRef>
+              <a:fontRef idx="minor">
+                <a:schemeClr val="lt1"/>
+              </a:fontRef>
+            </p:style>
+            <p:txBody>
+              <a:bodyPr rtlCol="0" anchor="ctr"/>
+              <a:lstStyle/>
+              <a:p>
+                <a:pPr algn="ctr"/>
+                <a:r>
+                  <a:rPr lang="en-CA" dirty="0" err="1"/>
+                  <a:t>Img</a:t>
+                </a:r>
+                <a:r>
+                  <a:rPr lang="en-CA" dirty="0"/>
+                  <a:t> 2</a:t>
+                </a:r>
+              </a:p>
+            </p:txBody>
+          </p:sp>
+        </p:grpSp>
+      </p:grpSp>
+      <p:sp>
+        <p:nvSpPr>
+          <p:cNvPr id="4" name="Rectangle 3">
+            <a:extLst>
+              <a:ext uri="{FF2B5EF4-FFF2-40B4-BE49-F238E27FC236}">
+                <a16:creationId xmlns:a16="http://schemas.microsoft.com/office/drawing/2014/main" id="{34A44361-C5A6-0ADB-B1C6-E8CA77AA4DBF}"/>
+              </a:ext>
+            </a:extLst>
+          </p:cNvPr>
+          <p:cNvSpPr/>
+          <p:nvPr/>
+        </p:nvSpPr>
+        <p:spPr>
+          <a:xfrm>
+            <a:off x="1772816" y="2249450"/>
+            <a:ext cx="2313992" cy="372452"/>
+          </a:xfrm>
+          <a:prstGeom prst="rect">
+            <a:avLst/>
+          </a:prstGeom>
+        </p:spPr>
+        <p:style>
+          <a:lnRef idx="2">
+            <a:schemeClr val="accent1">
+              <a:shade val="50000"/>
+            </a:schemeClr>
+          </a:lnRef>
+          <a:fillRef idx="1">
+            <a:schemeClr val="accent1"/>
+          </a:fillRef>
+          <a:effectRef idx="0">
+            <a:schemeClr val="accent1"/>
+          </a:effectRef>
+          <a:fontRef idx="minor">
+            <a:schemeClr val="lt1"/>
+          </a:fontRef>
+        </p:style>
+        <p:txBody>
+          <a:bodyPr rtlCol="0" anchor="ctr"/>
+          <a:lstStyle/>
+          <a:p>
+            <a:pPr algn="ctr"/>
+            <a:r>
+              <a:rPr lang="en-US" dirty="0"/>
+              <a:t>Add image</a:t>
+            </a:r>
+            <a:endParaRPr lang="en-CA" dirty="0"/>
+          </a:p>
+        </p:txBody>
+      </p:sp>
+      <p:sp>
+        <p:nvSpPr>
+          <p:cNvPr id="5" name="Rectangle 4">
+            <a:extLst>
+              <a:ext uri="{FF2B5EF4-FFF2-40B4-BE49-F238E27FC236}">
+                <a16:creationId xmlns:a16="http://schemas.microsoft.com/office/drawing/2014/main" id="{57085CE2-8471-42A1-DF29-0453548CACED}"/>
+              </a:ext>
+            </a:extLst>
+          </p:cNvPr>
+          <p:cNvSpPr/>
+          <p:nvPr/>
+        </p:nvSpPr>
+        <p:spPr>
+          <a:xfrm>
+            <a:off x="4211216" y="2254113"/>
+            <a:ext cx="1247192" cy="372452"/>
+          </a:xfrm>
+          <a:prstGeom prst="rect">
+            <a:avLst/>
+          </a:prstGeom>
+        </p:spPr>
+        <p:style>
+          <a:lnRef idx="2">
+            <a:schemeClr val="accent1">
+              <a:shade val="50000"/>
+            </a:schemeClr>
+          </a:lnRef>
+          <a:fillRef idx="1">
+            <a:schemeClr val="accent1"/>
+          </a:fillRef>
+          <a:effectRef idx="0">
+            <a:schemeClr val="accent1"/>
+          </a:effectRef>
+          <a:fontRef idx="minor">
+            <a:schemeClr val="lt1"/>
+          </a:fontRef>
+        </p:style>
+        <p:txBody>
+          <a:bodyPr rtlCol="0" anchor="ctr"/>
+          <a:lstStyle/>
+          <a:p>
+            <a:pPr algn="ctr"/>
+            <a:r>
+              <a:rPr lang="en-US" dirty="0"/>
+              <a:t>upload</a:t>
+            </a:r>
+            <a:endParaRPr lang="en-CA" dirty="0"/>
+          </a:p>
+        </p:txBody>
+      </p:sp>
+    </p:spTree>
+    <p:extLst>
+      <p:ext uri="{BB962C8B-B14F-4D97-AF65-F5344CB8AC3E}">
+        <p14:creationId xmlns:p14="http://schemas.microsoft.com/office/powerpoint/2010/main" val="1227885154"/>
+      </p:ext>
+    </p:extLst>
+  </p:cSld>
+  <p:clrMapOvr>
+    <a:masterClrMapping/>
+  </p:clrMapOvr>
+</p:sld>
+</file>
+
+<file path=ppt/slides/slide14.xml><?xml version="1.0" encoding="utf-8"?>
+<p:sld xmlns:a="http://schemas.openxmlformats.org/drawingml/2006/main" xmlns:r="http://schemas.openxmlformats.org/officeDocument/2006/relationships" xmlns:p="http://schemas.openxmlformats.org/presentationml/2006/main">
+  <p:cSld>
+    <p:spTree>
+      <p:nvGrpSpPr>
+        <p:cNvPr id="1" name=""/>
+        <p:cNvGrpSpPr/>
+        <p:nvPr/>
+      </p:nvGrpSpPr>
+      <p:grpSpPr>
+        <a:xfrm>
+          <a:off x="0" y="0"/>
+          <a:ext cx="0" cy="0"/>
+          <a:chOff x="0" y="0"/>
+          <a:chExt cx="0" cy="0"/>
+        </a:xfrm>
+      </p:grpSpPr>
+      <p:sp>
+        <p:nvSpPr>
+          <p:cNvPr id="2" name="TextBox 1">
+            <a:extLst>
+              <a:ext uri="{FF2B5EF4-FFF2-40B4-BE49-F238E27FC236}">
+                <a16:creationId xmlns:a16="http://schemas.microsoft.com/office/drawing/2014/main" id="{17C7F5DC-36FF-1517-05CD-547527DF8DBD}"/>
+              </a:ext>
+            </a:extLst>
+          </p:cNvPr>
+          <p:cNvSpPr txBox="1"/>
+          <p:nvPr/>
+        </p:nvSpPr>
+        <p:spPr>
+          <a:xfrm>
+            <a:off x="690467" y="326571"/>
+            <a:ext cx="7053941" cy="646331"/>
+          </a:xfrm>
+          <a:prstGeom prst="rect">
+            <a:avLst/>
+          </a:prstGeom>
+          <a:noFill/>
+        </p:spPr>
+        <p:txBody>
+          <a:bodyPr wrap="square" rtlCol="0">
+            <a:spAutoFit/>
+          </a:bodyPr>
+          <a:lstStyle/>
+          <a:p>
+            <a:r>
+              <a:rPr lang="en-CA" sz="3600" b="1" dirty="0"/>
+              <a:t>Mid-term milestone requirements:</a:t>
+            </a:r>
+          </a:p>
+        </p:txBody>
+      </p:sp>
+      <p:sp>
+        <p:nvSpPr>
+          <p:cNvPr id="3" name="TextBox 2">
+            <a:extLst>
+              <a:ext uri="{FF2B5EF4-FFF2-40B4-BE49-F238E27FC236}">
+                <a16:creationId xmlns:a16="http://schemas.microsoft.com/office/drawing/2014/main" id="{F14A0760-E7C4-7DCC-DA88-C739507DDE1E}"/>
+              </a:ext>
+            </a:extLst>
+          </p:cNvPr>
+          <p:cNvSpPr txBox="1"/>
+          <p:nvPr/>
+        </p:nvSpPr>
+        <p:spPr>
+          <a:xfrm>
+            <a:off x="690467" y="899118"/>
+            <a:ext cx="11000790" cy="4154984"/>
+          </a:xfrm>
+          <a:prstGeom prst="rect">
+            <a:avLst/>
+          </a:prstGeom>
+          <a:noFill/>
+        </p:spPr>
+        <p:txBody>
+          <a:bodyPr wrap="square" rtlCol="0">
+            <a:spAutoFit/>
+          </a:bodyPr>
+          <a:lstStyle/>
+          <a:p>
+            <a:r>
               <a:rPr lang="en-CA" sz="2400" dirty="0"/>
               <a:t>Implementing the admin part with ability to display and create restaurants and menu items.</a:t>
             </a:r>
@@ -4985,7 +5743,7 @@
             </a:pPr>
             <a:r>
               <a:rPr lang="en-CA" sz="2400" dirty="0"/>
-              <a:t>Upload food images and serve as static files from a folder. </a:t>
+              <a:t>Serve static files from a folder. </a:t>
             </a:r>
           </a:p>
           <a:p>
@@ -4994,7 +5752,7 @@
             </a:pPr>
             <a:r>
               <a:rPr lang="en-CA" sz="2400" dirty="0"/>
-              <a:t>When a particular restaurant is opened, or edited, or menu item is edited, restaurant or menu id is passed as route or query string parameter.</a:t>
+              <a:t>Route or query parameters.</a:t>
             </a:r>
           </a:p>
           <a:p>
@@ -5003,7 +5761,7 @@
             </a:pPr>
             <a:r>
               <a:rPr lang="en-CA" sz="2400" dirty="0"/>
-              <a:t>HTML Forms will be served for creating restaurants and menu items. </a:t>
+              <a:t>HTML Forms Serving. </a:t>
             </a:r>
           </a:p>
           <a:p>
@@ -5012,7 +5770,7 @@
             </a:pPr>
             <a:r>
               <a:rPr lang="en-CA" sz="2400" dirty="0"/>
-              <a:t>Http-bodies will be processed when a form is submitted for creating restaurant or menu.</a:t>
+              <a:t>Http-bodies processing.</a:t>
             </a:r>
           </a:p>
           <a:p>
@@ -5021,7 +5779,7 @@
             </a:pPr>
             <a:r>
               <a:rPr lang="en-CA" sz="2400" dirty="0"/>
-              <a:t>Accept food image files uploaded by the customers and store it. </a:t>
+              <a:t>Accept uploaded files. </a:t>
             </a:r>
           </a:p>
           <a:p>
@@ -5030,7 +5788,7 @@
             </a:pPr>
             <a:r>
               <a:rPr lang="en-CA" sz="2400" dirty="0"/>
-              <a:t>Deleting menu items will be done through Ajax calls. </a:t>
+              <a:t>Using Ajax calls. </a:t>
             </a:r>
           </a:p>
           <a:p>
@@ -5039,15 +5797,7 @@
             </a:pPr>
             <a:r>
               <a:rPr lang="en-CA" sz="2400" dirty="0"/>
-              <a:t>All view files will use </a:t>
-            </a:r>
-            <a:r>
-              <a:rPr lang="en-CA" sz="2400" dirty="0" err="1"/>
-              <a:t>Nunjucks</a:t>
-            </a:r>
-            <a:r>
-              <a:rPr lang="en-CA" sz="2400" dirty="0"/>
-              <a:t> templates and include advanced features such as loops, conditions, and include/extends.  </a:t>
+              <a:t>Templates with advanced features.  </a:t>
             </a:r>
           </a:p>
         </p:txBody>
@@ -6717,198 +7467,6 @@
               <a:rPr lang="en-CA" dirty="0"/>
               <a:t>Add to Cart</a:t>
             </a:r>
-          </a:p>
-        </p:txBody>
-      </p:sp>
-      <p:sp>
-        <p:nvSpPr>
-          <p:cNvPr id="32" name="Rectangle: Rounded Corners 31">
-            <a:extLst>
-              <a:ext uri="{FF2B5EF4-FFF2-40B4-BE49-F238E27FC236}">
-                <a16:creationId xmlns:a16="http://schemas.microsoft.com/office/drawing/2014/main" id="{7D9115BC-94C4-CB34-4895-93A3D0652DAF}"/>
-              </a:ext>
-            </a:extLst>
-          </p:cNvPr>
-          <p:cNvSpPr/>
-          <p:nvPr/>
-        </p:nvSpPr>
-        <p:spPr>
-          <a:xfrm>
-            <a:off x="1743269" y="2704388"/>
-            <a:ext cx="664029" cy="468020"/>
-          </a:xfrm>
-          <a:prstGeom prst="roundRect">
-            <a:avLst/>
-          </a:prstGeom>
-        </p:spPr>
-        <p:style>
-          <a:lnRef idx="2">
-            <a:schemeClr val="accent6"/>
-          </a:lnRef>
-          <a:fillRef idx="1">
-            <a:schemeClr val="lt1"/>
-          </a:fillRef>
-          <a:effectRef idx="0">
-            <a:schemeClr val="accent6"/>
-          </a:effectRef>
-          <a:fontRef idx="minor">
-            <a:schemeClr val="dk1"/>
-          </a:fontRef>
-        </p:style>
-        <p:txBody>
-          <a:bodyPr rtlCol="0" anchor="ctr"/>
-          <a:lstStyle/>
-          <a:p>
-            <a:pPr algn="ctr"/>
-            <a:r>
-              <a:rPr lang="en-CA" dirty="0" err="1"/>
-              <a:t>Img</a:t>
-            </a:r>
-            <a:endParaRPr lang="en-CA" dirty="0"/>
-          </a:p>
-        </p:txBody>
-      </p:sp>
-      <p:sp>
-        <p:nvSpPr>
-          <p:cNvPr id="33" name="Rectangle: Rounded Corners 32">
-            <a:extLst>
-              <a:ext uri="{FF2B5EF4-FFF2-40B4-BE49-F238E27FC236}">
-                <a16:creationId xmlns:a16="http://schemas.microsoft.com/office/drawing/2014/main" id="{72799BB6-7A77-6E8D-92EB-9049F4DA9BE7}"/>
-              </a:ext>
-            </a:extLst>
-          </p:cNvPr>
-          <p:cNvSpPr/>
-          <p:nvPr/>
-        </p:nvSpPr>
-        <p:spPr>
-          <a:xfrm>
-            <a:off x="1743269" y="3395652"/>
-            <a:ext cx="664029" cy="468020"/>
-          </a:xfrm>
-          <a:prstGeom prst="roundRect">
-            <a:avLst/>
-          </a:prstGeom>
-        </p:spPr>
-        <p:style>
-          <a:lnRef idx="2">
-            <a:schemeClr val="accent6"/>
-          </a:lnRef>
-          <a:fillRef idx="1">
-            <a:schemeClr val="lt1"/>
-          </a:fillRef>
-          <a:effectRef idx="0">
-            <a:schemeClr val="accent6"/>
-          </a:effectRef>
-          <a:fontRef idx="minor">
-            <a:schemeClr val="dk1"/>
-          </a:fontRef>
-        </p:style>
-        <p:txBody>
-          <a:bodyPr rtlCol="0" anchor="ctr"/>
-          <a:lstStyle/>
-          <a:p>
-            <a:pPr algn="ctr"/>
-            <a:r>
-              <a:rPr lang="en-CA" dirty="0" err="1"/>
-              <a:t>Img</a:t>
-            </a:r>
-            <a:endParaRPr lang="en-CA" dirty="0"/>
-          </a:p>
-        </p:txBody>
-      </p:sp>
-      <p:sp>
-        <p:nvSpPr>
-          <p:cNvPr id="34" name="Rectangle: Rounded Corners 33">
-            <a:extLst>
-              <a:ext uri="{FF2B5EF4-FFF2-40B4-BE49-F238E27FC236}">
-                <a16:creationId xmlns:a16="http://schemas.microsoft.com/office/drawing/2014/main" id="{BEACCBFC-3BA5-CCB0-E95B-5F29BB71AC42}"/>
-              </a:ext>
-            </a:extLst>
-          </p:cNvPr>
-          <p:cNvSpPr/>
-          <p:nvPr/>
-        </p:nvSpPr>
-        <p:spPr>
-          <a:xfrm>
-            <a:off x="1743269" y="4086916"/>
-            <a:ext cx="664029" cy="468020"/>
-          </a:xfrm>
-          <a:prstGeom prst="roundRect">
-            <a:avLst/>
-          </a:prstGeom>
-        </p:spPr>
-        <p:style>
-          <a:lnRef idx="2">
-            <a:schemeClr val="accent6"/>
-          </a:lnRef>
-          <a:fillRef idx="1">
-            <a:schemeClr val="lt1"/>
-          </a:fillRef>
-          <a:effectRef idx="0">
-            <a:schemeClr val="accent6"/>
-          </a:effectRef>
-          <a:fontRef idx="minor">
-            <a:schemeClr val="dk1"/>
-          </a:fontRef>
-        </p:style>
-        <p:txBody>
-          <a:bodyPr rtlCol="0" anchor="ctr"/>
-          <a:lstStyle/>
-          <a:p>
-            <a:pPr algn="ctr"/>
-            <a:r>
-              <a:rPr lang="en-CA" dirty="0" err="1"/>
-              <a:t>Img</a:t>
-            </a:r>
-            <a:endParaRPr lang="en-CA" dirty="0"/>
-          </a:p>
-        </p:txBody>
-      </p:sp>
-      <p:sp>
-        <p:nvSpPr>
-          <p:cNvPr id="35" name="Rectangle: Rounded Corners 34">
-            <a:extLst>
-              <a:ext uri="{FF2B5EF4-FFF2-40B4-BE49-F238E27FC236}">
-                <a16:creationId xmlns:a16="http://schemas.microsoft.com/office/drawing/2014/main" id="{33EB4D7C-B44E-1293-BB54-E3C3B910FE30}"/>
-              </a:ext>
-            </a:extLst>
-          </p:cNvPr>
-          <p:cNvSpPr/>
-          <p:nvPr/>
-        </p:nvSpPr>
-        <p:spPr>
-          <a:xfrm>
-            <a:off x="1743269" y="4768111"/>
-            <a:ext cx="664029" cy="468020"/>
-          </a:xfrm>
-          <a:prstGeom prst="roundRect">
-            <a:avLst/>
-          </a:prstGeom>
-        </p:spPr>
-        <p:style>
-          <a:lnRef idx="2">
-            <a:schemeClr val="accent6"/>
-          </a:lnRef>
-          <a:fillRef idx="1">
-            <a:schemeClr val="lt1"/>
-          </a:fillRef>
-          <a:effectRef idx="0">
-            <a:schemeClr val="accent6"/>
-          </a:effectRef>
-          <a:fontRef idx="minor">
-            <a:schemeClr val="dk1"/>
-          </a:fontRef>
-        </p:style>
-        <p:txBody>
-          <a:bodyPr rtlCol="0" anchor="ctr"/>
-          <a:lstStyle/>
-          <a:p>
-            <a:pPr algn="ctr"/>
-            <a:r>
-              <a:rPr lang="en-CA" dirty="0" err="1"/>
-              <a:t>Img</a:t>
-            </a:r>
-            <a:endParaRPr lang="en-CA" dirty="0"/>
           </a:p>
         </p:txBody>
       </p:sp>

--- a/ACS_3909_ProjectPPT.pptx
+++ b/ACS_3909_ProjectPPT.pptx
@@ -6,19 +6,20 @@
   </p:sldMasterIdLst>
   <p:sldIdLst>
     <p:sldId id="256" r:id="rId2"/>
-    <p:sldId id="257" r:id="rId3"/>
-    <p:sldId id="259" r:id="rId4"/>
-    <p:sldId id="258" r:id="rId5"/>
-    <p:sldId id="260" r:id="rId6"/>
-    <p:sldId id="261" r:id="rId7"/>
-    <p:sldId id="262" r:id="rId8"/>
-    <p:sldId id="263" r:id="rId9"/>
-    <p:sldId id="264" r:id="rId10"/>
-    <p:sldId id="265" r:id="rId11"/>
-    <p:sldId id="266" r:id="rId12"/>
-    <p:sldId id="267" r:id="rId13"/>
-    <p:sldId id="269" r:id="rId14"/>
-    <p:sldId id="268" r:id="rId15"/>
+    <p:sldId id="269" r:id="rId3"/>
+    <p:sldId id="270" r:id="rId4"/>
+    <p:sldId id="257" r:id="rId5"/>
+    <p:sldId id="259" r:id="rId6"/>
+    <p:sldId id="258" r:id="rId7"/>
+    <p:sldId id="260" r:id="rId8"/>
+    <p:sldId id="261" r:id="rId9"/>
+    <p:sldId id="262" r:id="rId10"/>
+    <p:sldId id="263" r:id="rId11"/>
+    <p:sldId id="264" r:id="rId12"/>
+    <p:sldId id="265" r:id="rId13"/>
+    <p:sldId id="266" r:id="rId14"/>
+    <p:sldId id="267" r:id="rId15"/>
+    <p:sldId id="268" r:id="rId16"/>
   </p:sldIdLst>
   <p:sldSz cx="12192000" cy="6858000"/>
   <p:notesSz cx="6858000" cy="9144000"/>
@@ -123,6 +124,3521 @@
     </p:ext>
   </p:extLst>
 </p:presentation>
+</file>
+
+<file path=ppt/diagrams/colors1.xml><?xml version="1.0" encoding="utf-8"?>
+<dgm:colorsDef xmlns:dgm="http://schemas.openxmlformats.org/drawingml/2006/diagram" xmlns:a="http://schemas.openxmlformats.org/drawingml/2006/main" uniqueId="urn:microsoft.com/office/officeart/2018/5/colors/Iconchunking_neutralbg_colorful1">
+  <dgm:title val=""/>
+  <dgm:desc val=""/>
+  <dgm:catLst>
+    <dgm:cat type="colorful" pri="10100"/>
+  </dgm:catLst>
+  <dgm:styleLbl name="node0">
+    <dgm:fillClrLst meth="repeat">
+      <a:schemeClr val="accent1"/>
+    </dgm:fillClrLst>
+    <dgm:linClrLst meth="repeat">
+      <a:schemeClr val="lt1"/>
+    </dgm:linClrLst>
+    <dgm:effectClrLst/>
+    <dgm:txLinClrLst/>
+    <dgm:txFillClrLst/>
+    <dgm:txEffectClrLst/>
+  </dgm:styleLbl>
+  <dgm:styleLbl name="node1">
+    <dgm:fillClrLst meth="repeat">
+      <a:schemeClr val="accent2"/>
+      <a:schemeClr val="accent3"/>
+      <a:schemeClr val="accent4"/>
+      <a:schemeClr val="accent5"/>
+      <a:schemeClr val="accent6"/>
+    </dgm:fillClrLst>
+    <dgm:linClrLst meth="repeat">
+      <a:schemeClr val="lt1">
+        <a:alpha val="0"/>
+      </a:schemeClr>
+    </dgm:linClrLst>
+    <dgm:effectClrLst/>
+    <dgm:txLinClrLst/>
+    <dgm:txFillClrLst/>
+    <dgm:txEffectClrLst/>
+  </dgm:styleLbl>
+  <dgm:styleLbl name="alignNode1">
+    <dgm:fillClrLst meth="repeat">
+      <a:schemeClr val="accent2"/>
+      <a:schemeClr val="accent3"/>
+      <a:schemeClr val="accent4"/>
+      <a:schemeClr val="accent5"/>
+      <a:schemeClr val="accent6"/>
+    </dgm:fillClrLst>
+    <dgm:linClrLst meth="repeat">
+      <a:schemeClr val="accent2"/>
+      <a:schemeClr val="accent3"/>
+      <a:schemeClr val="accent4"/>
+      <a:schemeClr val="accent5"/>
+      <a:schemeClr val="accent6"/>
+    </dgm:linClrLst>
+    <dgm:effectClrLst/>
+    <dgm:txLinClrLst/>
+    <dgm:txFillClrLst/>
+    <dgm:txEffectClrLst/>
+  </dgm:styleLbl>
+  <dgm:styleLbl name="lnNode1">
+    <dgm:fillClrLst meth="repeat">
+      <a:schemeClr val="accent2"/>
+      <a:schemeClr val="accent3"/>
+      <a:schemeClr val="accent4"/>
+      <a:schemeClr val="accent5"/>
+      <a:schemeClr val="accent6"/>
+    </dgm:fillClrLst>
+    <dgm:linClrLst meth="repeat">
+      <a:schemeClr val="lt1"/>
+    </dgm:linClrLst>
+    <dgm:effectClrLst/>
+    <dgm:txLinClrLst/>
+    <dgm:txFillClrLst/>
+    <dgm:txEffectClrLst/>
+  </dgm:styleLbl>
+  <dgm:styleLbl name="vennNode1">
+    <dgm:fillClrLst meth="repeat">
+      <a:schemeClr val="accent2">
+        <a:alpha val="50000"/>
+      </a:schemeClr>
+      <a:schemeClr val="accent3">
+        <a:alpha val="50000"/>
+      </a:schemeClr>
+      <a:schemeClr val="accent4">
+        <a:alpha val="50000"/>
+      </a:schemeClr>
+      <a:schemeClr val="accent5">
+        <a:alpha val="50000"/>
+      </a:schemeClr>
+      <a:schemeClr val="accent6">
+        <a:alpha val="50000"/>
+      </a:schemeClr>
+    </dgm:fillClrLst>
+    <dgm:linClrLst meth="repeat">
+      <a:schemeClr val="lt1"/>
+    </dgm:linClrLst>
+    <dgm:effectClrLst/>
+    <dgm:txLinClrLst/>
+    <dgm:txFillClrLst/>
+    <dgm:txEffectClrLst/>
+  </dgm:styleLbl>
+  <dgm:styleLbl name="node2">
+    <dgm:fillClrLst>
+      <a:schemeClr val="accent2"/>
+    </dgm:fillClrLst>
+    <dgm:linClrLst meth="repeat">
+      <a:schemeClr val="lt1"/>
+    </dgm:linClrLst>
+    <dgm:effectClrLst/>
+    <dgm:txLinClrLst/>
+    <dgm:txFillClrLst/>
+    <dgm:txEffectClrLst/>
+  </dgm:styleLbl>
+  <dgm:styleLbl name="node3">
+    <dgm:fillClrLst>
+      <a:schemeClr val="accent3"/>
+    </dgm:fillClrLst>
+    <dgm:linClrLst meth="repeat">
+      <a:schemeClr val="lt1"/>
+    </dgm:linClrLst>
+    <dgm:effectClrLst/>
+    <dgm:txLinClrLst/>
+    <dgm:txFillClrLst/>
+    <dgm:txEffectClrLst/>
+  </dgm:styleLbl>
+  <dgm:styleLbl name="node4">
+    <dgm:fillClrLst>
+      <a:schemeClr val="accent4"/>
+    </dgm:fillClrLst>
+    <dgm:linClrLst meth="repeat">
+      <a:schemeClr val="lt1"/>
+    </dgm:linClrLst>
+    <dgm:effectClrLst/>
+    <dgm:txLinClrLst/>
+    <dgm:txFillClrLst/>
+    <dgm:txEffectClrLst/>
+  </dgm:styleLbl>
+  <dgm:styleLbl name="fgImgPlace1">
+    <dgm:fillClrLst meth="repeat">
+      <a:schemeClr val="accent2">
+        <a:tint val="50000"/>
+      </a:schemeClr>
+      <a:schemeClr val="accent3">
+        <a:tint val="50000"/>
+      </a:schemeClr>
+      <a:schemeClr val="accent4">
+        <a:tint val="50000"/>
+      </a:schemeClr>
+      <a:schemeClr val="accent5">
+        <a:tint val="50000"/>
+      </a:schemeClr>
+      <a:schemeClr val="accent6">
+        <a:tint val="50000"/>
+      </a:schemeClr>
+    </dgm:fillClrLst>
+    <dgm:linClrLst meth="repeat">
+      <a:schemeClr val="lt1"/>
+    </dgm:linClrLst>
+    <dgm:effectClrLst/>
+    <dgm:txLinClrLst/>
+    <dgm:txFillClrLst meth="repeat">
+      <a:schemeClr val="lt1"/>
+    </dgm:txFillClrLst>
+    <dgm:txEffectClrLst/>
+  </dgm:styleLbl>
+  <dgm:styleLbl name="alignImgPlace1">
+    <dgm:fillClrLst>
+      <a:schemeClr val="accent1">
+        <a:tint val="50000"/>
+      </a:schemeClr>
+      <a:schemeClr val="accent2">
+        <a:tint val="20000"/>
+      </a:schemeClr>
+    </dgm:fillClrLst>
+    <dgm:linClrLst meth="repeat">
+      <a:schemeClr val="lt1"/>
+    </dgm:linClrLst>
+    <dgm:effectClrLst/>
+    <dgm:txLinClrLst/>
+    <dgm:txFillClrLst meth="repeat">
+      <a:schemeClr val="lt1"/>
+    </dgm:txFillClrLst>
+    <dgm:txEffectClrLst/>
+  </dgm:styleLbl>
+  <dgm:styleLbl name="bgImgPlace1">
+    <dgm:fillClrLst>
+      <a:schemeClr val="accent1">
+        <a:tint val="50000"/>
+      </a:schemeClr>
+      <a:schemeClr val="accent2">
+        <a:tint val="20000"/>
+      </a:schemeClr>
+    </dgm:fillClrLst>
+    <dgm:linClrLst meth="repeat">
+      <a:schemeClr val="lt1"/>
+    </dgm:linClrLst>
+    <dgm:effectClrLst/>
+    <dgm:txLinClrLst/>
+    <dgm:txFillClrLst meth="repeat">
+      <a:schemeClr val="lt1"/>
+    </dgm:txFillClrLst>
+    <dgm:txEffectClrLst/>
+  </dgm:styleLbl>
+  <dgm:styleLbl name="sibTrans2D1">
+    <dgm:fillClrLst meth="repeat">
+      <a:schemeClr val="accent2"/>
+      <a:schemeClr val="accent3"/>
+      <a:schemeClr val="accent4"/>
+      <a:schemeClr val="accent5"/>
+      <a:schemeClr val="accent6"/>
+    </dgm:fillClrLst>
+    <dgm:linClrLst meth="cycle">
+      <a:schemeClr val="lt1"/>
+    </dgm:linClrLst>
+    <dgm:effectClrLst/>
+    <dgm:txLinClrLst/>
+    <dgm:txFillClrLst/>
+    <dgm:txEffectClrLst/>
+  </dgm:styleLbl>
+  <dgm:styleLbl name="fgSibTrans2D1">
+    <dgm:fillClrLst meth="repeat">
+      <a:schemeClr val="accent2"/>
+      <a:schemeClr val="accent3"/>
+      <a:schemeClr val="accent4"/>
+      <a:schemeClr val="accent5"/>
+      <a:schemeClr val="accent6"/>
+    </dgm:fillClrLst>
+    <dgm:linClrLst meth="cycle">
+      <a:schemeClr val="lt1"/>
+    </dgm:linClrLst>
+    <dgm:effectClrLst/>
+    <dgm:txLinClrLst/>
+    <dgm:txFillClrLst meth="repeat">
+      <a:schemeClr val="lt1"/>
+    </dgm:txFillClrLst>
+    <dgm:txEffectClrLst/>
+  </dgm:styleLbl>
+  <dgm:styleLbl name="bgSibTrans2D1">
+    <dgm:fillClrLst meth="repeat">
+      <a:schemeClr val="accent2"/>
+      <a:schemeClr val="accent3"/>
+      <a:schemeClr val="accent4"/>
+      <a:schemeClr val="accent5"/>
+      <a:schemeClr val="accent6"/>
+    </dgm:fillClrLst>
+    <dgm:linClrLst meth="cycle">
+      <a:schemeClr val="lt1"/>
+    </dgm:linClrLst>
+    <dgm:effectClrLst/>
+    <dgm:txLinClrLst/>
+    <dgm:txFillClrLst meth="repeat">
+      <a:schemeClr val="lt1"/>
+    </dgm:txFillClrLst>
+    <dgm:txEffectClrLst/>
+  </dgm:styleLbl>
+  <dgm:styleLbl name="sibTrans1D1">
+    <dgm:fillClrLst meth="repeat">
+      <a:schemeClr val="accent2"/>
+      <a:schemeClr val="accent3"/>
+      <a:schemeClr val="accent4"/>
+      <a:schemeClr val="accent5"/>
+      <a:schemeClr val="accent6"/>
+    </dgm:fillClrLst>
+    <dgm:linClrLst meth="repeat">
+      <a:schemeClr val="accent2"/>
+      <a:schemeClr val="accent3"/>
+      <a:schemeClr val="accent4"/>
+      <a:schemeClr val="accent5"/>
+      <a:schemeClr val="accent6"/>
+    </dgm:linClrLst>
+    <dgm:effectClrLst/>
+    <dgm:txLinClrLst/>
+    <dgm:txFillClrLst meth="repeat">
+      <a:schemeClr val="tx1"/>
+    </dgm:txFillClrLst>
+    <dgm:txEffectClrLst/>
+  </dgm:styleLbl>
+  <dgm:styleLbl name="callout">
+    <dgm:fillClrLst meth="repeat">
+      <a:schemeClr val="accent2"/>
+    </dgm:fillClrLst>
+    <dgm:linClrLst meth="repeat">
+      <a:schemeClr val="accent2">
+        <a:tint val="50000"/>
+      </a:schemeClr>
+    </dgm:linClrLst>
+    <dgm:effectClrLst/>
+    <dgm:txLinClrLst/>
+    <dgm:txFillClrLst meth="repeat">
+      <a:schemeClr val="tx1"/>
+    </dgm:txFillClrLst>
+    <dgm:txEffectClrLst/>
+  </dgm:styleLbl>
+  <dgm:styleLbl name="asst0">
+    <dgm:fillClrLst meth="repeat">
+      <a:schemeClr val="accent1"/>
+    </dgm:fillClrLst>
+    <dgm:linClrLst meth="repeat">
+      <a:schemeClr val="lt1"/>
+    </dgm:linClrLst>
+    <dgm:effectClrLst/>
+    <dgm:txLinClrLst/>
+    <dgm:txFillClrLst/>
+    <dgm:txEffectClrLst/>
+  </dgm:styleLbl>
+  <dgm:styleLbl name="asst1">
+    <dgm:fillClrLst meth="repeat">
+      <a:schemeClr val="accent2"/>
+    </dgm:fillClrLst>
+    <dgm:linClrLst meth="repeat">
+      <a:schemeClr val="lt1"/>
+    </dgm:linClrLst>
+    <dgm:effectClrLst/>
+    <dgm:txLinClrLst/>
+    <dgm:txFillClrLst/>
+    <dgm:txEffectClrLst/>
+  </dgm:styleLbl>
+  <dgm:styleLbl name="asst2">
+    <dgm:fillClrLst>
+      <a:schemeClr val="accent3"/>
+    </dgm:fillClrLst>
+    <dgm:linClrLst meth="repeat">
+      <a:schemeClr val="lt1"/>
+    </dgm:linClrLst>
+    <dgm:effectClrLst/>
+    <dgm:txLinClrLst/>
+    <dgm:txFillClrLst/>
+    <dgm:txEffectClrLst/>
+  </dgm:styleLbl>
+  <dgm:styleLbl name="asst3">
+    <dgm:fillClrLst>
+      <a:schemeClr val="accent4"/>
+    </dgm:fillClrLst>
+    <dgm:linClrLst meth="repeat">
+      <a:schemeClr val="lt1"/>
+    </dgm:linClrLst>
+    <dgm:effectClrLst/>
+    <dgm:txLinClrLst/>
+    <dgm:txFillClrLst/>
+    <dgm:txEffectClrLst/>
+  </dgm:styleLbl>
+  <dgm:styleLbl name="asst4">
+    <dgm:fillClrLst>
+      <a:schemeClr val="accent5"/>
+    </dgm:fillClrLst>
+    <dgm:linClrLst meth="repeat">
+      <a:schemeClr val="lt1"/>
+    </dgm:linClrLst>
+    <dgm:effectClrLst/>
+    <dgm:txLinClrLst/>
+    <dgm:txFillClrLst/>
+    <dgm:txEffectClrLst/>
+  </dgm:styleLbl>
+  <dgm:styleLbl name="parChTrans2D1">
+    <dgm:fillClrLst meth="repeat">
+      <a:schemeClr val="accent2"/>
+    </dgm:fillClrLst>
+    <dgm:linClrLst meth="repeat">
+      <a:schemeClr val="lt1"/>
+    </dgm:linClrLst>
+    <dgm:effectClrLst/>
+    <dgm:txLinClrLst/>
+    <dgm:txFillClrLst meth="repeat">
+      <a:schemeClr val="lt1"/>
+    </dgm:txFillClrLst>
+    <dgm:txEffectClrLst/>
+  </dgm:styleLbl>
+  <dgm:styleLbl name="parChTrans2D2">
+    <dgm:fillClrLst meth="repeat">
+      <a:schemeClr val="accent3"/>
+    </dgm:fillClrLst>
+    <dgm:linClrLst meth="repeat">
+      <a:schemeClr val="lt1"/>
+    </dgm:linClrLst>
+    <dgm:effectClrLst/>
+    <dgm:txLinClrLst/>
+    <dgm:txFillClrLst/>
+    <dgm:txEffectClrLst/>
+  </dgm:styleLbl>
+  <dgm:styleLbl name="parChTrans2D3">
+    <dgm:fillClrLst meth="repeat">
+      <a:schemeClr val="accent4"/>
+    </dgm:fillClrLst>
+    <dgm:linClrLst meth="repeat">
+      <a:schemeClr val="lt1"/>
+    </dgm:linClrLst>
+    <dgm:effectClrLst/>
+    <dgm:txLinClrLst/>
+    <dgm:txFillClrLst/>
+    <dgm:txEffectClrLst/>
+  </dgm:styleLbl>
+  <dgm:styleLbl name="parChTrans2D4">
+    <dgm:fillClrLst meth="repeat">
+      <a:schemeClr val="accent5"/>
+    </dgm:fillClrLst>
+    <dgm:linClrLst meth="repeat">
+      <a:schemeClr val="lt1"/>
+    </dgm:linClrLst>
+    <dgm:effectClrLst/>
+    <dgm:txLinClrLst/>
+    <dgm:txFillClrLst meth="repeat">
+      <a:schemeClr val="lt1"/>
+    </dgm:txFillClrLst>
+    <dgm:txEffectClrLst/>
+  </dgm:styleLbl>
+  <dgm:styleLbl name="parChTrans1D1">
+    <dgm:fillClrLst meth="repeat">
+      <a:schemeClr val="accent2"/>
+    </dgm:fillClrLst>
+    <dgm:linClrLst meth="repeat">
+      <a:schemeClr val="accent1"/>
+    </dgm:linClrLst>
+    <dgm:effectClrLst/>
+    <dgm:txLinClrLst/>
+    <dgm:txFillClrLst meth="repeat">
+      <a:schemeClr val="tx1"/>
+    </dgm:txFillClrLst>
+    <dgm:txEffectClrLst/>
+  </dgm:styleLbl>
+  <dgm:styleLbl name="parChTrans1D2">
+    <dgm:fillClrLst meth="repeat">
+      <a:schemeClr val="accent3">
+        <a:tint val="90000"/>
+      </a:schemeClr>
+    </dgm:fillClrLst>
+    <dgm:linClrLst meth="repeat">
+      <a:schemeClr val="accent2"/>
+    </dgm:linClrLst>
+    <dgm:effectClrLst/>
+    <dgm:txLinClrLst/>
+    <dgm:txFillClrLst meth="repeat">
+      <a:schemeClr val="tx1"/>
+    </dgm:txFillClrLst>
+    <dgm:txEffectClrLst/>
+  </dgm:styleLbl>
+  <dgm:styleLbl name="parChTrans1D3">
+    <dgm:fillClrLst meth="repeat">
+      <a:schemeClr val="accent4">
+        <a:tint val="70000"/>
+      </a:schemeClr>
+    </dgm:fillClrLst>
+    <dgm:linClrLst meth="repeat">
+      <a:schemeClr val="accent3"/>
+    </dgm:linClrLst>
+    <dgm:effectClrLst/>
+    <dgm:txLinClrLst/>
+    <dgm:txFillClrLst meth="repeat">
+      <a:schemeClr val="tx1"/>
+    </dgm:txFillClrLst>
+    <dgm:txEffectClrLst/>
+  </dgm:styleLbl>
+  <dgm:styleLbl name="parChTrans1D4">
+    <dgm:fillClrLst meth="repeat">
+      <a:schemeClr val="accent5">
+        <a:tint val="50000"/>
+      </a:schemeClr>
+    </dgm:fillClrLst>
+    <dgm:linClrLst meth="repeat">
+      <a:schemeClr val="accent4"/>
+    </dgm:linClrLst>
+    <dgm:effectClrLst/>
+    <dgm:txLinClrLst/>
+    <dgm:txFillClrLst meth="repeat">
+      <a:schemeClr val="tx1"/>
+    </dgm:txFillClrLst>
+    <dgm:txEffectClrLst/>
+  </dgm:styleLbl>
+  <dgm:styleLbl name="fgAcc1">
+    <dgm:fillClrLst meth="repeat">
+      <a:schemeClr val="lt1">
+        <a:alpha val="90000"/>
+      </a:schemeClr>
+    </dgm:fillClrLst>
+    <dgm:linClrLst meth="repeat">
+      <a:schemeClr val="accent2"/>
+      <a:schemeClr val="accent3"/>
+      <a:schemeClr val="accent4"/>
+      <a:schemeClr val="accent5"/>
+      <a:schemeClr val="accent6"/>
+    </dgm:linClrLst>
+    <dgm:effectClrLst/>
+    <dgm:txLinClrLst/>
+    <dgm:txFillClrLst meth="repeat">
+      <a:schemeClr val="dk1"/>
+    </dgm:txFillClrLst>
+    <dgm:txEffectClrLst/>
+  </dgm:styleLbl>
+  <dgm:styleLbl name="conFgAcc1">
+    <dgm:fillClrLst meth="repeat">
+      <a:schemeClr val="lt1">
+        <a:alpha val="90000"/>
+      </a:schemeClr>
+    </dgm:fillClrLst>
+    <dgm:linClrLst meth="repeat">
+      <a:schemeClr val="accent2"/>
+      <a:schemeClr val="accent3"/>
+      <a:schemeClr val="accent4"/>
+      <a:schemeClr val="accent5"/>
+      <a:schemeClr val="accent6"/>
+    </dgm:linClrLst>
+    <dgm:effectClrLst/>
+    <dgm:txLinClrLst/>
+    <dgm:txFillClrLst meth="repeat">
+      <a:schemeClr val="dk1"/>
+    </dgm:txFillClrLst>
+    <dgm:txEffectClrLst/>
+  </dgm:styleLbl>
+  <dgm:styleLbl name="alignAcc1">
+    <dgm:fillClrLst meth="repeat">
+      <a:schemeClr val="lt1">
+        <a:alpha val="90000"/>
+      </a:schemeClr>
+    </dgm:fillClrLst>
+    <dgm:linClrLst meth="repeat">
+      <a:schemeClr val="accent2"/>
+      <a:schemeClr val="accent3"/>
+      <a:schemeClr val="accent4"/>
+      <a:schemeClr val="accent5"/>
+      <a:schemeClr val="accent6"/>
+    </dgm:linClrLst>
+    <dgm:effectClrLst/>
+    <dgm:txLinClrLst/>
+    <dgm:txFillClrLst meth="repeat">
+      <a:schemeClr val="dk1"/>
+    </dgm:txFillClrLst>
+    <dgm:txEffectClrLst/>
+  </dgm:styleLbl>
+  <dgm:styleLbl name="trAlignAcc1">
+    <dgm:fillClrLst meth="repeat">
+      <a:schemeClr val="lt1">
+        <a:alpha val="40000"/>
+      </a:schemeClr>
+    </dgm:fillClrLst>
+    <dgm:linClrLst meth="repeat">
+      <a:schemeClr val="accent1"/>
+    </dgm:linClrLst>
+    <dgm:effectClrLst/>
+    <dgm:txLinClrLst/>
+    <dgm:txFillClrLst meth="repeat">
+      <a:schemeClr val="dk1"/>
+    </dgm:txFillClrLst>
+    <dgm:txEffectClrLst/>
+  </dgm:styleLbl>
+  <dgm:styleLbl name="bgAcc1">
+    <dgm:fillClrLst meth="repeat">
+      <a:schemeClr val="lt1">
+        <a:alpha val="90000"/>
+      </a:schemeClr>
+    </dgm:fillClrLst>
+    <dgm:linClrLst meth="repeat">
+      <a:schemeClr val="accent2"/>
+      <a:schemeClr val="accent3"/>
+      <a:schemeClr val="accent4"/>
+      <a:schemeClr val="accent5"/>
+      <a:schemeClr val="accent6"/>
+    </dgm:linClrLst>
+    <dgm:effectClrLst/>
+    <dgm:txLinClrLst/>
+    <dgm:txFillClrLst meth="repeat">
+      <a:schemeClr val="dk1"/>
+    </dgm:txFillClrLst>
+    <dgm:txEffectClrLst/>
+  </dgm:styleLbl>
+  <dgm:styleLbl name="solidFgAcc1">
+    <dgm:fillClrLst meth="repeat">
+      <a:schemeClr val="lt1"/>
+    </dgm:fillClrLst>
+    <dgm:linClrLst meth="repeat">
+      <a:schemeClr val="accent2"/>
+      <a:schemeClr val="accent3"/>
+      <a:schemeClr val="accent4"/>
+      <a:schemeClr val="accent5"/>
+      <a:schemeClr val="accent6"/>
+    </dgm:linClrLst>
+    <dgm:effectClrLst/>
+    <dgm:txLinClrLst/>
+    <dgm:txFillClrLst meth="repeat">
+      <a:schemeClr val="dk1"/>
+    </dgm:txFillClrLst>
+    <dgm:txEffectClrLst/>
+  </dgm:styleLbl>
+  <dgm:styleLbl name="solidAlignAcc1">
+    <dgm:fillClrLst meth="repeat">
+      <a:schemeClr val="lt1"/>
+    </dgm:fillClrLst>
+    <dgm:linClrLst meth="repeat">
+      <a:schemeClr val="accent2"/>
+      <a:schemeClr val="accent3"/>
+      <a:schemeClr val="accent4"/>
+      <a:schemeClr val="accent5"/>
+      <a:schemeClr val="accent6"/>
+    </dgm:linClrLst>
+    <dgm:effectClrLst/>
+    <dgm:txLinClrLst/>
+    <dgm:txFillClrLst meth="repeat">
+      <a:schemeClr val="dk1"/>
+    </dgm:txFillClrLst>
+    <dgm:txEffectClrLst/>
+  </dgm:styleLbl>
+  <dgm:styleLbl name="solidBgAcc1">
+    <dgm:fillClrLst meth="repeat">
+      <a:schemeClr val="lt1"/>
+    </dgm:fillClrLst>
+    <dgm:linClrLst meth="repeat">
+      <a:schemeClr val="accent2"/>
+      <a:schemeClr val="accent3"/>
+      <a:schemeClr val="accent4"/>
+      <a:schemeClr val="accent5"/>
+      <a:schemeClr val="accent6"/>
+    </dgm:linClrLst>
+    <dgm:effectClrLst/>
+    <dgm:txLinClrLst/>
+    <dgm:txFillClrLst meth="repeat">
+      <a:schemeClr val="dk1"/>
+    </dgm:txFillClrLst>
+    <dgm:txEffectClrLst/>
+  </dgm:styleLbl>
+  <dgm:styleLbl name="fgAccFollowNode1">
+    <dgm:fillClrLst meth="repeat">
+      <a:schemeClr val="accent2">
+        <a:tint val="40000"/>
+        <a:alpha val="90000"/>
+      </a:schemeClr>
+      <a:schemeClr val="accent3">
+        <a:tint val="40000"/>
+        <a:alpha val="90000"/>
+      </a:schemeClr>
+      <a:schemeClr val="accent4">
+        <a:tint val="40000"/>
+        <a:alpha val="90000"/>
+      </a:schemeClr>
+      <a:schemeClr val="accent5">
+        <a:tint val="40000"/>
+        <a:alpha val="90000"/>
+      </a:schemeClr>
+      <a:schemeClr val="accent6">
+        <a:tint val="40000"/>
+        <a:alpha val="90000"/>
+      </a:schemeClr>
+    </dgm:fillClrLst>
+    <dgm:linClrLst meth="repeat">
+      <a:schemeClr val="accent2">
+        <a:tint val="40000"/>
+        <a:alpha val="90000"/>
+      </a:schemeClr>
+      <a:schemeClr val="accent3">
+        <a:tint val="40000"/>
+        <a:alpha val="90000"/>
+      </a:schemeClr>
+      <a:schemeClr val="accent4">
+        <a:tint val="40000"/>
+        <a:alpha val="90000"/>
+      </a:schemeClr>
+      <a:schemeClr val="accent5">
+        <a:tint val="40000"/>
+        <a:alpha val="90000"/>
+      </a:schemeClr>
+      <a:schemeClr val="accent6">
+        <a:tint val="40000"/>
+        <a:alpha val="90000"/>
+      </a:schemeClr>
+    </dgm:linClrLst>
+    <dgm:effectClrLst/>
+    <dgm:txLinClrLst/>
+    <dgm:txFillClrLst meth="repeat">
+      <a:schemeClr val="dk1"/>
+    </dgm:txFillClrLst>
+    <dgm:txEffectClrLst/>
+  </dgm:styleLbl>
+  <dgm:styleLbl name="alignAccFollowNode1">
+    <dgm:fillClrLst meth="repeat">
+      <a:schemeClr val="accent2">
+        <a:tint val="40000"/>
+        <a:alpha val="90000"/>
+      </a:schemeClr>
+      <a:schemeClr val="accent3">
+        <a:tint val="40000"/>
+        <a:alpha val="90000"/>
+      </a:schemeClr>
+      <a:schemeClr val="accent4">
+        <a:tint val="40000"/>
+        <a:alpha val="90000"/>
+      </a:schemeClr>
+      <a:schemeClr val="accent5">
+        <a:tint val="40000"/>
+        <a:alpha val="90000"/>
+      </a:schemeClr>
+      <a:schemeClr val="accent6">
+        <a:tint val="40000"/>
+        <a:alpha val="90000"/>
+      </a:schemeClr>
+    </dgm:fillClrLst>
+    <dgm:linClrLst meth="repeat">
+      <a:schemeClr val="accent2">
+        <a:tint val="40000"/>
+        <a:alpha val="90000"/>
+      </a:schemeClr>
+      <a:schemeClr val="accent3">
+        <a:tint val="40000"/>
+        <a:alpha val="90000"/>
+      </a:schemeClr>
+      <a:schemeClr val="accent4">
+        <a:tint val="40000"/>
+        <a:alpha val="90000"/>
+      </a:schemeClr>
+      <a:schemeClr val="accent5">
+        <a:tint val="40000"/>
+        <a:alpha val="90000"/>
+      </a:schemeClr>
+      <a:schemeClr val="accent6">
+        <a:tint val="40000"/>
+        <a:alpha val="90000"/>
+      </a:schemeClr>
+    </dgm:linClrLst>
+    <dgm:effectClrLst/>
+    <dgm:txLinClrLst/>
+    <dgm:txFillClrLst meth="repeat">
+      <a:schemeClr val="dk1"/>
+    </dgm:txFillClrLst>
+    <dgm:txEffectClrLst/>
+  </dgm:styleLbl>
+  <dgm:styleLbl name="bgAccFollowNode1">
+    <dgm:fillClrLst meth="repeat">
+      <a:schemeClr val="accent2">
+        <a:tint val="40000"/>
+        <a:alpha val="90000"/>
+      </a:schemeClr>
+      <a:schemeClr val="accent3">
+        <a:tint val="40000"/>
+        <a:alpha val="90000"/>
+      </a:schemeClr>
+      <a:schemeClr val="accent4">
+        <a:tint val="40000"/>
+        <a:alpha val="90000"/>
+      </a:schemeClr>
+      <a:schemeClr val="accent5">
+        <a:tint val="40000"/>
+        <a:alpha val="90000"/>
+      </a:schemeClr>
+      <a:schemeClr val="accent6">
+        <a:tint val="40000"/>
+        <a:alpha val="90000"/>
+      </a:schemeClr>
+    </dgm:fillClrLst>
+    <dgm:linClrLst meth="repeat">
+      <a:schemeClr val="accent2">
+        <a:tint val="40000"/>
+        <a:alpha val="90000"/>
+      </a:schemeClr>
+      <a:schemeClr val="accent3">
+        <a:tint val="40000"/>
+        <a:alpha val="90000"/>
+      </a:schemeClr>
+      <a:schemeClr val="accent4">
+        <a:tint val="40000"/>
+        <a:alpha val="90000"/>
+      </a:schemeClr>
+      <a:schemeClr val="accent5">
+        <a:tint val="40000"/>
+        <a:alpha val="90000"/>
+      </a:schemeClr>
+      <a:schemeClr val="accent6">
+        <a:tint val="40000"/>
+        <a:alpha val="90000"/>
+      </a:schemeClr>
+    </dgm:linClrLst>
+    <dgm:effectClrLst/>
+    <dgm:txLinClrLst/>
+    <dgm:txFillClrLst meth="repeat">
+      <a:schemeClr val="dk1"/>
+    </dgm:txFillClrLst>
+    <dgm:txEffectClrLst/>
+  </dgm:styleLbl>
+  <dgm:styleLbl name="fgAcc0">
+    <dgm:fillClrLst meth="repeat">
+      <a:schemeClr val="lt1">
+        <a:alpha val="90000"/>
+      </a:schemeClr>
+    </dgm:fillClrLst>
+    <dgm:linClrLst>
+      <a:schemeClr val="accent1"/>
+    </dgm:linClrLst>
+    <dgm:effectClrLst/>
+    <dgm:txLinClrLst/>
+    <dgm:txFillClrLst meth="repeat">
+      <a:schemeClr val="dk1"/>
+    </dgm:txFillClrLst>
+    <dgm:txEffectClrLst/>
+  </dgm:styleLbl>
+  <dgm:styleLbl name="fgAcc2">
+    <dgm:fillClrLst meth="repeat">
+      <a:schemeClr val="lt1">
+        <a:alpha val="90000"/>
+      </a:schemeClr>
+    </dgm:fillClrLst>
+    <dgm:linClrLst>
+      <a:schemeClr val="accent2"/>
+    </dgm:linClrLst>
+    <dgm:effectClrLst/>
+    <dgm:txLinClrLst/>
+    <dgm:txFillClrLst meth="repeat">
+      <a:schemeClr val="dk1"/>
+    </dgm:txFillClrLst>
+    <dgm:txEffectClrLst/>
+  </dgm:styleLbl>
+  <dgm:styleLbl name="fgAcc3">
+    <dgm:fillClrLst meth="repeat">
+      <a:schemeClr val="lt1">
+        <a:alpha val="90000"/>
+      </a:schemeClr>
+    </dgm:fillClrLst>
+    <dgm:linClrLst>
+      <a:schemeClr val="accent3"/>
+    </dgm:linClrLst>
+    <dgm:effectClrLst/>
+    <dgm:txLinClrLst/>
+    <dgm:txFillClrLst meth="repeat">
+      <a:schemeClr val="dk1"/>
+    </dgm:txFillClrLst>
+    <dgm:txEffectClrLst/>
+  </dgm:styleLbl>
+  <dgm:styleLbl name="fgAcc4">
+    <dgm:fillClrLst meth="repeat">
+      <a:schemeClr val="lt1">
+        <a:alpha val="90000"/>
+      </a:schemeClr>
+    </dgm:fillClrLst>
+    <dgm:linClrLst>
+      <a:schemeClr val="accent4"/>
+    </dgm:linClrLst>
+    <dgm:effectClrLst/>
+    <dgm:txLinClrLst/>
+    <dgm:txFillClrLst meth="repeat">
+      <a:schemeClr val="dk1"/>
+    </dgm:txFillClrLst>
+    <dgm:txEffectClrLst/>
+  </dgm:styleLbl>
+  <dgm:styleLbl name="bgShp">
+    <dgm:fillClrLst meth="repeat">
+      <a:schemeClr val="bg1">
+        <a:lumMod val="95000"/>
+      </a:schemeClr>
+    </dgm:fillClrLst>
+    <dgm:linClrLst meth="repeat">
+      <a:schemeClr val="dk1"/>
+    </dgm:linClrLst>
+    <dgm:effectClrLst/>
+    <dgm:txLinClrLst/>
+    <dgm:txFillClrLst meth="repeat">
+      <a:schemeClr val="dk1"/>
+    </dgm:txFillClrLst>
+    <dgm:txEffectClrLst/>
+  </dgm:styleLbl>
+  <dgm:styleLbl name="dkBgShp">
+    <dgm:fillClrLst meth="repeat">
+      <a:schemeClr val="accent2">
+        <a:shade val="90000"/>
+      </a:schemeClr>
+    </dgm:fillClrLst>
+    <dgm:linClrLst meth="repeat">
+      <a:schemeClr val="dk1"/>
+    </dgm:linClrLst>
+    <dgm:effectClrLst/>
+    <dgm:txLinClrLst/>
+    <dgm:txFillClrLst meth="repeat">
+      <a:schemeClr val="lt1"/>
+    </dgm:txFillClrLst>
+    <dgm:txEffectClrLst/>
+  </dgm:styleLbl>
+  <dgm:styleLbl name="trBgShp">
+    <dgm:fillClrLst meth="repeat">
+      <a:schemeClr val="accent1">
+        <a:tint val="50000"/>
+        <a:alpha val="40000"/>
+      </a:schemeClr>
+    </dgm:fillClrLst>
+    <dgm:linClrLst meth="repeat">
+      <a:schemeClr val="accent2"/>
+    </dgm:linClrLst>
+    <dgm:effectClrLst/>
+    <dgm:txLinClrLst/>
+    <dgm:txFillClrLst meth="repeat">
+      <a:schemeClr val="lt1"/>
+    </dgm:txFillClrLst>
+    <dgm:txEffectClrLst/>
+  </dgm:styleLbl>
+  <dgm:styleLbl name="fgShp">
+    <dgm:fillClrLst meth="repeat">
+      <a:schemeClr val="accent2">
+        <a:tint val="40000"/>
+      </a:schemeClr>
+    </dgm:fillClrLst>
+    <dgm:linClrLst meth="repeat">
+      <a:schemeClr val="lt1"/>
+    </dgm:linClrLst>
+    <dgm:effectClrLst/>
+    <dgm:txLinClrLst/>
+    <dgm:txFillClrLst meth="repeat">
+      <a:schemeClr val="dk1"/>
+    </dgm:txFillClrLst>
+    <dgm:txEffectClrLst/>
+  </dgm:styleLbl>
+  <dgm:styleLbl name="revTx">
+    <dgm:fillClrLst meth="repeat">
+      <a:schemeClr val="lt1">
+        <a:alpha val="0"/>
+      </a:schemeClr>
+    </dgm:fillClrLst>
+    <dgm:linClrLst meth="repeat">
+      <a:schemeClr val="dk1">
+        <a:alpha val="0"/>
+      </a:schemeClr>
+    </dgm:linClrLst>
+    <dgm:effectClrLst/>
+    <dgm:txLinClrLst/>
+    <dgm:txFillClrLst meth="repeat">
+      <a:schemeClr val="tx1"/>
+    </dgm:txFillClrLst>
+    <dgm:txEffectClrLst/>
+  </dgm:styleLbl>
+</dgm:colorsDef>
+</file>
+
+<file path=ppt/diagrams/data1.xml><?xml version="1.0" encoding="utf-8"?>
+<dgm:dataModel xmlns:dgm="http://schemas.openxmlformats.org/drawingml/2006/diagram" xmlns:a="http://schemas.openxmlformats.org/drawingml/2006/main">
+  <dgm:ptLst>
+    <dgm:pt modelId="{CD6F55FD-FCFB-4217-A248-94981AE29AAB}" type="doc">
+      <dgm:prSet loTypeId="urn:microsoft.com/office/officeart/2018/2/layout/IconCircleList" loCatId="icon" qsTypeId="urn:microsoft.com/office/officeart/2005/8/quickstyle/simple1" qsCatId="simple" csTypeId="urn:microsoft.com/office/officeart/2018/5/colors/Iconchunking_neutralbg_colorful1" csCatId="colorful" phldr="1"/>
+      <dgm:spPr/>
+      <dgm:t>
+        <a:bodyPr/>
+        <a:lstStyle/>
+        <a:p>
+          <a:endParaRPr lang="en-US"/>
+        </a:p>
+      </dgm:t>
+    </dgm:pt>
+    <dgm:pt modelId="{8FDFA0FA-D139-4DE2-9D0A-12C15F6FA5F2}">
+      <dgm:prSet/>
+      <dgm:spPr/>
+      <dgm:t>
+        <a:bodyPr/>
+        <a:lstStyle/>
+        <a:p>
+          <a:pPr>
+            <a:lnSpc>
+              <a:spcPct val="100000"/>
+            </a:lnSpc>
+          </a:pPr>
+          <a:r>
+            <a:rPr lang="en-CA" dirty="0"/>
+            <a:t>Customers/Student’s can login using their credentials and can place order, give reviews/feedback etc..</a:t>
+          </a:r>
+          <a:endParaRPr lang="en-US" dirty="0"/>
+        </a:p>
+      </dgm:t>
+    </dgm:pt>
+    <dgm:pt modelId="{D895521B-75C9-43B3-8A45-D331CF1A20E3}" type="parTrans" cxnId="{C3D646C4-A9C6-4B6E-892F-766FE3490DFD}">
+      <dgm:prSet/>
+      <dgm:spPr/>
+      <dgm:t>
+        <a:bodyPr/>
+        <a:lstStyle/>
+        <a:p>
+          <a:endParaRPr lang="en-US"/>
+        </a:p>
+      </dgm:t>
+    </dgm:pt>
+    <dgm:pt modelId="{F49EDCD4-6B8E-4D5C-BABB-3EA474F58A6C}" type="sibTrans" cxnId="{C3D646C4-A9C6-4B6E-892F-766FE3490DFD}">
+      <dgm:prSet/>
+      <dgm:spPr/>
+      <dgm:t>
+        <a:bodyPr/>
+        <a:lstStyle/>
+        <a:p>
+          <a:pPr>
+            <a:lnSpc>
+              <a:spcPct val="100000"/>
+            </a:lnSpc>
+          </a:pPr>
+          <a:endParaRPr lang="en-US"/>
+        </a:p>
+      </dgm:t>
+    </dgm:pt>
+    <dgm:pt modelId="{91828225-391F-43A4-B7CC-4C21BFD038A6}">
+      <dgm:prSet/>
+      <dgm:spPr/>
+      <dgm:t>
+        <a:bodyPr/>
+        <a:lstStyle/>
+        <a:p>
+          <a:pPr>
+            <a:lnSpc>
+              <a:spcPct val="100000"/>
+            </a:lnSpc>
+          </a:pPr>
+          <a:r>
+            <a:rPr lang="en-CA"/>
+            <a:t>When order placed, customer will get order number and approx.. Time for food preparation.</a:t>
+          </a:r>
+          <a:endParaRPr lang="en-US"/>
+        </a:p>
+      </dgm:t>
+    </dgm:pt>
+    <dgm:pt modelId="{C26B8A12-C703-460C-88EF-79D82DE57956}" type="parTrans" cxnId="{7ED71CB9-AA58-46A2-A29C-A5082F25FB09}">
+      <dgm:prSet/>
+      <dgm:spPr/>
+      <dgm:t>
+        <a:bodyPr/>
+        <a:lstStyle/>
+        <a:p>
+          <a:endParaRPr lang="en-US"/>
+        </a:p>
+      </dgm:t>
+    </dgm:pt>
+    <dgm:pt modelId="{93625363-9222-4ADA-A329-ECD2F76A4A39}" type="sibTrans" cxnId="{7ED71CB9-AA58-46A2-A29C-A5082F25FB09}">
+      <dgm:prSet/>
+      <dgm:spPr/>
+      <dgm:t>
+        <a:bodyPr/>
+        <a:lstStyle/>
+        <a:p>
+          <a:pPr>
+            <a:lnSpc>
+              <a:spcPct val="100000"/>
+            </a:lnSpc>
+          </a:pPr>
+          <a:endParaRPr lang="en-US"/>
+        </a:p>
+      </dgm:t>
+    </dgm:pt>
+    <dgm:pt modelId="{AF9F70FE-FB02-4383-841C-7D816BDA05F8}">
+      <dgm:prSet/>
+      <dgm:spPr/>
+      <dgm:t>
+        <a:bodyPr/>
+        <a:lstStyle/>
+        <a:p>
+          <a:pPr>
+            <a:lnSpc>
+              <a:spcPct val="100000"/>
+            </a:lnSpc>
+          </a:pPr>
+          <a:r>
+            <a:rPr lang="en-CA"/>
+            <a:t>Worker in Café can accept the order and when done notify customer that it’s ready to pickup.</a:t>
+          </a:r>
+          <a:endParaRPr lang="en-US"/>
+        </a:p>
+      </dgm:t>
+    </dgm:pt>
+    <dgm:pt modelId="{875A9126-61D3-4143-85CB-0FCC56F467B4}" type="parTrans" cxnId="{6512513C-7819-40DE-8796-C104A12EFAE6}">
+      <dgm:prSet/>
+      <dgm:spPr/>
+      <dgm:t>
+        <a:bodyPr/>
+        <a:lstStyle/>
+        <a:p>
+          <a:endParaRPr lang="en-US"/>
+        </a:p>
+      </dgm:t>
+    </dgm:pt>
+    <dgm:pt modelId="{70CA1A61-579D-44E5-B5EF-7B6434033587}" type="sibTrans" cxnId="{6512513C-7819-40DE-8796-C104A12EFAE6}">
+      <dgm:prSet/>
+      <dgm:spPr/>
+      <dgm:t>
+        <a:bodyPr/>
+        <a:lstStyle/>
+        <a:p>
+          <a:pPr>
+            <a:lnSpc>
+              <a:spcPct val="100000"/>
+            </a:lnSpc>
+          </a:pPr>
+          <a:endParaRPr lang="en-US"/>
+        </a:p>
+      </dgm:t>
+    </dgm:pt>
+    <dgm:pt modelId="{EC76A8C4-406C-42B3-820D-6978983873C5}">
+      <dgm:prSet/>
+      <dgm:spPr/>
+      <dgm:t>
+        <a:bodyPr/>
+        <a:lstStyle/>
+        <a:p>
+          <a:pPr>
+            <a:lnSpc>
+              <a:spcPct val="100000"/>
+            </a:lnSpc>
+          </a:pPr>
+          <a:r>
+            <a:rPr lang="en-CA" dirty="0"/>
+            <a:t>Admin can add new cafes and menu items if needed.</a:t>
+          </a:r>
+          <a:endParaRPr lang="en-US" dirty="0"/>
+        </a:p>
+      </dgm:t>
+    </dgm:pt>
+    <dgm:pt modelId="{C69D888F-D847-4318-AC7B-E42DECE35238}" type="parTrans" cxnId="{37F74697-DE4B-4264-8C04-59BEF8A125A4}">
+      <dgm:prSet/>
+      <dgm:spPr/>
+      <dgm:t>
+        <a:bodyPr/>
+        <a:lstStyle/>
+        <a:p>
+          <a:endParaRPr lang="en-US"/>
+        </a:p>
+      </dgm:t>
+    </dgm:pt>
+    <dgm:pt modelId="{DB5BD0AF-8C86-47DF-BEFF-0DC0933E42C4}" type="sibTrans" cxnId="{37F74697-DE4B-4264-8C04-59BEF8A125A4}">
+      <dgm:prSet/>
+      <dgm:spPr/>
+      <dgm:t>
+        <a:bodyPr/>
+        <a:lstStyle/>
+        <a:p>
+          <a:pPr>
+            <a:lnSpc>
+              <a:spcPct val="100000"/>
+            </a:lnSpc>
+          </a:pPr>
+          <a:endParaRPr lang="en-US"/>
+        </a:p>
+      </dgm:t>
+    </dgm:pt>
+    <dgm:pt modelId="{41FA3F04-F286-43F3-BFDA-88DE8A5CA109}">
+      <dgm:prSet/>
+      <dgm:spPr/>
+      <dgm:t>
+        <a:bodyPr/>
+        <a:lstStyle/>
+        <a:p>
+          <a:pPr>
+            <a:lnSpc>
+              <a:spcPct val="100000"/>
+            </a:lnSpc>
+          </a:pPr>
+          <a:r>
+            <a:rPr lang="en-CA"/>
+            <a:t>Worker/Employess in café will have their own login page where they interact with orders.</a:t>
+          </a:r>
+          <a:endParaRPr lang="en-US"/>
+        </a:p>
+      </dgm:t>
+    </dgm:pt>
+    <dgm:pt modelId="{287162F4-B705-4AC7-9CDF-55A0D34D17D0}" type="parTrans" cxnId="{76685B6B-BFD4-4001-B265-50E7A67D6592}">
+      <dgm:prSet/>
+      <dgm:spPr/>
+      <dgm:t>
+        <a:bodyPr/>
+        <a:lstStyle/>
+        <a:p>
+          <a:endParaRPr lang="en-US"/>
+        </a:p>
+      </dgm:t>
+    </dgm:pt>
+    <dgm:pt modelId="{5B63D9C2-0CD4-426B-B746-CC11E2AE36FB}" type="sibTrans" cxnId="{76685B6B-BFD4-4001-B265-50E7A67D6592}">
+      <dgm:prSet/>
+      <dgm:spPr/>
+      <dgm:t>
+        <a:bodyPr/>
+        <a:lstStyle/>
+        <a:p>
+          <a:endParaRPr lang="en-US"/>
+        </a:p>
+      </dgm:t>
+    </dgm:pt>
+    <dgm:pt modelId="{A1D12F07-467A-47FC-908B-5415090ACE80}" type="pres">
+      <dgm:prSet presAssocID="{CD6F55FD-FCFB-4217-A248-94981AE29AAB}" presName="root" presStyleCnt="0">
+        <dgm:presLayoutVars>
+          <dgm:dir/>
+          <dgm:resizeHandles val="exact"/>
+        </dgm:presLayoutVars>
+      </dgm:prSet>
+      <dgm:spPr/>
+    </dgm:pt>
+    <dgm:pt modelId="{E3E72A1C-C111-4D96-B4A5-9710A20940CC}" type="pres">
+      <dgm:prSet presAssocID="{CD6F55FD-FCFB-4217-A248-94981AE29AAB}" presName="container" presStyleCnt="0">
+        <dgm:presLayoutVars>
+          <dgm:dir/>
+          <dgm:resizeHandles val="exact"/>
+        </dgm:presLayoutVars>
+      </dgm:prSet>
+      <dgm:spPr/>
+    </dgm:pt>
+    <dgm:pt modelId="{B0F1CB62-C0DE-41F6-915E-6ED6C771429C}" type="pres">
+      <dgm:prSet presAssocID="{8FDFA0FA-D139-4DE2-9D0A-12C15F6FA5F2}" presName="compNode" presStyleCnt="0"/>
+      <dgm:spPr/>
+    </dgm:pt>
+    <dgm:pt modelId="{5859C9AF-A6D9-4283-A6E0-C3BBDFA8FDCB}" type="pres">
+      <dgm:prSet presAssocID="{8FDFA0FA-D139-4DE2-9D0A-12C15F6FA5F2}" presName="iconBgRect" presStyleLbl="bgShp" presStyleIdx="0" presStyleCnt="5"/>
+      <dgm:spPr/>
+    </dgm:pt>
+    <dgm:pt modelId="{863EFFFC-4D14-4845-9B52-32B3760BE535}" type="pres">
+      <dgm:prSet presAssocID="{8FDFA0FA-D139-4DE2-9D0A-12C15F6FA5F2}" presName="iconRect" presStyleLbl="node1" presStyleIdx="0" presStyleCnt="5"/>
+      <dgm:spPr>
+        <a:blipFill>
+          <a:blip xmlns:r="http://schemas.openxmlformats.org/officeDocument/2006/relationships" r:embed="rId1">
+            <a:extLst>
+              <a:ext uri="{28A0092B-C50C-407E-A947-70E740481C1C}">
+                <a14:useLocalDpi xmlns:a14="http://schemas.microsoft.com/office/drawing/2010/main" val="0"/>
+              </a:ext>
+              <a:ext uri="{96DAC541-7B7A-43D3-8B79-37D633B846F1}">
+                <asvg:svgBlip xmlns:asvg="http://schemas.microsoft.com/office/drawing/2016/SVG/main" r:embed="rId2"/>
+              </a:ext>
+            </a:extLst>
+          </a:blip>
+          <a:stretch>
+            <a:fillRect/>
+          </a:stretch>
+        </a:blipFill>
+        <a:ln>
+          <a:noFill/>
+        </a:ln>
+      </dgm:spPr>
+      <dgm:extLst>
+        <a:ext uri="{E40237B7-FDA0-4F09-8148-C483321AD2D9}">
+          <dgm14:cNvPr xmlns:dgm14="http://schemas.microsoft.com/office/drawing/2010/diagram" id="0" name="" descr="Diploma Roll"/>
+        </a:ext>
+      </dgm:extLst>
+    </dgm:pt>
+    <dgm:pt modelId="{4876DB02-F2A3-4409-AEA3-B733062C46C1}" type="pres">
+      <dgm:prSet presAssocID="{8FDFA0FA-D139-4DE2-9D0A-12C15F6FA5F2}" presName="spaceRect" presStyleCnt="0"/>
+      <dgm:spPr/>
+    </dgm:pt>
+    <dgm:pt modelId="{56586C84-3ECD-4C9C-B047-A15DA774FB91}" type="pres">
+      <dgm:prSet presAssocID="{8FDFA0FA-D139-4DE2-9D0A-12C15F6FA5F2}" presName="textRect" presStyleLbl="revTx" presStyleIdx="0" presStyleCnt="5">
+        <dgm:presLayoutVars>
+          <dgm:chMax val="1"/>
+          <dgm:chPref val="1"/>
+        </dgm:presLayoutVars>
+      </dgm:prSet>
+      <dgm:spPr/>
+    </dgm:pt>
+    <dgm:pt modelId="{D16CE891-8B9F-4D19-AA6E-3148A6680165}" type="pres">
+      <dgm:prSet presAssocID="{F49EDCD4-6B8E-4D5C-BABB-3EA474F58A6C}" presName="sibTrans" presStyleLbl="sibTrans2D1" presStyleIdx="0" presStyleCnt="0"/>
+      <dgm:spPr/>
+    </dgm:pt>
+    <dgm:pt modelId="{1723FC04-6193-45A5-9525-7F3C7F2A3688}" type="pres">
+      <dgm:prSet presAssocID="{91828225-391F-43A4-B7CC-4C21BFD038A6}" presName="compNode" presStyleCnt="0"/>
+      <dgm:spPr/>
+    </dgm:pt>
+    <dgm:pt modelId="{7CAD4209-5CA5-4196-8B52-25AE136FB185}" type="pres">
+      <dgm:prSet presAssocID="{91828225-391F-43A4-B7CC-4C21BFD038A6}" presName="iconBgRect" presStyleLbl="bgShp" presStyleIdx="1" presStyleCnt="5"/>
+      <dgm:spPr/>
+    </dgm:pt>
+    <dgm:pt modelId="{5C9838E8-21F4-4D4D-9F9B-9B78A5A82062}" type="pres">
+      <dgm:prSet presAssocID="{91828225-391F-43A4-B7CC-4C21BFD038A6}" presName="iconRect" presStyleLbl="node1" presStyleIdx="1" presStyleCnt="5"/>
+      <dgm:spPr>
+        <a:blipFill>
+          <a:blip xmlns:r="http://schemas.openxmlformats.org/officeDocument/2006/relationships" r:embed="rId3">
+            <a:extLst>
+              <a:ext uri="{28A0092B-C50C-407E-A947-70E740481C1C}">
+                <a14:useLocalDpi xmlns:a14="http://schemas.microsoft.com/office/drawing/2010/main" val="0"/>
+              </a:ext>
+              <a:ext uri="{96DAC541-7B7A-43D3-8B79-37D633B846F1}">
+                <asvg:svgBlip xmlns:asvg="http://schemas.microsoft.com/office/drawing/2016/SVG/main" r:embed="rId4"/>
+              </a:ext>
+            </a:extLst>
+          </a:blip>
+          <a:stretch>
+            <a:fillRect/>
+          </a:stretch>
+        </a:blipFill>
+        <a:ln>
+          <a:noFill/>
+        </a:ln>
+      </dgm:spPr>
+      <dgm:extLst>
+        <a:ext uri="{E40237B7-FDA0-4F09-8148-C483321AD2D9}">
+          <dgm14:cNvPr xmlns:dgm14="http://schemas.microsoft.com/office/drawing/2010/diagram" id="0" name="" descr="Waiter"/>
+        </a:ext>
+      </dgm:extLst>
+    </dgm:pt>
+    <dgm:pt modelId="{CE3B72AB-2569-4F1A-85CA-E7AC0AEDF722}" type="pres">
+      <dgm:prSet presAssocID="{91828225-391F-43A4-B7CC-4C21BFD038A6}" presName="spaceRect" presStyleCnt="0"/>
+      <dgm:spPr/>
+    </dgm:pt>
+    <dgm:pt modelId="{D036FF11-DD4C-456B-A26E-86D60433B325}" type="pres">
+      <dgm:prSet presAssocID="{91828225-391F-43A4-B7CC-4C21BFD038A6}" presName="textRect" presStyleLbl="revTx" presStyleIdx="1" presStyleCnt="5">
+        <dgm:presLayoutVars>
+          <dgm:chMax val="1"/>
+          <dgm:chPref val="1"/>
+        </dgm:presLayoutVars>
+      </dgm:prSet>
+      <dgm:spPr/>
+    </dgm:pt>
+    <dgm:pt modelId="{C94CEAFD-B85E-4086-A489-5DD6C381B4E5}" type="pres">
+      <dgm:prSet presAssocID="{93625363-9222-4ADA-A329-ECD2F76A4A39}" presName="sibTrans" presStyleLbl="sibTrans2D1" presStyleIdx="0" presStyleCnt="0"/>
+      <dgm:spPr/>
+    </dgm:pt>
+    <dgm:pt modelId="{7EEE46BA-310A-4C16-8309-4450D608C47D}" type="pres">
+      <dgm:prSet presAssocID="{AF9F70FE-FB02-4383-841C-7D816BDA05F8}" presName="compNode" presStyleCnt="0"/>
+      <dgm:spPr/>
+    </dgm:pt>
+    <dgm:pt modelId="{162143F3-77DB-4174-A3FF-B31D3BADFA8B}" type="pres">
+      <dgm:prSet presAssocID="{AF9F70FE-FB02-4383-841C-7D816BDA05F8}" presName="iconBgRect" presStyleLbl="bgShp" presStyleIdx="2" presStyleCnt="5"/>
+      <dgm:spPr/>
+    </dgm:pt>
+    <dgm:pt modelId="{8EE0221A-CD27-48F9-93A9-13FEE02437C6}" type="pres">
+      <dgm:prSet presAssocID="{AF9F70FE-FB02-4383-841C-7D816BDA05F8}" presName="iconRect" presStyleLbl="node1" presStyleIdx="2" presStyleCnt="5"/>
+      <dgm:spPr>
+        <a:blipFill>
+          <a:blip xmlns:r="http://schemas.openxmlformats.org/officeDocument/2006/relationships" r:embed="rId5">
+            <a:extLst>
+              <a:ext uri="{28A0092B-C50C-407E-A947-70E740481C1C}">
+                <a14:useLocalDpi xmlns:a14="http://schemas.microsoft.com/office/drawing/2010/main" val="0"/>
+              </a:ext>
+              <a:ext uri="{96DAC541-7B7A-43D3-8B79-37D633B846F1}">
+                <asvg:svgBlip xmlns:asvg="http://schemas.microsoft.com/office/drawing/2016/SVG/main" r:embed="rId6"/>
+              </a:ext>
+            </a:extLst>
+          </a:blip>
+          <a:stretch>
+            <a:fillRect/>
+          </a:stretch>
+        </a:blipFill>
+        <a:ln>
+          <a:noFill/>
+        </a:ln>
+      </dgm:spPr>
+      <dgm:extLst>
+        <a:ext uri="{E40237B7-FDA0-4F09-8148-C483321AD2D9}">
+          <dgm14:cNvPr xmlns:dgm14="http://schemas.microsoft.com/office/drawing/2010/diagram" id="0" name="" descr="Box"/>
+        </a:ext>
+      </dgm:extLst>
+    </dgm:pt>
+    <dgm:pt modelId="{78E6B943-C907-4A31-AAC4-5F1E3EFB6E76}" type="pres">
+      <dgm:prSet presAssocID="{AF9F70FE-FB02-4383-841C-7D816BDA05F8}" presName="spaceRect" presStyleCnt="0"/>
+      <dgm:spPr/>
+    </dgm:pt>
+    <dgm:pt modelId="{6A372EF4-877D-4368-BBC5-40B341D8140D}" type="pres">
+      <dgm:prSet presAssocID="{AF9F70FE-FB02-4383-841C-7D816BDA05F8}" presName="textRect" presStyleLbl="revTx" presStyleIdx="2" presStyleCnt="5">
+        <dgm:presLayoutVars>
+          <dgm:chMax val="1"/>
+          <dgm:chPref val="1"/>
+        </dgm:presLayoutVars>
+      </dgm:prSet>
+      <dgm:spPr/>
+    </dgm:pt>
+    <dgm:pt modelId="{643AB64B-B08D-4E37-974E-C257A995A17B}" type="pres">
+      <dgm:prSet presAssocID="{70CA1A61-579D-44E5-B5EF-7B6434033587}" presName="sibTrans" presStyleLbl="sibTrans2D1" presStyleIdx="0" presStyleCnt="0"/>
+      <dgm:spPr/>
+    </dgm:pt>
+    <dgm:pt modelId="{63C62080-F3ED-441D-A25F-3369D757C68E}" type="pres">
+      <dgm:prSet presAssocID="{EC76A8C4-406C-42B3-820D-6978983873C5}" presName="compNode" presStyleCnt="0"/>
+      <dgm:spPr/>
+    </dgm:pt>
+    <dgm:pt modelId="{A6DD3B4B-76A3-4EF1-85F7-D71F60C87AA0}" type="pres">
+      <dgm:prSet presAssocID="{EC76A8C4-406C-42B3-820D-6978983873C5}" presName="iconBgRect" presStyleLbl="bgShp" presStyleIdx="3" presStyleCnt="5"/>
+      <dgm:spPr/>
+    </dgm:pt>
+    <dgm:pt modelId="{0EFCEDBF-90CF-48FA-B8AF-9D259A0D4046}" type="pres">
+      <dgm:prSet presAssocID="{EC76A8C4-406C-42B3-820D-6978983873C5}" presName="iconRect" presStyleLbl="node1" presStyleIdx="3" presStyleCnt="5"/>
+      <dgm:spPr>
+        <a:blipFill>
+          <a:blip xmlns:r="http://schemas.openxmlformats.org/officeDocument/2006/relationships" r:embed="rId7">
+            <a:extLst>
+              <a:ext uri="{28A0092B-C50C-407E-A947-70E740481C1C}">
+                <a14:useLocalDpi xmlns:a14="http://schemas.microsoft.com/office/drawing/2010/main" val="0"/>
+              </a:ext>
+              <a:ext uri="{96DAC541-7B7A-43D3-8B79-37D633B846F1}">
+                <asvg:svgBlip xmlns:asvg="http://schemas.microsoft.com/office/drawing/2016/SVG/main" r:embed="rId8"/>
+              </a:ext>
+            </a:extLst>
+          </a:blip>
+          <a:stretch>
+            <a:fillRect/>
+          </a:stretch>
+        </a:blipFill>
+        <a:ln>
+          <a:noFill/>
+        </a:ln>
+      </dgm:spPr>
+      <dgm:extLst>
+        <a:ext uri="{E40237B7-FDA0-4F09-8148-C483321AD2D9}">
+          <dgm14:cNvPr xmlns:dgm14="http://schemas.microsoft.com/office/drawing/2010/diagram" id="0" name="" descr="Table"/>
+        </a:ext>
+      </dgm:extLst>
+    </dgm:pt>
+    <dgm:pt modelId="{91357BAA-E42E-4384-843F-3E6E0AFBE0FB}" type="pres">
+      <dgm:prSet presAssocID="{EC76A8C4-406C-42B3-820D-6978983873C5}" presName="spaceRect" presStyleCnt="0"/>
+      <dgm:spPr/>
+    </dgm:pt>
+    <dgm:pt modelId="{BFDD95D7-B680-48BE-ADA0-FFF3A427BDBA}" type="pres">
+      <dgm:prSet presAssocID="{EC76A8C4-406C-42B3-820D-6978983873C5}" presName="textRect" presStyleLbl="revTx" presStyleIdx="3" presStyleCnt="5">
+        <dgm:presLayoutVars>
+          <dgm:chMax val="1"/>
+          <dgm:chPref val="1"/>
+        </dgm:presLayoutVars>
+      </dgm:prSet>
+      <dgm:spPr/>
+    </dgm:pt>
+    <dgm:pt modelId="{39A343EC-0EB2-41E5-91AB-7A486FFC1C00}" type="pres">
+      <dgm:prSet presAssocID="{DB5BD0AF-8C86-47DF-BEFF-0DC0933E42C4}" presName="sibTrans" presStyleLbl="sibTrans2D1" presStyleIdx="0" presStyleCnt="0"/>
+      <dgm:spPr/>
+    </dgm:pt>
+    <dgm:pt modelId="{04673D76-1059-44C4-BD5B-8846FA8FA5F5}" type="pres">
+      <dgm:prSet presAssocID="{41FA3F04-F286-43F3-BFDA-88DE8A5CA109}" presName="compNode" presStyleCnt="0"/>
+      <dgm:spPr/>
+    </dgm:pt>
+    <dgm:pt modelId="{8D24CFCF-1E6B-4F25-8658-7805AA9A1618}" type="pres">
+      <dgm:prSet presAssocID="{41FA3F04-F286-43F3-BFDA-88DE8A5CA109}" presName="iconBgRect" presStyleLbl="bgShp" presStyleIdx="4" presStyleCnt="5"/>
+      <dgm:spPr/>
+    </dgm:pt>
+    <dgm:pt modelId="{874EE0EC-F207-4111-9AB1-BBB98BAC136F}" type="pres">
+      <dgm:prSet presAssocID="{41FA3F04-F286-43F3-BFDA-88DE8A5CA109}" presName="iconRect" presStyleLbl="node1" presStyleIdx="4" presStyleCnt="5"/>
+      <dgm:spPr>
+        <a:blipFill>
+          <a:blip xmlns:r="http://schemas.openxmlformats.org/officeDocument/2006/relationships" r:embed="rId9">
+            <a:extLst>
+              <a:ext uri="{28A0092B-C50C-407E-A947-70E740481C1C}">
+                <a14:useLocalDpi xmlns:a14="http://schemas.microsoft.com/office/drawing/2010/main" val="0"/>
+              </a:ext>
+              <a:ext uri="{96DAC541-7B7A-43D3-8B79-37D633B846F1}">
+                <asvg:svgBlip xmlns:asvg="http://schemas.microsoft.com/office/drawing/2016/SVG/main" r:embed="rId10"/>
+              </a:ext>
+            </a:extLst>
+          </a:blip>
+          <a:stretch>
+            <a:fillRect/>
+          </a:stretch>
+        </a:blipFill>
+        <a:ln>
+          <a:noFill/>
+        </a:ln>
+      </dgm:spPr>
+      <dgm:extLst>
+        <a:ext uri="{E40237B7-FDA0-4F09-8148-C483321AD2D9}">
+          <dgm14:cNvPr xmlns:dgm14="http://schemas.microsoft.com/office/drawing/2010/diagram" id="0" name="" descr="Kiosk"/>
+        </a:ext>
+      </dgm:extLst>
+    </dgm:pt>
+    <dgm:pt modelId="{A44D1B7F-EF1E-4C9E-9348-989184C9E715}" type="pres">
+      <dgm:prSet presAssocID="{41FA3F04-F286-43F3-BFDA-88DE8A5CA109}" presName="spaceRect" presStyleCnt="0"/>
+      <dgm:spPr/>
+    </dgm:pt>
+    <dgm:pt modelId="{7092DC91-F7F7-4B01-BE47-7DB4E093CC01}" type="pres">
+      <dgm:prSet presAssocID="{41FA3F04-F286-43F3-BFDA-88DE8A5CA109}" presName="textRect" presStyleLbl="revTx" presStyleIdx="4" presStyleCnt="5">
+        <dgm:presLayoutVars>
+          <dgm:chMax val="1"/>
+          <dgm:chPref val="1"/>
+        </dgm:presLayoutVars>
+      </dgm:prSet>
+      <dgm:spPr/>
+    </dgm:pt>
+  </dgm:ptLst>
+  <dgm:cxnLst>
+    <dgm:cxn modelId="{E5664009-F6AB-453F-B422-7DEFA2253240}" type="presOf" srcId="{F49EDCD4-6B8E-4D5C-BABB-3EA474F58A6C}" destId="{D16CE891-8B9F-4D19-AA6E-3148A6680165}" srcOrd="0" destOrd="0" presId="urn:microsoft.com/office/officeart/2018/2/layout/IconCircleList"/>
+    <dgm:cxn modelId="{A669CF12-313C-4854-803D-9C982453C7B5}" type="presOf" srcId="{EC76A8C4-406C-42B3-820D-6978983873C5}" destId="{BFDD95D7-B680-48BE-ADA0-FFF3A427BDBA}" srcOrd="0" destOrd="0" presId="urn:microsoft.com/office/officeart/2018/2/layout/IconCircleList"/>
+    <dgm:cxn modelId="{C002CE15-82C7-40DD-80E6-24F288DD384E}" type="presOf" srcId="{CD6F55FD-FCFB-4217-A248-94981AE29AAB}" destId="{A1D12F07-467A-47FC-908B-5415090ACE80}" srcOrd="0" destOrd="0" presId="urn:microsoft.com/office/officeart/2018/2/layout/IconCircleList"/>
+    <dgm:cxn modelId="{6512513C-7819-40DE-8796-C104A12EFAE6}" srcId="{CD6F55FD-FCFB-4217-A248-94981AE29AAB}" destId="{AF9F70FE-FB02-4383-841C-7D816BDA05F8}" srcOrd="2" destOrd="0" parTransId="{875A9126-61D3-4143-85CB-0FCC56F467B4}" sibTransId="{70CA1A61-579D-44E5-B5EF-7B6434033587}"/>
+    <dgm:cxn modelId="{C3123A44-DB7D-4B10-8A07-B95E2C62A88C}" type="presOf" srcId="{AF9F70FE-FB02-4383-841C-7D816BDA05F8}" destId="{6A372EF4-877D-4368-BBC5-40B341D8140D}" srcOrd="0" destOrd="0" presId="urn:microsoft.com/office/officeart/2018/2/layout/IconCircleList"/>
+    <dgm:cxn modelId="{76685B6B-BFD4-4001-B265-50E7A67D6592}" srcId="{CD6F55FD-FCFB-4217-A248-94981AE29AAB}" destId="{41FA3F04-F286-43F3-BFDA-88DE8A5CA109}" srcOrd="4" destOrd="0" parTransId="{287162F4-B705-4AC7-9CDF-55A0D34D17D0}" sibTransId="{5B63D9C2-0CD4-426B-B746-CC11E2AE36FB}"/>
+    <dgm:cxn modelId="{37F74697-DE4B-4264-8C04-59BEF8A125A4}" srcId="{CD6F55FD-FCFB-4217-A248-94981AE29AAB}" destId="{EC76A8C4-406C-42B3-820D-6978983873C5}" srcOrd="3" destOrd="0" parTransId="{C69D888F-D847-4318-AC7B-E42DECE35238}" sibTransId="{DB5BD0AF-8C86-47DF-BEFF-0DC0933E42C4}"/>
+    <dgm:cxn modelId="{02ADECA4-642D-49D3-AF2D-04A63E19CDAA}" type="presOf" srcId="{93625363-9222-4ADA-A329-ECD2F76A4A39}" destId="{C94CEAFD-B85E-4086-A489-5DD6C381B4E5}" srcOrd="0" destOrd="0" presId="urn:microsoft.com/office/officeart/2018/2/layout/IconCircleList"/>
+    <dgm:cxn modelId="{7ED71CB9-AA58-46A2-A29C-A5082F25FB09}" srcId="{CD6F55FD-FCFB-4217-A248-94981AE29AAB}" destId="{91828225-391F-43A4-B7CC-4C21BFD038A6}" srcOrd="1" destOrd="0" parTransId="{C26B8A12-C703-460C-88EF-79D82DE57956}" sibTransId="{93625363-9222-4ADA-A329-ECD2F76A4A39}"/>
+    <dgm:cxn modelId="{C3D646C4-A9C6-4B6E-892F-766FE3490DFD}" srcId="{CD6F55FD-FCFB-4217-A248-94981AE29AAB}" destId="{8FDFA0FA-D139-4DE2-9D0A-12C15F6FA5F2}" srcOrd="0" destOrd="0" parTransId="{D895521B-75C9-43B3-8A45-D331CF1A20E3}" sibTransId="{F49EDCD4-6B8E-4D5C-BABB-3EA474F58A6C}"/>
+    <dgm:cxn modelId="{E9CB31C6-1D59-4197-B9CA-711D29620E64}" type="presOf" srcId="{41FA3F04-F286-43F3-BFDA-88DE8A5CA109}" destId="{7092DC91-F7F7-4B01-BE47-7DB4E093CC01}" srcOrd="0" destOrd="0" presId="urn:microsoft.com/office/officeart/2018/2/layout/IconCircleList"/>
+    <dgm:cxn modelId="{75ADB8E7-AAC6-45C0-BAD0-1621679E2C77}" type="presOf" srcId="{70CA1A61-579D-44E5-B5EF-7B6434033587}" destId="{643AB64B-B08D-4E37-974E-C257A995A17B}" srcOrd="0" destOrd="0" presId="urn:microsoft.com/office/officeart/2018/2/layout/IconCircleList"/>
+    <dgm:cxn modelId="{C55F75EA-F947-48C2-A2AB-69661EB310AF}" type="presOf" srcId="{8FDFA0FA-D139-4DE2-9D0A-12C15F6FA5F2}" destId="{56586C84-3ECD-4C9C-B047-A15DA774FB91}" srcOrd="0" destOrd="0" presId="urn:microsoft.com/office/officeart/2018/2/layout/IconCircleList"/>
+    <dgm:cxn modelId="{F4C947EE-CE31-4120-B51B-5DAAA46F3DB8}" type="presOf" srcId="{91828225-391F-43A4-B7CC-4C21BFD038A6}" destId="{D036FF11-DD4C-456B-A26E-86D60433B325}" srcOrd="0" destOrd="0" presId="urn:microsoft.com/office/officeart/2018/2/layout/IconCircleList"/>
+    <dgm:cxn modelId="{275607FB-05B7-444E-B155-FA45EB6A8607}" type="presOf" srcId="{DB5BD0AF-8C86-47DF-BEFF-0DC0933E42C4}" destId="{39A343EC-0EB2-41E5-91AB-7A486FFC1C00}" srcOrd="0" destOrd="0" presId="urn:microsoft.com/office/officeart/2018/2/layout/IconCircleList"/>
+    <dgm:cxn modelId="{608539F2-9F8C-4A2A-BFD5-0A75BCD9C612}" type="presParOf" srcId="{A1D12F07-467A-47FC-908B-5415090ACE80}" destId="{E3E72A1C-C111-4D96-B4A5-9710A20940CC}" srcOrd="0" destOrd="0" presId="urn:microsoft.com/office/officeart/2018/2/layout/IconCircleList"/>
+    <dgm:cxn modelId="{09A90FB4-CD22-41E7-8DE8-F0D53764DFF9}" type="presParOf" srcId="{E3E72A1C-C111-4D96-B4A5-9710A20940CC}" destId="{B0F1CB62-C0DE-41F6-915E-6ED6C771429C}" srcOrd="0" destOrd="0" presId="urn:microsoft.com/office/officeart/2018/2/layout/IconCircleList"/>
+    <dgm:cxn modelId="{95662812-D513-4050-9F67-697E16294CD9}" type="presParOf" srcId="{B0F1CB62-C0DE-41F6-915E-6ED6C771429C}" destId="{5859C9AF-A6D9-4283-A6E0-C3BBDFA8FDCB}" srcOrd="0" destOrd="0" presId="urn:microsoft.com/office/officeart/2018/2/layout/IconCircleList"/>
+    <dgm:cxn modelId="{B575E7AC-F9FF-476D-971F-8E3B457617C0}" type="presParOf" srcId="{B0F1CB62-C0DE-41F6-915E-6ED6C771429C}" destId="{863EFFFC-4D14-4845-9B52-32B3760BE535}" srcOrd="1" destOrd="0" presId="urn:microsoft.com/office/officeart/2018/2/layout/IconCircleList"/>
+    <dgm:cxn modelId="{22E44A08-0F88-4C7D-8F22-39887876EB4C}" type="presParOf" srcId="{B0F1CB62-C0DE-41F6-915E-6ED6C771429C}" destId="{4876DB02-F2A3-4409-AEA3-B733062C46C1}" srcOrd="2" destOrd="0" presId="urn:microsoft.com/office/officeart/2018/2/layout/IconCircleList"/>
+    <dgm:cxn modelId="{2ABA9020-F70C-4C5E-AD90-CFBAEAB4E6F2}" type="presParOf" srcId="{B0F1CB62-C0DE-41F6-915E-6ED6C771429C}" destId="{56586C84-3ECD-4C9C-B047-A15DA774FB91}" srcOrd="3" destOrd="0" presId="urn:microsoft.com/office/officeart/2018/2/layout/IconCircleList"/>
+    <dgm:cxn modelId="{9DA1938B-41A3-41DF-874F-CFE601326522}" type="presParOf" srcId="{E3E72A1C-C111-4D96-B4A5-9710A20940CC}" destId="{D16CE891-8B9F-4D19-AA6E-3148A6680165}" srcOrd="1" destOrd="0" presId="urn:microsoft.com/office/officeart/2018/2/layout/IconCircleList"/>
+    <dgm:cxn modelId="{6844624D-F819-4FB7-8AAD-4D61DAC95E99}" type="presParOf" srcId="{E3E72A1C-C111-4D96-B4A5-9710A20940CC}" destId="{1723FC04-6193-45A5-9525-7F3C7F2A3688}" srcOrd="2" destOrd="0" presId="urn:microsoft.com/office/officeart/2018/2/layout/IconCircleList"/>
+    <dgm:cxn modelId="{DB4ADC84-3BD9-4E93-908A-564DA92F9F81}" type="presParOf" srcId="{1723FC04-6193-45A5-9525-7F3C7F2A3688}" destId="{7CAD4209-5CA5-4196-8B52-25AE136FB185}" srcOrd="0" destOrd="0" presId="urn:microsoft.com/office/officeart/2018/2/layout/IconCircleList"/>
+    <dgm:cxn modelId="{3FCDB554-9A8C-4A52-B28B-F0840D92FEC9}" type="presParOf" srcId="{1723FC04-6193-45A5-9525-7F3C7F2A3688}" destId="{5C9838E8-21F4-4D4D-9F9B-9B78A5A82062}" srcOrd="1" destOrd="0" presId="urn:microsoft.com/office/officeart/2018/2/layout/IconCircleList"/>
+    <dgm:cxn modelId="{1F4A1F30-C7E2-4ECE-91FD-DF2E125C9919}" type="presParOf" srcId="{1723FC04-6193-45A5-9525-7F3C7F2A3688}" destId="{CE3B72AB-2569-4F1A-85CA-E7AC0AEDF722}" srcOrd="2" destOrd="0" presId="urn:microsoft.com/office/officeart/2018/2/layout/IconCircleList"/>
+    <dgm:cxn modelId="{D0531D3E-A439-4013-80E4-E72BB360EFFE}" type="presParOf" srcId="{1723FC04-6193-45A5-9525-7F3C7F2A3688}" destId="{D036FF11-DD4C-456B-A26E-86D60433B325}" srcOrd="3" destOrd="0" presId="urn:microsoft.com/office/officeart/2018/2/layout/IconCircleList"/>
+    <dgm:cxn modelId="{C3B405EB-8525-4195-9F50-D94D23BBC1E9}" type="presParOf" srcId="{E3E72A1C-C111-4D96-B4A5-9710A20940CC}" destId="{C94CEAFD-B85E-4086-A489-5DD6C381B4E5}" srcOrd="3" destOrd="0" presId="urn:microsoft.com/office/officeart/2018/2/layout/IconCircleList"/>
+    <dgm:cxn modelId="{08C6179D-24C4-49C9-8E89-8E66B56917A5}" type="presParOf" srcId="{E3E72A1C-C111-4D96-B4A5-9710A20940CC}" destId="{7EEE46BA-310A-4C16-8309-4450D608C47D}" srcOrd="4" destOrd="0" presId="urn:microsoft.com/office/officeart/2018/2/layout/IconCircleList"/>
+    <dgm:cxn modelId="{926CEF24-E6CB-4EE1-BDDE-E0E16392A0C0}" type="presParOf" srcId="{7EEE46BA-310A-4C16-8309-4450D608C47D}" destId="{162143F3-77DB-4174-A3FF-B31D3BADFA8B}" srcOrd="0" destOrd="0" presId="urn:microsoft.com/office/officeart/2018/2/layout/IconCircleList"/>
+    <dgm:cxn modelId="{D652D05A-A691-411D-A7FF-3A7E00FB5687}" type="presParOf" srcId="{7EEE46BA-310A-4C16-8309-4450D608C47D}" destId="{8EE0221A-CD27-48F9-93A9-13FEE02437C6}" srcOrd="1" destOrd="0" presId="urn:microsoft.com/office/officeart/2018/2/layout/IconCircleList"/>
+    <dgm:cxn modelId="{127E0BDA-BD17-4C3A-BB08-B52BB919E926}" type="presParOf" srcId="{7EEE46BA-310A-4C16-8309-4450D608C47D}" destId="{78E6B943-C907-4A31-AAC4-5F1E3EFB6E76}" srcOrd="2" destOrd="0" presId="urn:microsoft.com/office/officeart/2018/2/layout/IconCircleList"/>
+    <dgm:cxn modelId="{F7806FA1-789A-4BB7-9C17-1111C963CEE9}" type="presParOf" srcId="{7EEE46BA-310A-4C16-8309-4450D608C47D}" destId="{6A372EF4-877D-4368-BBC5-40B341D8140D}" srcOrd="3" destOrd="0" presId="urn:microsoft.com/office/officeart/2018/2/layout/IconCircleList"/>
+    <dgm:cxn modelId="{C378D2C7-FC4E-49E1-AD20-EF1DD540EF0F}" type="presParOf" srcId="{E3E72A1C-C111-4D96-B4A5-9710A20940CC}" destId="{643AB64B-B08D-4E37-974E-C257A995A17B}" srcOrd="5" destOrd="0" presId="urn:microsoft.com/office/officeart/2018/2/layout/IconCircleList"/>
+    <dgm:cxn modelId="{639A4472-7AAC-4DBD-ABE5-53734AB4D3EC}" type="presParOf" srcId="{E3E72A1C-C111-4D96-B4A5-9710A20940CC}" destId="{63C62080-F3ED-441D-A25F-3369D757C68E}" srcOrd="6" destOrd="0" presId="urn:microsoft.com/office/officeart/2018/2/layout/IconCircleList"/>
+    <dgm:cxn modelId="{E0583319-2DEC-4E4D-8FA1-C59311D4F43E}" type="presParOf" srcId="{63C62080-F3ED-441D-A25F-3369D757C68E}" destId="{A6DD3B4B-76A3-4EF1-85F7-D71F60C87AA0}" srcOrd="0" destOrd="0" presId="urn:microsoft.com/office/officeart/2018/2/layout/IconCircleList"/>
+    <dgm:cxn modelId="{F3515ED3-6AB6-47F2-9B56-DACC4A9D1768}" type="presParOf" srcId="{63C62080-F3ED-441D-A25F-3369D757C68E}" destId="{0EFCEDBF-90CF-48FA-B8AF-9D259A0D4046}" srcOrd="1" destOrd="0" presId="urn:microsoft.com/office/officeart/2018/2/layout/IconCircleList"/>
+    <dgm:cxn modelId="{1270A3BF-9236-4DA5-8990-44506F3FF5FE}" type="presParOf" srcId="{63C62080-F3ED-441D-A25F-3369D757C68E}" destId="{91357BAA-E42E-4384-843F-3E6E0AFBE0FB}" srcOrd="2" destOrd="0" presId="urn:microsoft.com/office/officeart/2018/2/layout/IconCircleList"/>
+    <dgm:cxn modelId="{C1CB0424-1DA1-471E-B073-45E2C1A59C1D}" type="presParOf" srcId="{63C62080-F3ED-441D-A25F-3369D757C68E}" destId="{BFDD95D7-B680-48BE-ADA0-FFF3A427BDBA}" srcOrd="3" destOrd="0" presId="urn:microsoft.com/office/officeart/2018/2/layout/IconCircleList"/>
+    <dgm:cxn modelId="{26379E4A-2B18-4B5A-B3B4-6F9ADFA8DD90}" type="presParOf" srcId="{E3E72A1C-C111-4D96-B4A5-9710A20940CC}" destId="{39A343EC-0EB2-41E5-91AB-7A486FFC1C00}" srcOrd="7" destOrd="0" presId="urn:microsoft.com/office/officeart/2018/2/layout/IconCircleList"/>
+    <dgm:cxn modelId="{32435287-D00F-4300-A534-92DF341BDFAC}" type="presParOf" srcId="{E3E72A1C-C111-4D96-B4A5-9710A20940CC}" destId="{04673D76-1059-44C4-BD5B-8846FA8FA5F5}" srcOrd="8" destOrd="0" presId="urn:microsoft.com/office/officeart/2018/2/layout/IconCircleList"/>
+    <dgm:cxn modelId="{123C0D84-7FAC-47EC-983F-19128C998C30}" type="presParOf" srcId="{04673D76-1059-44C4-BD5B-8846FA8FA5F5}" destId="{8D24CFCF-1E6B-4F25-8658-7805AA9A1618}" srcOrd="0" destOrd="0" presId="urn:microsoft.com/office/officeart/2018/2/layout/IconCircleList"/>
+    <dgm:cxn modelId="{24866E1D-0A07-4EB3-B115-12BBB0C2A917}" type="presParOf" srcId="{04673D76-1059-44C4-BD5B-8846FA8FA5F5}" destId="{874EE0EC-F207-4111-9AB1-BBB98BAC136F}" srcOrd="1" destOrd="0" presId="urn:microsoft.com/office/officeart/2018/2/layout/IconCircleList"/>
+    <dgm:cxn modelId="{78A7ADDC-2345-46DD-BBDB-D06F870E49DD}" type="presParOf" srcId="{04673D76-1059-44C4-BD5B-8846FA8FA5F5}" destId="{A44D1B7F-EF1E-4C9E-9348-989184C9E715}" srcOrd="2" destOrd="0" presId="urn:microsoft.com/office/officeart/2018/2/layout/IconCircleList"/>
+    <dgm:cxn modelId="{E5A6525D-FCED-4463-BCE6-99A59119D038}" type="presParOf" srcId="{04673D76-1059-44C4-BD5B-8846FA8FA5F5}" destId="{7092DC91-F7F7-4B01-BE47-7DB4E093CC01}" srcOrd="3" destOrd="0" presId="urn:microsoft.com/office/officeart/2018/2/layout/IconCircleList"/>
+  </dgm:cxnLst>
+  <dgm:bg/>
+  <dgm:whole/>
+  <dgm:extLst>
+    <a:ext uri="http://schemas.microsoft.com/office/drawing/2008/diagram">
+      <dsp:dataModelExt xmlns:dsp="http://schemas.microsoft.com/office/drawing/2008/diagram" relId="rId6" minVer="http://schemas.openxmlformats.org/drawingml/2006/diagram"/>
+    </a:ext>
+  </dgm:extLst>
+</dgm:dataModel>
+</file>
+
+<file path=ppt/diagrams/drawing1.xml><?xml version="1.0" encoding="utf-8"?>
+<dsp:drawing xmlns:dgm="http://schemas.openxmlformats.org/drawingml/2006/diagram" xmlns:dsp="http://schemas.microsoft.com/office/drawing/2008/diagram" xmlns:a="http://schemas.openxmlformats.org/drawingml/2006/main">
+  <dsp:spTree>
+    <dsp:nvGrpSpPr>
+      <dsp:cNvPr id="0" name=""/>
+      <dsp:cNvGrpSpPr/>
+    </dsp:nvGrpSpPr>
+    <dsp:grpSpPr/>
+    <dsp:sp modelId="{5859C9AF-A6D9-4283-A6E0-C3BBDFA8FDCB}">
+      <dsp:nvSpPr>
+        <dsp:cNvPr id="0" name=""/>
+        <dsp:cNvSpPr/>
+      </dsp:nvSpPr>
+      <dsp:spPr>
+        <a:xfrm>
+          <a:off x="205509" y="828340"/>
+          <a:ext cx="911674" cy="911674"/>
+        </a:xfrm>
+        <a:prstGeom prst="ellipse">
+          <a:avLst/>
+        </a:prstGeom>
+        <a:solidFill>
+          <a:schemeClr val="bg1">
+            <a:lumMod val="95000"/>
+            <a:hueOff val="0"/>
+            <a:satOff val="0"/>
+            <a:lumOff val="0"/>
+            <a:alphaOff val="0"/>
+          </a:schemeClr>
+        </a:solidFill>
+        <a:ln>
+          <a:noFill/>
+        </a:ln>
+        <a:effectLst/>
+      </dsp:spPr>
+      <dsp:style>
+        <a:lnRef idx="0">
+          <a:scrgbClr r="0" g="0" b="0"/>
+        </a:lnRef>
+        <a:fillRef idx="1">
+          <a:scrgbClr r="0" g="0" b="0"/>
+        </a:fillRef>
+        <a:effectRef idx="0">
+          <a:scrgbClr r="0" g="0" b="0"/>
+        </a:effectRef>
+        <a:fontRef idx="minor"/>
+      </dsp:style>
+    </dsp:sp>
+    <dsp:sp modelId="{863EFFFC-4D14-4845-9B52-32B3760BE535}">
+      <dsp:nvSpPr>
+        <dsp:cNvPr id="0" name=""/>
+        <dsp:cNvSpPr/>
+      </dsp:nvSpPr>
+      <dsp:spPr>
+        <a:xfrm>
+          <a:off x="396960" y="1019791"/>
+          <a:ext cx="528770" cy="528770"/>
+        </a:xfrm>
+        <a:prstGeom prst="rect">
+          <a:avLst/>
+        </a:prstGeom>
+        <a:blipFill>
+          <a:blip xmlns:r="http://schemas.openxmlformats.org/officeDocument/2006/relationships" r:embed="rId1">
+            <a:extLst>
+              <a:ext uri="{28A0092B-C50C-407E-A947-70E740481C1C}">
+                <a14:useLocalDpi xmlns:a14="http://schemas.microsoft.com/office/drawing/2010/main" val="0"/>
+              </a:ext>
+              <a:ext uri="{96DAC541-7B7A-43D3-8B79-37D633B846F1}">
+                <asvg:svgBlip xmlns:asvg="http://schemas.microsoft.com/office/drawing/2016/SVG/main" r:embed="rId2"/>
+              </a:ext>
+            </a:extLst>
+          </a:blip>
+          <a:stretch>
+            <a:fillRect/>
+          </a:stretch>
+        </a:blipFill>
+        <a:ln w="12700" cap="flat" cmpd="sng" algn="ctr">
+          <a:noFill/>
+          <a:prstDash val="solid"/>
+          <a:miter lim="800000"/>
+        </a:ln>
+        <a:effectLst/>
+      </dsp:spPr>
+      <dsp:style>
+        <a:lnRef idx="2">
+          <a:scrgbClr r="0" g="0" b="0"/>
+        </a:lnRef>
+        <a:fillRef idx="1">
+          <a:scrgbClr r="0" g="0" b="0"/>
+        </a:fillRef>
+        <a:effectRef idx="0">
+          <a:scrgbClr r="0" g="0" b="0"/>
+        </a:effectRef>
+        <a:fontRef idx="minor">
+          <a:schemeClr val="lt1"/>
+        </a:fontRef>
+      </dsp:style>
+    </dsp:sp>
+    <dsp:sp modelId="{56586C84-3ECD-4C9C-B047-A15DA774FB91}">
+      <dsp:nvSpPr>
+        <dsp:cNvPr id="0" name=""/>
+        <dsp:cNvSpPr/>
+      </dsp:nvSpPr>
+      <dsp:spPr>
+        <a:xfrm>
+          <a:off x="1312541" y="828340"/>
+          <a:ext cx="2148945" cy="911674"/>
+        </a:xfrm>
+        <a:prstGeom prst="rect">
+          <a:avLst/>
+        </a:prstGeom>
+        <a:noFill/>
+        <a:ln>
+          <a:noFill/>
+        </a:ln>
+        <a:effectLst/>
+      </dsp:spPr>
+      <dsp:style>
+        <a:lnRef idx="0">
+          <a:scrgbClr r="0" g="0" b="0"/>
+        </a:lnRef>
+        <a:fillRef idx="0">
+          <a:scrgbClr r="0" g="0" b="0"/>
+        </a:fillRef>
+        <a:effectRef idx="0">
+          <a:scrgbClr r="0" g="0" b="0"/>
+        </a:effectRef>
+        <a:fontRef idx="minor"/>
+      </dsp:style>
+      <dsp:txBody>
+        <a:bodyPr spcFirstLastPara="0" vert="horz" wrap="square" lIns="0" tIns="0" rIns="0" bIns="0" numCol="1" spcCol="1270" anchor="ctr" anchorCtr="0">
+          <a:noAutofit/>
+        </a:bodyPr>
+        <a:lstStyle/>
+        <a:p>
+          <a:pPr marL="0" lvl="0" indent="0" algn="l" defTabSz="622300">
+            <a:lnSpc>
+              <a:spcPct val="100000"/>
+            </a:lnSpc>
+            <a:spcBef>
+              <a:spcPct val="0"/>
+            </a:spcBef>
+            <a:spcAft>
+              <a:spcPct val="35000"/>
+            </a:spcAft>
+            <a:buNone/>
+          </a:pPr>
+          <a:r>
+            <a:rPr lang="en-CA" sz="1400" kern="1200" dirty="0"/>
+            <a:t>Customers/Student’s can login using their credentials and can place order, give reviews/feedback etc..</a:t>
+          </a:r>
+          <a:endParaRPr lang="en-US" sz="1400" kern="1200" dirty="0"/>
+        </a:p>
+      </dsp:txBody>
+      <dsp:txXfrm>
+        <a:off x="1312541" y="828340"/>
+        <a:ext cx="2148945" cy="911674"/>
+      </dsp:txXfrm>
+    </dsp:sp>
+    <dsp:sp modelId="{7CAD4209-5CA5-4196-8B52-25AE136FB185}">
+      <dsp:nvSpPr>
+        <dsp:cNvPr id="0" name=""/>
+        <dsp:cNvSpPr/>
+      </dsp:nvSpPr>
+      <dsp:spPr>
+        <a:xfrm>
+          <a:off x="3835925" y="828340"/>
+          <a:ext cx="911674" cy="911674"/>
+        </a:xfrm>
+        <a:prstGeom prst="ellipse">
+          <a:avLst/>
+        </a:prstGeom>
+        <a:solidFill>
+          <a:schemeClr val="bg1">
+            <a:lumMod val="95000"/>
+            <a:hueOff val="0"/>
+            <a:satOff val="0"/>
+            <a:lumOff val="0"/>
+            <a:alphaOff val="0"/>
+          </a:schemeClr>
+        </a:solidFill>
+        <a:ln>
+          <a:noFill/>
+        </a:ln>
+        <a:effectLst/>
+      </dsp:spPr>
+      <dsp:style>
+        <a:lnRef idx="0">
+          <a:scrgbClr r="0" g="0" b="0"/>
+        </a:lnRef>
+        <a:fillRef idx="1">
+          <a:scrgbClr r="0" g="0" b="0"/>
+        </a:fillRef>
+        <a:effectRef idx="0">
+          <a:scrgbClr r="0" g="0" b="0"/>
+        </a:effectRef>
+        <a:fontRef idx="minor"/>
+      </dsp:style>
+    </dsp:sp>
+    <dsp:sp modelId="{5C9838E8-21F4-4D4D-9F9B-9B78A5A82062}">
+      <dsp:nvSpPr>
+        <dsp:cNvPr id="0" name=""/>
+        <dsp:cNvSpPr/>
+      </dsp:nvSpPr>
+      <dsp:spPr>
+        <a:xfrm>
+          <a:off x="4027376" y="1019791"/>
+          <a:ext cx="528770" cy="528770"/>
+        </a:xfrm>
+        <a:prstGeom prst="rect">
+          <a:avLst/>
+        </a:prstGeom>
+        <a:blipFill>
+          <a:blip xmlns:r="http://schemas.openxmlformats.org/officeDocument/2006/relationships" r:embed="rId3">
+            <a:extLst>
+              <a:ext uri="{28A0092B-C50C-407E-A947-70E740481C1C}">
+                <a14:useLocalDpi xmlns:a14="http://schemas.microsoft.com/office/drawing/2010/main" val="0"/>
+              </a:ext>
+              <a:ext uri="{96DAC541-7B7A-43D3-8B79-37D633B846F1}">
+                <asvg:svgBlip xmlns:asvg="http://schemas.microsoft.com/office/drawing/2016/SVG/main" r:embed="rId4"/>
+              </a:ext>
+            </a:extLst>
+          </a:blip>
+          <a:stretch>
+            <a:fillRect/>
+          </a:stretch>
+        </a:blipFill>
+        <a:ln w="12700" cap="flat" cmpd="sng" algn="ctr">
+          <a:noFill/>
+          <a:prstDash val="solid"/>
+          <a:miter lim="800000"/>
+        </a:ln>
+        <a:effectLst/>
+      </dsp:spPr>
+      <dsp:style>
+        <a:lnRef idx="2">
+          <a:scrgbClr r="0" g="0" b="0"/>
+        </a:lnRef>
+        <a:fillRef idx="1">
+          <a:scrgbClr r="0" g="0" b="0"/>
+        </a:fillRef>
+        <a:effectRef idx="0">
+          <a:scrgbClr r="0" g="0" b="0"/>
+        </a:effectRef>
+        <a:fontRef idx="minor">
+          <a:schemeClr val="lt1"/>
+        </a:fontRef>
+      </dsp:style>
+    </dsp:sp>
+    <dsp:sp modelId="{D036FF11-DD4C-456B-A26E-86D60433B325}">
+      <dsp:nvSpPr>
+        <dsp:cNvPr id="0" name=""/>
+        <dsp:cNvSpPr/>
+      </dsp:nvSpPr>
+      <dsp:spPr>
+        <a:xfrm>
+          <a:off x="4942957" y="828340"/>
+          <a:ext cx="2148945" cy="911674"/>
+        </a:xfrm>
+        <a:prstGeom prst="rect">
+          <a:avLst/>
+        </a:prstGeom>
+        <a:noFill/>
+        <a:ln>
+          <a:noFill/>
+        </a:ln>
+        <a:effectLst/>
+      </dsp:spPr>
+      <dsp:style>
+        <a:lnRef idx="0">
+          <a:scrgbClr r="0" g="0" b="0"/>
+        </a:lnRef>
+        <a:fillRef idx="0">
+          <a:scrgbClr r="0" g="0" b="0"/>
+        </a:fillRef>
+        <a:effectRef idx="0">
+          <a:scrgbClr r="0" g="0" b="0"/>
+        </a:effectRef>
+        <a:fontRef idx="minor"/>
+      </dsp:style>
+      <dsp:txBody>
+        <a:bodyPr spcFirstLastPara="0" vert="horz" wrap="square" lIns="0" tIns="0" rIns="0" bIns="0" numCol="1" spcCol="1270" anchor="ctr" anchorCtr="0">
+          <a:noAutofit/>
+        </a:bodyPr>
+        <a:lstStyle/>
+        <a:p>
+          <a:pPr marL="0" lvl="0" indent="0" algn="l" defTabSz="622300">
+            <a:lnSpc>
+              <a:spcPct val="100000"/>
+            </a:lnSpc>
+            <a:spcBef>
+              <a:spcPct val="0"/>
+            </a:spcBef>
+            <a:spcAft>
+              <a:spcPct val="35000"/>
+            </a:spcAft>
+            <a:buNone/>
+          </a:pPr>
+          <a:r>
+            <a:rPr lang="en-CA" sz="1400" kern="1200"/>
+            <a:t>When order placed, customer will get order number and approx.. Time for food preparation.</a:t>
+          </a:r>
+          <a:endParaRPr lang="en-US" sz="1400" kern="1200"/>
+        </a:p>
+      </dsp:txBody>
+      <dsp:txXfrm>
+        <a:off x="4942957" y="828340"/>
+        <a:ext cx="2148945" cy="911674"/>
+      </dsp:txXfrm>
+    </dsp:sp>
+    <dsp:sp modelId="{162143F3-77DB-4174-A3FF-B31D3BADFA8B}">
+      <dsp:nvSpPr>
+        <dsp:cNvPr id="0" name=""/>
+        <dsp:cNvSpPr/>
+      </dsp:nvSpPr>
+      <dsp:spPr>
+        <a:xfrm>
+          <a:off x="7466341" y="828340"/>
+          <a:ext cx="911674" cy="911674"/>
+        </a:xfrm>
+        <a:prstGeom prst="ellipse">
+          <a:avLst/>
+        </a:prstGeom>
+        <a:solidFill>
+          <a:schemeClr val="bg1">
+            <a:lumMod val="95000"/>
+            <a:hueOff val="0"/>
+            <a:satOff val="0"/>
+            <a:lumOff val="0"/>
+            <a:alphaOff val="0"/>
+          </a:schemeClr>
+        </a:solidFill>
+        <a:ln>
+          <a:noFill/>
+        </a:ln>
+        <a:effectLst/>
+      </dsp:spPr>
+      <dsp:style>
+        <a:lnRef idx="0">
+          <a:scrgbClr r="0" g="0" b="0"/>
+        </a:lnRef>
+        <a:fillRef idx="1">
+          <a:scrgbClr r="0" g="0" b="0"/>
+        </a:fillRef>
+        <a:effectRef idx="0">
+          <a:scrgbClr r="0" g="0" b="0"/>
+        </a:effectRef>
+        <a:fontRef idx="minor"/>
+      </dsp:style>
+    </dsp:sp>
+    <dsp:sp modelId="{8EE0221A-CD27-48F9-93A9-13FEE02437C6}">
+      <dsp:nvSpPr>
+        <dsp:cNvPr id="0" name=""/>
+        <dsp:cNvSpPr/>
+      </dsp:nvSpPr>
+      <dsp:spPr>
+        <a:xfrm>
+          <a:off x="7657792" y="1019791"/>
+          <a:ext cx="528770" cy="528770"/>
+        </a:xfrm>
+        <a:prstGeom prst="rect">
+          <a:avLst/>
+        </a:prstGeom>
+        <a:blipFill>
+          <a:blip xmlns:r="http://schemas.openxmlformats.org/officeDocument/2006/relationships" r:embed="rId5">
+            <a:extLst>
+              <a:ext uri="{28A0092B-C50C-407E-A947-70E740481C1C}">
+                <a14:useLocalDpi xmlns:a14="http://schemas.microsoft.com/office/drawing/2010/main" val="0"/>
+              </a:ext>
+              <a:ext uri="{96DAC541-7B7A-43D3-8B79-37D633B846F1}">
+                <asvg:svgBlip xmlns:asvg="http://schemas.microsoft.com/office/drawing/2016/SVG/main" r:embed="rId6"/>
+              </a:ext>
+            </a:extLst>
+          </a:blip>
+          <a:stretch>
+            <a:fillRect/>
+          </a:stretch>
+        </a:blipFill>
+        <a:ln w="12700" cap="flat" cmpd="sng" algn="ctr">
+          <a:noFill/>
+          <a:prstDash val="solid"/>
+          <a:miter lim="800000"/>
+        </a:ln>
+        <a:effectLst/>
+      </dsp:spPr>
+      <dsp:style>
+        <a:lnRef idx="2">
+          <a:scrgbClr r="0" g="0" b="0"/>
+        </a:lnRef>
+        <a:fillRef idx="1">
+          <a:scrgbClr r="0" g="0" b="0"/>
+        </a:fillRef>
+        <a:effectRef idx="0">
+          <a:scrgbClr r="0" g="0" b="0"/>
+        </a:effectRef>
+        <a:fontRef idx="minor">
+          <a:schemeClr val="lt1"/>
+        </a:fontRef>
+      </dsp:style>
+    </dsp:sp>
+    <dsp:sp modelId="{6A372EF4-877D-4368-BBC5-40B341D8140D}">
+      <dsp:nvSpPr>
+        <dsp:cNvPr id="0" name=""/>
+        <dsp:cNvSpPr/>
+      </dsp:nvSpPr>
+      <dsp:spPr>
+        <a:xfrm>
+          <a:off x="8573374" y="828340"/>
+          <a:ext cx="2148945" cy="911674"/>
+        </a:xfrm>
+        <a:prstGeom prst="rect">
+          <a:avLst/>
+        </a:prstGeom>
+        <a:noFill/>
+        <a:ln>
+          <a:noFill/>
+        </a:ln>
+        <a:effectLst/>
+      </dsp:spPr>
+      <dsp:style>
+        <a:lnRef idx="0">
+          <a:scrgbClr r="0" g="0" b="0"/>
+        </a:lnRef>
+        <a:fillRef idx="0">
+          <a:scrgbClr r="0" g="0" b="0"/>
+        </a:fillRef>
+        <a:effectRef idx="0">
+          <a:scrgbClr r="0" g="0" b="0"/>
+        </a:effectRef>
+        <a:fontRef idx="minor"/>
+      </dsp:style>
+      <dsp:txBody>
+        <a:bodyPr spcFirstLastPara="0" vert="horz" wrap="square" lIns="0" tIns="0" rIns="0" bIns="0" numCol="1" spcCol="1270" anchor="ctr" anchorCtr="0">
+          <a:noAutofit/>
+        </a:bodyPr>
+        <a:lstStyle/>
+        <a:p>
+          <a:pPr marL="0" lvl="0" indent="0" algn="l" defTabSz="622300">
+            <a:lnSpc>
+              <a:spcPct val="100000"/>
+            </a:lnSpc>
+            <a:spcBef>
+              <a:spcPct val="0"/>
+            </a:spcBef>
+            <a:spcAft>
+              <a:spcPct val="35000"/>
+            </a:spcAft>
+            <a:buNone/>
+          </a:pPr>
+          <a:r>
+            <a:rPr lang="en-CA" sz="1400" kern="1200"/>
+            <a:t>Worker in Café can accept the order and when done notify customer that it’s ready to pickup.</a:t>
+          </a:r>
+          <a:endParaRPr lang="en-US" sz="1400" kern="1200"/>
+        </a:p>
+      </dsp:txBody>
+      <dsp:txXfrm>
+        <a:off x="8573374" y="828340"/>
+        <a:ext cx="2148945" cy="911674"/>
+      </dsp:txXfrm>
+    </dsp:sp>
+    <dsp:sp modelId="{A6DD3B4B-76A3-4EF1-85F7-D71F60C87AA0}">
+      <dsp:nvSpPr>
+        <dsp:cNvPr id="0" name=""/>
+        <dsp:cNvSpPr/>
+      </dsp:nvSpPr>
+      <dsp:spPr>
+        <a:xfrm>
+          <a:off x="205509" y="2452790"/>
+          <a:ext cx="911674" cy="911674"/>
+        </a:xfrm>
+        <a:prstGeom prst="ellipse">
+          <a:avLst/>
+        </a:prstGeom>
+        <a:solidFill>
+          <a:schemeClr val="bg1">
+            <a:lumMod val="95000"/>
+            <a:hueOff val="0"/>
+            <a:satOff val="0"/>
+            <a:lumOff val="0"/>
+            <a:alphaOff val="0"/>
+          </a:schemeClr>
+        </a:solidFill>
+        <a:ln>
+          <a:noFill/>
+        </a:ln>
+        <a:effectLst/>
+      </dsp:spPr>
+      <dsp:style>
+        <a:lnRef idx="0">
+          <a:scrgbClr r="0" g="0" b="0"/>
+        </a:lnRef>
+        <a:fillRef idx="1">
+          <a:scrgbClr r="0" g="0" b="0"/>
+        </a:fillRef>
+        <a:effectRef idx="0">
+          <a:scrgbClr r="0" g="0" b="0"/>
+        </a:effectRef>
+        <a:fontRef idx="minor"/>
+      </dsp:style>
+    </dsp:sp>
+    <dsp:sp modelId="{0EFCEDBF-90CF-48FA-B8AF-9D259A0D4046}">
+      <dsp:nvSpPr>
+        <dsp:cNvPr id="0" name=""/>
+        <dsp:cNvSpPr/>
+      </dsp:nvSpPr>
+      <dsp:spPr>
+        <a:xfrm>
+          <a:off x="396960" y="2644242"/>
+          <a:ext cx="528770" cy="528770"/>
+        </a:xfrm>
+        <a:prstGeom prst="rect">
+          <a:avLst/>
+        </a:prstGeom>
+        <a:blipFill>
+          <a:blip xmlns:r="http://schemas.openxmlformats.org/officeDocument/2006/relationships" r:embed="rId7">
+            <a:extLst>
+              <a:ext uri="{28A0092B-C50C-407E-A947-70E740481C1C}">
+                <a14:useLocalDpi xmlns:a14="http://schemas.microsoft.com/office/drawing/2010/main" val="0"/>
+              </a:ext>
+              <a:ext uri="{96DAC541-7B7A-43D3-8B79-37D633B846F1}">
+                <asvg:svgBlip xmlns:asvg="http://schemas.microsoft.com/office/drawing/2016/SVG/main" r:embed="rId8"/>
+              </a:ext>
+            </a:extLst>
+          </a:blip>
+          <a:stretch>
+            <a:fillRect/>
+          </a:stretch>
+        </a:blipFill>
+        <a:ln w="12700" cap="flat" cmpd="sng" algn="ctr">
+          <a:noFill/>
+          <a:prstDash val="solid"/>
+          <a:miter lim="800000"/>
+        </a:ln>
+        <a:effectLst/>
+      </dsp:spPr>
+      <dsp:style>
+        <a:lnRef idx="2">
+          <a:scrgbClr r="0" g="0" b="0"/>
+        </a:lnRef>
+        <a:fillRef idx="1">
+          <a:scrgbClr r="0" g="0" b="0"/>
+        </a:fillRef>
+        <a:effectRef idx="0">
+          <a:scrgbClr r="0" g="0" b="0"/>
+        </a:effectRef>
+        <a:fontRef idx="minor">
+          <a:schemeClr val="lt1"/>
+        </a:fontRef>
+      </dsp:style>
+    </dsp:sp>
+    <dsp:sp modelId="{BFDD95D7-B680-48BE-ADA0-FFF3A427BDBA}">
+      <dsp:nvSpPr>
+        <dsp:cNvPr id="0" name=""/>
+        <dsp:cNvSpPr/>
+      </dsp:nvSpPr>
+      <dsp:spPr>
+        <a:xfrm>
+          <a:off x="1312541" y="2452790"/>
+          <a:ext cx="2148945" cy="911674"/>
+        </a:xfrm>
+        <a:prstGeom prst="rect">
+          <a:avLst/>
+        </a:prstGeom>
+        <a:noFill/>
+        <a:ln>
+          <a:noFill/>
+        </a:ln>
+        <a:effectLst/>
+      </dsp:spPr>
+      <dsp:style>
+        <a:lnRef idx="0">
+          <a:scrgbClr r="0" g="0" b="0"/>
+        </a:lnRef>
+        <a:fillRef idx="0">
+          <a:scrgbClr r="0" g="0" b="0"/>
+        </a:fillRef>
+        <a:effectRef idx="0">
+          <a:scrgbClr r="0" g="0" b="0"/>
+        </a:effectRef>
+        <a:fontRef idx="minor"/>
+      </dsp:style>
+      <dsp:txBody>
+        <a:bodyPr spcFirstLastPara="0" vert="horz" wrap="square" lIns="0" tIns="0" rIns="0" bIns="0" numCol="1" spcCol="1270" anchor="ctr" anchorCtr="0">
+          <a:noAutofit/>
+        </a:bodyPr>
+        <a:lstStyle/>
+        <a:p>
+          <a:pPr marL="0" lvl="0" indent="0" algn="l" defTabSz="622300">
+            <a:lnSpc>
+              <a:spcPct val="100000"/>
+            </a:lnSpc>
+            <a:spcBef>
+              <a:spcPct val="0"/>
+            </a:spcBef>
+            <a:spcAft>
+              <a:spcPct val="35000"/>
+            </a:spcAft>
+            <a:buNone/>
+          </a:pPr>
+          <a:r>
+            <a:rPr lang="en-CA" sz="1400" kern="1200" dirty="0"/>
+            <a:t>Admin can add new cafes and menu items if needed.</a:t>
+          </a:r>
+          <a:endParaRPr lang="en-US" sz="1400" kern="1200" dirty="0"/>
+        </a:p>
+      </dsp:txBody>
+      <dsp:txXfrm>
+        <a:off x="1312541" y="2452790"/>
+        <a:ext cx="2148945" cy="911674"/>
+      </dsp:txXfrm>
+    </dsp:sp>
+    <dsp:sp modelId="{8D24CFCF-1E6B-4F25-8658-7805AA9A1618}">
+      <dsp:nvSpPr>
+        <dsp:cNvPr id="0" name=""/>
+        <dsp:cNvSpPr/>
+      </dsp:nvSpPr>
+      <dsp:spPr>
+        <a:xfrm>
+          <a:off x="3835925" y="2452790"/>
+          <a:ext cx="911674" cy="911674"/>
+        </a:xfrm>
+        <a:prstGeom prst="ellipse">
+          <a:avLst/>
+        </a:prstGeom>
+        <a:solidFill>
+          <a:schemeClr val="bg1">
+            <a:lumMod val="95000"/>
+            <a:hueOff val="0"/>
+            <a:satOff val="0"/>
+            <a:lumOff val="0"/>
+            <a:alphaOff val="0"/>
+          </a:schemeClr>
+        </a:solidFill>
+        <a:ln>
+          <a:noFill/>
+        </a:ln>
+        <a:effectLst/>
+      </dsp:spPr>
+      <dsp:style>
+        <a:lnRef idx="0">
+          <a:scrgbClr r="0" g="0" b="0"/>
+        </a:lnRef>
+        <a:fillRef idx="1">
+          <a:scrgbClr r="0" g="0" b="0"/>
+        </a:fillRef>
+        <a:effectRef idx="0">
+          <a:scrgbClr r="0" g="0" b="0"/>
+        </a:effectRef>
+        <a:fontRef idx="minor"/>
+      </dsp:style>
+    </dsp:sp>
+    <dsp:sp modelId="{874EE0EC-F207-4111-9AB1-BBB98BAC136F}">
+      <dsp:nvSpPr>
+        <dsp:cNvPr id="0" name=""/>
+        <dsp:cNvSpPr/>
+      </dsp:nvSpPr>
+      <dsp:spPr>
+        <a:xfrm>
+          <a:off x="4027376" y="2644242"/>
+          <a:ext cx="528770" cy="528770"/>
+        </a:xfrm>
+        <a:prstGeom prst="rect">
+          <a:avLst/>
+        </a:prstGeom>
+        <a:blipFill>
+          <a:blip xmlns:r="http://schemas.openxmlformats.org/officeDocument/2006/relationships" r:embed="rId9">
+            <a:extLst>
+              <a:ext uri="{28A0092B-C50C-407E-A947-70E740481C1C}">
+                <a14:useLocalDpi xmlns:a14="http://schemas.microsoft.com/office/drawing/2010/main" val="0"/>
+              </a:ext>
+              <a:ext uri="{96DAC541-7B7A-43D3-8B79-37D633B846F1}">
+                <asvg:svgBlip xmlns:asvg="http://schemas.microsoft.com/office/drawing/2016/SVG/main" r:embed="rId10"/>
+              </a:ext>
+            </a:extLst>
+          </a:blip>
+          <a:stretch>
+            <a:fillRect/>
+          </a:stretch>
+        </a:blipFill>
+        <a:ln w="12700" cap="flat" cmpd="sng" algn="ctr">
+          <a:noFill/>
+          <a:prstDash val="solid"/>
+          <a:miter lim="800000"/>
+        </a:ln>
+        <a:effectLst/>
+      </dsp:spPr>
+      <dsp:style>
+        <a:lnRef idx="2">
+          <a:scrgbClr r="0" g="0" b="0"/>
+        </a:lnRef>
+        <a:fillRef idx="1">
+          <a:scrgbClr r="0" g="0" b="0"/>
+        </a:fillRef>
+        <a:effectRef idx="0">
+          <a:scrgbClr r="0" g="0" b="0"/>
+        </a:effectRef>
+        <a:fontRef idx="minor">
+          <a:schemeClr val="lt1"/>
+        </a:fontRef>
+      </dsp:style>
+    </dsp:sp>
+    <dsp:sp modelId="{7092DC91-F7F7-4B01-BE47-7DB4E093CC01}">
+      <dsp:nvSpPr>
+        <dsp:cNvPr id="0" name=""/>
+        <dsp:cNvSpPr/>
+      </dsp:nvSpPr>
+      <dsp:spPr>
+        <a:xfrm>
+          <a:off x="4942957" y="2452790"/>
+          <a:ext cx="2148945" cy="911674"/>
+        </a:xfrm>
+        <a:prstGeom prst="rect">
+          <a:avLst/>
+        </a:prstGeom>
+        <a:noFill/>
+        <a:ln>
+          <a:noFill/>
+        </a:ln>
+        <a:effectLst/>
+      </dsp:spPr>
+      <dsp:style>
+        <a:lnRef idx="0">
+          <a:scrgbClr r="0" g="0" b="0"/>
+        </a:lnRef>
+        <a:fillRef idx="0">
+          <a:scrgbClr r="0" g="0" b="0"/>
+        </a:fillRef>
+        <a:effectRef idx="0">
+          <a:scrgbClr r="0" g="0" b="0"/>
+        </a:effectRef>
+        <a:fontRef idx="minor"/>
+      </dsp:style>
+      <dsp:txBody>
+        <a:bodyPr spcFirstLastPara="0" vert="horz" wrap="square" lIns="0" tIns="0" rIns="0" bIns="0" numCol="1" spcCol="1270" anchor="ctr" anchorCtr="0">
+          <a:noAutofit/>
+        </a:bodyPr>
+        <a:lstStyle/>
+        <a:p>
+          <a:pPr marL="0" lvl="0" indent="0" algn="l" defTabSz="622300">
+            <a:lnSpc>
+              <a:spcPct val="100000"/>
+            </a:lnSpc>
+            <a:spcBef>
+              <a:spcPct val="0"/>
+            </a:spcBef>
+            <a:spcAft>
+              <a:spcPct val="35000"/>
+            </a:spcAft>
+            <a:buNone/>
+          </a:pPr>
+          <a:r>
+            <a:rPr lang="en-CA" sz="1400" kern="1200"/>
+            <a:t>Worker/Employess in café will have their own login page where they interact with orders.</a:t>
+          </a:r>
+          <a:endParaRPr lang="en-US" sz="1400" kern="1200"/>
+        </a:p>
+      </dsp:txBody>
+      <dsp:txXfrm>
+        <a:off x="4942957" y="2452790"/>
+        <a:ext cx="2148945" cy="911674"/>
+      </dsp:txXfrm>
+    </dsp:sp>
+  </dsp:spTree>
+</dsp:drawing>
+</file>
+
+<file path=ppt/diagrams/layout1.xml><?xml version="1.0" encoding="utf-8"?>
+<dgm:layoutDef xmlns:dgm="http://schemas.openxmlformats.org/drawingml/2006/diagram" xmlns:a="http://schemas.openxmlformats.org/drawingml/2006/main" uniqueId="urn:microsoft.com/office/officeart/2018/2/layout/IconCircleList">
+  <dgm:title val="Icon Circle List"/>
+  <dgm:desc val="Use to show non-sequential or grouped chunks of information accompanied by related visuals. Circular shapes can hold an icon or small picture and corresponding text box shows Level 1 text. Works best for icons or small pictures with medium-length descriptions."/>
+  <dgm:catLst>
+    <dgm:cat type="icon" pri="500"/>
+  </dgm:catLst>
+  <dgm:sampData useDef="1">
+    <dgm:dataModel>
+      <dgm:ptLst/>
+      <dgm:bg/>
+      <dgm:whole/>
+    </dgm:dataModel>
+  </dgm:sampData>
+  <dgm:styleData useDef="1">
+    <dgm:dataModel>
+      <dgm:ptLst/>
+      <dgm:bg/>
+      <dgm:whole/>
+    </dgm:dataModel>
+  </dgm:styleData>
+  <dgm:clrData useDef="1">
+    <dgm:dataModel>
+      <dgm:ptLst/>
+      <dgm:bg/>
+      <dgm:whole/>
+    </dgm:dataModel>
+  </dgm:clrData>
+  <dgm:layoutNode name="root">
+    <dgm:varLst>
+      <dgm:dir/>
+      <dgm:resizeHandles val="exact"/>
+    </dgm:varLst>
+    <dgm:alg type="sp"/>
+    <dgm:shape xmlns:r="http://schemas.openxmlformats.org/officeDocument/2006/relationships" r:blip="">
+      <dgm:adjLst/>
+    </dgm:shape>
+    <dgm:presOf/>
+    <dgm:choose name="Name0">
+      <dgm:if name="Name1" axis="ch" ptType="node" func="cnt" op="lte" val="3">
+        <dgm:constrLst>
+          <dgm:constr type="w" for="ch" forName="container" refType="w"/>
+          <dgm:constr type="h" for="ch" forName="container" refType="h" fact="0.4"/>
+        </dgm:constrLst>
+      </dgm:if>
+      <dgm:else name="Name2">
+        <dgm:constrLst>
+          <dgm:constr type="w" for="ch" forName="container" refType="w"/>
+          <dgm:constr type="h" for="ch" forName="container" refType="h"/>
+        </dgm:constrLst>
+      </dgm:else>
+    </dgm:choose>
+    <dgm:ruleLst>
+      <dgm:rule type="h" for="ch" forName="container" val="INF" fact="NaN" max="NaN"/>
+    </dgm:ruleLst>
+    <dgm:layoutNode name="container">
+      <dgm:varLst>
+        <dgm:dir/>
+        <dgm:resizeHandles val="exact"/>
+      </dgm:varLst>
+      <dgm:choose name="Name3">
+        <dgm:if name="Name4" axis="self" func="var" arg="dir" op="equ" val="norm">
+          <dgm:alg type="snake">
+            <dgm:param type="grDir" val="tL"/>
+            <dgm:param type="flowDir" val="row"/>
+            <dgm:param type="contDir" val="sameDir"/>
+          </dgm:alg>
+        </dgm:if>
+        <dgm:else name="Name5">
+          <dgm:alg type="snake">
+            <dgm:param type="grDir" val="tR"/>
+            <dgm:param type="flowDir" val="row"/>
+            <dgm:param type="contDir" val="sameDir"/>
+          </dgm:alg>
+        </dgm:else>
+      </dgm:choose>
+      <dgm:shape xmlns:r="http://schemas.openxmlformats.org/officeDocument/2006/relationships" r:blip="">
+        <dgm:adjLst/>
+      </dgm:shape>
+      <dgm:presOf/>
+      <dgm:constrLst>
+        <dgm:constr type="w" for="ch" forName="compNode" refType="w"/>
+        <dgm:constr type="h" for="ch" forName="compNode" refType="w" fact="0.28"/>
+        <dgm:constr type="w" for="ch" forName="sibTrans" refType="w" refFor="ch" refForName="compNode" fact="0.115"/>
+        <dgm:constr type="sp" refType="h" op="equ" fact="0.17"/>
+        <dgm:constr type="primFontSz" for="des" ptType="node" op="equ" val="24"/>
+        <dgm:constr type="h" for="des" forName="compNode" op="equ"/>
+        <dgm:constr type="h" for="des" forName="iconBgRect" op="equ"/>
+      </dgm:constrLst>
+      <dgm:ruleLst>
+        <dgm:rule type="w" for="ch" forName="compNode" val="60" fact="NaN" max="NaN"/>
+      </dgm:ruleLst>
+      <dgm:forEach name="Name6" axis="ch" ptType="node">
+        <dgm:layoutNode name="compNode">
+          <dgm:alg type="composite"/>
+          <dgm:shape xmlns:r="http://schemas.openxmlformats.org/officeDocument/2006/relationships" r:blip="">
+            <dgm:adjLst/>
+          </dgm:shape>
+          <dgm:presOf axis="self"/>
+          <dgm:constrLst>
+            <dgm:constr type="w" for="ch" forName="iconBgRect" refType="w" fact="0.28"/>
+            <dgm:constr type="h" for="ch" forName="iconBgRect" refType="w" refFor="ch" refForName="iconBgRect"/>
+            <dgm:constr type="t" for="ch" forName="iconBgRect"/>
+            <dgm:constr type="l" for="ch" forName="iconBgRect"/>
+            <dgm:constr type="w" for="ch" forName="iconRect" refType="w" refFor="ch" refForName="iconBgRect" fact="0.58"/>
+            <dgm:constr type="h" for="ch" forName="iconRect" refType="w" refFor="ch" refForName="iconRect"/>
+            <dgm:constr type="ctrX" for="ch" forName="iconRect" refType="ctrX" refFor="ch" refForName="iconBgRect"/>
+            <dgm:constr type="ctrY" for="ch" forName="iconRect" refType="ctrY" refFor="ch" refForName="iconBgRect"/>
+            <dgm:constr type="w" for="ch" forName="spaceRect" refType="w" fact="0.06"/>
+            <dgm:constr type="h" for="ch" forName="spaceRect" refType="h" refFor="ch" refForName="iconBgRect"/>
+            <dgm:constr type="t" for="ch" forName="spaceRect" refType="t" refFor="ch" refForName="iconBgRect"/>
+            <dgm:constr type="l" for="ch" forName="spaceRect" refType="r" refFor="ch" refForName="iconBgRect"/>
+            <dgm:constr type="h" for="ch" forName="textRect" refType="h" refFor="ch" refForName="iconBgRect"/>
+            <dgm:constr type="t" for="ch" forName="textRect" refType="t" refFor="ch" refForName="iconBgRect"/>
+            <dgm:constr type="l" for="ch" forName="textRect" refType="r" refFor="ch" refForName="spaceRect"/>
+          </dgm:constrLst>
+          <dgm:ruleLst/>
+          <dgm:layoutNode name="iconBgRect" styleLbl="bgShp">
+            <dgm:alg type="sp"/>
+            <dgm:shape xmlns:r="http://schemas.openxmlformats.org/officeDocument/2006/relationships" type="ellipse" r:blip="">
+              <dgm:adjLst/>
+            </dgm:shape>
+            <dgm:presOf/>
+            <dgm:constrLst/>
+            <dgm:ruleLst/>
+          </dgm:layoutNode>
+          <dgm:layoutNode name="iconRect" styleLbl="node1">
+            <dgm:alg type="sp"/>
+            <dgm:shape xmlns:r="http://schemas.openxmlformats.org/officeDocument/2006/relationships" type="rect" r:blip="" blipPhldr="1">
+              <dgm:adjLst/>
+            </dgm:shape>
+            <dgm:presOf/>
+            <dgm:constrLst/>
+            <dgm:ruleLst/>
+          </dgm:layoutNode>
+          <dgm:layoutNode name="spaceRect">
+            <dgm:alg type="sp"/>
+            <dgm:shape xmlns:r="http://schemas.openxmlformats.org/officeDocument/2006/relationships" r:blip="">
+              <dgm:adjLst/>
+            </dgm:shape>
+            <dgm:presOf/>
+            <dgm:constrLst/>
+            <dgm:ruleLst/>
+          </dgm:layoutNode>
+          <dgm:layoutNode name="textRect" styleLbl="revTx">
+            <dgm:varLst>
+              <dgm:chMax val="1"/>
+              <dgm:chPref val="1"/>
+            </dgm:varLst>
+            <dgm:choose name="Name7">
+              <dgm:if name="Name8" func="var" arg="dir" op="equ" val="norm">
+                <dgm:alg type="tx">
+                  <dgm:param type="txAnchorVert" val="mid"/>
+                  <dgm:param type="parTxLTRAlign" val="l"/>
+                  <dgm:param type="shpTxLTRAlignCh" val="l"/>
+                  <dgm:param type="parTxRTLAlign" val="l"/>
+                  <dgm:param type="shpTxRTLAlignCh" val="l"/>
+                </dgm:alg>
+              </dgm:if>
+              <dgm:else name="Name9">
+                <dgm:alg type="tx">
+                  <dgm:param type="txAnchorVert" val="mid"/>
+                  <dgm:param type="parTxLTRAlign" val="r"/>
+                  <dgm:param type="shpTxLTRAlignCh" val="r"/>
+                  <dgm:param type="parTxRTLAlign" val="r"/>
+                  <dgm:param type="shpTxRTLAlignCh" val="r"/>
+                </dgm:alg>
+              </dgm:else>
+            </dgm:choose>
+            <dgm:shape xmlns:r="http://schemas.openxmlformats.org/officeDocument/2006/relationships" type="rect" r:blip="">
+              <dgm:adjLst/>
+            </dgm:shape>
+            <dgm:presOf axis="self" ptType="node"/>
+            <dgm:constrLst>
+              <dgm:constr type="lMarg"/>
+              <dgm:constr type="rMarg"/>
+              <dgm:constr type="tMarg"/>
+              <dgm:constr type="bMarg"/>
+            </dgm:constrLst>
+            <dgm:ruleLst>
+              <dgm:rule type="primFontSz" val="11" fact="NaN" max="NaN"/>
+            </dgm:ruleLst>
+          </dgm:layoutNode>
+        </dgm:layoutNode>
+        <dgm:forEach name="Name10" axis="followSib" ptType="sibTrans" cnt="1">
+          <dgm:layoutNode name="sibTrans">
+            <dgm:alg type="sp"/>
+            <dgm:shape xmlns:r="http://schemas.openxmlformats.org/officeDocument/2006/relationships" type="rect" r:blip="" hideGeom="1">
+              <dgm:adjLst/>
+            </dgm:shape>
+            <dgm:presOf axis="self"/>
+            <dgm:constrLst/>
+            <dgm:ruleLst/>
+          </dgm:layoutNode>
+        </dgm:forEach>
+      </dgm:forEach>
+    </dgm:layoutNode>
+  </dgm:layoutNode>
+  <dgm:extLst>
+    <a:ext uri="{68A01E43-0DF5-4B5B-8FA6-DAF915123BFB}">
+      <dgm1612:lstStyle xmlns:dgm1612="http://schemas.microsoft.com/office/drawing/2016/12/diagram">
+        <a:lvl1pPr>
+          <a:lnSpc>
+            <a:spcPct val="100000"/>
+          </a:lnSpc>
+        </a:lvl1pPr>
+      </dgm1612:lstStyle>
+    </a:ext>
+  </dgm:extLst>
+</dgm:layoutDef>
+</file>
+
+<file path=ppt/diagrams/quickStyle1.xml><?xml version="1.0" encoding="utf-8"?>
+<dgm:styleDef xmlns:dgm="http://schemas.openxmlformats.org/drawingml/2006/diagram" xmlns:a="http://schemas.openxmlformats.org/drawingml/2006/main" uniqueId="urn:microsoft.com/office/officeart/2005/8/quickstyle/simple1">
+  <dgm:title val=""/>
+  <dgm:desc val=""/>
+  <dgm:catLst>
+    <dgm:cat type="simple" pri="10100"/>
+  </dgm:catLst>
+  <dgm:scene3d>
+    <a:camera prst="orthographicFront"/>
+    <a:lightRig rig="threePt" dir="t"/>
+  </dgm:scene3d>
+  <dgm:styleLbl name="node0">
+    <dgm:scene3d>
+      <a:camera prst="orthographicFront"/>
+      <a:lightRig rig="threePt" dir="t"/>
+    </dgm:scene3d>
+    <dgm:sp3d/>
+    <dgm:txPr/>
+    <dgm:style>
+      <a:lnRef idx="2">
+        <a:scrgbClr r="0" g="0" b="0"/>
+      </a:lnRef>
+      <a:fillRef idx="1">
+        <a:scrgbClr r="0" g="0" b="0"/>
+      </a:fillRef>
+      <a:effectRef idx="0">
+        <a:scrgbClr r="0" g="0" b="0"/>
+      </a:effectRef>
+      <a:fontRef idx="minor">
+        <a:schemeClr val="lt1"/>
+      </a:fontRef>
+    </dgm:style>
+  </dgm:styleLbl>
+  <dgm:styleLbl name="lnNode1">
+    <dgm:scene3d>
+      <a:camera prst="orthographicFront"/>
+      <a:lightRig rig="threePt" dir="t"/>
+    </dgm:scene3d>
+    <dgm:sp3d/>
+    <dgm:txPr/>
+    <dgm:style>
+      <a:lnRef idx="2">
+        <a:scrgbClr r="0" g="0" b="0"/>
+      </a:lnRef>
+      <a:fillRef idx="1">
+        <a:scrgbClr r="0" g="0" b="0"/>
+      </a:fillRef>
+      <a:effectRef idx="0">
+        <a:scrgbClr r="0" g="0" b="0"/>
+      </a:effectRef>
+      <a:fontRef idx="minor">
+        <a:schemeClr val="lt1"/>
+      </a:fontRef>
+    </dgm:style>
+  </dgm:styleLbl>
+  <dgm:styleLbl name="vennNode1">
+    <dgm:scene3d>
+      <a:camera prst="orthographicFront"/>
+      <a:lightRig rig="threePt" dir="t"/>
+    </dgm:scene3d>
+    <dgm:sp3d/>
+    <dgm:txPr/>
+    <dgm:style>
+      <a:lnRef idx="2">
+        <a:scrgbClr r="0" g="0" b="0"/>
+      </a:lnRef>
+      <a:fillRef idx="1">
+        <a:scrgbClr r="0" g="0" b="0"/>
+      </a:fillRef>
+      <a:effectRef idx="0">
+        <a:scrgbClr r="0" g="0" b="0"/>
+      </a:effectRef>
+      <a:fontRef idx="minor">
+        <a:schemeClr val="tx1"/>
+      </a:fontRef>
+    </dgm:style>
+  </dgm:styleLbl>
+  <dgm:styleLbl name="alignNode1">
+    <dgm:scene3d>
+      <a:camera prst="orthographicFront"/>
+      <a:lightRig rig="threePt" dir="t"/>
+    </dgm:scene3d>
+    <dgm:sp3d/>
+    <dgm:txPr/>
+    <dgm:style>
+      <a:lnRef idx="2">
+        <a:scrgbClr r="0" g="0" b="0"/>
+      </a:lnRef>
+      <a:fillRef idx="1">
+        <a:scrgbClr r="0" g="0" b="0"/>
+      </a:fillRef>
+      <a:effectRef idx="0">
+        <a:scrgbClr r="0" g="0" b="0"/>
+      </a:effectRef>
+      <a:fontRef idx="minor">
+        <a:schemeClr val="lt1"/>
+      </a:fontRef>
+    </dgm:style>
+  </dgm:styleLbl>
+  <dgm:styleLbl name="node1">
+    <dgm:scene3d>
+      <a:camera prst="orthographicFront"/>
+      <a:lightRig rig="threePt" dir="t"/>
+    </dgm:scene3d>
+    <dgm:sp3d/>
+    <dgm:txPr/>
+    <dgm:style>
+      <a:lnRef idx="2">
+        <a:scrgbClr r="0" g="0" b="0"/>
+      </a:lnRef>
+      <a:fillRef idx="1">
+        <a:scrgbClr r="0" g="0" b="0"/>
+      </a:fillRef>
+      <a:effectRef idx="0">
+        <a:scrgbClr r="0" g="0" b="0"/>
+      </a:effectRef>
+      <a:fontRef idx="minor">
+        <a:schemeClr val="lt1"/>
+      </a:fontRef>
+    </dgm:style>
+  </dgm:styleLbl>
+  <dgm:styleLbl name="node2">
+    <dgm:scene3d>
+      <a:camera prst="orthographicFront"/>
+      <a:lightRig rig="threePt" dir="t"/>
+    </dgm:scene3d>
+    <dgm:sp3d/>
+    <dgm:txPr/>
+    <dgm:style>
+      <a:lnRef idx="2">
+        <a:scrgbClr r="0" g="0" b="0"/>
+      </a:lnRef>
+      <a:fillRef idx="1">
+        <a:scrgbClr r="0" g="0" b="0"/>
+      </a:fillRef>
+      <a:effectRef idx="0">
+        <a:scrgbClr r="0" g="0" b="0"/>
+      </a:effectRef>
+      <a:fontRef idx="minor">
+        <a:schemeClr val="lt1"/>
+      </a:fontRef>
+    </dgm:style>
+  </dgm:styleLbl>
+  <dgm:styleLbl name="node3">
+    <dgm:scene3d>
+      <a:camera prst="orthographicFront"/>
+      <a:lightRig rig="threePt" dir="t"/>
+    </dgm:scene3d>
+    <dgm:sp3d/>
+    <dgm:txPr/>
+    <dgm:style>
+      <a:lnRef idx="2">
+        <a:scrgbClr r="0" g="0" b="0"/>
+      </a:lnRef>
+      <a:fillRef idx="1">
+        <a:scrgbClr r="0" g="0" b="0"/>
+      </a:fillRef>
+      <a:effectRef idx="0">
+        <a:scrgbClr r="0" g="0" b="0"/>
+      </a:effectRef>
+      <a:fontRef idx="minor">
+        <a:schemeClr val="lt1"/>
+      </a:fontRef>
+    </dgm:style>
+  </dgm:styleLbl>
+  <dgm:styleLbl name="node4">
+    <dgm:scene3d>
+      <a:camera prst="orthographicFront"/>
+      <a:lightRig rig="threePt" dir="t"/>
+    </dgm:scene3d>
+    <dgm:sp3d/>
+    <dgm:txPr/>
+    <dgm:style>
+      <a:lnRef idx="2">
+        <a:scrgbClr r="0" g="0" b="0"/>
+      </a:lnRef>
+      <a:fillRef idx="1">
+        <a:scrgbClr r="0" g="0" b="0"/>
+      </a:fillRef>
+      <a:effectRef idx="0">
+        <a:scrgbClr r="0" g="0" b="0"/>
+      </a:effectRef>
+      <a:fontRef idx="minor">
+        <a:schemeClr val="lt1"/>
+      </a:fontRef>
+    </dgm:style>
+  </dgm:styleLbl>
+  <dgm:styleLbl name="fgImgPlace1">
+    <dgm:scene3d>
+      <a:camera prst="orthographicFront"/>
+      <a:lightRig rig="threePt" dir="t"/>
+    </dgm:scene3d>
+    <dgm:sp3d/>
+    <dgm:txPr/>
+    <dgm:style>
+      <a:lnRef idx="2">
+        <a:scrgbClr r="0" g="0" b="0"/>
+      </a:lnRef>
+      <a:fillRef idx="1">
+        <a:scrgbClr r="0" g="0" b="0"/>
+      </a:fillRef>
+      <a:effectRef idx="0">
+        <a:scrgbClr r="0" g="0" b="0"/>
+      </a:effectRef>
+      <a:fontRef idx="minor"/>
+    </dgm:style>
+  </dgm:styleLbl>
+  <dgm:styleLbl name="alignImgPlace1">
+    <dgm:scene3d>
+      <a:camera prst="orthographicFront"/>
+      <a:lightRig rig="threePt" dir="t"/>
+    </dgm:scene3d>
+    <dgm:sp3d/>
+    <dgm:txPr/>
+    <dgm:style>
+      <a:lnRef idx="2">
+        <a:scrgbClr r="0" g="0" b="0"/>
+      </a:lnRef>
+      <a:fillRef idx="1">
+        <a:scrgbClr r="0" g="0" b="0"/>
+      </a:fillRef>
+      <a:effectRef idx="0">
+        <a:scrgbClr r="0" g="0" b="0"/>
+      </a:effectRef>
+      <a:fontRef idx="minor"/>
+    </dgm:style>
+  </dgm:styleLbl>
+  <dgm:styleLbl name="bgImgPlace1">
+    <dgm:scene3d>
+      <a:camera prst="orthographicFront"/>
+      <a:lightRig rig="threePt" dir="t"/>
+    </dgm:scene3d>
+    <dgm:sp3d/>
+    <dgm:txPr/>
+    <dgm:style>
+      <a:lnRef idx="2">
+        <a:scrgbClr r="0" g="0" b="0"/>
+      </a:lnRef>
+      <a:fillRef idx="1">
+        <a:scrgbClr r="0" g="0" b="0"/>
+      </a:fillRef>
+      <a:effectRef idx="0">
+        <a:scrgbClr r="0" g="0" b="0"/>
+      </a:effectRef>
+      <a:fontRef idx="minor"/>
+    </dgm:style>
+  </dgm:styleLbl>
+  <dgm:styleLbl name="sibTrans2D1">
+    <dgm:scene3d>
+      <a:camera prst="orthographicFront"/>
+      <a:lightRig rig="threePt" dir="t"/>
+    </dgm:scene3d>
+    <dgm:sp3d/>
+    <dgm:txPr/>
+    <dgm:style>
+      <a:lnRef idx="0">
+        <a:scrgbClr r="0" g="0" b="0"/>
+      </a:lnRef>
+      <a:fillRef idx="1">
+        <a:scrgbClr r="0" g="0" b="0"/>
+      </a:fillRef>
+      <a:effectRef idx="0">
+        <a:scrgbClr r="0" g="0" b="0"/>
+      </a:effectRef>
+      <a:fontRef idx="minor">
+        <a:schemeClr val="lt1"/>
+      </a:fontRef>
+    </dgm:style>
+  </dgm:styleLbl>
+  <dgm:styleLbl name="fgSibTrans2D1">
+    <dgm:scene3d>
+      <a:camera prst="orthographicFront"/>
+      <a:lightRig rig="threePt" dir="t"/>
+    </dgm:scene3d>
+    <dgm:sp3d/>
+    <dgm:txPr/>
+    <dgm:style>
+      <a:lnRef idx="0">
+        <a:scrgbClr r="0" g="0" b="0"/>
+      </a:lnRef>
+      <a:fillRef idx="1">
+        <a:scrgbClr r="0" g="0" b="0"/>
+      </a:fillRef>
+      <a:effectRef idx="0">
+        <a:scrgbClr r="0" g="0" b="0"/>
+      </a:effectRef>
+      <a:fontRef idx="minor">
+        <a:schemeClr val="lt1"/>
+      </a:fontRef>
+    </dgm:style>
+  </dgm:styleLbl>
+  <dgm:styleLbl name="bgSibTrans2D1">
+    <dgm:scene3d>
+      <a:camera prst="orthographicFront"/>
+      <a:lightRig rig="threePt" dir="t"/>
+    </dgm:scene3d>
+    <dgm:sp3d/>
+    <dgm:txPr/>
+    <dgm:style>
+      <a:lnRef idx="0">
+        <a:scrgbClr r="0" g="0" b="0"/>
+      </a:lnRef>
+      <a:fillRef idx="1">
+        <a:scrgbClr r="0" g="0" b="0"/>
+      </a:fillRef>
+      <a:effectRef idx="0">
+        <a:scrgbClr r="0" g="0" b="0"/>
+      </a:effectRef>
+      <a:fontRef idx="minor">
+        <a:schemeClr val="lt1"/>
+      </a:fontRef>
+    </dgm:style>
+  </dgm:styleLbl>
+  <dgm:styleLbl name="sibTrans1D1">
+    <dgm:scene3d>
+      <a:camera prst="orthographicFront"/>
+      <a:lightRig rig="threePt" dir="t"/>
+    </dgm:scene3d>
+    <dgm:sp3d/>
+    <dgm:txPr/>
+    <dgm:style>
+      <a:lnRef idx="1">
+        <a:scrgbClr r="0" g="0" b="0"/>
+      </a:lnRef>
+      <a:fillRef idx="0">
+        <a:scrgbClr r="0" g="0" b="0"/>
+      </a:fillRef>
+      <a:effectRef idx="0">
+        <a:scrgbClr r="0" g="0" b="0"/>
+      </a:effectRef>
+      <a:fontRef idx="minor"/>
+    </dgm:style>
+  </dgm:styleLbl>
+  <dgm:styleLbl name="callout">
+    <dgm:scene3d>
+      <a:camera prst="orthographicFront"/>
+      <a:lightRig rig="threePt" dir="t"/>
+    </dgm:scene3d>
+    <dgm:sp3d/>
+    <dgm:txPr/>
+    <dgm:style>
+      <a:lnRef idx="2">
+        <a:scrgbClr r="0" g="0" b="0"/>
+      </a:lnRef>
+      <a:fillRef idx="1">
+        <a:scrgbClr r="0" g="0" b="0"/>
+      </a:fillRef>
+      <a:effectRef idx="0">
+        <a:scrgbClr r="0" g="0" b="0"/>
+      </a:effectRef>
+      <a:fontRef idx="minor"/>
+    </dgm:style>
+  </dgm:styleLbl>
+  <dgm:styleLbl name="asst0">
+    <dgm:scene3d>
+      <a:camera prst="orthographicFront"/>
+      <a:lightRig rig="threePt" dir="t"/>
+    </dgm:scene3d>
+    <dgm:sp3d/>
+    <dgm:txPr/>
+    <dgm:style>
+      <a:lnRef idx="2">
+        <a:scrgbClr r="0" g="0" b="0"/>
+      </a:lnRef>
+      <a:fillRef idx="1">
+        <a:scrgbClr r="0" g="0" b="0"/>
+      </a:fillRef>
+      <a:effectRef idx="0">
+        <a:scrgbClr r="0" g="0" b="0"/>
+      </a:effectRef>
+      <a:fontRef idx="minor">
+        <a:schemeClr val="lt1"/>
+      </a:fontRef>
+    </dgm:style>
+  </dgm:styleLbl>
+  <dgm:styleLbl name="asst1">
+    <dgm:scene3d>
+      <a:camera prst="orthographicFront"/>
+      <a:lightRig rig="threePt" dir="t"/>
+    </dgm:scene3d>
+    <dgm:sp3d/>
+    <dgm:txPr/>
+    <dgm:style>
+      <a:lnRef idx="2">
+        <a:scrgbClr r="0" g="0" b="0"/>
+      </a:lnRef>
+      <a:fillRef idx="1">
+        <a:scrgbClr r="0" g="0" b="0"/>
+      </a:fillRef>
+      <a:effectRef idx="0">
+        <a:scrgbClr r="0" g="0" b="0"/>
+      </a:effectRef>
+      <a:fontRef idx="minor">
+        <a:schemeClr val="lt1"/>
+      </a:fontRef>
+    </dgm:style>
+  </dgm:styleLbl>
+  <dgm:styleLbl name="asst2">
+    <dgm:scene3d>
+      <a:camera prst="orthographicFront"/>
+      <a:lightRig rig="threePt" dir="t"/>
+    </dgm:scene3d>
+    <dgm:sp3d/>
+    <dgm:txPr/>
+    <dgm:style>
+      <a:lnRef idx="2">
+        <a:scrgbClr r="0" g="0" b="0"/>
+      </a:lnRef>
+      <a:fillRef idx="1">
+        <a:scrgbClr r="0" g="0" b="0"/>
+      </a:fillRef>
+      <a:effectRef idx="0">
+        <a:scrgbClr r="0" g="0" b="0"/>
+      </a:effectRef>
+      <a:fontRef idx="minor">
+        <a:schemeClr val="lt1"/>
+      </a:fontRef>
+    </dgm:style>
+  </dgm:styleLbl>
+  <dgm:styleLbl name="asst3">
+    <dgm:scene3d>
+      <a:camera prst="orthographicFront"/>
+      <a:lightRig rig="threePt" dir="t"/>
+    </dgm:scene3d>
+    <dgm:sp3d/>
+    <dgm:txPr/>
+    <dgm:style>
+      <a:lnRef idx="2">
+        <a:scrgbClr r="0" g="0" b="0"/>
+      </a:lnRef>
+      <a:fillRef idx="1">
+        <a:scrgbClr r="0" g="0" b="0"/>
+      </a:fillRef>
+      <a:effectRef idx="0">
+        <a:scrgbClr r="0" g="0" b="0"/>
+      </a:effectRef>
+      <a:fontRef idx="minor">
+        <a:schemeClr val="lt1"/>
+      </a:fontRef>
+    </dgm:style>
+  </dgm:styleLbl>
+  <dgm:styleLbl name="asst4">
+    <dgm:scene3d>
+      <a:camera prst="orthographicFront"/>
+      <a:lightRig rig="threePt" dir="t"/>
+    </dgm:scene3d>
+    <dgm:sp3d/>
+    <dgm:txPr/>
+    <dgm:style>
+      <a:lnRef idx="2">
+        <a:scrgbClr r="0" g="0" b="0"/>
+      </a:lnRef>
+      <a:fillRef idx="1">
+        <a:scrgbClr r="0" g="0" b="0"/>
+      </a:fillRef>
+      <a:effectRef idx="0">
+        <a:scrgbClr r="0" g="0" b="0"/>
+      </a:effectRef>
+      <a:fontRef idx="minor">
+        <a:schemeClr val="lt1"/>
+      </a:fontRef>
+    </dgm:style>
+  </dgm:styleLbl>
+  <dgm:styleLbl name="parChTrans2D1">
+    <dgm:scene3d>
+      <a:camera prst="orthographicFront"/>
+      <a:lightRig rig="threePt" dir="t"/>
+    </dgm:scene3d>
+    <dgm:sp3d/>
+    <dgm:txPr/>
+    <dgm:style>
+      <a:lnRef idx="2">
+        <a:scrgbClr r="0" g="0" b="0"/>
+      </a:lnRef>
+      <a:fillRef idx="1">
+        <a:scrgbClr r="0" g="0" b="0"/>
+      </a:fillRef>
+      <a:effectRef idx="0">
+        <a:scrgbClr r="0" g="0" b="0"/>
+      </a:effectRef>
+      <a:fontRef idx="minor">
+        <a:schemeClr val="lt1"/>
+      </a:fontRef>
+    </dgm:style>
+  </dgm:styleLbl>
+  <dgm:styleLbl name="parChTrans2D2">
+    <dgm:scene3d>
+      <a:camera prst="orthographicFront"/>
+      <a:lightRig rig="threePt" dir="t"/>
+    </dgm:scene3d>
+    <dgm:sp3d/>
+    <dgm:txPr/>
+    <dgm:style>
+      <a:lnRef idx="2">
+        <a:scrgbClr r="0" g="0" b="0"/>
+      </a:lnRef>
+      <a:fillRef idx="1">
+        <a:scrgbClr r="0" g="0" b="0"/>
+      </a:fillRef>
+      <a:effectRef idx="0">
+        <a:scrgbClr r="0" g="0" b="0"/>
+      </a:effectRef>
+      <a:fontRef idx="minor">
+        <a:schemeClr val="lt1"/>
+      </a:fontRef>
+    </dgm:style>
+  </dgm:styleLbl>
+  <dgm:styleLbl name="parChTrans2D3">
+    <dgm:scene3d>
+      <a:camera prst="orthographicFront"/>
+      <a:lightRig rig="threePt" dir="t"/>
+    </dgm:scene3d>
+    <dgm:sp3d/>
+    <dgm:txPr/>
+    <dgm:style>
+      <a:lnRef idx="2">
+        <a:scrgbClr r="0" g="0" b="0"/>
+      </a:lnRef>
+      <a:fillRef idx="1">
+        <a:scrgbClr r="0" g="0" b="0"/>
+      </a:fillRef>
+      <a:effectRef idx="0">
+        <a:scrgbClr r="0" g="0" b="0"/>
+      </a:effectRef>
+      <a:fontRef idx="minor">
+        <a:schemeClr val="lt1"/>
+      </a:fontRef>
+    </dgm:style>
+  </dgm:styleLbl>
+  <dgm:styleLbl name="parChTrans2D4">
+    <dgm:scene3d>
+      <a:camera prst="orthographicFront"/>
+      <a:lightRig rig="threePt" dir="t"/>
+    </dgm:scene3d>
+    <dgm:sp3d/>
+    <dgm:txPr/>
+    <dgm:style>
+      <a:lnRef idx="2">
+        <a:scrgbClr r="0" g="0" b="0"/>
+      </a:lnRef>
+      <a:fillRef idx="1">
+        <a:scrgbClr r="0" g="0" b="0"/>
+      </a:fillRef>
+      <a:effectRef idx="0">
+        <a:scrgbClr r="0" g="0" b="0"/>
+      </a:effectRef>
+      <a:fontRef idx="minor">
+        <a:schemeClr val="lt1"/>
+      </a:fontRef>
+    </dgm:style>
+  </dgm:styleLbl>
+  <dgm:styleLbl name="parChTrans1D1">
+    <dgm:scene3d>
+      <a:camera prst="orthographicFront"/>
+      <a:lightRig rig="threePt" dir="t"/>
+    </dgm:scene3d>
+    <dgm:sp3d/>
+    <dgm:txPr/>
+    <dgm:style>
+      <a:lnRef idx="2">
+        <a:scrgbClr r="0" g="0" b="0"/>
+      </a:lnRef>
+      <a:fillRef idx="0">
+        <a:scrgbClr r="0" g="0" b="0"/>
+      </a:fillRef>
+      <a:effectRef idx="0">
+        <a:scrgbClr r="0" g="0" b="0"/>
+      </a:effectRef>
+      <a:fontRef idx="minor"/>
+    </dgm:style>
+  </dgm:styleLbl>
+  <dgm:styleLbl name="parChTrans1D2">
+    <dgm:scene3d>
+      <a:camera prst="orthographicFront"/>
+      <a:lightRig rig="threePt" dir="t"/>
+    </dgm:scene3d>
+    <dgm:sp3d/>
+    <dgm:txPr/>
+    <dgm:style>
+      <a:lnRef idx="2">
+        <a:scrgbClr r="0" g="0" b="0"/>
+      </a:lnRef>
+      <a:fillRef idx="0">
+        <a:scrgbClr r="0" g="0" b="0"/>
+      </a:fillRef>
+      <a:effectRef idx="0">
+        <a:scrgbClr r="0" g="0" b="0"/>
+      </a:effectRef>
+      <a:fontRef idx="minor"/>
+    </dgm:style>
+  </dgm:styleLbl>
+  <dgm:styleLbl name="parChTrans1D3">
+    <dgm:scene3d>
+      <a:camera prst="orthographicFront"/>
+      <a:lightRig rig="threePt" dir="t"/>
+    </dgm:scene3d>
+    <dgm:sp3d/>
+    <dgm:txPr/>
+    <dgm:style>
+      <a:lnRef idx="2">
+        <a:scrgbClr r="0" g="0" b="0"/>
+      </a:lnRef>
+      <a:fillRef idx="0">
+        <a:scrgbClr r="0" g="0" b="0"/>
+      </a:fillRef>
+      <a:effectRef idx="0">
+        <a:scrgbClr r="0" g="0" b="0"/>
+      </a:effectRef>
+      <a:fontRef idx="minor"/>
+    </dgm:style>
+  </dgm:styleLbl>
+  <dgm:styleLbl name="parChTrans1D4">
+    <dgm:scene3d>
+      <a:camera prst="orthographicFront"/>
+      <a:lightRig rig="threePt" dir="t"/>
+    </dgm:scene3d>
+    <dgm:sp3d/>
+    <dgm:txPr/>
+    <dgm:style>
+      <a:lnRef idx="2">
+        <a:scrgbClr r="0" g="0" b="0"/>
+      </a:lnRef>
+      <a:fillRef idx="0">
+        <a:scrgbClr r="0" g="0" b="0"/>
+      </a:fillRef>
+      <a:effectRef idx="0">
+        <a:scrgbClr r="0" g="0" b="0"/>
+      </a:effectRef>
+      <a:fontRef idx="minor"/>
+    </dgm:style>
+  </dgm:styleLbl>
+  <dgm:styleLbl name="fgAcc1">
+    <dgm:scene3d>
+      <a:camera prst="orthographicFront"/>
+      <a:lightRig rig="threePt" dir="t"/>
+    </dgm:scene3d>
+    <dgm:sp3d/>
+    <dgm:txPr/>
+    <dgm:style>
+      <a:lnRef idx="2">
+        <a:scrgbClr r="0" g="0" b="0"/>
+      </a:lnRef>
+      <a:fillRef idx="1">
+        <a:scrgbClr r="0" g="0" b="0"/>
+      </a:fillRef>
+      <a:effectRef idx="0">
+        <a:scrgbClr r="0" g="0" b="0"/>
+      </a:effectRef>
+      <a:fontRef idx="minor"/>
+    </dgm:style>
+  </dgm:styleLbl>
+  <dgm:styleLbl name="conFgAcc1">
+    <dgm:scene3d>
+      <a:camera prst="orthographicFront"/>
+      <a:lightRig rig="threePt" dir="t"/>
+    </dgm:scene3d>
+    <dgm:sp3d/>
+    <dgm:txPr/>
+    <dgm:style>
+      <a:lnRef idx="2">
+        <a:scrgbClr r="0" g="0" b="0"/>
+      </a:lnRef>
+      <a:fillRef idx="1">
+        <a:scrgbClr r="0" g="0" b="0"/>
+      </a:fillRef>
+      <a:effectRef idx="0">
+        <a:scrgbClr r="0" g="0" b="0"/>
+      </a:effectRef>
+      <a:fontRef idx="minor"/>
+    </dgm:style>
+  </dgm:styleLbl>
+  <dgm:styleLbl name="alignAcc1">
+    <dgm:scene3d>
+      <a:camera prst="orthographicFront"/>
+      <a:lightRig rig="threePt" dir="t"/>
+    </dgm:scene3d>
+    <dgm:sp3d/>
+    <dgm:txPr/>
+    <dgm:style>
+      <a:lnRef idx="2">
+        <a:scrgbClr r="0" g="0" b="0"/>
+      </a:lnRef>
+      <a:fillRef idx="1">
+        <a:scrgbClr r="0" g="0" b="0"/>
+      </a:fillRef>
+      <a:effectRef idx="0">
+        <a:scrgbClr r="0" g="0" b="0"/>
+      </a:effectRef>
+      <a:fontRef idx="minor"/>
+    </dgm:style>
+  </dgm:styleLbl>
+  <dgm:styleLbl name="trAlignAcc1">
+    <dgm:scene3d>
+      <a:camera prst="orthographicFront"/>
+      <a:lightRig rig="threePt" dir="t"/>
+    </dgm:scene3d>
+    <dgm:sp3d/>
+    <dgm:txPr/>
+    <dgm:style>
+      <a:lnRef idx="1">
+        <a:scrgbClr r="0" g="0" b="0"/>
+      </a:lnRef>
+      <a:fillRef idx="1">
+        <a:scrgbClr r="0" g="0" b="0"/>
+      </a:fillRef>
+      <a:effectRef idx="0">
+        <a:scrgbClr r="0" g="0" b="0"/>
+      </a:effectRef>
+      <a:fontRef idx="minor"/>
+    </dgm:style>
+  </dgm:styleLbl>
+  <dgm:styleLbl name="bgAcc1">
+    <dgm:scene3d>
+      <a:camera prst="orthographicFront"/>
+      <a:lightRig rig="threePt" dir="t"/>
+    </dgm:scene3d>
+    <dgm:sp3d/>
+    <dgm:txPr/>
+    <dgm:style>
+      <a:lnRef idx="2">
+        <a:scrgbClr r="0" g="0" b="0"/>
+      </a:lnRef>
+      <a:fillRef idx="1">
+        <a:scrgbClr r="0" g="0" b="0"/>
+      </a:fillRef>
+      <a:effectRef idx="0">
+        <a:scrgbClr r="0" g="0" b="0"/>
+      </a:effectRef>
+      <a:fontRef idx="minor"/>
+    </dgm:style>
+  </dgm:styleLbl>
+  <dgm:styleLbl name="solidFgAcc1">
+    <dgm:scene3d>
+      <a:camera prst="orthographicFront"/>
+      <a:lightRig rig="threePt" dir="t"/>
+    </dgm:scene3d>
+    <dgm:sp3d/>
+    <dgm:txPr/>
+    <dgm:style>
+      <a:lnRef idx="2">
+        <a:scrgbClr r="0" g="0" b="0"/>
+      </a:lnRef>
+      <a:fillRef idx="1">
+        <a:scrgbClr r="0" g="0" b="0"/>
+      </a:fillRef>
+      <a:effectRef idx="0">
+        <a:scrgbClr r="0" g="0" b="0"/>
+      </a:effectRef>
+      <a:fontRef idx="minor"/>
+    </dgm:style>
+  </dgm:styleLbl>
+  <dgm:styleLbl name="solidAlignAcc1">
+    <dgm:scene3d>
+      <a:camera prst="orthographicFront"/>
+      <a:lightRig rig="threePt" dir="t"/>
+    </dgm:scene3d>
+    <dgm:sp3d/>
+    <dgm:txPr/>
+    <dgm:style>
+      <a:lnRef idx="2">
+        <a:scrgbClr r="0" g="0" b="0"/>
+      </a:lnRef>
+      <a:fillRef idx="1">
+        <a:scrgbClr r="0" g="0" b="0"/>
+      </a:fillRef>
+      <a:effectRef idx="0">
+        <a:scrgbClr r="0" g="0" b="0"/>
+      </a:effectRef>
+      <a:fontRef idx="minor"/>
+    </dgm:style>
+  </dgm:styleLbl>
+  <dgm:styleLbl name="solidBgAcc1">
+    <dgm:scene3d>
+      <a:camera prst="orthographicFront"/>
+      <a:lightRig rig="threePt" dir="t"/>
+    </dgm:scene3d>
+    <dgm:sp3d/>
+    <dgm:txPr/>
+    <dgm:style>
+      <a:lnRef idx="2">
+        <a:scrgbClr r="0" g="0" b="0"/>
+      </a:lnRef>
+      <a:fillRef idx="1">
+        <a:scrgbClr r="0" g="0" b="0"/>
+      </a:fillRef>
+      <a:effectRef idx="0">
+        <a:scrgbClr r="0" g="0" b="0"/>
+      </a:effectRef>
+      <a:fontRef idx="minor"/>
+    </dgm:style>
+  </dgm:styleLbl>
+  <dgm:styleLbl name="fgAccFollowNode1">
+    <dgm:scene3d>
+      <a:camera prst="orthographicFront"/>
+      <a:lightRig rig="threePt" dir="t"/>
+    </dgm:scene3d>
+    <dgm:sp3d/>
+    <dgm:txPr/>
+    <dgm:style>
+      <a:lnRef idx="2">
+        <a:scrgbClr r="0" g="0" b="0"/>
+      </a:lnRef>
+      <a:fillRef idx="1">
+        <a:scrgbClr r="0" g="0" b="0"/>
+      </a:fillRef>
+      <a:effectRef idx="0">
+        <a:scrgbClr r="0" g="0" b="0"/>
+      </a:effectRef>
+      <a:fontRef idx="minor"/>
+    </dgm:style>
+  </dgm:styleLbl>
+  <dgm:styleLbl name="alignAccFollowNode1">
+    <dgm:scene3d>
+      <a:camera prst="orthographicFront"/>
+      <a:lightRig rig="threePt" dir="t"/>
+    </dgm:scene3d>
+    <dgm:sp3d/>
+    <dgm:txPr/>
+    <dgm:style>
+      <a:lnRef idx="2">
+        <a:scrgbClr r="0" g="0" b="0"/>
+      </a:lnRef>
+      <a:fillRef idx="1">
+        <a:scrgbClr r="0" g="0" b="0"/>
+      </a:fillRef>
+      <a:effectRef idx="0">
+        <a:scrgbClr r="0" g="0" b="0"/>
+      </a:effectRef>
+      <a:fontRef idx="minor"/>
+    </dgm:style>
+  </dgm:styleLbl>
+  <dgm:styleLbl name="bgAccFollowNode1">
+    <dgm:scene3d>
+      <a:camera prst="orthographicFront"/>
+      <a:lightRig rig="threePt" dir="t"/>
+    </dgm:scene3d>
+    <dgm:sp3d/>
+    <dgm:txPr/>
+    <dgm:style>
+      <a:lnRef idx="2">
+        <a:scrgbClr r="0" g="0" b="0"/>
+      </a:lnRef>
+      <a:fillRef idx="1">
+        <a:scrgbClr r="0" g="0" b="0"/>
+      </a:fillRef>
+      <a:effectRef idx="0">
+        <a:scrgbClr r="0" g="0" b="0"/>
+      </a:effectRef>
+      <a:fontRef idx="minor"/>
+    </dgm:style>
+  </dgm:styleLbl>
+  <dgm:styleLbl name="fgAcc0">
+    <dgm:scene3d>
+      <a:camera prst="orthographicFront"/>
+      <a:lightRig rig="threePt" dir="t"/>
+    </dgm:scene3d>
+    <dgm:sp3d/>
+    <dgm:txPr/>
+    <dgm:style>
+      <a:lnRef idx="2">
+        <a:scrgbClr r="0" g="0" b="0"/>
+      </a:lnRef>
+      <a:fillRef idx="1">
+        <a:scrgbClr r="0" g="0" b="0"/>
+      </a:fillRef>
+      <a:effectRef idx="0">
+        <a:scrgbClr r="0" g="0" b="0"/>
+      </a:effectRef>
+      <a:fontRef idx="minor"/>
+    </dgm:style>
+  </dgm:styleLbl>
+  <dgm:styleLbl name="fgAcc2">
+    <dgm:scene3d>
+      <a:camera prst="orthographicFront"/>
+      <a:lightRig rig="threePt" dir="t"/>
+    </dgm:scene3d>
+    <dgm:sp3d/>
+    <dgm:txPr/>
+    <dgm:style>
+      <a:lnRef idx="2">
+        <a:scrgbClr r="0" g="0" b="0"/>
+      </a:lnRef>
+      <a:fillRef idx="1">
+        <a:scrgbClr r="0" g="0" b="0"/>
+      </a:fillRef>
+      <a:effectRef idx="0">
+        <a:scrgbClr r="0" g="0" b="0"/>
+      </a:effectRef>
+      <a:fontRef idx="minor"/>
+    </dgm:style>
+  </dgm:styleLbl>
+  <dgm:styleLbl name="fgAcc3">
+    <dgm:scene3d>
+      <a:camera prst="orthographicFront"/>
+      <a:lightRig rig="threePt" dir="t"/>
+    </dgm:scene3d>
+    <dgm:sp3d/>
+    <dgm:txPr/>
+    <dgm:style>
+      <a:lnRef idx="2">
+        <a:scrgbClr r="0" g="0" b="0"/>
+      </a:lnRef>
+      <a:fillRef idx="1">
+        <a:scrgbClr r="0" g="0" b="0"/>
+      </a:fillRef>
+      <a:effectRef idx="0">
+        <a:scrgbClr r="0" g="0" b="0"/>
+      </a:effectRef>
+      <a:fontRef idx="minor"/>
+    </dgm:style>
+  </dgm:styleLbl>
+  <dgm:styleLbl name="fgAcc4">
+    <dgm:scene3d>
+      <a:camera prst="orthographicFront"/>
+      <a:lightRig rig="threePt" dir="t"/>
+    </dgm:scene3d>
+    <dgm:sp3d/>
+    <dgm:txPr/>
+    <dgm:style>
+      <a:lnRef idx="2">
+        <a:scrgbClr r="0" g="0" b="0"/>
+      </a:lnRef>
+      <a:fillRef idx="1">
+        <a:scrgbClr r="0" g="0" b="0"/>
+      </a:fillRef>
+      <a:effectRef idx="0">
+        <a:scrgbClr r="0" g="0" b="0"/>
+      </a:effectRef>
+      <a:fontRef idx="minor"/>
+    </dgm:style>
+  </dgm:styleLbl>
+  <dgm:styleLbl name="bgShp">
+    <dgm:scene3d>
+      <a:camera prst="orthographicFront"/>
+      <a:lightRig rig="threePt" dir="t"/>
+    </dgm:scene3d>
+    <dgm:sp3d/>
+    <dgm:txPr/>
+    <dgm:style>
+      <a:lnRef idx="0">
+        <a:scrgbClr r="0" g="0" b="0"/>
+      </a:lnRef>
+      <a:fillRef idx="1">
+        <a:scrgbClr r="0" g="0" b="0"/>
+      </a:fillRef>
+      <a:effectRef idx="0">
+        <a:scrgbClr r="0" g="0" b="0"/>
+      </a:effectRef>
+      <a:fontRef idx="minor"/>
+    </dgm:style>
+  </dgm:styleLbl>
+  <dgm:styleLbl name="dkBgShp">
+    <dgm:scene3d>
+      <a:camera prst="orthographicFront"/>
+      <a:lightRig rig="threePt" dir="t"/>
+    </dgm:scene3d>
+    <dgm:sp3d/>
+    <dgm:txPr/>
+    <dgm:style>
+      <a:lnRef idx="0">
+        <a:scrgbClr r="0" g="0" b="0"/>
+      </a:lnRef>
+      <a:fillRef idx="1">
+        <a:scrgbClr r="0" g="0" b="0"/>
+      </a:fillRef>
+      <a:effectRef idx="0">
+        <a:scrgbClr r="0" g="0" b="0"/>
+      </a:effectRef>
+      <a:fontRef idx="minor"/>
+    </dgm:style>
+  </dgm:styleLbl>
+  <dgm:styleLbl name="trBgShp">
+    <dgm:scene3d>
+      <a:camera prst="orthographicFront"/>
+      <a:lightRig rig="threePt" dir="t"/>
+    </dgm:scene3d>
+    <dgm:sp3d/>
+    <dgm:txPr/>
+    <dgm:style>
+      <a:lnRef idx="0">
+        <a:scrgbClr r="0" g="0" b="0"/>
+      </a:lnRef>
+      <a:fillRef idx="1">
+        <a:scrgbClr r="0" g="0" b="0"/>
+      </a:fillRef>
+      <a:effectRef idx="0">
+        <a:scrgbClr r="0" g="0" b="0"/>
+      </a:effectRef>
+      <a:fontRef idx="minor"/>
+    </dgm:style>
+  </dgm:styleLbl>
+  <dgm:styleLbl name="fgShp">
+    <dgm:scene3d>
+      <a:camera prst="orthographicFront"/>
+      <a:lightRig rig="threePt" dir="t"/>
+    </dgm:scene3d>
+    <dgm:sp3d/>
+    <dgm:txPr/>
+    <dgm:style>
+      <a:lnRef idx="2">
+        <a:scrgbClr r="0" g="0" b="0"/>
+      </a:lnRef>
+      <a:fillRef idx="1">
+        <a:scrgbClr r="0" g="0" b="0"/>
+      </a:fillRef>
+      <a:effectRef idx="0">
+        <a:scrgbClr r="0" g="0" b="0"/>
+      </a:effectRef>
+      <a:fontRef idx="minor"/>
+    </dgm:style>
+  </dgm:styleLbl>
+  <dgm:styleLbl name="revTx">
+    <dgm:scene3d>
+      <a:camera prst="orthographicFront"/>
+      <a:lightRig rig="threePt" dir="t"/>
+    </dgm:scene3d>
+    <dgm:sp3d/>
+    <dgm:txPr/>
+    <dgm:style>
+      <a:lnRef idx="0">
+        <a:scrgbClr r="0" g="0" b="0"/>
+      </a:lnRef>
+      <a:fillRef idx="0">
+        <a:scrgbClr r="0" g="0" b="0"/>
+      </a:fillRef>
+      <a:effectRef idx="0">
+        <a:scrgbClr r="0" g="0" b="0"/>
+      </a:effectRef>
+      <a:fontRef idx="minor"/>
+    </dgm:style>
+  </dgm:styleLbl>
+</dgm:styleDef>
 </file>
 
 <file path=ppt/slideLayouts/slideLayout1.xml><?xml version="1.0" encoding="utf-8"?>
@@ -3526,6 +7042,738 @@
         <p:spPr>
           <a:xfrm>
             <a:off x="1474237" y="1418253"/>
+            <a:ext cx="9078685" cy="4676580"/>
+          </a:xfrm>
+          <a:prstGeom prst="rect">
+            <a:avLst/>
+          </a:prstGeom>
+          <a:noFill/>
+          <a:ln>
+            <a:solidFill>
+              <a:schemeClr val="tx1"/>
+            </a:solidFill>
+          </a:ln>
+        </p:spPr>
+        <p:style>
+          <a:lnRef idx="2">
+            <a:schemeClr val="accent1">
+              <a:shade val="50000"/>
+            </a:schemeClr>
+          </a:lnRef>
+          <a:fillRef idx="1">
+            <a:schemeClr val="accent1"/>
+          </a:fillRef>
+          <a:effectRef idx="0">
+            <a:schemeClr val="accent1"/>
+          </a:effectRef>
+          <a:fontRef idx="minor">
+            <a:schemeClr val="lt1"/>
+          </a:fontRef>
+        </p:style>
+        <p:txBody>
+          <a:bodyPr rtlCol="0" anchor="ctr"/>
+          <a:lstStyle/>
+          <a:p>
+            <a:pPr algn="ctr"/>
+            <a:endParaRPr lang="en-CA"/>
+          </a:p>
+        </p:txBody>
+      </p:sp>
+      <p:sp>
+        <p:nvSpPr>
+          <p:cNvPr id="6" name="TextBox 5">
+            <a:extLst>
+              <a:ext uri="{FF2B5EF4-FFF2-40B4-BE49-F238E27FC236}">
+                <a16:creationId xmlns:a16="http://schemas.microsoft.com/office/drawing/2014/main" id="{E135E66C-3B8E-BFCF-31E7-CA814E4414D1}"/>
+              </a:ext>
+            </a:extLst>
+          </p:cNvPr>
+          <p:cNvSpPr txBox="1"/>
+          <p:nvPr/>
+        </p:nvSpPr>
+        <p:spPr>
+          <a:xfrm>
+            <a:off x="4624680" y="675897"/>
+            <a:ext cx="4902069" cy="369332"/>
+          </a:xfrm>
+          <a:prstGeom prst="rect">
+            <a:avLst/>
+          </a:prstGeom>
+          <a:noFill/>
+        </p:spPr>
+        <p:txBody>
+          <a:bodyPr wrap="square" rtlCol="0">
+            <a:spAutoFit/>
+          </a:bodyPr>
+          <a:lstStyle/>
+          <a:p>
+            <a:r>
+              <a:rPr lang="en-CA" dirty="0"/>
+              <a:t>Employee (Order loading page)</a:t>
+            </a:r>
+          </a:p>
+        </p:txBody>
+      </p:sp>
+      <p:sp>
+        <p:nvSpPr>
+          <p:cNvPr id="9" name="Rectangle 8">
+            <a:extLst>
+              <a:ext uri="{FF2B5EF4-FFF2-40B4-BE49-F238E27FC236}">
+                <a16:creationId xmlns:a16="http://schemas.microsoft.com/office/drawing/2014/main" id="{C01B5876-889A-A538-7541-8FF77B5D1B0A}"/>
+              </a:ext>
+            </a:extLst>
+          </p:cNvPr>
+          <p:cNvSpPr/>
+          <p:nvPr/>
+        </p:nvSpPr>
+        <p:spPr>
+          <a:xfrm>
+            <a:off x="1474237" y="1418253"/>
+            <a:ext cx="9078685" cy="578498"/>
+          </a:xfrm>
+          <a:prstGeom prst="rect">
+            <a:avLst/>
+          </a:prstGeom>
+        </p:spPr>
+        <p:style>
+          <a:lnRef idx="2">
+            <a:schemeClr val="accent1">
+              <a:shade val="50000"/>
+            </a:schemeClr>
+          </a:lnRef>
+          <a:fillRef idx="1">
+            <a:schemeClr val="accent1"/>
+          </a:fillRef>
+          <a:effectRef idx="0">
+            <a:schemeClr val="accent1"/>
+          </a:effectRef>
+          <a:fontRef idx="minor">
+            <a:schemeClr val="lt1"/>
+          </a:fontRef>
+        </p:style>
+        <p:txBody>
+          <a:bodyPr rtlCol="0" anchor="ctr"/>
+          <a:lstStyle/>
+          <a:p>
+            <a:pPr algn="ctr"/>
+            <a:endParaRPr lang="en-CA"/>
+          </a:p>
+        </p:txBody>
+      </p:sp>
+      <p:sp>
+        <p:nvSpPr>
+          <p:cNvPr id="10" name="TextBox 9">
+            <a:extLst>
+              <a:ext uri="{FF2B5EF4-FFF2-40B4-BE49-F238E27FC236}">
+                <a16:creationId xmlns:a16="http://schemas.microsoft.com/office/drawing/2014/main" id="{146EC0A1-3AB8-2234-35E4-D33406F676C7}"/>
+              </a:ext>
+            </a:extLst>
+          </p:cNvPr>
+          <p:cNvSpPr txBox="1"/>
+          <p:nvPr/>
+        </p:nvSpPr>
+        <p:spPr>
+          <a:xfrm>
+            <a:off x="1639078" y="1522836"/>
+            <a:ext cx="870857" cy="369332"/>
+          </a:xfrm>
+          <a:prstGeom prst="rect">
+            <a:avLst/>
+          </a:prstGeom>
+          <a:noFill/>
+        </p:spPr>
+        <p:txBody>
+          <a:bodyPr wrap="square" rtlCol="0">
+            <a:spAutoFit/>
+          </a:bodyPr>
+          <a:lstStyle/>
+          <a:p>
+            <a:r>
+              <a:rPr lang="en-CA" dirty="0">
+                <a:solidFill>
+                  <a:schemeClr val="bg1"/>
+                </a:solidFill>
+              </a:rPr>
+              <a:t>LOGO</a:t>
+            </a:r>
+          </a:p>
+        </p:txBody>
+      </p:sp>
+      <p:sp>
+        <p:nvSpPr>
+          <p:cNvPr id="11" name="TextBox 10">
+            <a:extLst>
+              <a:ext uri="{FF2B5EF4-FFF2-40B4-BE49-F238E27FC236}">
+                <a16:creationId xmlns:a16="http://schemas.microsoft.com/office/drawing/2014/main" id="{86D44AFA-62AB-95FB-8DFE-466382D1CC9E}"/>
+              </a:ext>
+            </a:extLst>
+          </p:cNvPr>
+          <p:cNvSpPr txBox="1"/>
+          <p:nvPr/>
+        </p:nvSpPr>
+        <p:spPr>
+          <a:xfrm>
+            <a:off x="9330612" y="1522836"/>
+            <a:ext cx="1132115" cy="369332"/>
+          </a:xfrm>
+          <a:prstGeom prst="rect">
+            <a:avLst/>
+          </a:prstGeom>
+          <a:noFill/>
+        </p:spPr>
+        <p:txBody>
+          <a:bodyPr wrap="square" rtlCol="0">
+            <a:spAutoFit/>
+          </a:bodyPr>
+          <a:lstStyle/>
+          <a:p>
+            <a:r>
+              <a:rPr lang="en-CA" dirty="0">
+                <a:solidFill>
+                  <a:schemeClr val="bg1"/>
+                </a:solidFill>
+              </a:rPr>
+              <a:t>Log out</a:t>
+            </a:r>
+          </a:p>
+        </p:txBody>
+      </p:sp>
+      <p:sp>
+        <p:nvSpPr>
+          <p:cNvPr id="12" name="TextBox 11">
+            <a:extLst>
+              <a:ext uri="{FF2B5EF4-FFF2-40B4-BE49-F238E27FC236}">
+                <a16:creationId xmlns:a16="http://schemas.microsoft.com/office/drawing/2014/main" id="{B9851B59-C76E-8125-B06E-222F333D61C0}"/>
+              </a:ext>
+            </a:extLst>
+          </p:cNvPr>
+          <p:cNvSpPr txBox="1"/>
+          <p:nvPr/>
+        </p:nvSpPr>
+        <p:spPr>
+          <a:xfrm>
+            <a:off x="8198497" y="1522836"/>
+            <a:ext cx="1132115" cy="369332"/>
+          </a:xfrm>
+          <a:prstGeom prst="rect">
+            <a:avLst/>
+          </a:prstGeom>
+          <a:noFill/>
+        </p:spPr>
+        <p:txBody>
+          <a:bodyPr wrap="square" rtlCol="0">
+            <a:spAutoFit/>
+          </a:bodyPr>
+          <a:lstStyle/>
+          <a:p>
+            <a:r>
+              <a:rPr lang="en-CA" dirty="0">
+                <a:solidFill>
+                  <a:schemeClr val="bg1"/>
+                </a:solidFill>
+              </a:rPr>
+              <a:t>Account</a:t>
+            </a:r>
+          </a:p>
+        </p:txBody>
+      </p:sp>
+      <p:grpSp>
+        <p:nvGrpSpPr>
+          <p:cNvPr id="28" name="Group 27">
+            <a:extLst>
+              <a:ext uri="{FF2B5EF4-FFF2-40B4-BE49-F238E27FC236}">
+                <a16:creationId xmlns:a16="http://schemas.microsoft.com/office/drawing/2014/main" id="{D4392FD3-E57A-6961-0A11-A10452906201}"/>
+              </a:ext>
+            </a:extLst>
+          </p:cNvPr>
+          <p:cNvGrpSpPr/>
+          <p:nvPr/>
+        </p:nvGrpSpPr>
+        <p:grpSpPr>
+          <a:xfrm>
+            <a:off x="1660846" y="2676223"/>
+            <a:ext cx="5542385" cy="3257930"/>
+            <a:chOff x="1639074" y="2183363"/>
+            <a:chExt cx="5542385" cy="3257930"/>
+          </a:xfrm>
+        </p:grpSpPr>
+        <p:sp>
+          <p:nvSpPr>
+            <p:cNvPr id="21" name="Rectangle 20">
+              <a:extLst>
+                <a:ext uri="{FF2B5EF4-FFF2-40B4-BE49-F238E27FC236}">
+                  <a16:creationId xmlns:a16="http://schemas.microsoft.com/office/drawing/2014/main" id="{E5063F51-C430-5E83-E441-DE974BCF473C}"/>
+                </a:ext>
+              </a:extLst>
+            </p:cNvPr>
+            <p:cNvSpPr/>
+            <p:nvPr/>
+          </p:nvSpPr>
+          <p:spPr>
+            <a:xfrm>
+              <a:off x="1639074" y="2183363"/>
+              <a:ext cx="5253135" cy="578498"/>
+            </a:xfrm>
+            <a:prstGeom prst="rect">
+              <a:avLst/>
+            </a:prstGeom>
+          </p:spPr>
+          <p:style>
+            <a:lnRef idx="2">
+              <a:schemeClr val="accent1">
+                <a:shade val="50000"/>
+              </a:schemeClr>
+            </a:lnRef>
+            <a:fillRef idx="1">
+              <a:schemeClr val="accent1"/>
+            </a:fillRef>
+            <a:effectRef idx="0">
+              <a:schemeClr val="accent1"/>
+            </a:effectRef>
+            <a:fontRef idx="minor">
+              <a:schemeClr val="lt1"/>
+            </a:fontRef>
+          </p:style>
+          <p:txBody>
+            <a:bodyPr rtlCol="0" anchor="ctr"/>
+            <a:lstStyle/>
+            <a:p>
+              <a:pPr algn="ctr"/>
+              <a:r>
+                <a:rPr lang="en-CA" dirty="0"/>
+                <a:t>Order 5 (New)</a:t>
+              </a:r>
+            </a:p>
+          </p:txBody>
+        </p:sp>
+        <p:sp>
+          <p:nvSpPr>
+            <p:cNvPr id="22" name="Rectangle 21">
+              <a:extLst>
+                <a:ext uri="{FF2B5EF4-FFF2-40B4-BE49-F238E27FC236}">
+                  <a16:creationId xmlns:a16="http://schemas.microsoft.com/office/drawing/2014/main" id="{49E67E62-E691-D77F-29D0-1896F644B6F6}"/>
+                </a:ext>
+              </a:extLst>
+            </p:cNvPr>
+            <p:cNvSpPr/>
+            <p:nvPr/>
+          </p:nvSpPr>
+          <p:spPr>
+            <a:xfrm>
+              <a:off x="1639077" y="2853221"/>
+              <a:ext cx="5253135" cy="578498"/>
+            </a:xfrm>
+            <a:prstGeom prst="rect">
+              <a:avLst/>
+            </a:prstGeom>
+          </p:spPr>
+          <p:style>
+            <a:lnRef idx="2">
+              <a:schemeClr val="accent1">
+                <a:shade val="50000"/>
+              </a:schemeClr>
+            </a:lnRef>
+            <a:fillRef idx="1">
+              <a:schemeClr val="accent1"/>
+            </a:fillRef>
+            <a:effectRef idx="0">
+              <a:schemeClr val="accent1"/>
+            </a:effectRef>
+            <a:fontRef idx="minor">
+              <a:schemeClr val="lt1"/>
+            </a:fontRef>
+          </p:style>
+          <p:txBody>
+            <a:bodyPr rtlCol="0" anchor="ctr"/>
+            <a:lstStyle/>
+            <a:p>
+              <a:pPr algn="ctr"/>
+              <a:r>
+                <a:rPr lang="en-CA" dirty="0"/>
+                <a:t>Order 4 (New)</a:t>
+              </a:r>
+            </a:p>
+          </p:txBody>
+        </p:sp>
+        <p:sp>
+          <p:nvSpPr>
+            <p:cNvPr id="23" name="Rectangle 22">
+              <a:extLst>
+                <a:ext uri="{FF2B5EF4-FFF2-40B4-BE49-F238E27FC236}">
+                  <a16:creationId xmlns:a16="http://schemas.microsoft.com/office/drawing/2014/main" id="{407B36D2-BF9F-E5C9-BB4F-689D08666E2B}"/>
+                </a:ext>
+              </a:extLst>
+            </p:cNvPr>
+            <p:cNvSpPr/>
+            <p:nvPr/>
+          </p:nvSpPr>
+          <p:spPr>
+            <a:xfrm>
+              <a:off x="1639076" y="3523079"/>
+              <a:ext cx="5542383" cy="578498"/>
+            </a:xfrm>
+            <a:prstGeom prst="rect">
+              <a:avLst/>
+            </a:prstGeom>
+          </p:spPr>
+          <p:style>
+            <a:lnRef idx="2">
+              <a:schemeClr val="accent1">
+                <a:shade val="50000"/>
+              </a:schemeClr>
+            </a:lnRef>
+            <a:fillRef idx="1">
+              <a:schemeClr val="accent1"/>
+            </a:fillRef>
+            <a:effectRef idx="0">
+              <a:schemeClr val="accent1"/>
+            </a:effectRef>
+            <a:fontRef idx="minor">
+              <a:schemeClr val="lt1"/>
+            </a:fontRef>
+          </p:style>
+          <p:txBody>
+            <a:bodyPr rtlCol="0" anchor="ctr"/>
+            <a:lstStyle/>
+            <a:p>
+              <a:pPr algn="ctr"/>
+              <a:r>
+                <a:rPr lang="en-CA" dirty="0"/>
+                <a:t>Order 3 (Pending)</a:t>
+              </a:r>
+            </a:p>
+          </p:txBody>
+        </p:sp>
+        <p:sp>
+          <p:nvSpPr>
+            <p:cNvPr id="24" name="Rectangle 23">
+              <a:extLst>
+                <a:ext uri="{FF2B5EF4-FFF2-40B4-BE49-F238E27FC236}">
+                  <a16:creationId xmlns:a16="http://schemas.microsoft.com/office/drawing/2014/main" id="{CE44C750-4B90-594C-D3DA-95E8B0ED4C32}"/>
+                </a:ext>
+              </a:extLst>
+            </p:cNvPr>
+            <p:cNvSpPr/>
+            <p:nvPr/>
+          </p:nvSpPr>
+          <p:spPr>
+            <a:xfrm>
+              <a:off x="1639075" y="4177768"/>
+              <a:ext cx="5253135" cy="608836"/>
+            </a:xfrm>
+            <a:prstGeom prst="rect">
+              <a:avLst/>
+            </a:prstGeom>
+          </p:spPr>
+          <p:style>
+            <a:lnRef idx="2">
+              <a:schemeClr val="accent1">
+                <a:shade val="50000"/>
+              </a:schemeClr>
+            </a:lnRef>
+            <a:fillRef idx="1">
+              <a:schemeClr val="accent1"/>
+            </a:fillRef>
+            <a:effectRef idx="0">
+              <a:schemeClr val="accent1"/>
+            </a:effectRef>
+            <a:fontRef idx="minor">
+              <a:schemeClr val="lt1"/>
+            </a:fontRef>
+          </p:style>
+          <p:txBody>
+            <a:bodyPr rtlCol="0" anchor="ctr"/>
+            <a:lstStyle/>
+            <a:p>
+              <a:pPr algn="ctr"/>
+              <a:r>
+                <a:rPr lang="en-CA" dirty="0"/>
+                <a:t>Order 2 (Pending)</a:t>
+              </a:r>
+            </a:p>
+          </p:txBody>
+        </p:sp>
+        <p:sp>
+          <p:nvSpPr>
+            <p:cNvPr id="25" name="Rectangle 24">
+              <a:extLst>
+                <a:ext uri="{FF2B5EF4-FFF2-40B4-BE49-F238E27FC236}">
+                  <a16:creationId xmlns:a16="http://schemas.microsoft.com/office/drawing/2014/main" id="{3C0DAF4F-AB43-9841-F5D6-A00E8320EF65}"/>
+                </a:ext>
+              </a:extLst>
+            </p:cNvPr>
+            <p:cNvSpPr/>
+            <p:nvPr/>
+          </p:nvSpPr>
+          <p:spPr>
+            <a:xfrm>
+              <a:off x="1639075" y="4862795"/>
+              <a:ext cx="5253136" cy="578498"/>
+            </a:xfrm>
+            <a:prstGeom prst="rect">
+              <a:avLst/>
+            </a:prstGeom>
+          </p:spPr>
+          <p:style>
+            <a:lnRef idx="2">
+              <a:schemeClr val="accent1">
+                <a:shade val="50000"/>
+              </a:schemeClr>
+            </a:lnRef>
+            <a:fillRef idx="1">
+              <a:schemeClr val="accent1"/>
+            </a:fillRef>
+            <a:effectRef idx="0">
+              <a:schemeClr val="accent1"/>
+            </a:effectRef>
+            <a:fontRef idx="minor">
+              <a:schemeClr val="lt1"/>
+            </a:fontRef>
+          </p:style>
+          <p:txBody>
+            <a:bodyPr rtlCol="0" anchor="ctr"/>
+            <a:lstStyle/>
+            <a:p>
+              <a:pPr algn="ctr"/>
+              <a:r>
+                <a:rPr lang="en-CA" dirty="0"/>
+                <a:t>Order 1 (Pending)</a:t>
+              </a:r>
+            </a:p>
+          </p:txBody>
+        </p:sp>
+      </p:grpSp>
+      <p:sp>
+        <p:nvSpPr>
+          <p:cNvPr id="26" name="TextBox 25">
+            <a:extLst>
+              <a:ext uri="{FF2B5EF4-FFF2-40B4-BE49-F238E27FC236}">
+                <a16:creationId xmlns:a16="http://schemas.microsoft.com/office/drawing/2014/main" id="{BC0991B4-7552-3DA1-61EE-9B9093C3C0C8}"/>
+              </a:ext>
+            </a:extLst>
+          </p:cNvPr>
+          <p:cNvSpPr txBox="1"/>
+          <p:nvPr/>
+        </p:nvSpPr>
+        <p:spPr>
+          <a:xfrm>
+            <a:off x="7203232" y="2265192"/>
+            <a:ext cx="3259494" cy="3139321"/>
+          </a:xfrm>
+          <a:prstGeom prst="rect">
+            <a:avLst/>
+          </a:prstGeom>
+          <a:noFill/>
+          <a:ln>
+            <a:solidFill>
+              <a:schemeClr val="tx1"/>
+            </a:solidFill>
+          </a:ln>
+        </p:spPr>
+        <p:txBody>
+          <a:bodyPr wrap="square" rtlCol="0">
+            <a:spAutoFit/>
+          </a:bodyPr>
+          <a:lstStyle/>
+          <a:p>
+            <a:r>
+              <a:rPr lang="en-CA" dirty="0"/>
+              <a:t>Food item 1 </a:t>
+            </a:r>
+          </a:p>
+          <a:p>
+            <a:r>
+              <a:rPr lang="en-CA" dirty="0"/>
+              <a:t>Food item 1 </a:t>
+            </a:r>
+          </a:p>
+          <a:p>
+            <a:r>
+              <a:rPr lang="en-CA" dirty="0"/>
+              <a:t>Food item 1 </a:t>
+            </a:r>
+          </a:p>
+          <a:p>
+            <a:r>
+              <a:rPr lang="en-CA" dirty="0"/>
+              <a:t>Food item 1 </a:t>
+            </a:r>
+          </a:p>
+          <a:p>
+            <a:endParaRPr lang="en-CA" dirty="0"/>
+          </a:p>
+          <a:p>
+            <a:r>
+              <a:rPr lang="en-CA" dirty="0"/>
+              <a:t>Special instruction:</a:t>
+            </a:r>
+          </a:p>
+          <a:p>
+            <a:r>
+              <a:rPr lang="en-CA" dirty="0" err="1"/>
+              <a:t>Alskf</a:t>
+            </a:r>
+            <a:endParaRPr lang="en-CA" dirty="0"/>
+          </a:p>
+          <a:p>
+            <a:r>
+              <a:rPr lang="en-CA" dirty="0" err="1"/>
+              <a:t>Laksdfh</a:t>
+            </a:r>
+            <a:endParaRPr lang="en-CA" dirty="0"/>
+          </a:p>
+          <a:p>
+            <a:r>
+              <a:rPr lang="en-CA" dirty="0" err="1"/>
+              <a:t>Klasdfhj</a:t>
+            </a:r>
+            <a:endParaRPr lang="en-CA" dirty="0"/>
+          </a:p>
+          <a:p>
+            <a:r>
+              <a:rPr lang="en-CA" dirty="0" err="1"/>
+              <a:t>Klasdhfj</a:t>
+            </a:r>
+            <a:endParaRPr lang="en-CA" dirty="0"/>
+          </a:p>
+          <a:p>
+            <a:r>
+              <a:rPr lang="en-CA" dirty="0" err="1"/>
+              <a:t>lksadhfj</a:t>
+            </a:r>
+            <a:endParaRPr lang="en-CA" dirty="0"/>
+          </a:p>
+        </p:txBody>
+      </p:sp>
+      <p:sp>
+        <p:nvSpPr>
+          <p:cNvPr id="27" name="Rectangle 26">
+            <a:extLst>
+              <a:ext uri="{FF2B5EF4-FFF2-40B4-BE49-F238E27FC236}">
+                <a16:creationId xmlns:a16="http://schemas.microsoft.com/office/drawing/2014/main" id="{36ECCED2-CB5B-3BA9-5779-5A356CCE07BE}"/>
+              </a:ext>
+            </a:extLst>
+          </p:cNvPr>
+          <p:cNvSpPr/>
+          <p:nvPr/>
+        </p:nvSpPr>
+        <p:spPr>
+          <a:xfrm>
+            <a:off x="8882741" y="5536315"/>
+            <a:ext cx="1514669" cy="397838"/>
+          </a:xfrm>
+          <a:prstGeom prst="rect">
+            <a:avLst/>
+          </a:prstGeom>
+        </p:spPr>
+        <p:style>
+          <a:lnRef idx="2">
+            <a:schemeClr val="accent1">
+              <a:shade val="50000"/>
+            </a:schemeClr>
+          </a:lnRef>
+          <a:fillRef idx="1">
+            <a:schemeClr val="accent1"/>
+          </a:fillRef>
+          <a:effectRef idx="0">
+            <a:schemeClr val="accent1"/>
+          </a:effectRef>
+          <a:fontRef idx="minor">
+            <a:schemeClr val="lt1"/>
+          </a:fontRef>
+        </p:style>
+        <p:txBody>
+          <a:bodyPr rtlCol="0" anchor="ctr"/>
+          <a:lstStyle/>
+          <a:p>
+            <a:pPr algn="ctr"/>
+            <a:r>
+              <a:rPr lang="en-CA" dirty="0"/>
+              <a:t>Mark Done</a:t>
+            </a:r>
+          </a:p>
+        </p:txBody>
+      </p:sp>
+      <p:sp>
+        <p:nvSpPr>
+          <p:cNvPr id="29" name="TextBox 28">
+            <a:extLst>
+              <a:ext uri="{FF2B5EF4-FFF2-40B4-BE49-F238E27FC236}">
+                <a16:creationId xmlns:a16="http://schemas.microsoft.com/office/drawing/2014/main" id="{86F80ABA-A5B3-C9D8-E03A-B6C9E35C1F38}"/>
+              </a:ext>
+            </a:extLst>
+          </p:cNvPr>
+          <p:cNvSpPr txBox="1"/>
+          <p:nvPr/>
+        </p:nvSpPr>
+        <p:spPr>
+          <a:xfrm>
+            <a:off x="1561322" y="2177922"/>
+            <a:ext cx="3915747" cy="369332"/>
+          </a:xfrm>
+          <a:prstGeom prst="rect">
+            <a:avLst/>
+          </a:prstGeom>
+          <a:noFill/>
+        </p:spPr>
+        <p:txBody>
+          <a:bodyPr wrap="square" rtlCol="0">
+            <a:spAutoFit/>
+          </a:bodyPr>
+          <a:lstStyle/>
+          <a:p>
+            <a:r>
+              <a:rPr lang="en-CA" dirty="0"/>
+              <a:t>Malecon Restaurant (Orders)</a:t>
+            </a:r>
+          </a:p>
+        </p:txBody>
+      </p:sp>
+    </p:spTree>
+    <p:extLst>
+      <p:ext uri="{BB962C8B-B14F-4D97-AF65-F5344CB8AC3E}">
+        <p14:creationId xmlns:p14="http://schemas.microsoft.com/office/powerpoint/2010/main" val="3276659321"/>
+      </p:ext>
+    </p:extLst>
+  </p:cSld>
+  <p:clrMapOvr>
+    <a:masterClrMapping/>
+  </p:clrMapOvr>
+</p:sld>
+</file>
+
+<file path=ppt/slides/slide11.xml><?xml version="1.0" encoding="utf-8"?>
+<p:sld xmlns:a="http://schemas.openxmlformats.org/drawingml/2006/main" xmlns:r="http://schemas.openxmlformats.org/officeDocument/2006/relationships" xmlns:p="http://schemas.openxmlformats.org/presentationml/2006/main">
+  <p:cSld>
+    <p:spTree>
+      <p:nvGrpSpPr>
+        <p:cNvPr id="1" name=""/>
+        <p:cNvGrpSpPr/>
+        <p:nvPr/>
+      </p:nvGrpSpPr>
+      <p:grpSpPr>
+        <a:xfrm>
+          <a:off x="0" y="0"/>
+          <a:ext cx="0" cy="0"/>
+          <a:chOff x="0" y="0"/>
+          <a:chExt cx="0" cy="0"/>
+        </a:xfrm>
+      </p:grpSpPr>
+      <p:sp>
+        <p:nvSpPr>
+          <p:cNvPr id="2" name="Rectangle 1">
+            <a:extLst>
+              <a:ext uri="{FF2B5EF4-FFF2-40B4-BE49-F238E27FC236}">
+                <a16:creationId xmlns:a16="http://schemas.microsoft.com/office/drawing/2014/main" id="{01C8981B-19D4-B0A3-1A1F-3E1F1C6B062C}"/>
+              </a:ext>
+            </a:extLst>
+          </p:cNvPr>
+          <p:cNvSpPr/>
+          <p:nvPr/>
+        </p:nvSpPr>
+        <p:spPr>
+          <a:xfrm>
+            <a:off x="1474237" y="1418253"/>
             <a:ext cx="9078685" cy="4422710"/>
           </a:xfrm>
           <a:prstGeom prst="rect">
@@ -3577,6 +7825,671 @@
         </p:nvSpPr>
         <p:spPr>
           <a:xfrm>
+            <a:off x="3407811" y="796222"/>
+            <a:ext cx="5376377" cy="369332"/>
+          </a:xfrm>
+          <a:prstGeom prst="rect">
+            <a:avLst/>
+          </a:prstGeom>
+          <a:noFill/>
+        </p:spPr>
+        <p:txBody>
+          <a:bodyPr wrap="square" rtlCol="0">
+            <a:spAutoFit/>
+          </a:bodyPr>
+          <a:lstStyle/>
+          <a:p>
+            <a:r>
+              <a:rPr lang="en-CA" dirty="0"/>
+              <a:t>Admin index page with list of restaurants</a:t>
+            </a:r>
+          </a:p>
+        </p:txBody>
+      </p:sp>
+      <p:sp>
+        <p:nvSpPr>
+          <p:cNvPr id="9" name="Rectangle 8">
+            <a:extLst>
+              <a:ext uri="{FF2B5EF4-FFF2-40B4-BE49-F238E27FC236}">
+                <a16:creationId xmlns:a16="http://schemas.microsoft.com/office/drawing/2014/main" id="{C01B5876-889A-A538-7541-8FF77B5D1B0A}"/>
+              </a:ext>
+            </a:extLst>
+          </p:cNvPr>
+          <p:cNvSpPr/>
+          <p:nvPr/>
+        </p:nvSpPr>
+        <p:spPr>
+          <a:xfrm>
+            <a:off x="1474237" y="1418253"/>
+            <a:ext cx="9078685" cy="578498"/>
+          </a:xfrm>
+          <a:prstGeom prst="rect">
+            <a:avLst/>
+          </a:prstGeom>
+        </p:spPr>
+        <p:style>
+          <a:lnRef idx="2">
+            <a:schemeClr val="accent1">
+              <a:shade val="50000"/>
+            </a:schemeClr>
+          </a:lnRef>
+          <a:fillRef idx="1">
+            <a:schemeClr val="accent1"/>
+          </a:fillRef>
+          <a:effectRef idx="0">
+            <a:schemeClr val="accent1"/>
+          </a:effectRef>
+          <a:fontRef idx="minor">
+            <a:schemeClr val="lt1"/>
+          </a:fontRef>
+        </p:style>
+        <p:txBody>
+          <a:bodyPr rtlCol="0" anchor="ctr"/>
+          <a:lstStyle/>
+          <a:p>
+            <a:pPr algn="ctr"/>
+            <a:endParaRPr lang="en-CA"/>
+          </a:p>
+        </p:txBody>
+      </p:sp>
+      <p:sp>
+        <p:nvSpPr>
+          <p:cNvPr id="10" name="TextBox 9">
+            <a:extLst>
+              <a:ext uri="{FF2B5EF4-FFF2-40B4-BE49-F238E27FC236}">
+                <a16:creationId xmlns:a16="http://schemas.microsoft.com/office/drawing/2014/main" id="{146EC0A1-3AB8-2234-35E4-D33406F676C7}"/>
+              </a:ext>
+            </a:extLst>
+          </p:cNvPr>
+          <p:cNvSpPr txBox="1"/>
+          <p:nvPr/>
+        </p:nvSpPr>
+        <p:spPr>
+          <a:xfrm>
+            <a:off x="1639078" y="1522836"/>
+            <a:ext cx="870857" cy="369332"/>
+          </a:xfrm>
+          <a:prstGeom prst="rect">
+            <a:avLst/>
+          </a:prstGeom>
+          <a:noFill/>
+        </p:spPr>
+        <p:txBody>
+          <a:bodyPr wrap="square" rtlCol="0">
+            <a:spAutoFit/>
+          </a:bodyPr>
+          <a:lstStyle/>
+          <a:p>
+            <a:r>
+              <a:rPr lang="en-CA" dirty="0">
+                <a:solidFill>
+                  <a:schemeClr val="bg1"/>
+                </a:solidFill>
+              </a:rPr>
+              <a:t>LOGO</a:t>
+            </a:r>
+          </a:p>
+        </p:txBody>
+      </p:sp>
+      <p:sp>
+        <p:nvSpPr>
+          <p:cNvPr id="11" name="TextBox 10">
+            <a:extLst>
+              <a:ext uri="{FF2B5EF4-FFF2-40B4-BE49-F238E27FC236}">
+                <a16:creationId xmlns:a16="http://schemas.microsoft.com/office/drawing/2014/main" id="{86D44AFA-62AB-95FB-8DFE-466382D1CC9E}"/>
+              </a:ext>
+            </a:extLst>
+          </p:cNvPr>
+          <p:cNvSpPr txBox="1"/>
+          <p:nvPr/>
+        </p:nvSpPr>
+        <p:spPr>
+          <a:xfrm>
+            <a:off x="9330612" y="1522836"/>
+            <a:ext cx="1132115" cy="369332"/>
+          </a:xfrm>
+          <a:prstGeom prst="rect">
+            <a:avLst/>
+          </a:prstGeom>
+          <a:noFill/>
+        </p:spPr>
+        <p:txBody>
+          <a:bodyPr wrap="square" rtlCol="0">
+            <a:spAutoFit/>
+          </a:bodyPr>
+          <a:lstStyle/>
+          <a:p>
+            <a:r>
+              <a:rPr lang="en-CA" dirty="0">
+                <a:solidFill>
+                  <a:schemeClr val="bg1"/>
+                </a:solidFill>
+              </a:rPr>
+              <a:t>Log out</a:t>
+            </a:r>
+          </a:p>
+        </p:txBody>
+      </p:sp>
+      <p:sp>
+        <p:nvSpPr>
+          <p:cNvPr id="12" name="TextBox 11">
+            <a:extLst>
+              <a:ext uri="{FF2B5EF4-FFF2-40B4-BE49-F238E27FC236}">
+                <a16:creationId xmlns:a16="http://schemas.microsoft.com/office/drawing/2014/main" id="{B9851B59-C76E-8125-B06E-222F333D61C0}"/>
+              </a:ext>
+            </a:extLst>
+          </p:cNvPr>
+          <p:cNvSpPr txBox="1"/>
+          <p:nvPr/>
+        </p:nvSpPr>
+        <p:spPr>
+          <a:xfrm>
+            <a:off x="8198497" y="1522836"/>
+            <a:ext cx="1132115" cy="369332"/>
+          </a:xfrm>
+          <a:prstGeom prst="rect">
+            <a:avLst/>
+          </a:prstGeom>
+          <a:noFill/>
+        </p:spPr>
+        <p:txBody>
+          <a:bodyPr wrap="square" rtlCol="0">
+            <a:spAutoFit/>
+          </a:bodyPr>
+          <a:lstStyle/>
+          <a:p>
+            <a:r>
+              <a:rPr lang="en-CA" dirty="0">
+                <a:solidFill>
+                  <a:schemeClr val="bg1"/>
+                </a:solidFill>
+              </a:rPr>
+              <a:t>Account</a:t>
+            </a:r>
+          </a:p>
+        </p:txBody>
+      </p:sp>
+      <p:grpSp>
+        <p:nvGrpSpPr>
+          <p:cNvPr id="16" name="Group 15">
+            <a:extLst>
+              <a:ext uri="{FF2B5EF4-FFF2-40B4-BE49-F238E27FC236}">
+                <a16:creationId xmlns:a16="http://schemas.microsoft.com/office/drawing/2014/main" id="{D692067B-9A39-8773-EE0D-E723EECA1BF1}"/>
+              </a:ext>
+            </a:extLst>
+          </p:cNvPr>
+          <p:cNvGrpSpPr/>
+          <p:nvPr/>
+        </p:nvGrpSpPr>
+        <p:grpSpPr>
+          <a:xfrm>
+            <a:off x="1740158" y="2341984"/>
+            <a:ext cx="8546842" cy="1087016"/>
+            <a:chOff x="1800807" y="2374249"/>
+            <a:chExt cx="8546842" cy="1087016"/>
+          </a:xfrm>
+        </p:grpSpPr>
+        <p:sp>
+          <p:nvSpPr>
+            <p:cNvPr id="13" name="Rectangle 12">
+              <a:extLst>
+                <a:ext uri="{FF2B5EF4-FFF2-40B4-BE49-F238E27FC236}">
+                  <a16:creationId xmlns:a16="http://schemas.microsoft.com/office/drawing/2014/main" id="{E3B792A3-5E88-8FB0-FEEE-6821DCE1133B}"/>
+                </a:ext>
+              </a:extLst>
+            </p:cNvPr>
+            <p:cNvSpPr/>
+            <p:nvPr/>
+          </p:nvSpPr>
+          <p:spPr>
+            <a:xfrm>
+              <a:off x="1800807" y="2374249"/>
+              <a:ext cx="2556588" cy="1087016"/>
+            </a:xfrm>
+            <a:prstGeom prst="rect">
+              <a:avLst/>
+            </a:prstGeom>
+          </p:spPr>
+          <p:style>
+            <a:lnRef idx="2">
+              <a:schemeClr val="accent1">
+                <a:shade val="50000"/>
+              </a:schemeClr>
+            </a:lnRef>
+            <a:fillRef idx="1">
+              <a:schemeClr val="accent1"/>
+            </a:fillRef>
+            <a:effectRef idx="0">
+              <a:schemeClr val="accent1"/>
+            </a:effectRef>
+            <a:fontRef idx="minor">
+              <a:schemeClr val="lt1"/>
+            </a:fontRef>
+          </p:style>
+          <p:txBody>
+            <a:bodyPr rtlCol="0" anchor="ctr"/>
+            <a:lstStyle/>
+            <a:p>
+              <a:pPr algn="ctr"/>
+              <a:r>
+                <a:rPr lang="en-CA" dirty="0"/>
+                <a:t>Malecon</a:t>
+              </a:r>
+            </a:p>
+          </p:txBody>
+        </p:sp>
+        <p:sp>
+          <p:nvSpPr>
+            <p:cNvPr id="14" name="Rectangle 13">
+              <a:extLst>
+                <a:ext uri="{FF2B5EF4-FFF2-40B4-BE49-F238E27FC236}">
+                  <a16:creationId xmlns:a16="http://schemas.microsoft.com/office/drawing/2014/main" id="{F4E8A5D4-272F-7574-35FD-27A5E57FA3C4}"/>
+                </a:ext>
+              </a:extLst>
+            </p:cNvPr>
+            <p:cNvSpPr/>
+            <p:nvPr/>
+          </p:nvSpPr>
+          <p:spPr>
+            <a:xfrm>
+              <a:off x="4817706" y="2419353"/>
+              <a:ext cx="2534816" cy="1041912"/>
+            </a:xfrm>
+            <a:prstGeom prst="rect">
+              <a:avLst/>
+            </a:prstGeom>
+          </p:spPr>
+          <p:style>
+            <a:lnRef idx="2">
+              <a:schemeClr val="accent1">
+                <a:shade val="50000"/>
+              </a:schemeClr>
+            </a:lnRef>
+            <a:fillRef idx="1">
+              <a:schemeClr val="accent1"/>
+            </a:fillRef>
+            <a:effectRef idx="0">
+              <a:schemeClr val="accent1"/>
+            </a:effectRef>
+            <a:fontRef idx="minor">
+              <a:schemeClr val="lt1"/>
+            </a:fontRef>
+          </p:style>
+          <p:txBody>
+            <a:bodyPr rtlCol="0" anchor="ctr"/>
+            <a:lstStyle/>
+            <a:p>
+              <a:pPr algn="ctr"/>
+              <a:r>
+                <a:rPr lang="en-CA" dirty="0"/>
+                <a:t>Pangea’s</a:t>
+              </a:r>
+            </a:p>
+          </p:txBody>
+        </p:sp>
+        <p:sp>
+          <p:nvSpPr>
+            <p:cNvPr id="15" name="Rectangle 14">
+              <a:extLst>
+                <a:ext uri="{FF2B5EF4-FFF2-40B4-BE49-F238E27FC236}">
+                  <a16:creationId xmlns:a16="http://schemas.microsoft.com/office/drawing/2014/main" id="{A13F7B90-9086-1CE3-8811-26806755912D}"/>
+                </a:ext>
+              </a:extLst>
+            </p:cNvPr>
+            <p:cNvSpPr/>
+            <p:nvPr/>
+          </p:nvSpPr>
+          <p:spPr>
+            <a:xfrm>
+              <a:off x="7812833" y="2419353"/>
+              <a:ext cx="2534816" cy="1041912"/>
+            </a:xfrm>
+            <a:prstGeom prst="rect">
+              <a:avLst/>
+            </a:prstGeom>
+          </p:spPr>
+          <p:style>
+            <a:lnRef idx="2">
+              <a:schemeClr val="accent1">
+                <a:shade val="50000"/>
+              </a:schemeClr>
+            </a:lnRef>
+            <a:fillRef idx="1">
+              <a:schemeClr val="accent1"/>
+            </a:fillRef>
+            <a:effectRef idx="0">
+              <a:schemeClr val="accent1"/>
+            </a:effectRef>
+            <a:fontRef idx="minor">
+              <a:schemeClr val="lt1"/>
+            </a:fontRef>
+          </p:style>
+          <p:txBody>
+            <a:bodyPr rtlCol="0" anchor="ctr"/>
+            <a:lstStyle/>
+            <a:p>
+              <a:pPr algn="ctr"/>
+              <a:r>
+                <a:rPr lang="en-CA" dirty="0"/>
+                <a:t>Dash</a:t>
+              </a:r>
+            </a:p>
+          </p:txBody>
+        </p:sp>
+      </p:grpSp>
+      <p:grpSp>
+        <p:nvGrpSpPr>
+          <p:cNvPr id="17" name="Group 16">
+            <a:extLst>
+              <a:ext uri="{FF2B5EF4-FFF2-40B4-BE49-F238E27FC236}">
+                <a16:creationId xmlns:a16="http://schemas.microsoft.com/office/drawing/2014/main" id="{1E8EA798-DA44-CDBC-7A2C-93703A8D81A7}"/>
+              </a:ext>
+            </a:extLst>
+          </p:cNvPr>
+          <p:cNvGrpSpPr/>
+          <p:nvPr/>
+        </p:nvGrpSpPr>
+        <p:grpSpPr>
+          <a:xfrm>
+            <a:off x="1751044" y="3819337"/>
+            <a:ext cx="8546842" cy="1087016"/>
+            <a:chOff x="1800807" y="2374249"/>
+            <a:chExt cx="8546842" cy="1087016"/>
+          </a:xfrm>
+        </p:grpSpPr>
+        <p:sp>
+          <p:nvSpPr>
+            <p:cNvPr id="18" name="Rectangle 17">
+              <a:extLst>
+                <a:ext uri="{FF2B5EF4-FFF2-40B4-BE49-F238E27FC236}">
+                  <a16:creationId xmlns:a16="http://schemas.microsoft.com/office/drawing/2014/main" id="{18199493-C51C-FC8A-65C4-36A9138CC8B5}"/>
+                </a:ext>
+              </a:extLst>
+            </p:cNvPr>
+            <p:cNvSpPr/>
+            <p:nvPr/>
+          </p:nvSpPr>
+          <p:spPr>
+            <a:xfrm>
+              <a:off x="1800807" y="2374249"/>
+              <a:ext cx="2556588" cy="1087016"/>
+            </a:xfrm>
+            <a:prstGeom prst="rect">
+              <a:avLst/>
+            </a:prstGeom>
+          </p:spPr>
+          <p:style>
+            <a:lnRef idx="2">
+              <a:schemeClr val="accent1">
+                <a:shade val="50000"/>
+              </a:schemeClr>
+            </a:lnRef>
+            <a:fillRef idx="1">
+              <a:schemeClr val="accent1"/>
+            </a:fillRef>
+            <a:effectRef idx="0">
+              <a:schemeClr val="accent1"/>
+            </a:effectRef>
+            <a:fontRef idx="minor">
+              <a:schemeClr val="lt1"/>
+            </a:fontRef>
+          </p:style>
+          <p:txBody>
+            <a:bodyPr rtlCol="0" anchor="ctr"/>
+            <a:lstStyle/>
+            <a:p>
+              <a:pPr algn="ctr"/>
+              <a:r>
+                <a:rPr lang="en-CA" dirty="0"/>
+                <a:t>Malecon 2</a:t>
+              </a:r>
+            </a:p>
+          </p:txBody>
+        </p:sp>
+        <p:sp>
+          <p:nvSpPr>
+            <p:cNvPr id="19" name="Rectangle 18">
+              <a:extLst>
+                <a:ext uri="{FF2B5EF4-FFF2-40B4-BE49-F238E27FC236}">
+                  <a16:creationId xmlns:a16="http://schemas.microsoft.com/office/drawing/2014/main" id="{911D8149-DCA3-C13C-A915-2E9340A06153}"/>
+                </a:ext>
+              </a:extLst>
+            </p:cNvPr>
+            <p:cNvSpPr/>
+            <p:nvPr/>
+          </p:nvSpPr>
+          <p:spPr>
+            <a:xfrm>
+              <a:off x="4817706" y="2419353"/>
+              <a:ext cx="2534816" cy="1041912"/>
+            </a:xfrm>
+            <a:prstGeom prst="rect">
+              <a:avLst/>
+            </a:prstGeom>
+          </p:spPr>
+          <p:style>
+            <a:lnRef idx="2">
+              <a:schemeClr val="accent1">
+                <a:shade val="50000"/>
+              </a:schemeClr>
+            </a:lnRef>
+            <a:fillRef idx="1">
+              <a:schemeClr val="accent1"/>
+            </a:fillRef>
+            <a:effectRef idx="0">
+              <a:schemeClr val="accent1"/>
+            </a:effectRef>
+            <a:fontRef idx="minor">
+              <a:schemeClr val="lt1"/>
+            </a:fontRef>
+          </p:style>
+          <p:txBody>
+            <a:bodyPr rtlCol="0" anchor="ctr"/>
+            <a:lstStyle/>
+            <a:p>
+              <a:pPr algn="ctr"/>
+              <a:r>
+                <a:rPr lang="en-CA" dirty="0"/>
+                <a:t>Pangea’s 2</a:t>
+              </a:r>
+            </a:p>
+          </p:txBody>
+        </p:sp>
+        <p:sp>
+          <p:nvSpPr>
+            <p:cNvPr id="20" name="Rectangle 19">
+              <a:extLst>
+                <a:ext uri="{FF2B5EF4-FFF2-40B4-BE49-F238E27FC236}">
+                  <a16:creationId xmlns:a16="http://schemas.microsoft.com/office/drawing/2014/main" id="{4C31A21A-BB56-C577-0811-4FDC96D6D368}"/>
+                </a:ext>
+              </a:extLst>
+            </p:cNvPr>
+            <p:cNvSpPr/>
+            <p:nvPr/>
+          </p:nvSpPr>
+          <p:spPr>
+            <a:xfrm>
+              <a:off x="7812833" y="2419353"/>
+              <a:ext cx="2534816" cy="1041912"/>
+            </a:xfrm>
+            <a:prstGeom prst="rect">
+              <a:avLst/>
+            </a:prstGeom>
+          </p:spPr>
+          <p:style>
+            <a:lnRef idx="2">
+              <a:schemeClr val="accent1">
+                <a:shade val="50000"/>
+              </a:schemeClr>
+            </a:lnRef>
+            <a:fillRef idx="1">
+              <a:schemeClr val="accent1"/>
+            </a:fillRef>
+            <a:effectRef idx="0">
+              <a:schemeClr val="accent1"/>
+            </a:effectRef>
+            <a:fontRef idx="minor">
+              <a:schemeClr val="lt1"/>
+            </a:fontRef>
+          </p:style>
+          <p:txBody>
+            <a:bodyPr rtlCol="0" anchor="ctr"/>
+            <a:lstStyle/>
+            <a:p>
+              <a:pPr algn="ctr"/>
+              <a:r>
+                <a:rPr lang="en-CA" dirty="0"/>
+                <a:t>Dash 2</a:t>
+              </a:r>
+            </a:p>
+          </p:txBody>
+        </p:sp>
+      </p:grpSp>
+      <p:sp>
+        <p:nvSpPr>
+          <p:cNvPr id="3" name="Rectangle 2">
+            <a:extLst>
+              <a:ext uri="{FF2B5EF4-FFF2-40B4-BE49-F238E27FC236}">
+                <a16:creationId xmlns:a16="http://schemas.microsoft.com/office/drawing/2014/main" id="{A39EE18A-62FC-45AB-A44D-357A54E49F34}"/>
+              </a:ext>
+            </a:extLst>
+          </p:cNvPr>
+          <p:cNvSpPr/>
+          <p:nvPr/>
+        </p:nvSpPr>
+        <p:spPr>
+          <a:xfrm>
+            <a:off x="4010608" y="5153415"/>
+            <a:ext cx="4049486" cy="440485"/>
+          </a:xfrm>
+          <a:prstGeom prst="rect">
+            <a:avLst/>
+          </a:prstGeom>
+        </p:spPr>
+        <p:style>
+          <a:lnRef idx="2">
+            <a:schemeClr val="accent1">
+              <a:shade val="50000"/>
+            </a:schemeClr>
+          </a:lnRef>
+          <a:fillRef idx="1">
+            <a:schemeClr val="accent1"/>
+          </a:fillRef>
+          <a:effectRef idx="0">
+            <a:schemeClr val="accent1"/>
+          </a:effectRef>
+          <a:fontRef idx="minor">
+            <a:schemeClr val="lt1"/>
+          </a:fontRef>
+        </p:style>
+        <p:txBody>
+          <a:bodyPr rtlCol="0" anchor="ctr"/>
+          <a:lstStyle/>
+          <a:p>
+            <a:pPr algn="ctr"/>
+            <a:r>
+              <a:rPr lang="en-CA" dirty="0"/>
+              <a:t>Add New Restaurant</a:t>
+            </a:r>
+          </a:p>
+        </p:txBody>
+      </p:sp>
+    </p:spTree>
+    <p:extLst>
+      <p:ext uri="{BB962C8B-B14F-4D97-AF65-F5344CB8AC3E}">
+        <p14:creationId xmlns:p14="http://schemas.microsoft.com/office/powerpoint/2010/main" val="3065866680"/>
+      </p:ext>
+    </p:extLst>
+  </p:cSld>
+  <p:clrMapOvr>
+    <a:masterClrMapping/>
+  </p:clrMapOvr>
+</p:sld>
+</file>
+
+<file path=ppt/slides/slide12.xml><?xml version="1.0" encoding="utf-8"?>
+<p:sld xmlns:a="http://schemas.openxmlformats.org/drawingml/2006/main" xmlns:r="http://schemas.openxmlformats.org/officeDocument/2006/relationships" xmlns:p="http://schemas.openxmlformats.org/presentationml/2006/main">
+  <p:cSld>
+    <p:spTree>
+      <p:nvGrpSpPr>
+        <p:cNvPr id="1" name=""/>
+        <p:cNvGrpSpPr/>
+        <p:nvPr/>
+      </p:nvGrpSpPr>
+      <p:grpSpPr>
+        <a:xfrm>
+          <a:off x="0" y="0"/>
+          <a:ext cx="0" cy="0"/>
+          <a:chOff x="0" y="0"/>
+          <a:chExt cx="0" cy="0"/>
+        </a:xfrm>
+      </p:grpSpPr>
+      <p:sp>
+        <p:nvSpPr>
+          <p:cNvPr id="2" name="Rectangle 1">
+            <a:extLst>
+              <a:ext uri="{FF2B5EF4-FFF2-40B4-BE49-F238E27FC236}">
+                <a16:creationId xmlns:a16="http://schemas.microsoft.com/office/drawing/2014/main" id="{01C8981B-19D4-B0A3-1A1F-3E1F1C6B062C}"/>
+              </a:ext>
+            </a:extLst>
+          </p:cNvPr>
+          <p:cNvSpPr/>
+          <p:nvPr/>
+        </p:nvSpPr>
+        <p:spPr>
+          <a:xfrm>
+            <a:off x="1474237" y="1418253"/>
+            <a:ext cx="9078685" cy="4422710"/>
+          </a:xfrm>
+          <a:prstGeom prst="rect">
+            <a:avLst/>
+          </a:prstGeom>
+          <a:noFill/>
+          <a:ln>
+            <a:solidFill>
+              <a:schemeClr val="tx1"/>
+            </a:solidFill>
+          </a:ln>
+        </p:spPr>
+        <p:style>
+          <a:lnRef idx="2">
+            <a:schemeClr val="accent1">
+              <a:shade val="50000"/>
+            </a:schemeClr>
+          </a:lnRef>
+          <a:fillRef idx="1">
+            <a:schemeClr val="accent1"/>
+          </a:fillRef>
+          <a:effectRef idx="0">
+            <a:schemeClr val="accent1"/>
+          </a:effectRef>
+          <a:fontRef idx="minor">
+            <a:schemeClr val="lt1"/>
+          </a:fontRef>
+        </p:style>
+        <p:txBody>
+          <a:bodyPr rtlCol="0" anchor="ctr"/>
+          <a:lstStyle/>
+          <a:p>
+            <a:pPr algn="ctr"/>
+            <a:endParaRPr lang="en-CA"/>
+          </a:p>
+        </p:txBody>
+      </p:sp>
+      <p:sp>
+        <p:nvSpPr>
+          <p:cNvPr id="6" name="TextBox 5">
+            <a:extLst>
+              <a:ext uri="{FF2B5EF4-FFF2-40B4-BE49-F238E27FC236}">
+                <a16:creationId xmlns:a16="http://schemas.microsoft.com/office/drawing/2014/main" id="{E135E66C-3B8E-BFCF-31E7-CA814E4414D1}"/>
+              </a:ext>
+            </a:extLst>
+          </p:cNvPr>
+          <p:cNvSpPr txBox="1"/>
+          <p:nvPr/>
+        </p:nvSpPr>
+        <p:spPr>
+          <a:xfrm>
             <a:off x="4510961" y="757139"/>
             <a:ext cx="3170077" cy="369332"/>
           </a:xfrm>
@@ -3745,7 +8658,7 @@
 </p:sld>
 </file>
 
-<file path=ppt/slides/slide11.xml><?xml version="1.0" encoding="utf-8"?>
+<file path=ppt/slides/slide13.xml><?xml version="1.0" encoding="utf-8"?>
 <p:sld xmlns:a="http://schemas.openxmlformats.org/drawingml/2006/main" xmlns:r="http://schemas.openxmlformats.org/officeDocument/2006/relationships" xmlns:p="http://schemas.openxmlformats.org/presentationml/2006/main">
   <p:cSld>
     <p:spTree>
@@ -4802,7 +9715,7 @@
 </p:sld>
 </file>
 
-<file path=ppt/slides/slide12.xml><?xml version="1.0" encoding="utf-8"?>
+<file path=ppt/slides/slide14.xml><?xml version="1.0" encoding="utf-8"?>
 <p:sld xmlns:a="http://schemas.openxmlformats.org/drawingml/2006/main" xmlns:r="http://schemas.openxmlformats.org/officeDocument/2006/relationships" xmlns:p="http://schemas.openxmlformats.org/presentationml/2006/main">
   <p:cSld>
     <p:spTree>
@@ -4888,7 +9801,1007 @@
 </p:sld>
 </file>
 
-<file path=ppt/slides/slide13.xml><?xml version="1.0" encoding="utf-8"?>
+<file path=ppt/slides/slide15.xml><?xml version="1.0" encoding="utf-8"?>
+<p:sld xmlns:a="http://schemas.openxmlformats.org/drawingml/2006/main" xmlns:r="http://schemas.openxmlformats.org/officeDocument/2006/relationships" xmlns:p="http://schemas.openxmlformats.org/presentationml/2006/main">
+  <p:cSld>
+    <p:spTree>
+      <p:nvGrpSpPr>
+        <p:cNvPr id="1" name=""/>
+        <p:cNvGrpSpPr/>
+        <p:nvPr/>
+      </p:nvGrpSpPr>
+      <p:grpSpPr>
+        <a:xfrm>
+          <a:off x="0" y="0"/>
+          <a:ext cx="0" cy="0"/>
+          <a:chOff x="0" y="0"/>
+          <a:chExt cx="0" cy="0"/>
+        </a:xfrm>
+      </p:grpSpPr>
+      <p:sp>
+        <p:nvSpPr>
+          <p:cNvPr id="2" name="TextBox 1">
+            <a:extLst>
+              <a:ext uri="{FF2B5EF4-FFF2-40B4-BE49-F238E27FC236}">
+                <a16:creationId xmlns:a16="http://schemas.microsoft.com/office/drawing/2014/main" id="{17C7F5DC-36FF-1517-05CD-547527DF8DBD}"/>
+              </a:ext>
+            </a:extLst>
+          </p:cNvPr>
+          <p:cNvSpPr txBox="1"/>
+          <p:nvPr/>
+        </p:nvSpPr>
+        <p:spPr>
+          <a:xfrm>
+            <a:off x="690467" y="326571"/>
+            <a:ext cx="7053941" cy="646331"/>
+          </a:xfrm>
+          <a:prstGeom prst="rect">
+            <a:avLst/>
+          </a:prstGeom>
+          <a:noFill/>
+        </p:spPr>
+        <p:txBody>
+          <a:bodyPr wrap="square" rtlCol="0">
+            <a:spAutoFit/>
+          </a:bodyPr>
+          <a:lstStyle/>
+          <a:p>
+            <a:r>
+              <a:rPr lang="en-CA" sz="3600" b="1" dirty="0"/>
+              <a:t>Mid-term milestone requirements:</a:t>
+            </a:r>
+          </a:p>
+        </p:txBody>
+      </p:sp>
+      <p:sp>
+        <p:nvSpPr>
+          <p:cNvPr id="3" name="TextBox 2">
+            <a:extLst>
+              <a:ext uri="{FF2B5EF4-FFF2-40B4-BE49-F238E27FC236}">
+                <a16:creationId xmlns:a16="http://schemas.microsoft.com/office/drawing/2014/main" id="{F14A0760-E7C4-7DCC-DA88-C739507DDE1E}"/>
+              </a:ext>
+            </a:extLst>
+          </p:cNvPr>
+          <p:cNvSpPr txBox="1"/>
+          <p:nvPr/>
+        </p:nvSpPr>
+        <p:spPr>
+          <a:xfrm>
+            <a:off x="690467" y="899118"/>
+            <a:ext cx="11000790" cy="5262979"/>
+          </a:xfrm>
+          <a:prstGeom prst="rect">
+            <a:avLst/>
+          </a:prstGeom>
+          <a:noFill/>
+        </p:spPr>
+        <p:txBody>
+          <a:bodyPr wrap="square" rtlCol="0">
+            <a:spAutoFit/>
+          </a:bodyPr>
+          <a:lstStyle/>
+          <a:p>
+            <a:r>
+              <a:rPr lang="en-CA" sz="2400" dirty="0"/>
+              <a:t>Implementing the admin part with ability to display and create restaurants and menu items.</a:t>
+            </a:r>
+          </a:p>
+          <a:p>
+            <a:endParaRPr lang="en-CA" sz="2400" dirty="0"/>
+          </a:p>
+          <a:p>
+            <a:pPr marL="342900" indent="-342900">
+              <a:buAutoNum type="arabicPeriod"/>
+            </a:pPr>
+            <a:r>
+              <a:rPr lang="en-CA" sz="2400" dirty="0"/>
+              <a:t>Custom 404 and 500 pages.</a:t>
+            </a:r>
+          </a:p>
+          <a:p>
+            <a:pPr marL="342900" indent="-342900">
+              <a:buAutoNum type="arabicPeriod"/>
+            </a:pPr>
+            <a:r>
+              <a:rPr lang="en-CA" sz="2400" dirty="0"/>
+              <a:t>Upload food images and serve as static files from a folder. </a:t>
+            </a:r>
+          </a:p>
+          <a:p>
+            <a:pPr marL="342900" indent="-342900">
+              <a:buAutoNum type="arabicPeriod"/>
+            </a:pPr>
+            <a:r>
+              <a:rPr lang="en-CA" sz="2400" dirty="0"/>
+              <a:t>When a particular restaurant is opened, or edited, or menu item is edited, restaurant or menu id is passed as route or query string parameter.</a:t>
+            </a:r>
+          </a:p>
+          <a:p>
+            <a:pPr marL="342900" indent="-342900">
+              <a:buAutoNum type="arabicPeriod"/>
+            </a:pPr>
+            <a:r>
+              <a:rPr lang="en-CA" sz="2400" dirty="0"/>
+              <a:t>HTML Forms will be served for creating restaurants and menu items. </a:t>
+            </a:r>
+          </a:p>
+          <a:p>
+            <a:pPr marL="342900" indent="-342900">
+              <a:buAutoNum type="arabicPeriod"/>
+            </a:pPr>
+            <a:r>
+              <a:rPr lang="en-CA" sz="2400" dirty="0"/>
+              <a:t>Http-bodies will be processed when a form is submitted for creating restaurant or menu.</a:t>
+            </a:r>
+          </a:p>
+          <a:p>
+            <a:pPr marL="342900" indent="-342900">
+              <a:buAutoNum type="arabicPeriod"/>
+            </a:pPr>
+            <a:r>
+              <a:rPr lang="en-CA" sz="2400" dirty="0"/>
+              <a:t>Accept food image files uploaded by the customers and store it. </a:t>
+            </a:r>
+          </a:p>
+          <a:p>
+            <a:pPr marL="342900" indent="-342900">
+              <a:buAutoNum type="arabicPeriod"/>
+            </a:pPr>
+            <a:r>
+              <a:rPr lang="en-CA" sz="2400" dirty="0"/>
+              <a:t>Deleting menu items will be done through Ajax calls. </a:t>
+            </a:r>
+          </a:p>
+          <a:p>
+            <a:pPr marL="342900" indent="-342900">
+              <a:buAutoNum type="arabicPeriod"/>
+            </a:pPr>
+            <a:r>
+              <a:rPr lang="en-CA" sz="2400" dirty="0"/>
+              <a:t>All view files will use </a:t>
+            </a:r>
+            <a:r>
+              <a:rPr lang="en-CA" sz="2400" dirty="0" err="1"/>
+              <a:t>Nunjucks</a:t>
+            </a:r>
+            <a:r>
+              <a:rPr lang="en-CA" sz="2400" dirty="0"/>
+              <a:t> templates and include advanced features such as loops, conditions, and include/extends.  </a:t>
+            </a:r>
+          </a:p>
+        </p:txBody>
+      </p:sp>
+    </p:spTree>
+    <p:extLst>
+      <p:ext uri="{BB962C8B-B14F-4D97-AF65-F5344CB8AC3E}">
+        <p14:creationId xmlns:p14="http://schemas.microsoft.com/office/powerpoint/2010/main" val="3603832726"/>
+      </p:ext>
+    </p:extLst>
+  </p:cSld>
+  <p:clrMapOvr>
+    <a:masterClrMapping/>
+  </p:clrMapOvr>
+</p:sld>
+</file>
+
+<file path=ppt/slides/slide2.xml><?xml version="1.0" encoding="utf-8"?>
+<p:sld xmlns:a="http://schemas.openxmlformats.org/drawingml/2006/main" xmlns:r="http://schemas.openxmlformats.org/officeDocument/2006/relationships" xmlns:p="http://schemas.openxmlformats.org/presentationml/2006/main">
+  <p:cSld>
+    <p:bg>
+      <p:bgPr>
+        <a:solidFill>
+          <a:schemeClr val="bg1">
+            <a:tint val="95000"/>
+            <a:satMod val="170000"/>
+          </a:schemeClr>
+        </a:solidFill>
+        <a:effectLst/>
+      </p:bgPr>
+    </p:bg>
+    <p:spTree>
+      <p:nvGrpSpPr>
+        <p:cNvPr id="1" name=""/>
+        <p:cNvGrpSpPr/>
+        <p:nvPr/>
+      </p:nvGrpSpPr>
+      <p:grpSpPr>
+        <a:xfrm>
+          <a:off x="0" y="0"/>
+          <a:ext cx="0" cy="0"/>
+          <a:chOff x="0" y="0"/>
+          <a:chExt cx="0" cy="0"/>
+        </a:xfrm>
+      </p:grpSpPr>
+      <p:sp>
+        <p:nvSpPr>
+          <p:cNvPr id="2" name="Title 1">
+            <a:extLst>
+              <a:ext uri="{FF2B5EF4-FFF2-40B4-BE49-F238E27FC236}">
+                <a16:creationId xmlns:a16="http://schemas.microsoft.com/office/drawing/2014/main" id="{452DE149-B6A3-4326-6CA4-6B59BF675A02}"/>
+              </a:ext>
+            </a:extLst>
+          </p:cNvPr>
+          <p:cNvSpPr>
+            <a:spLocks noGrp="1"/>
+          </p:cNvSpPr>
+          <p:nvPr>
+            <p:ph type="title"/>
+          </p:nvPr>
+        </p:nvSpPr>
+        <p:spPr>
+          <a:xfrm>
+            <a:off x="7464614" y="1783959"/>
+            <a:ext cx="4087306" cy="2889114"/>
+          </a:xfrm>
+        </p:spPr>
+        <p:txBody>
+          <a:bodyPr vert="horz" lIns="91440" tIns="45720" rIns="91440" bIns="45720" rtlCol="0" anchor="b">
+            <a:normAutofit/>
+          </a:bodyPr>
+          <a:lstStyle/>
+          <a:p>
+            <a:r>
+              <a:rPr lang="en-US" sz="5400" dirty="0"/>
+              <a:t>What is it?</a:t>
+            </a:r>
+          </a:p>
+        </p:txBody>
+      </p:sp>
+      <p:sp>
+        <p:nvSpPr>
+          <p:cNvPr id="3" name="Content Placeholder 2">
+            <a:extLst>
+              <a:ext uri="{FF2B5EF4-FFF2-40B4-BE49-F238E27FC236}">
+                <a16:creationId xmlns:a16="http://schemas.microsoft.com/office/drawing/2014/main" id="{536E19F3-52FF-6C6A-A584-E7C4420562E1}"/>
+              </a:ext>
+            </a:extLst>
+          </p:cNvPr>
+          <p:cNvSpPr>
+            <a:spLocks noGrp="1"/>
+          </p:cNvSpPr>
+          <p:nvPr>
+            <p:ph idx="1"/>
+          </p:nvPr>
+        </p:nvSpPr>
+        <p:spPr>
+          <a:xfrm>
+            <a:off x="7464612" y="4750893"/>
+            <a:ext cx="4087305" cy="1147863"/>
+          </a:xfrm>
+        </p:spPr>
+        <p:txBody>
+          <a:bodyPr vert="horz" lIns="91440" tIns="45720" rIns="91440" bIns="45720" rtlCol="0" anchor="t">
+            <a:normAutofit/>
+          </a:bodyPr>
+          <a:lstStyle/>
+          <a:p>
+            <a:pPr marL="0" indent="0">
+              <a:buNone/>
+            </a:pPr>
+            <a:r>
+              <a:rPr lang="en-US" sz="2000" dirty="0"/>
+              <a:t>It is a Food ordering system for University of Winnipeg, which include all the Cafe’s in U of W campus.</a:t>
+            </a:r>
+          </a:p>
+        </p:txBody>
+      </p:sp>
+      <p:sp>
+        <p:nvSpPr>
+          <p:cNvPr id="9" name="Freeform: Shape 8">
+            <a:extLst>
+              <a:ext uri="{FF2B5EF4-FFF2-40B4-BE49-F238E27FC236}">
+                <a16:creationId xmlns:a16="http://schemas.microsoft.com/office/drawing/2014/main" id="{E49CC64F-7275-4E33-961B-0C5CDC439875}"/>
+              </a:ext>
+              <a:ext uri="{C183D7F6-B498-43B3-948B-1728B52AA6E4}">
+                <adec:decorative xmlns:adec="http://schemas.microsoft.com/office/drawing/2017/decorative" val="1"/>
+              </a:ext>
+            </a:extLst>
+          </p:cNvPr>
+          <p:cNvSpPr>
+            <a:spLocks noGrp="1" noRot="1" noChangeAspect="1" noMove="1" noResize="1" noEditPoints="1" noAdjustHandles="1" noChangeArrowheads="1" noChangeShapeType="1" noTextEdit="1"/>
+          </p:cNvSpPr>
+          <p:nvPr>
+            <p:extLst>
+              <p:ext uri="{386F3935-93C4-4BCD-93E2-E3B085C9AB24}">
+                <p16:designElem xmlns:p16="http://schemas.microsoft.com/office/powerpoint/2015/main" val="1"/>
+              </p:ext>
+            </p:extLst>
+          </p:nvPr>
+        </p:nvSpPr>
+        <p:spPr>
+          <a:xfrm flipH="1" flipV="1">
+            <a:off x="1" y="0"/>
+            <a:ext cx="7188051" cy="6858000"/>
+          </a:xfrm>
+          <a:custGeom>
+            <a:avLst/>
+            <a:gdLst>
+              <a:gd name="connsiteX0" fmla="*/ 7188051 w 7188051"/>
+              <a:gd name="connsiteY0" fmla="*/ 6858000 h 6858000"/>
+              <a:gd name="connsiteX1" fmla="*/ 108694 w 7188051"/>
+              <a:gd name="connsiteY1" fmla="*/ 6858000 h 6858000"/>
+              <a:gd name="connsiteX2" fmla="*/ 79127 w 7188051"/>
+              <a:gd name="connsiteY2" fmla="*/ 6681235 h 6858000"/>
+              <a:gd name="connsiteX3" fmla="*/ 0 w 7188051"/>
+              <a:gd name="connsiteY3" fmla="*/ 5565888 h 6858000"/>
+              <a:gd name="connsiteX4" fmla="*/ 2190696 w 7188051"/>
+              <a:gd name="connsiteY4" fmla="*/ 145339 h 6858000"/>
+              <a:gd name="connsiteX5" fmla="*/ 2339431 w 7188051"/>
+              <a:gd name="connsiteY5" fmla="*/ 0 h 6858000"/>
+              <a:gd name="connsiteX6" fmla="*/ 7188051 w 7188051"/>
+              <a:gd name="connsiteY6" fmla="*/ 0 h 6858000"/>
+            </a:gdLst>
+            <a:ahLst/>
+            <a:cxnLst>
+              <a:cxn ang="0">
+                <a:pos x="connsiteX0" y="connsiteY0"/>
+              </a:cxn>
+              <a:cxn ang="0">
+                <a:pos x="connsiteX1" y="connsiteY1"/>
+              </a:cxn>
+              <a:cxn ang="0">
+                <a:pos x="connsiteX2" y="connsiteY2"/>
+              </a:cxn>
+              <a:cxn ang="0">
+                <a:pos x="connsiteX3" y="connsiteY3"/>
+              </a:cxn>
+              <a:cxn ang="0">
+                <a:pos x="connsiteX4" y="connsiteY4"/>
+              </a:cxn>
+              <a:cxn ang="0">
+                <a:pos x="connsiteX5" y="connsiteY5"/>
+              </a:cxn>
+              <a:cxn ang="0">
+                <a:pos x="connsiteX6" y="connsiteY6"/>
+              </a:cxn>
+            </a:cxnLst>
+            <a:rect l="l" t="t" r="r" b="b"/>
+            <a:pathLst>
+              <a:path w="7188051" h="6858000">
+                <a:moveTo>
+                  <a:pt x="7188051" y="6858000"/>
+                </a:moveTo>
+                <a:lnTo>
+                  <a:pt x="108694" y="6858000"/>
+                </a:lnTo>
+                <a:lnTo>
+                  <a:pt x="79127" y="6681235"/>
+                </a:lnTo>
+                <a:cubicBezTo>
+                  <a:pt x="26981" y="6316967"/>
+                  <a:pt x="0" y="5944579"/>
+                  <a:pt x="0" y="5565888"/>
+                </a:cubicBezTo>
+                <a:cubicBezTo>
+                  <a:pt x="0" y="3459953"/>
+                  <a:pt x="834428" y="1548908"/>
+                  <a:pt x="2190696" y="145339"/>
+                </a:cubicBezTo>
+                <a:lnTo>
+                  <a:pt x="2339431" y="0"/>
+                </a:lnTo>
+                <a:lnTo>
+                  <a:pt x="7188051" y="0"/>
+                </a:lnTo>
+                <a:close/>
+              </a:path>
+            </a:pathLst>
+          </a:custGeom>
+          <a:solidFill>
+            <a:schemeClr val="tx1">
+              <a:alpha val="80000"/>
+            </a:schemeClr>
+          </a:solidFill>
+          <a:ln>
+            <a:noFill/>
+          </a:ln>
+        </p:spPr>
+        <p:style>
+          <a:lnRef idx="2">
+            <a:schemeClr val="accent1">
+              <a:shade val="50000"/>
+            </a:schemeClr>
+          </a:lnRef>
+          <a:fillRef idx="1">
+            <a:schemeClr val="accent1"/>
+          </a:fillRef>
+          <a:effectRef idx="0">
+            <a:schemeClr val="accent1"/>
+          </a:effectRef>
+          <a:fontRef idx="minor">
+            <a:schemeClr val="lt1"/>
+          </a:fontRef>
+        </p:style>
+        <p:txBody>
+          <a:bodyPr wrap="square" rtlCol="0" anchor="ctr">
+            <a:noAutofit/>
+          </a:bodyPr>
+          <a:lstStyle/>
+          <a:p>
+            <a:pPr algn="ctr"/>
+            <a:endParaRPr lang="en-US"/>
+          </a:p>
+        </p:txBody>
+      </p:sp>
+      <p:pic>
+        <p:nvPicPr>
+          <p:cNvPr id="5" name="Picture 4" descr="Burgers and milkshakes">
+            <a:extLst>
+              <a:ext uri="{FF2B5EF4-FFF2-40B4-BE49-F238E27FC236}">
+                <a16:creationId xmlns:a16="http://schemas.microsoft.com/office/drawing/2014/main" id="{E229704C-B856-616B-5AC6-FB42A948906C}"/>
+              </a:ext>
+            </a:extLst>
+          </p:cNvPr>
+          <p:cNvPicPr>
+            <a:picLocks noChangeAspect="1"/>
+          </p:cNvPicPr>
+          <p:nvPr/>
+        </p:nvPicPr>
+        <p:blipFill rotWithShape="1">
+          <a:blip r:embed="rId2"/>
+          <a:srcRect l="17416" r="14173" b="-1"/>
+          <a:stretch/>
+        </p:blipFill>
+        <p:spPr>
+          <a:xfrm>
+            <a:off x="1" y="10"/>
+            <a:ext cx="7028495" cy="6857990"/>
+          </a:xfrm>
+          <a:custGeom>
+            <a:avLst/>
+            <a:gdLst/>
+            <a:ahLst/>
+            <a:cxnLst/>
+            <a:rect l="l" t="t" r="r" b="b"/>
+            <a:pathLst>
+              <a:path w="7028495" h="6858000">
+                <a:moveTo>
+                  <a:pt x="0" y="0"/>
+                </a:moveTo>
+                <a:lnTo>
+                  <a:pt x="6915668" y="0"/>
+                </a:lnTo>
+                <a:lnTo>
+                  <a:pt x="6952411" y="219663"/>
+                </a:lnTo>
+                <a:cubicBezTo>
+                  <a:pt x="7002551" y="569921"/>
+                  <a:pt x="7028495" y="927986"/>
+                  <a:pt x="7028495" y="1292112"/>
+                </a:cubicBezTo>
+                <a:cubicBezTo>
+                  <a:pt x="7028495" y="3343346"/>
+                  <a:pt x="6205186" y="5202289"/>
+                  <a:pt x="4870994" y="6556512"/>
+                </a:cubicBezTo>
+                <a:lnTo>
+                  <a:pt x="4556185" y="6858000"/>
+                </a:lnTo>
+                <a:lnTo>
+                  <a:pt x="0" y="6858000"/>
+                </a:lnTo>
+                <a:close/>
+              </a:path>
+            </a:pathLst>
+          </a:custGeom>
+        </p:spPr>
+      </p:pic>
+    </p:spTree>
+    <p:extLst>
+      <p:ext uri="{BB962C8B-B14F-4D97-AF65-F5344CB8AC3E}">
+        <p14:creationId xmlns:p14="http://schemas.microsoft.com/office/powerpoint/2010/main" val="4044748821"/>
+      </p:ext>
+    </p:extLst>
+  </p:cSld>
+  <p:clrMapOvr>
+    <a:overrideClrMapping bg1="dk1" tx1="lt1" bg2="dk2" tx2="lt2" accent1="accent1" accent2="accent2" accent3="accent3" accent4="accent4" accent5="accent5" accent6="accent6" hlink="hlink" folHlink="folHlink"/>
+  </p:clrMapOvr>
+  <p:timing>
+    <p:tnLst>
+      <p:par>
+        <p:cTn id="1" dur="indefinite" restart="never" nodeType="tmRoot">
+          <p:childTnLst>
+            <p:seq concurrent="1" nextAc="seek">
+              <p:cTn id="2" dur="indefinite" nodeType="mainSeq">
+                <p:childTnLst>
+                  <p:par>
+                    <p:cTn id="3" fill="hold">
+                      <p:stCondLst>
+                        <p:cond delay="indefinite"/>
+                        <p:cond evt="onBegin" delay="0">
+                          <p:tn val="2"/>
+                        </p:cond>
+                      </p:stCondLst>
+                      <p:childTnLst>
+                        <p:par>
+                          <p:cTn id="4" fill="hold">
+                            <p:stCondLst>
+                              <p:cond delay="0"/>
+                            </p:stCondLst>
+                            <p:childTnLst>
+                              <p:par>
+                                <p:cTn id="5" presetID="10" presetClass="entr" presetSubtype="0" fill="hold" grpId="0" nodeType="withEffect">
+                                  <p:stCondLst>
+                                    <p:cond delay="1000"/>
+                                  </p:stCondLst>
+                                  <p:iterate type="lt">
+                                    <p:tmPct val="10000"/>
+                                  </p:iterate>
+                                  <p:childTnLst>
+                                    <p:set>
+                                      <p:cBhvr>
+                                        <p:cTn id="6" dur="1" fill="hold">
+                                          <p:stCondLst>
+                                            <p:cond delay="0"/>
+                                          </p:stCondLst>
+                                        </p:cTn>
+                                        <p:tgtEl>
+                                          <p:spTgt spid="2"/>
+                                        </p:tgtEl>
+                                        <p:attrNameLst>
+                                          <p:attrName>style.visibility</p:attrName>
+                                        </p:attrNameLst>
+                                      </p:cBhvr>
+                                      <p:to>
+                                        <p:strVal val="visible"/>
+                                      </p:to>
+                                    </p:set>
+                                    <p:animEffect transition="in" filter="fade">
+                                      <p:cBhvr>
+                                        <p:cTn id="7" dur="400"/>
+                                        <p:tgtEl>
+                                          <p:spTgt spid="2"/>
+                                        </p:tgtEl>
+                                      </p:cBhvr>
+                                    </p:animEffect>
+                                  </p:childTnLst>
+                                </p:cTn>
+                              </p:par>
+                            </p:childTnLst>
+                          </p:cTn>
+                        </p:par>
+                      </p:childTnLst>
+                    </p:cTn>
+                  </p:par>
+                </p:childTnLst>
+              </p:cTn>
+              <p:prevCondLst>
+                <p:cond evt="onPrev" delay="0">
+                  <p:tgtEl>
+                    <p:sldTgt/>
+                  </p:tgtEl>
+                </p:cond>
+              </p:prevCondLst>
+              <p:nextCondLst>
+                <p:cond evt="onNext" delay="0">
+                  <p:tgtEl>
+                    <p:sldTgt/>
+                  </p:tgtEl>
+                </p:cond>
+              </p:nextCondLst>
+            </p:seq>
+          </p:childTnLst>
+        </p:cTn>
+      </p:par>
+    </p:tnLst>
+    <p:bldLst>
+      <p:bldP spid="2" grpId="0"/>
+    </p:bldLst>
+  </p:timing>
+</p:sld>
+</file>
+
+<file path=ppt/slides/slide3.xml><?xml version="1.0" encoding="utf-8"?>
+<p:sld xmlns:a="http://schemas.openxmlformats.org/drawingml/2006/main" xmlns:r="http://schemas.openxmlformats.org/officeDocument/2006/relationships" xmlns:p="http://schemas.openxmlformats.org/presentationml/2006/main">
+  <p:cSld>
+    <p:bg>
+      <p:bgPr>
+        <a:solidFill>
+          <a:schemeClr val="bg1"/>
+        </a:solidFill>
+        <a:effectLst/>
+      </p:bgPr>
+    </p:bg>
+    <p:spTree>
+      <p:nvGrpSpPr>
+        <p:cNvPr id="1" name=""/>
+        <p:cNvGrpSpPr/>
+        <p:nvPr/>
+      </p:nvGrpSpPr>
+      <p:grpSpPr>
+        <a:xfrm>
+          <a:off x="0" y="0"/>
+          <a:ext cx="0" cy="0"/>
+          <a:chOff x="0" y="0"/>
+          <a:chExt cx="0" cy="0"/>
+        </a:xfrm>
+      </p:grpSpPr>
+      <p:sp useBgFill="1">
+        <p:nvSpPr>
+          <p:cNvPr id="31" name="Rectangle 13">
+            <a:extLst>
+              <a:ext uri="{FF2B5EF4-FFF2-40B4-BE49-F238E27FC236}">
+                <a16:creationId xmlns:a16="http://schemas.microsoft.com/office/drawing/2014/main" id="{BACC6370-2D7E-4714-9D71-7542949D7D5D}"/>
+              </a:ext>
+              <a:ext uri="{C183D7F6-B498-43B3-948B-1728B52AA6E4}">
+                <adec:decorative xmlns:adec="http://schemas.microsoft.com/office/drawing/2017/decorative" val="1"/>
+              </a:ext>
+            </a:extLst>
+          </p:cNvPr>
+          <p:cNvSpPr>
+            <a:spLocks noGrp="1" noRot="1" noChangeAspect="1" noMove="1" noResize="1" noEditPoints="1" noAdjustHandles="1" noChangeArrowheads="1" noChangeShapeType="1" noTextEdit="1"/>
+          </p:cNvSpPr>
+          <p:nvPr>
+            <p:extLst>
+              <p:ext uri="{386F3935-93C4-4BCD-93E2-E3B085C9AB24}">
+                <p16:designElem xmlns:p16="http://schemas.microsoft.com/office/powerpoint/2015/main" val="1"/>
+              </p:ext>
+            </p:extLst>
+          </p:nvPr>
+        </p:nvSpPr>
+        <p:spPr>
+          <a:xfrm>
+            <a:off x="0" y="0"/>
+            <a:ext cx="12192000" cy="6858000"/>
+          </a:xfrm>
+          <a:prstGeom prst="rect">
+            <a:avLst/>
+          </a:prstGeom>
+          <a:ln w="12700" cap="flat" cmpd="sng" algn="ctr">
+            <a:noFill/>
+            <a:prstDash val="solid"/>
+            <a:miter lim="800000"/>
+          </a:ln>
+          <a:effectLst/>
+          <a:extLst>
+            <a:ext uri="{91240B29-F687-4F45-9708-019B960494DF}">
+              <a14:hiddenLine xmlns:a14="http://schemas.microsoft.com/office/drawing/2010/main" w="12700" cap="flat" cmpd="sng" algn="ctr">
+                <a:solidFill>
+                  <a:schemeClr val="accent1">
+                    <a:shade val="50000"/>
+                  </a:schemeClr>
+                </a:solidFill>
+                <a:prstDash val="solid"/>
+                <a:miter lim="800000"/>
+              </a14:hiddenLine>
+            </a:ext>
+          </a:extLst>
+        </p:spPr>
+        <p:style>
+          <a:lnRef idx="2">
+            <a:schemeClr val="accent1">
+              <a:shade val="50000"/>
+            </a:schemeClr>
+          </a:lnRef>
+          <a:fillRef idx="1">
+            <a:schemeClr val="accent1"/>
+          </a:fillRef>
+          <a:effectRef idx="0">
+            <a:schemeClr val="accent1"/>
+          </a:effectRef>
+          <a:fontRef idx="minor">
+            <a:schemeClr val="lt1"/>
+          </a:fontRef>
+        </p:style>
+        <p:txBody>
+          <a:bodyPr rtlCol="0" anchor="ctr"/>
+          <a:lstStyle/>
+          <a:p>
+            <a:pPr algn="ctr"/>
+            <a:endParaRPr lang="en-US"/>
+          </a:p>
+        </p:txBody>
+      </p:sp>
+      <p:sp>
+        <p:nvSpPr>
+          <p:cNvPr id="32" name="Rectangle 15">
+            <a:extLst>
+              <a:ext uri="{FF2B5EF4-FFF2-40B4-BE49-F238E27FC236}">
+                <a16:creationId xmlns:a16="http://schemas.microsoft.com/office/drawing/2014/main" id="{F68B3F68-107C-434F-AA38-110D5EA91B85}"/>
+              </a:ext>
+              <a:ext uri="{C183D7F6-B498-43B3-948B-1728B52AA6E4}">
+                <adec:decorative xmlns:adec="http://schemas.microsoft.com/office/drawing/2017/decorative" val="1"/>
+              </a:ext>
+            </a:extLst>
+          </p:cNvPr>
+          <p:cNvSpPr>
+            <a:spLocks noGrp="1" noRot="1" noChangeAspect="1" noMove="1" noResize="1" noEditPoints="1" noAdjustHandles="1" noChangeArrowheads="1" noChangeShapeType="1" noTextEdit="1"/>
+          </p:cNvSpPr>
+          <p:nvPr>
+            <p:extLst>
+              <p:ext uri="{386F3935-93C4-4BCD-93E2-E3B085C9AB24}">
+                <p16:designElem xmlns:p16="http://schemas.microsoft.com/office/powerpoint/2015/main" val="1"/>
+              </p:ext>
+            </p:extLst>
+          </p:nvPr>
+        </p:nvSpPr>
+        <p:spPr>
+          <a:xfrm flipH="1">
+            <a:off x="2" y="0"/>
+            <a:ext cx="12191998" cy="1575955"/>
+          </a:xfrm>
+          <a:prstGeom prst="rect">
+            <a:avLst/>
+          </a:prstGeom>
+          <a:gradFill>
+            <a:gsLst>
+              <a:gs pos="0">
+                <a:srgbClr val="000000">
+                  <a:alpha val="96000"/>
+                </a:srgbClr>
+              </a:gs>
+              <a:gs pos="100000">
+                <a:schemeClr val="accent1">
+                  <a:lumMod val="75000"/>
+                </a:schemeClr>
+              </a:gs>
+            </a:gsLst>
+            <a:lin ang="8400000" scaled="0"/>
+          </a:gradFill>
+          <a:ln>
+            <a:noFill/>
+          </a:ln>
+        </p:spPr>
+        <p:style>
+          <a:lnRef idx="2">
+            <a:schemeClr val="accent1">
+              <a:shade val="50000"/>
+            </a:schemeClr>
+          </a:lnRef>
+          <a:fillRef idx="1">
+            <a:schemeClr val="accent1"/>
+          </a:fillRef>
+          <a:effectRef idx="0">
+            <a:schemeClr val="accent1"/>
+          </a:effectRef>
+          <a:fontRef idx="minor">
+            <a:schemeClr val="lt1"/>
+          </a:fontRef>
+        </p:style>
+        <p:txBody>
+          <a:bodyPr rtlCol="0" anchor="ctr"/>
+          <a:lstStyle/>
+          <a:p>
+            <a:pPr algn="ctr"/>
+            <a:endParaRPr lang="en-US"/>
+          </a:p>
+        </p:txBody>
+      </p:sp>
+      <p:sp>
+        <p:nvSpPr>
+          <p:cNvPr id="33" name="Rectangle 17">
+            <a:extLst>
+              <a:ext uri="{FF2B5EF4-FFF2-40B4-BE49-F238E27FC236}">
+                <a16:creationId xmlns:a16="http://schemas.microsoft.com/office/drawing/2014/main" id="{AAD0DBB9-1A4B-4391-81D4-CB19F9AB918A}"/>
+              </a:ext>
+              <a:ext uri="{C183D7F6-B498-43B3-948B-1728B52AA6E4}">
+                <adec:decorative xmlns:adec="http://schemas.microsoft.com/office/drawing/2017/decorative" val="1"/>
+              </a:ext>
+            </a:extLst>
+          </p:cNvPr>
+          <p:cNvSpPr>
+            <a:spLocks noGrp="1" noRot="1" noChangeAspect="1" noMove="1" noResize="1" noEditPoints="1" noAdjustHandles="1" noChangeArrowheads="1" noChangeShapeType="1" noTextEdit="1"/>
+          </p:cNvSpPr>
+          <p:nvPr>
+            <p:extLst>
+              <p:ext uri="{386F3935-93C4-4BCD-93E2-E3B085C9AB24}">
+                <p16:designElem xmlns:p16="http://schemas.microsoft.com/office/powerpoint/2015/main" val="1"/>
+              </p:ext>
+            </p:extLst>
+          </p:nvPr>
+        </p:nvSpPr>
+        <p:spPr>
+          <a:xfrm rot="10800000" flipH="1">
+            <a:off x="8128857" y="0"/>
+            <a:ext cx="4063143" cy="1576412"/>
+          </a:xfrm>
+          <a:prstGeom prst="rect">
+            <a:avLst/>
+          </a:prstGeom>
+          <a:gradFill>
+            <a:gsLst>
+              <a:gs pos="19000">
+                <a:schemeClr val="accent1">
+                  <a:lumMod val="50000"/>
+                  <a:alpha val="68000"/>
+                </a:schemeClr>
+              </a:gs>
+              <a:gs pos="100000">
+                <a:schemeClr val="accent1">
+                  <a:alpha val="79000"/>
+                </a:schemeClr>
+              </a:gs>
+            </a:gsLst>
+            <a:lin ang="19200000" scaled="0"/>
+          </a:gradFill>
+          <a:ln>
+            <a:noFill/>
+          </a:ln>
+        </p:spPr>
+        <p:style>
+          <a:lnRef idx="2">
+            <a:schemeClr val="accent1">
+              <a:shade val="50000"/>
+            </a:schemeClr>
+          </a:lnRef>
+          <a:fillRef idx="1">
+            <a:schemeClr val="accent1"/>
+          </a:fillRef>
+          <a:effectRef idx="0">
+            <a:schemeClr val="accent1"/>
+          </a:effectRef>
+          <a:fontRef idx="minor">
+            <a:schemeClr val="lt1"/>
+          </a:fontRef>
+        </p:style>
+        <p:txBody>
+          <a:bodyPr rtlCol="0" anchor="ctr"/>
+          <a:lstStyle/>
+          <a:p>
+            <a:pPr algn="ctr"/>
+            <a:endParaRPr lang="en-US"/>
+          </a:p>
+        </p:txBody>
+      </p:sp>
+      <p:sp>
+        <p:nvSpPr>
+          <p:cNvPr id="34" name="Rectangle 19">
+            <a:extLst>
+              <a:ext uri="{FF2B5EF4-FFF2-40B4-BE49-F238E27FC236}">
+                <a16:creationId xmlns:a16="http://schemas.microsoft.com/office/drawing/2014/main" id="{063BBA22-50EA-4C4D-BE05-F1CE4E63AA56}"/>
+              </a:ext>
+              <a:ext uri="{C183D7F6-B498-43B3-948B-1728B52AA6E4}">
+                <adec:decorative xmlns:adec="http://schemas.microsoft.com/office/drawing/2017/decorative" val="1"/>
+              </a:ext>
+            </a:extLst>
+          </p:cNvPr>
+          <p:cNvSpPr>
+            <a:spLocks noGrp="1" noRot="1" noChangeAspect="1" noMove="1" noResize="1" noEditPoints="1" noAdjustHandles="1" noChangeArrowheads="1" noChangeShapeType="1" noTextEdit="1"/>
+          </p:cNvSpPr>
+          <p:nvPr>
+            <p:extLst>
+              <p:ext uri="{386F3935-93C4-4BCD-93E2-E3B085C9AB24}">
+                <p16:designElem xmlns:p16="http://schemas.microsoft.com/office/powerpoint/2015/main" val="1"/>
+              </p:ext>
+            </p:extLst>
+          </p:nvPr>
+        </p:nvSpPr>
+        <p:spPr>
+          <a:xfrm rot="5400000">
+            <a:off x="5307777" y="-5307778"/>
+            <a:ext cx="1576446" cy="12192002"/>
+          </a:xfrm>
+          <a:prstGeom prst="rect">
+            <a:avLst/>
+          </a:prstGeom>
+          <a:gradFill>
+            <a:gsLst>
+              <a:gs pos="23000">
+                <a:schemeClr val="accent1">
+                  <a:alpha val="0"/>
+                </a:schemeClr>
+              </a:gs>
+              <a:gs pos="99000">
+                <a:srgbClr val="000000">
+                  <a:alpha val="74000"/>
+                </a:srgbClr>
+              </a:gs>
+            </a:gsLst>
+            <a:lin ang="20400000" scaled="0"/>
+          </a:gradFill>
+          <a:ln>
+            <a:noFill/>
+          </a:ln>
+        </p:spPr>
+        <p:style>
+          <a:lnRef idx="2">
+            <a:schemeClr val="accent1">
+              <a:shade val="50000"/>
+            </a:schemeClr>
+          </a:lnRef>
+          <a:fillRef idx="1">
+            <a:schemeClr val="accent1"/>
+          </a:fillRef>
+          <a:effectRef idx="0">
+            <a:schemeClr val="accent1"/>
+          </a:effectRef>
+          <a:fontRef idx="minor">
+            <a:schemeClr val="lt1"/>
+          </a:fontRef>
+        </p:style>
+        <p:txBody>
+          <a:bodyPr rtlCol="0" anchor="ctr"/>
+          <a:lstStyle/>
+          <a:p>
+            <a:pPr algn="ctr"/>
+            <a:endParaRPr lang="en-US" dirty="0"/>
+          </a:p>
+        </p:txBody>
+      </p:sp>
+      <p:sp>
+        <p:nvSpPr>
+          <p:cNvPr id="2" name="Title 1">
+            <a:extLst>
+              <a:ext uri="{FF2B5EF4-FFF2-40B4-BE49-F238E27FC236}">
+                <a16:creationId xmlns:a16="http://schemas.microsoft.com/office/drawing/2014/main" id="{0BC197FB-0B44-6679-F929-35AAA6AEDDA5}"/>
+              </a:ext>
+            </a:extLst>
+          </p:cNvPr>
+          <p:cNvSpPr>
+            <a:spLocks noGrp="1"/>
+          </p:cNvSpPr>
+          <p:nvPr>
+            <p:ph type="title"/>
+          </p:nvPr>
+        </p:nvSpPr>
+        <p:spPr>
+          <a:xfrm>
+            <a:off x="1371597" y="348865"/>
+            <a:ext cx="10044023" cy="877729"/>
+          </a:xfrm>
+        </p:spPr>
+        <p:txBody>
+          <a:bodyPr anchor="ctr">
+            <a:normAutofit/>
+          </a:bodyPr>
+          <a:lstStyle/>
+          <a:p>
+            <a:r>
+              <a:rPr lang="en-CA" sz="4000">
+                <a:solidFill>
+                  <a:srgbClr val="FFFFFF"/>
+                </a:solidFill>
+              </a:rPr>
+              <a:t>What does it Do?</a:t>
+            </a:r>
+          </a:p>
+        </p:txBody>
+      </p:sp>
+      <p:graphicFrame>
+        <p:nvGraphicFramePr>
+          <p:cNvPr id="5" name="Content Placeholder 2">
+            <a:extLst>
+              <a:ext uri="{FF2B5EF4-FFF2-40B4-BE49-F238E27FC236}">
+                <a16:creationId xmlns:a16="http://schemas.microsoft.com/office/drawing/2014/main" id="{C9920601-E16D-5D52-4C23-54708FDA673C}"/>
+              </a:ext>
+            </a:extLst>
+          </p:cNvPr>
+          <p:cNvGraphicFramePr>
+            <a:graphicFrameLocks noGrp="1"/>
+          </p:cNvGraphicFramePr>
+          <p:nvPr>
+            <p:ph idx="1"/>
+            <p:extLst>
+              <p:ext uri="{D42A27DB-BD31-4B8C-83A1-F6EECF244321}">
+                <p14:modId xmlns:p14="http://schemas.microsoft.com/office/powerpoint/2010/main" val="3234633913"/>
+              </p:ext>
+            </p:extLst>
+          </p:nvPr>
+        </p:nvGraphicFramePr>
+        <p:xfrm>
+          <a:off x="644056" y="2112579"/>
+          <a:ext cx="10927829" cy="4192805"/>
+        </p:xfrm>
+        <a:graphic>
+          <a:graphicData uri="http://schemas.openxmlformats.org/drawingml/2006/diagram">
+            <dgm:relIds xmlns:dgm="http://schemas.openxmlformats.org/drawingml/2006/diagram" xmlns:r="http://schemas.openxmlformats.org/officeDocument/2006/relationships" r:dm="rId2" r:lo="rId3" r:qs="rId4" r:cs="rId5"/>
+          </a:graphicData>
+        </a:graphic>
+      </p:graphicFrame>
+    </p:spTree>
+    <p:extLst>
+      <p:ext uri="{BB962C8B-B14F-4D97-AF65-F5344CB8AC3E}">
+        <p14:creationId xmlns:p14="http://schemas.microsoft.com/office/powerpoint/2010/main" val="1536589686"/>
+      </p:ext>
+    </p:extLst>
+  </p:cSld>
+  <p:clrMapOvr>
+    <a:masterClrMapping/>
+  </p:clrMapOvr>
+</p:sld>
+</file>
+
+<file path=ppt/slides/slide4.xml><?xml version="1.0" encoding="utf-8"?>
 <p:sld xmlns:a="http://schemas.openxmlformats.org/drawingml/2006/main" xmlns:r="http://schemas.openxmlformats.org/officeDocument/2006/relationships" xmlns:p="http://schemas.openxmlformats.org/presentationml/2006/main">
   <p:cSld>
     <p:spTree>
@@ -4959,933 +10872,6 @@
       </p:sp>
       <p:sp>
         <p:nvSpPr>
-          <p:cNvPr id="6" name="TextBox 5">
-            <a:extLst>
-              <a:ext uri="{FF2B5EF4-FFF2-40B4-BE49-F238E27FC236}">
-                <a16:creationId xmlns:a16="http://schemas.microsoft.com/office/drawing/2014/main" id="{E135E66C-3B8E-BFCF-31E7-CA814E4414D1}"/>
-              </a:ext>
-            </a:extLst>
-          </p:cNvPr>
-          <p:cNvSpPr txBox="1"/>
-          <p:nvPr/>
-        </p:nvSpPr>
-        <p:spPr>
-          <a:xfrm>
-            <a:off x="3407811" y="796222"/>
-            <a:ext cx="5376377" cy="369332"/>
-          </a:xfrm>
-          <a:prstGeom prst="rect">
-            <a:avLst/>
-          </a:prstGeom>
-          <a:noFill/>
-        </p:spPr>
-        <p:txBody>
-          <a:bodyPr wrap="square" rtlCol="0">
-            <a:spAutoFit/>
-          </a:bodyPr>
-          <a:lstStyle/>
-          <a:p>
-            <a:r>
-              <a:rPr lang="en-CA" dirty="0"/>
-              <a:t>Student/Customer index page with list of restaurants</a:t>
-            </a:r>
-          </a:p>
-        </p:txBody>
-      </p:sp>
-      <p:sp>
-        <p:nvSpPr>
-          <p:cNvPr id="9" name="Rectangle 8">
-            <a:extLst>
-              <a:ext uri="{FF2B5EF4-FFF2-40B4-BE49-F238E27FC236}">
-                <a16:creationId xmlns:a16="http://schemas.microsoft.com/office/drawing/2014/main" id="{C01B5876-889A-A538-7541-8FF77B5D1B0A}"/>
-              </a:ext>
-            </a:extLst>
-          </p:cNvPr>
-          <p:cNvSpPr/>
-          <p:nvPr/>
-        </p:nvSpPr>
-        <p:spPr>
-          <a:xfrm>
-            <a:off x="1474237" y="1418253"/>
-            <a:ext cx="9078685" cy="578498"/>
-          </a:xfrm>
-          <a:prstGeom prst="rect">
-            <a:avLst/>
-          </a:prstGeom>
-        </p:spPr>
-        <p:style>
-          <a:lnRef idx="2">
-            <a:schemeClr val="accent1">
-              <a:shade val="50000"/>
-            </a:schemeClr>
-          </a:lnRef>
-          <a:fillRef idx="1">
-            <a:schemeClr val="accent1"/>
-          </a:fillRef>
-          <a:effectRef idx="0">
-            <a:schemeClr val="accent1"/>
-          </a:effectRef>
-          <a:fontRef idx="minor">
-            <a:schemeClr val="lt1"/>
-          </a:fontRef>
-        </p:style>
-        <p:txBody>
-          <a:bodyPr rtlCol="0" anchor="ctr"/>
-          <a:lstStyle/>
-          <a:p>
-            <a:pPr algn="ctr"/>
-            <a:endParaRPr lang="en-CA"/>
-          </a:p>
-        </p:txBody>
-      </p:sp>
-      <p:sp>
-        <p:nvSpPr>
-          <p:cNvPr id="10" name="TextBox 9">
-            <a:extLst>
-              <a:ext uri="{FF2B5EF4-FFF2-40B4-BE49-F238E27FC236}">
-                <a16:creationId xmlns:a16="http://schemas.microsoft.com/office/drawing/2014/main" id="{146EC0A1-3AB8-2234-35E4-D33406F676C7}"/>
-              </a:ext>
-            </a:extLst>
-          </p:cNvPr>
-          <p:cNvSpPr txBox="1"/>
-          <p:nvPr/>
-        </p:nvSpPr>
-        <p:spPr>
-          <a:xfrm>
-            <a:off x="1639078" y="1522836"/>
-            <a:ext cx="870857" cy="369332"/>
-          </a:xfrm>
-          <a:prstGeom prst="rect">
-            <a:avLst/>
-          </a:prstGeom>
-          <a:noFill/>
-        </p:spPr>
-        <p:txBody>
-          <a:bodyPr wrap="square" rtlCol="0">
-            <a:spAutoFit/>
-          </a:bodyPr>
-          <a:lstStyle/>
-          <a:p>
-            <a:r>
-              <a:rPr lang="en-CA" dirty="0">
-                <a:solidFill>
-                  <a:schemeClr val="bg1"/>
-                </a:solidFill>
-              </a:rPr>
-              <a:t>LOGO</a:t>
-            </a:r>
-          </a:p>
-        </p:txBody>
-      </p:sp>
-      <p:sp>
-        <p:nvSpPr>
-          <p:cNvPr id="11" name="TextBox 10">
-            <a:extLst>
-              <a:ext uri="{FF2B5EF4-FFF2-40B4-BE49-F238E27FC236}">
-                <a16:creationId xmlns:a16="http://schemas.microsoft.com/office/drawing/2014/main" id="{86D44AFA-62AB-95FB-8DFE-466382D1CC9E}"/>
-              </a:ext>
-            </a:extLst>
-          </p:cNvPr>
-          <p:cNvSpPr txBox="1"/>
-          <p:nvPr/>
-        </p:nvSpPr>
-        <p:spPr>
-          <a:xfrm>
-            <a:off x="9330612" y="1522836"/>
-            <a:ext cx="1132115" cy="369332"/>
-          </a:xfrm>
-          <a:prstGeom prst="rect">
-            <a:avLst/>
-          </a:prstGeom>
-          <a:noFill/>
-        </p:spPr>
-        <p:txBody>
-          <a:bodyPr wrap="square" rtlCol="0">
-            <a:spAutoFit/>
-          </a:bodyPr>
-          <a:lstStyle/>
-          <a:p>
-            <a:r>
-              <a:rPr lang="en-CA" dirty="0">
-                <a:solidFill>
-                  <a:schemeClr val="bg1"/>
-                </a:solidFill>
-              </a:rPr>
-              <a:t>Log out</a:t>
-            </a:r>
-          </a:p>
-        </p:txBody>
-      </p:sp>
-      <p:sp>
-        <p:nvSpPr>
-          <p:cNvPr id="12" name="TextBox 11">
-            <a:extLst>
-              <a:ext uri="{FF2B5EF4-FFF2-40B4-BE49-F238E27FC236}">
-                <a16:creationId xmlns:a16="http://schemas.microsoft.com/office/drawing/2014/main" id="{B9851B59-C76E-8125-B06E-222F333D61C0}"/>
-              </a:ext>
-            </a:extLst>
-          </p:cNvPr>
-          <p:cNvSpPr txBox="1"/>
-          <p:nvPr/>
-        </p:nvSpPr>
-        <p:spPr>
-          <a:xfrm>
-            <a:off x="8198497" y="1522836"/>
-            <a:ext cx="1132115" cy="369332"/>
-          </a:xfrm>
-          <a:prstGeom prst="rect">
-            <a:avLst/>
-          </a:prstGeom>
-          <a:noFill/>
-        </p:spPr>
-        <p:txBody>
-          <a:bodyPr wrap="square" rtlCol="0">
-            <a:spAutoFit/>
-          </a:bodyPr>
-          <a:lstStyle/>
-          <a:p>
-            <a:r>
-              <a:rPr lang="en-CA" dirty="0">
-                <a:solidFill>
-                  <a:schemeClr val="bg1"/>
-                </a:solidFill>
-              </a:rPr>
-              <a:t>Account</a:t>
-            </a:r>
-          </a:p>
-        </p:txBody>
-      </p:sp>
-      <p:grpSp>
-        <p:nvGrpSpPr>
-          <p:cNvPr id="3" name="Group 2">
-            <a:extLst>
-              <a:ext uri="{FF2B5EF4-FFF2-40B4-BE49-F238E27FC236}">
-                <a16:creationId xmlns:a16="http://schemas.microsoft.com/office/drawing/2014/main" id="{487EF774-A8A1-7517-881A-E88AF0922F1B}"/>
-              </a:ext>
-            </a:extLst>
-          </p:cNvPr>
-          <p:cNvGrpSpPr/>
-          <p:nvPr/>
-        </p:nvGrpSpPr>
-        <p:grpSpPr>
-          <a:xfrm>
-            <a:off x="1734715" y="2875378"/>
-            <a:ext cx="8557728" cy="2564369"/>
-            <a:chOff x="1740158" y="2341984"/>
-            <a:chExt cx="8557728" cy="2564369"/>
-          </a:xfrm>
-        </p:grpSpPr>
-        <p:grpSp>
-          <p:nvGrpSpPr>
-            <p:cNvPr id="16" name="Group 15">
-              <a:extLst>
-                <a:ext uri="{FF2B5EF4-FFF2-40B4-BE49-F238E27FC236}">
-                  <a16:creationId xmlns:a16="http://schemas.microsoft.com/office/drawing/2014/main" id="{D692067B-9A39-8773-EE0D-E723EECA1BF1}"/>
-                </a:ext>
-              </a:extLst>
-            </p:cNvPr>
-            <p:cNvGrpSpPr/>
-            <p:nvPr/>
-          </p:nvGrpSpPr>
-          <p:grpSpPr>
-            <a:xfrm>
-              <a:off x="1740158" y="2341984"/>
-              <a:ext cx="8546842" cy="1087016"/>
-              <a:chOff x="1800807" y="2374249"/>
-              <a:chExt cx="8546842" cy="1087016"/>
-            </a:xfrm>
-          </p:grpSpPr>
-          <p:sp>
-            <p:nvSpPr>
-              <p:cNvPr id="13" name="Rectangle 12">
-                <a:extLst>
-                  <a:ext uri="{FF2B5EF4-FFF2-40B4-BE49-F238E27FC236}">
-                    <a16:creationId xmlns:a16="http://schemas.microsoft.com/office/drawing/2014/main" id="{E3B792A3-5E88-8FB0-FEEE-6821DCE1133B}"/>
-                  </a:ext>
-                </a:extLst>
-              </p:cNvPr>
-              <p:cNvSpPr/>
-              <p:nvPr/>
-            </p:nvSpPr>
-            <p:spPr>
-              <a:xfrm>
-                <a:off x="1800807" y="2374249"/>
-                <a:ext cx="2556588" cy="1087016"/>
-              </a:xfrm>
-              <a:prstGeom prst="rect">
-                <a:avLst/>
-              </a:prstGeom>
-            </p:spPr>
-            <p:style>
-              <a:lnRef idx="2">
-                <a:schemeClr val="accent1">
-                  <a:shade val="50000"/>
-                </a:schemeClr>
-              </a:lnRef>
-              <a:fillRef idx="1">
-                <a:schemeClr val="accent1"/>
-              </a:fillRef>
-              <a:effectRef idx="0">
-                <a:schemeClr val="accent1"/>
-              </a:effectRef>
-              <a:fontRef idx="minor">
-                <a:schemeClr val="lt1"/>
-              </a:fontRef>
-            </p:style>
-            <p:txBody>
-              <a:bodyPr rtlCol="0" anchor="ctr"/>
-              <a:lstStyle/>
-              <a:p>
-                <a:pPr algn="ctr"/>
-                <a:r>
-                  <a:rPr lang="en-CA" dirty="0" err="1"/>
-                  <a:t>Img</a:t>
-                </a:r>
-                <a:endParaRPr lang="en-CA" dirty="0"/>
-              </a:p>
-            </p:txBody>
-          </p:sp>
-          <p:sp>
-            <p:nvSpPr>
-              <p:cNvPr id="14" name="Rectangle 13">
-                <a:extLst>
-                  <a:ext uri="{FF2B5EF4-FFF2-40B4-BE49-F238E27FC236}">
-                    <a16:creationId xmlns:a16="http://schemas.microsoft.com/office/drawing/2014/main" id="{F4E8A5D4-272F-7574-35FD-27A5E57FA3C4}"/>
-                  </a:ext>
-                </a:extLst>
-              </p:cNvPr>
-              <p:cNvSpPr/>
-              <p:nvPr/>
-            </p:nvSpPr>
-            <p:spPr>
-              <a:xfrm>
-                <a:off x="4817706" y="2419353"/>
-                <a:ext cx="2534816" cy="1041912"/>
-              </a:xfrm>
-              <a:prstGeom prst="rect">
-                <a:avLst/>
-              </a:prstGeom>
-            </p:spPr>
-            <p:style>
-              <a:lnRef idx="2">
-                <a:schemeClr val="accent1">
-                  <a:shade val="50000"/>
-                </a:schemeClr>
-              </a:lnRef>
-              <a:fillRef idx="1">
-                <a:schemeClr val="accent1"/>
-              </a:fillRef>
-              <a:effectRef idx="0">
-                <a:schemeClr val="accent1"/>
-              </a:effectRef>
-              <a:fontRef idx="minor">
-                <a:schemeClr val="lt1"/>
-              </a:fontRef>
-            </p:style>
-            <p:txBody>
-              <a:bodyPr rtlCol="0" anchor="ctr"/>
-              <a:lstStyle/>
-              <a:p>
-                <a:pPr algn="ctr"/>
-                <a:r>
-                  <a:rPr lang="en-CA" dirty="0" err="1"/>
-                  <a:t>Img</a:t>
-                </a:r>
-                <a:endParaRPr lang="en-CA" dirty="0"/>
-              </a:p>
-            </p:txBody>
-          </p:sp>
-          <p:sp>
-            <p:nvSpPr>
-              <p:cNvPr id="15" name="Rectangle 14">
-                <a:extLst>
-                  <a:ext uri="{FF2B5EF4-FFF2-40B4-BE49-F238E27FC236}">
-                    <a16:creationId xmlns:a16="http://schemas.microsoft.com/office/drawing/2014/main" id="{A13F7B90-9086-1CE3-8811-26806755912D}"/>
-                  </a:ext>
-                </a:extLst>
-              </p:cNvPr>
-              <p:cNvSpPr/>
-              <p:nvPr/>
-            </p:nvSpPr>
-            <p:spPr>
-              <a:xfrm>
-                <a:off x="7812833" y="2419353"/>
-                <a:ext cx="2534816" cy="1041912"/>
-              </a:xfrm>
-              <a:prstGeom prst="rect">
-                <a:avLst/>
-              </a:prstGeom>
-            </p:spPr>
-            <p:style>
-              <a:lnRef idx="2">
-                <a:schemeClr val="accent1">
-                  <a:shade val="50000"/>
-                </a:schemeClr>
-              </a:lnRef>
-              <a:fillRef idx="1">
-                <a:schemeClr val="accent1"/>
-              </a:fillRef>
-              <a:effectRef idx="0">
-                <a:schemeClr val="accent1"/>
-              </a:effectRef>
-              <a:fontRef idx="minor">
-                <a:schemeClr val="lt1"/>
-              </a:fontRef>
-            </p:style>
-            <p:txBody>
-              <a:bodyPr rtlCol="0" anchor="ctr"/>
-              <a:lstStyle/>
-              <a:p>
-                <a:pPr algn="ctr"/>
-                <a:r>
-                  <a:rPr lang="en-CA" dirty="0" err="1"/>
-                  <a:t>Img</a:t>
-                </a:r>
-                <a:endParaRPr lang="en-CA" dirty="0"/>
-              </a:p>
-            </p:txBody>
-          </p:sp>
-        </p:grpSp>
-        <p:grpSp>
-          <p:nvGrpSpPr>
-            <p:cNvPr id="17" name="Group 16">
-              <a:extLst>
-                <a:ext uri="{FF2B5EF4-FFF2-40B4-BE49-F238E27FC236}">
-                  <a16:creationId xmlns:a16="http://schemas.microsoft.com/office/drawing/2014/main" id="{1E8EA798-DA44-CDBC-7A2C-93703A8D81A7}"/>
-                </a:ext>
-              </a:extLst>
-            </p:cNvPr>
-            <p:cNvGrpSpPr/>
-            <p:nvPr/>
-          </p:nvGrpSpPr>
-          <p:grpSpPr>
-            <a:xfrm>
-              <a:off x="1751044" y="3819337"/>
-              <a:ext cx="8546842" cy="1087016"/>
-              <a:chOff x="1800807" y="2374249"/>
-              <a:chExt cx="8546842" cy="1087016"/>
-            </a:xfrm>
-          </p:grpSpPr>
-          <p:sp>
-            <p:nvSpPr>
-              <p:cNvPr id="18" name="Rectangle 17">
-                <a:extLst>
-                  <a:ext uri="{FF2B5EF4-FFF2-40B4-BE49-F238E27FC236}">
-                    <a16:creationId xmlns:a16="http://schemas.microsoft.com/office/drawing/2014/main" id="{18199493-C51C-FC8A-65C4-36A9138CC8B5}"/>
-                  </a:ext>
-                </a:extLst>
-              </p:cNvPr>
-              <p:cNvSpPr/>
-              <p:nvPr/>
-            </p:nvSpPr>
-            <p:spPr>
-              <a:xfrm>
-                <a:off x="1800807" y="2374249"/>
-                <a:ext cx="2556588" cy="1087016"/>
-              </a:xfrm>
-              <a:prstGeom prst="rect">
-                <a:avLst/>
-              </a:prstGeom>
-            </p:spPr>
-            <p:style>
-              <a:lnRef idx="2">
-                <a:schemeClr val="accent1">
-                  <a:shade val="50000"/>
-                </a:schemeClr>
-              </a:lnRef>
-              <a:fillRef idx="1">
-                <a:schemeClr val="accent1"/>
-              </a:fillRef>
-              <a:effectRef idx="0">
-                <a:schemeClr val="accent1"/>
-              </a:effectRef>
-              <a:fontRef idx="minor">
-                <a:schemeClr val="lt1"/>
-              </a:fontRef>
-            </p:style>
-            <p:txBody>
-              <a:bodyPr rtlCol="0" anchor="ctr"/>
-              <a:lstStyle/>
-              <a:p>
-                <a:pPr algn="ctr"/>
-                <a:r>
-                  <a:rPr lang="en-CA" dirty="0" err="1"/>
-                  <a:t>Img</a:t>
-                </a:r>
-                <a:r>
-                  <a:rPr lang="en-CA" dirty="0"/>
-                  <a:t> 2</a:t>
-                </a:r>
-              </a:p>
-            </p:txBody>
-          </p:sp>
-          <p:sp>
-            <p:nvSpPr>
-              <p:cNvPr id="19" name="Rectangle 18">
-                <a:extLst>
-                  <a:ext uri="{FF2B5EF4-FFF2-40B4-BE49-F238E27FC236}">
-                    <a16:creationId xmlns:a16="http://schemas.microsoft.com/office/drawing/2014/main" id="{911D8149-DCA3-C13C-A915-2E9340A06153}"/>
-                  </a:ext>
-                </a:extLst>
-              </p:cNvPr>
-              <p:cNvSpPr/>
-              <p:nvPr/>
-            </p:nvSpPr>
-            <p:spPr>
-              <a:xfrm>
-                <a:off x="4817706" y="2419353"/>
-                <a:ext cx="2534816" cy="1041912"/>
-              </a:xfrm>
-              <a:prstGeom prst="rect">
-                <a:avLst/>
-              </a:prstGeom>
-            </p:spPr>
-            <p:style>
-              <a:lnRef idx="2">
-                <a:schemeClr val="accent1">
-                  <a:shade val="50000"/>
-                </a:schemeClr>
-              </a:lnRef>
-              <a:fillRef idx="1">
-                <a:schemeClr val="accent1"/>
-              </a:fillRef>
-              <a:effectRef idx="0">
-                <a:schemeClr val="accent1"/>
-              </a:effectRef>
-              <a:fontRef idx="minor">
-                <a:schemeClr val="lt1"/>
-              </a:fontRef>
-            </p:style>
-            <p:txBody>
-              <a:bodyPr rtlCol="0" anchor="ctr"/>
-              <a:lstStyle/>
-              <a:p>
-                <a:pPr algn="ctr"/>
-                <a:r>
-                  <a:rPr lang="en-CA" dirty="0" err="1"/>
-                  <a:t>Img</a:t>
-                </a:r>
-                <a:r>
-                  <a:rPr lang="en-CA" dirty="0"/>
-                  <a:t> 2</a:t>
-                </a:r>
-              </a:p>
-            </p:txBody>
-          </p:sp>
-          <p:sp>
-            <p:nvSpPr>
-              <p:cNvPr id="20" name="Rectangle 19">
-                <a:extLst>
-                  <a:ext uri="{FF2B5EF4-FFF2-40B4-BE49-F238E27FC236}">
-                    <a16:creationId xmlns:a16="http://schemas.microsoft.com/office/drawing/2014/main" id="{4C31A21A-BB56-C577-0811-4FDC96D6D368}"/>
-                  </a:ext>
-                </a:extLst>
-              </p:cNvPr>
-              <p:cNvSpPr/>
-              <p:nvPr/>
-            </p:nvSpPr>
-            <p:spPr>
-              <a:xfrm>
-                <a:off x="7812833" y="2419353"/>
-                <a:ext cx="2534816" cy="1041912"/>
-              </a:xfrm>
-              <a:prstGeom prst="rect">
-                <a:avLst/>
-              </a:prstGeom>
-            </p:spPr>
-            <p:style>
-              <a:lnRef idx="2">
-                <a:schemeClr val="accent1">
-                  <a:shade val="50000"/>
-                </a:schemeClr>
-              </a:lnRef>
-              <a:fillRef idx="1">
-                <a:schemeClr val="accent1"/>
-              </a:fillRef>
-              <a:effectRef idx="0">
-                <a:schemeClr val="accent1"/>
-              </a:effectRef>
-              <a:fontRef idx="minor">
-                <a:schemeClr val="lt1"/>
-              </a:fontRef>
-            </p:style>
-            <p:txBody>
-              <a:bodyPr rtlCol="0" anchor="ctr"/>
-              <a:lstStyle/>
-              <a:p>
-                <a:pPr algn="ctr"/>
-                <a:r>
-                  <a:rPr lang="en-CA" dirty="0" err="1"/>
-                  <a:t>Img</a:t>
-                </a:r>
-                <a:r>
-                  <a:rPr lang="en-CA" dirty="0"/>
-                  <a:t> 2</a:t>
-                </a:r>
-              </a:p>
-            </p:txBody>
-          </p:sp>
-        </p:grpSp>
-      </p:grpSp>
-      <p:sp>
-        <p:nvSpPr>
-          <p:cNvPr id="4" name="Rectangle 3">
-            <a:extLst>
-              <a:ext uri="{FF2B5EF4-FFF2-40B4-BE49-F238E27FC236}">
-                <a16:creationId xmlns:a16="http://schemas.microsoft.com/office/drawing/2014/main" id="{34A44361-C5A6-0ADB-B1C6-E8CA77AA4DBF}"/>
-              </a:ext>
-            </a:extLst>
-          </p:cNvPr>
-          <p:cNvSpPr/>
-          <p:nvPr/>
-        </p:nvSpPr>
-        <p:spPr>
-          <a:xfrm>
-            <a:off x="1772816" y="2249450"/>
-            <a:ext cx="2313992" cy="372452"/>
-          </a:xfrm>
-          <a:prstGeom prst="rect">
-            <a:avLst/>
-          </a:prstGeom>
-        </p:spPr>
-        <p:style>
-          <a:lnRef idx="2">
-            <a:schemeClr val="accent1">
-              <a:shade val="50000"/>
-            </a:schemeClr>
-          </a:lnRef>
-          <a:fillRef idx="1">
-            <a:schemeClr val="accent1"/>
-          </a:fillRef>
-          <a:effectRef idx="0">
-            <a:schemeClr val="accent1"/>
-          </a:effectRef>
-          <a:fontRef idx="minor">
-            <a:schemeClr val="lt1"/>
-          </a:fontRef>
-        </p:style>
-        <p:txBody>
-          <a:bodyPr rtlCol="0" anchor="ctr"/>
-          <a:lstStyle/>
-          <a:p>
-            <a:pPr algn="ctr"/>
-            <a:r>
-              <a:rPr lang="en-US" dirty="0"/>
-              <a:t>Add image</a:t>
-            </a:r>
-            <a:endParaRPr lang="en-CA" dirty="0"/>
-          </a:p>
-        </p:txBody>
-      </p:sp>
-      <p:sp>
-        <p:nvSpPr>
-          <p:cNvPr id="5" name="Rectangle 4">
-            <a:extLst>
-              <a:ext uri="{FF2B5EF4-FFF2-40B4-BE49-F238E27FC236}">
-                <a16:creationId xmlns:a16="http://schemas.microsoft.com/office/drawing/2014/main" id="{57085CE2-8471-42A1-DF29-0453548CACED}"/>
-              </a:ext>
-            </a:extLst>
-          </p:cNvPr>
-          <p:cNvSpPr/>
-          <p:nvPr/>
-        </p:nvSpPr>
-        <p:spPr>
-          <a:xfrm>
-            <a:off x="4211216" y="2254113"/>
-            <a:ext cx="1247192" cy="372452"/>
-          </a:xfrm>
-          <a:prstGeom prst="rect">
-            <a:avLst/>
-          </a:prstGeom>
-        </p:spPr>
-        <p:style>
-          <a:lnRef idx="2">
-            <a:schemeClr val="accent1">
-              <a:shade val="50000"/>
-            </a:schemeClr>
-          </a:lnRef>
-          <a:fillRef idx="1">
-            <a:schemeClr val="accent1"/>
-          </a:fillRef>
-          <a:effectRef idx="0">
-            <a:schemeClr val="accent1"/>
-          </a:effectRef>
-          <a:fontRef idx="minor">
-            <a:schemeClr val="lt1"/>
-          </a:fontRef>
-        </p:style>
-        <p:txBody>
-          <a:bodyPr rtlCol="0" anchor="ctr"/>
-          <a:lstStyle/>
-          <a:p>
-            <a:pPr algn="ctr"/>
-            <a:r>
-              <a:rPr lang="en-US" dirty="0"/>
-              <a:t>upload</a:t>
-            </a:r>
-            <a:endParaRPr lang="en-CA" dirty="0"/>
-          </a:p>
-        </p:txBody>
-      </p:sp>
-    </p:spTree>
-    <p:extLst>
-      <p:ext uri="{BB962C8B-B14F-4D97-AF65-F5344CB8AC3E}">
-        <p14:creationId xmlns:p14="http://schemas.microsoft.com/office/powerpoint/2010/main" val="1227885154"/>
-      </p:ext>
-    </p:extLst>
-  </p:cSld>
-  <p:clrMapOvr>
-    <a:masterClrMapping/>
-  </p:clrMapOvr>
-</p:sld>
-</file>
-
-<file path=ppt/slides/slide14.xml><?xml version="1.0" encoding="utf-8"?>
-<p:sld xmlns:a="http://schemas.openxmlformats.org/drawingml/2006/main" xmlns:r="http://schemas.openxmlformats.org/officeDocument/2006/relationships" xmlns:p="http://schemas.openxmlformats.org/presentationml/2006/main">
-  <p:cSld>
-    <p:spTree>
-      <p:nvGrpSpPr>
-        <p:cNvPr id="1" name=""/>
-        <p:cNvGrpSpPr/>
-        <p:nvPr/>
-      </p:nvGrpSpPr>
-      <p:grpSpPr>
-        <a:xfrm>
-          <a:off x="0" y="0"/>
-          <a:ext cx="0" cy="0"/>
-          <a:chOff x="0" y="0"/>
-          <a:chExt cx="0" cy="0"/>
-        </a:xfrm>
-      </p:grpSpPr>
-      <p:sp>
-        <p:nvSpPr>
-          <p:cNvPr id="2" name="TextBox 1">
-            <a:extLst>
-              <a:ext uri="{FF2B5EF4-FFF2-40B4-BE49-F238E27FC236}">
-                <a16:creationId xmlns:a16="http://schemas.microsoft.com/office/drawing/2014/main" id="{17C7F5DC-36FF-1517-05CD-547527DF8DBD}"/>
-              </a:ext>
-            </a:extLst>
-          </p:cNvPr>
-          <p:cNvSpPr txBox="1"/>
-          <p:nvPr/>
-        </p:nvSpPr>
-        <p:spPr>
-          <a:xfrm>
-            <a:off x="690467" y="326571"/>
-            <a:ext cx="7053941" cy="646331"/>
-          </a:xfrm>
-          <a:prstGeom prst="rect">
-            <a:avLst/>
-          </a:prstGeom>
-          <a:noFill/>
-        </p:spPr>
-        <p:txBody>
-          <a:bodyPr wrap="square" rtlCol="0">
-            <a:spAutoFit/>
-          </a:bodyPr>
-          <a:lstStyle/>
-          <a:p>
-            <a:r>
-              <a:rPr lang="en-CA" sz="3600" b="1" dirty="0"/>
-              <a:t>Mid-term milestone requirements:</a:t>
-            </a:r>
-          </a:p>
-        </p:txBody>
-      </p:sp>
-      <p:sp>
-        <p:nvSpPr>
-          <p:cNvPr id="3" name="TextBox 2">
-            <a:extLst>
-              <a:ext uri="{FF2B5EF4-FFF2-40B4-BE49-F238E27FC236}">
-                <a16:creationId xmlns:a16="http://schemas.microsoft.com/office/drawing/2014/main" id="{F14A0760-E7C4-7DCC-DA88-C739507DDE1E}"/>
-              </a:ext>
-            </a:extLst>
-          </p:cNvPr>
-          <p:cNvSpPr txBox="1"/>
-          <p:nvPr/>
-        </p:nvSpPr>
-        <p:spPr>
-          <a:xfrm>
-            <a:off x="690467" y="899118"/>
-            <a:ext cx="11000790" cy="4154984"/>
-          </a:xfrm>
-          <a:prstGeom prst="rect">
-            <a:avLst/>
-          </a:prstGeom>
-          <a:noFill/>
-        </p:spPr>
-        <p:txBody>
-          <a:bodyPr wrap="square" rtlCol="0">
-            <a:spAutoFit/>
-          </a:bodyPr>
-          <a:lstStyle/>
-          <a:p>
-            <a:r>
-              <a:rPr lang="en-CA" sz="2400" dirty="0"/>
-              <a:t>Implementing the admin part with ability to display and create restaurants and menu items.</a:t>
-            </a:r>
-          </a:p>
-          <a:p>
-            <a:endParaRPr lang="en-CA" sz="2400" dirty="0"/>
-          </a:p>
-          <a:p>
-            <a:pPr marL="342900" indent="-342900">
-              <a:buAutoNum type="arabicPeriod"/>
-            </a:pPr>
-            <a:r>
-              <a:rPr lang="en-CA" sz="2400" dirty="0"/>
-              <a:t>Custom 404 and 500 pages.</a:t>
-            </a:r>
-          </a:p>
-          <a:p>
-            <a:pPr marL="342900" indent="-342900">
-              <a:buAutoNum type="arabicPeriod"/>
-            </a:pPr>
-            <a:r>
-              <a:rPr lang="en-CA" sz="2400" dirty="0"/>
-              <a:t>Serve static files from a folder. </a:t>
-            </a:r>
-          </a:p>
-          <a:p>
-            <a:pPr marL="342900" indent="-342900">
-              <a:buAutoNum type="arabicPeriod"/>
-            </a:pPr>
-            <a:r>
-              <a:rPr lang="en-CA" sz="2400" dirty="0"/>
-              <a:t>Route or query parameters.</a:t>
-            </a:r>
-          </a:p>
-          <a:p>
-            <a:pPr marL="342900" indent="-342900">
-              <a:buAutoNum type="arabicPeriod"/>
-            </a:pPr>
-            <a:r>
-              <a:rPr lang="en-CA" sz="2400" dirty="0"/>
-              <a:t>HTML Forms Serving. </a:t>
-            </a:r>
-          </a:p>
-          <a:p>
-            <a:pPr marL="342900" indent="-342900">
-              <a:buAutoNum type="arabicPeriod"/>
-            </a:pPr>
-            <a:r>
-              <a:rPr lang="en-CA" sz="2400" dirty="0"/>
-              <a:t>Http-bodies processing.</a:t>
-            </a:r>
-          </a:p>
-          <a:p>
-            <a:pPr marL="342900" indent="-342900">
-              <a:buAutoNum type="arabicPeriod"/>
-            </a:pPr>
-            <a:r>
-              <a:rPr lang="en-CA" sz="2400" dirty="0"/>
-              <a:t>Accept uploaded files. </a:t>
-            </a:r>
-          </a:p>
-          <a:p>
-            <a:pPr marL="342900" indent="-342900">
-              <a:buAutoNum type="arabicPeriod"/>
-            </a:pPr>
-            <a:r>
-              <a:rPr lang="en-CA" sz="2400" dirty="0"/>
-              <a:t>Using Ajax calls. </a:t>
-            </a:r>
-          </a:p>
-          <a:p>
-            <a:pPr marL="342900" indent="-342900">
-              <a:buAutoNum type="arabicPeriod"/>
-            </a:pPr>
-            <a:r>
-              <a:rPr lang="en-CA" sz="2400" dirty="0"/>
-              <a:t>Templates with advanced features.  </a:t>
-            </a:r>
-          </a:p>
-        </p:txBody>
-      </p:sp>
-    </p:spTree>
-    <p:extLst>
-      <p:ext uri="{BB962C8B-B14F-4D97-AF65-F5344CB8AC3E}">
-        <p14:creationId xmlns:p14="http://schemas.microsoft.com/office/powerpoint/2010/main" val="3603832726"/>
-      </p:ext>
-    </p:extLst>
-  </p:cSld>
-  <p:clrMapOvr>
-    <a:masterClrMapping/>
-  </p:clrMapOvr>
-</p:sld>
-</file>
-
-<file path=ppt/slides/slide2.xml><?xml version="1.0" encoding="utf-8"?>
-<p:sld xmlns:a="http://schemas.openxmlformats.org/drawingml/2006/main" xmlns:r="http://schemas.openxmlformats.org/officeDocument/2006/relationships" xmlns:p="http://schemas.openxmlformats.org/presentationml/2006/main">
-  <p:cSld>
-    <p:spTree>
-      <p:nvGrpSpPr>
-        <p:cNvPr id="1" name=""/>
-        <p:cNvGrpSpPr/>
-        <p:nvPr/>
-      </p:nvGrpSpPr>
-      <p:grpSpPr>
-        <a:xfrm>
-          <a:off x="0" y="0"/>
-          <a:ext cx="0" cy="0"/>
-          <a:chOff x="0" y="0"/>
-          <a:chExt cx="0" cy="0"/>
-        </a:xfrm>
-      </p:grpSpPr>
-      <p:sp>
-        <p:nvSpPr>
-          <p:cNvPr id="2" name="Rectangle 1">
-            <a:extLst>
-              <a:ext uri="{FF2B5EF4-FFF2-40B4-BE49-F238E27FC236}">
-                <a16:creationId xmlns:a16="http://schemas.microsoft.com/office/drawing/2014/main" id="{01C8981B-19D4-B0A3-1A1F-3E1F1C6B062C}"/>
-              </a:ext>
-            </a:extLst>
-          </p:cNvPr>
-          <p:cNvSpPr/>
-          <p:nvPr/>
-        </p:nvSpPr>
-        <p:spPr>
-          <a:xfrm>
-            <a:off x="1474237" y="1418253"/>
-            <a:ext cx="9078685" cy="4422710"/>
-          </a:xfrm>
-          <a:prstGeom prst="rect">
-            <a:avLst/>
-          </a:prstGeom>
-          <a:noFill/>
-          <a:ln>
-            <a:solidFill>
-              <a:schemeClr val="tx1"/>
-            </a:solidFill>
-          </a:ln>
-        </p:spPr>
-        <p:style>
-          <a:lnRef idx="2">
-            <a:schemeClr val="accent1">
-              <a:shade val="50000"/>
-            </a:schemeClr>
-          </a:lnRef>
-          <a:fillRef idx="1">
-            <a:schemeClr val="accent1"/>
-          </a:fillRef>
-          <a:effectRef idx="0">
-            <a:schemeClr val="accent1"/>
-          </a:effectRef>
-          <a:fontRef idx="minor">
-            <a:schemeClr val="lt1"/>
-          </a:fontRef>
-        </p:style>
-        <p:txBody>
-          <a:bodyPr rtlCol="0" anchor="ctr"/>
-          <a:lstStyle/>
-          <a:p>
-            <a:pPr algn="ctr"/>
-            <a:endParaRPr lang="en-CA"/>
-          </a:p>
-        </p:txBody>
-      </p:sp>
-      <p:sp>
-        <p:nvSpPr>
           <p:cNvPr id="3" name="Rectangle 2">
             <a:extLst>
               <a:ext uri="{FF2B5EF4-FFF2-40B4-BE49-F238E27FC236}">
@@ -6089,7 +11075,7 @@
 </p:sld>
 </file>
 
-<file path=ppt/slides/slide3.xml><?xml version="1.0" encoding="utf-8"?>
+<file path=ppt/slides/slide5.xml><?xml version="1.0" encoding="utf-8"?>
 <p:sld xmlns:a="http://schemas.openxmlformats.org/drawingml/2006/main" xmlns:r="http://schemas.openxmlformats.org/officeDocument/2006/relationships" xmlns:p="http://schemas.openxmlformats.org/presentationml/2006/main">
   <p:cSld>
     <p:spTree>
@@ -6705,7 +11691,7 @@
 </p:sld>
 </file>
 
-<file path=ppt/slides/slide4.xml><?xml version="1.0" encoding="utf-8"?>
+<file path=ppt/slides/slide6.xml><?xml version="1.0" encoding="utf-8"?>
 <p:sld xmlns:a="http://schemas.openxmlformats.org/drawingml/2006/main" xmlns:r="http://schemas.openxmlformats.org/officeDocument/2006/relationships" xmlns:p="http://schemas.openxmlformats.org/presentationml/2006/main">
   <p:cSld>
     <p:spTree>
@@ -7472,6 +12458,198 @@
       </p:sp>
       <p:sp>
         <p:nvSpPr>
+          <p:cNvPr id="32" name="Rectangle: Rounded Corners 31">
+            <a:extLst>
+              <a:ext uri="{FF2B5EF4-FFF2-40B4-BE49-F238E27FC236}">
+                <a16:creationId xmlns:a16="http://schemas.microsoft.com/office/drawing/2014/main" id="{7D9115BC-94C4-CB34-4895-93A3D0652DAF}"/>
+              </a:ext>
+            </a:extLst>
+          </p:cNvPr>
+          <p:cNvSpPr/>
+          <p:nvPr/>
+        </p:nvSpPr>
+        <p:spPr>
+          <a:xfrm>
+            <a:off x="1743269" y="2704388"/>
+            <a:ext cx="664029" cy="468020"/>
+          </a:xfrm>
+          <a:prstGeom prst="roundRect">
+            <a:avLst/>
+          </a:prstGeom>
+        </p:spPr>
+        <p:style>
+          <a:lnRef idx="2">
+            <a:schemeClr val="accent6"/>
+          </a:lnRef>
+          <a:fillRef idx="1">
+            <a:schemeClr val="lt1"/>
+          </a:fillRef>
+          <a:effectRef idx="0">
+            <a:schemeClr val="accent6"/>
+          </a:effectRef>
+          <a:fontRef idx="minor">
+            <a:schemeClr val="dk1"/>
+          </a:fontRef>
+        </p:style>
+        <p:txBody>
+          <a:bodyPr rtlCol="0" anchor="ctr"/>
+          <a:lstStyle/>
+          <a:p>
+            <a:pPr algn="ctr"/>
+            <a:r>
+              <a:rPr lang="en-CA" dirty="0" err="1"/>
+              <a:t>Img</a:t>
+            </a:r>
+            <a:endParaRPr lang="en-CA" dirty="0"/>
+          </a:p>
+        </p:txBody>
+      </p:sp>
+      <p:sp>
+        <p:nvSpPr>
+          <p:cNvPr id="33" name="Rectangle: Rounded Corners 32">
+            <a:extLst>
+              <a:ext uri="{FF2B5EF4-FFF2-40B4-BE49-F238E27FC236}">
+                <a16:creationId xmlns:a16="http://schemas.microsoft.com/office/drawing/2014/main" id="{72799BB6-7A77-6E8D-92EB-9049F4DA9BE7}"/>
+              </a:ext>
+            </a:extLst>
+          </p:cNvPr>
+          <p:cNvSpPr/>
+          <p:nvPr/>
+        </p:nvSpPr>
+        <p:spPr>
+          <a:xfrm>
+            <a:off x="1743269" y="3395652"/>
+            <a:ext cx="664029" cy="468020"/>
+          </a:xfrm>
+          <a:prstGeom prst="roundRect">
+            <a:avLst/>
+          </a:prstGeom>
+        </p:spPr>
+        <p:style>
+          <a:lnRef idx="2">
+            <a:schemeClr val="accent6"/>
+          </a:lnRef>
+          <a:fillRef idx="1">
+            <a:schemeClr val="lt1"/>
+          </a:fillRef>
+          <a:effectRef idx="0">
+            <a:schemeClr val="accent6"/>
+          </a:effectRef>
+          <a:fontRef idx="minor">
+            <a:schemeClr val="dk1"/>
+          </a:fontRef>
+        </p:style>
+        <p:txBody>
+          <a:bodyPr rtlCol="0" anchor="ctr"/>
+          <a:lstStyle/>
+          <a:p>
+            <a:pPr algn="ctr"/>
+            <a:r>
+              <a:rPr lang="en-CA" dirty="0" err="1"/>
+              <a:t>Img</a:t>
+            </a:r>
+            <a:endParaRPr lang="en-CA" dirty="0"/>
+          </a:p>
+        </p:txBody>
+      </p:sp>
+      <p:sp>
+        <p:nvSpPr>
+          <p:cNvPr id="34" name="Rectangle: Rounded Corners 33">
+            <a:extLst>
+              <a:ext uri="{FF2B5EF4-FFF2-40B4-BE49-F238E27FC236}">
+                <a16:creationId xmlns:a16="http://schemas.microsoft.com/office/drawing/2014/main" id="{BEACCBFC-3BA5-CCB0-E95B-5F29BB71AC42}"/>
+              </a:ext>
+            </a:extLst>
+          </p:cNvPr>
+          <p:cNvSpPr/>
+          <p:nvPr/>
+        </p:nvSpPr>
+        <p:spPr>
+          <a:xfrm>
+            <a:off x="1743269" y="4086916"/>
+            <a:ext cx="664029" cy="468020"/>
+          </a:xfrm>
+          <a:prstGeom prst="roundRect">
+            <a:avLst/>
+          </a:prstGeom>
+        </p:spPr>
+        <p:style>
+          <a:lnRef idx="2">
+            <a:schemeClr val="accent6"/>
+          </a:lnRef>
+          <a:fillRef idx="1">
+            <a:schemeClr val="lt1"/>
+          </a:fillRef>
+          <a:effectRef idx="0">
+            <a:schemeClr val="accent6"/>
+          </a:effectRef>
+          <a:fontRef idx="minor">
+            <a:schemeClr val="dk1"/>
+          </a:fontRef>
+        </p:style>
+        <p:txBody>
+          <a:bodyPr rtlCol="0" anchor="ctr"/>
+          <a:lstStyle/>
+          <a:p>
+            <a:pPr algn="ctr"/>
+            <a:r>
+              <a:rPr lang="en-CA" dirty="0" err="1"/>
+              <a:t>Img</a:t>
+            </a:r>
+            <a:endParaRPr lang="en-CA" dirty="0"/>
+          </a:p>
+        </p:txBody>
+      </p:sp>
+      <p:sp>
+        <p:nvSpPr>
+          <p:cNvPr id="35" name="Rectangle: Rounded Corners 34">
+            <a:extLst>
+              <a:ext uri="{FF2B5EF4-FFF2-40B4-BE49-F238E27FC236}">
+                <a16:creationId xmlns:a16="http://schemas.microsoft.com/office/drawing/2014/main" id="{33EB4D7C-B44E-1293-BB54-E3C3B910FE30}"/>
+              </a:ext>
+            </a:extLst>
+          </p:cNvPr>
+          <p:cNvSpPr/>
+          <p:nvPr/>
+        </p:nvSpPr>
+        <p:spPr>
+          <a:xfrm>
+            <a:off x="1743269" y="4768111"/>
+            <a:ext cx="664029" cy="468020"/>
+          </a:xfrm>
+          <a:prstGeom prst="roundRect">
+            <a:avLst/>
+          </a:prstGeom>
+        </p:spPr>
+        <p:style>
+          <a:lnRef idx="2">
+            <a:schemeClr val="accent6"/>
+          </a:lnRef>
+          <a:fillRef idx="1">
+            <a:schemeClr val="lt1"/>
+          </a:fillRef>
+          <a:effectRef idx="0">
+            <a:schemeClr val="accent6"/>
+          </a:effectRef>
+          <a:fontRef idx="minor">
+            <a:schemeClr val="dk1"/>
+          </a:fontRef>
+        </p:style>
+        <p:txBody>
+          <a:bodyPr rtlCol="0" anchor="ctr"/>
+          <a:lstStyle/>
+          <a:p>
+            <a:pPr algn="ctr"/>
+            <a:r>
+              <a:rPr lang="en-CA" dirty="0" err="1"/>
+              <a:t>Img</a:t>
+            </a:r>
+            <a:endParaRPr lang="en-CA" dirty="0"/>
+          </a:p>
+        </p:txBody>
+      </p:sp>
+      <p:sp>
+        <p:nvSpPr>
           <p:cNvPr id="36" name="Rectangle 35">
             <a:extLst>
               <a:ext uri="{FF2B5EF4-FFF2-40B4-BE49-F238E27FC236}">
@@ -7532,7 +12710,7 @@
 </p:sld>
 </file>
 
-<file path=ppt/slides/slide5.xml><?xml version="1.0" encoding="utf-8"?>
+<file path=ppt/slides/slide7.xml><?xml version="1.0" encoding="utf-8"?>
 <p:sld xmlns:a="http://schemas.openxmlformats.org/drawingml/2006/main" xmlns:r="http://schemas.openxmlformats.org/officeDocument/2006/relationships" xmlns:p="http://schemas.openxmlformats.org/presentationml/2006/main">
   <p:cSld>
     <p:spTree>
@@ -7727,7 +12905,7 @@
 </p:sld>
 </file>
 
-<file path=ppt/slides/slide6.xml><?xml version="1.0" encoding="utf-8"?>
+<file path=ppt/slides/slide8.xml><?xml version="1.0" encoding="utf-8"?>
 <p:sld xmlns:a="http://schemas.openxmlformats.org/drawingml/2006/main" xmlns:r="http://schemas.openxmlformats.org/officeDocument/2006/relationships" xmlns:p="http://schemas.openxmlformats.org/presentationml/2006/main">
   <p:cSld>
     <p:spTree>
@@ -8343,7 +13521,7 @@
 </p:sld>
 </file>
 
-<file path=ppt/slides/slide7.xml><?xml version="1.0" encoding="utf-8"?>
+<file path=ppt/slides/slide9.xml><?xml version="1.0" encoding="utf-8"?>
 <p:sld xmlns:a="http://schemas.openxmlformats.org/drawingml/2006/main" xmlns:r="http://schemas.openxmlformats.org/officeDocument/2006/relationships" xmlns:p="http://schemas.openxmlformats.org/presentationml/2006/main">
   <p:cSld>
     <p:spTree>
@@ -9115,1403 +14293,6 @@
     <p:extLst>
       <p:ext uri="{BB962C8B-B14F-4D97-AF65-F5344CB8AC3E}">
         <p14:creationId xmlns:p14="http://schemas.microsoft.com/office/powerpoint/2010/main" val="802071603"/>
-      </p:ext>
-    </p:extLst>
-  </p:cSld>
-  <p:clrMapOvr>
-    <a:masterClrMapping/>
-  </p:clrMapOvr>
-</p:sld>
-</file>
-
-<file path=ppt/slides/slide8.xml><?xml version="1.0" encoding="utf-8"?>
-<p:sld xmlns:a="http://schemas.openxmlformats.org/drawingml/2006/main" xmlns:r="http://schemas.openxmlformats.org/officeDocument/2006/relationships" xmlns:p="http://schemas.openxmlformats.org/presentationml/2006/main">
-  <p:cSld>
-    <p:spTree>
-      <p:nvGrpSpPr>
-        <p:cNvPr id="1" name=""/>
-        <p:cNvGrpSpPr/>
-        <p:nvPr/>
-      </p:nvGrpSpPr>
-      <p:grpSpPr>
-        <a:xfrm>
-          <a:off x="0" y="0"/>
-          <a:ext cx="0" cy="0"/>
-          <a:chOff x="0" y="0"/>
-          <a:chExt cx="0" cy="0"/>
-        </a:xfrm>
-      </p:grpSpPr>
-      <p:sp>
-        <p:nvSpPr>
-          <p:cNvPr id="2" name="Rectangle 1">
-            <a:extLst>
-              <a:ext uri="{FF2B5EF4-FFF2-40B4-BE49-F238E27FC236}">
-                <a16:creationId xmlns:a16="http://schemas.microsoft.com/office/drawing/2014/main" id="{01C8981B-19D4-B0A3-1A1F-3E1F1C6B062C}"/>
-              </a:ext>
-            </a:extLst>
-          </p:cNvPr>
-          <p:cNvSpPr/>
-          <p:nvPr/>
-        </p:nvSpPr>
-        <p:spPr>
-          <a:xfrm>
-            <a:off x="1474237" y="1418253"/>
-            <a:ext cx="9078685" cy="4676580"/>
-          </a:xfrm>
-          <a:prstGeom prst="rect">
-            <a:avLst/>
-          </a:prstGeom>
-          <a:noFill/>
-          <a:ln>
-            <a:solidFill>
-              <a:schemeClr val="tx1"/>
-            </a:solidFill>
-          </a:ln>
-        </p:spPr>
-        <p:style>
-          <a:lnRef idx="2">
-            <a:schemeClr val="accent1">
-              <a:shade val="50000"/>
-            </a:schemeClr>
-          </a:lnRef>
-          <a:fillRef idx="1">
-            <a:schemeClr val="accent1"/>
-          </a:fillRef>
-          <a:effectRef idx="0">
-            <a:schemeClr val="accent1"/>
-          </a:effectRef>
-          <a:fontRef idx="minor">
-            <a:schemeClr val="lt1"/>
-          </a:fontRef>
-        </p:style>
-        <p:txBody>
-          <a:bodyPr rtlCol="0" anchor="ctr"/>
-          <a:lstStyle/>
-          <a:p>
-            <a:pPr algn="ctr"/>
-            <a:endParaRPr lang="en-CA"/>
-          </a:p>
-        </p:txBody>
-      </p:sp>
-      <p:sp>
-        <p:nvSpPr>
-          <p:cNvPr id="6" name="TextBox 5">
-            <a:extLst>
-              <a:ext uri="{FF2B5EF4-FFF2-40B4-BE49-F238E27FC236}">
-                <a16:creationId xmlns:a16="http://schemas.microsoft.com/office/drawing/2014/main" id="{E135E66C-3B8E-BFCF-31E7-CA814E4414D1}"/>
-              </a:ext>
-            </a:extLst>
-          </p:cNvPr>
-          <p:cNvSpPr txBox="1"/>
-          <p:nvPr/>
-        </p:nvSpPr>
-        <p:spPr>
-          <a:xfrm>
-            <a:off x="4624680" y="675897"/>
-            <a:ext cx="4902069" cy="369332"/>
-          </a:xfrm>
-          <a:prstGeom prst="rect">
-            <a:avLst/>
-          </a:prstGeom>
-          <a:noFill/>
-        </p:spPr>
-        <p:txBody>
-          <a:bodyPr wrap="square" rtlCol="0">
-            <a:spAutoFit/>
-          </a:bodyPr>
-          <a:lstStyle/>
-          <a:p>
-            <a:r>
-              <a:rPr lang="en-CA" dirty="0"/>
-              <a:t>Employee (Order loading page)</a:t>
-            </a:r>
-          </a:p>
-        </p:txBody>
-      </p:sp>
-      <p:sp>
-        <p:nvSpPr>
-          <p:cNvPr id="9" name="Rectangle 8">
-            <a:extLst>
-              <a:ext uri="{FF2B5EF4-FFF2-40B4-BE49-F238E27FC236}">
-                <a16:creationId xmlns:a16="http://schemas.microsoft.com/office/drawing/2014/main" id="{C01B5876-889A-A538-7541-8FF77B5D1B0A}"/>
-              </a:ext>
-            </a:extLst>
-          </p:cNvPr>
-          <p:cNvSpPr/>
-          <p:nvPr/>
-        </p:nvSpPr>
-        <p:spPr>
-          <a:xfrm>
-            <a:off x="1474237" y="1418253"/>
-            <a:ext cx="9078685" cy="578498"/>
-          </a:xfrm>
-          <a:prstGeom prst="rect">
-            <a:avLst/>
-          </a:prstGeom>
-        </p:spPr>
-        <p:style>
-          <a:lnRef idx="2">
-            <a:schemeClr val="accent1">
-              <a:shade val="50000"/>
-            </a:schemeClr>
-          </a:lnRef>
-          <a:fillRef idx="1">
-            <a:schemeClr val="accent1"/>
-          </a:fillRef>
-          <a:effectRef idx="0">
-            <a:schemeClr val="accent1"/>
-          </a:effectRef>
-          <a:fontRef idx="minor">
-            <a:schemeClr val="lt1"/>
-          </a:fontRef>
-        </p:style>
-        <p:txBody>
-          <a:bodyPr rtlCol="0" anchor="ctr"/>
-          <a:lstStyle/>
-          <a:p>
-            <a:pPr algn="ctr"/>
-            <a:endParaRPr lang="en-CA"/>
-          </a:p>
-        </p:txBody>
-      </p:sp>
-      <p:sp>
-        <p:nvSpPr>
-          <p:cNvPr id="10" name="TextBox 9">
-            <a:extLst>
-              <a:ext uri="{FF2B5EF4-FFF2-40B4-BE49-F238E27FC236}">
-                <a16:creationId xmlns:a16="http://schemas.microsoft.com/office/drawing/2014/main" id="{146EC0A1-3AB8-2234-35E4-D33406F676C7}"/>
-              </a:ext>
-            </a:extLst>
-          </p:cNvPr>
-          <p:cNvSpPr txBox="1"/>
-          <p:nvPr/>
-        </p:nvSpPr>
-        <p:spPr>
-          <a:xfrm>
-            <a:off x="1639078" y="1522836"/>
-            <a:ext cx="870857" cy="369332"/>
-          </a:xfrm>
-          <a:prstGeom prst="rect">
-            <a:avLst/>
-          </a:prstGeom>
-          <a:noFill/>
-        </p:spPr>
-        <p:txBody>
-          <a:bodyPr wrap="square" rtlCol="0">
-            <a:spAutoFit/>
-          </a:bodyPr>
-          <a:lstStyle/>
-          <a:p>
-            <a:r>
-              <a:rPr lang="en-CA" dirty="0">
-                <a:solidFill>
-                  <a:schemeClr val="bg1"/>
-                </a:solidFill>
-              </a:rPr>
-              <a:t>LOGO</a:t>
-            </a:r>
-          </a:p>
-        </p:txBody>
-      </p:sp>
-      <p:sp>
-        <p:nvSpPr>
-          <p:cNvPr id="11" name="TextBox 10">
-            <a:extLst>
-              <a:ext uri="{FF2B5EF4-FFF2-40B4-BE49-F238E27FC236}">
-                <a16:creationId xmlns:a16="http://schemas.microsoft.com/office/drawing/2014/main" id="{86D44AFA-62AB-95FB-8DFE-466382D1CC9E}"/>
-              </a:ext>
-            </a:extLst>
-          </p:cNvPr>
-          <p:cNvSpPr txBox="1"/>
-          <p:nvPr/>
-        </p:nvSpPr>
-        <p:spPr>
-          <a:xfrm>
-            <a:off x="9330612" y="1522836"/>
-            <a:ext cx="1132115" cy="369332"/>
-          </a:xfrm>
-          <a:prstGeom prst="rect">
-            <a:avLst/>
-          </a:prstGeom>
-          <a:noFill/>
-        </p:spPr>
-        <p:txBody>
-          <a:bodyPr wrap="square" rtlCol="0">
-            <a:spAutoFit/>
-          </a:bodyPr>
-          <a:lstStyle/>
-          <a:p>
-            <a:r>
-              <a:rPr lang="en-CA" dirty="0">
-                <a:solidFill>
-                  <a:schemeClr val="bg1"/>
-                </a:solidFill>
-              </a:rPr>
-              <a:t>Log out</a:t>
-            </a:r>
-          </a:p>
-        </p:txBody>
-      </p:sp>
-      <p:sp>
-        <p:nvSpPr>
-          <p:cNvPr id="12" name="TextBox 11">
-            <a:extLst>
-              <a:ext uri="{FF2B5EF4-FFF2-40B4-BE49-F238E27FC236}">
-                <a16:creationId xmlns:a16="http://schemas.microsoft.com/office/drawing/2014/main" id="{B9851B59-C76E-8125-B06E-222F333D61C0}"/>
-              </a:ext>
-            </a:extLst>
-          </p:cNvPr>
-          <p:cNvSpPr txBox="1"/>
-          <p:nvPr/>
-        </p:nvSpPr>
-        <p:spPr>
-          <a:xfrm>
-            <a:off x="8198497" y="1522836"/>
-            <a:ext cx="1132115" cy="369332"/>
-          </a:xfrm>
-          <a:prstGeom prst="rect">
-            <a:avLst/>
-          </a:prstGeom>
-          <a:noFill/>
-        </p:spPr>
-        <p:txBody>
-          <a:bodyPr wrap="square" rtlCol="0">
-            <a:spAutoFit/>
-          </a:bodyPr>
-          <a:lstStyle/>
-          <a:p>
-            <a:r>
-              <a:rPr lang="en-CA" dirty="0">
-                <a:solidFill>
-                  <a:schemeClr val="bg1"/>
-                </a:solidFill>
-              </a:rPr>
-              <a:t>Account</a:t>
-            </a:r>
-          </a:p>
-        </p:txBody>
-      </p:sp>
-      <p:grpSp>
-        <p:nvGrpSpPr>
-          <p:cNvPr id="28" name="Group 27">
-            <a:extLst>
-              <a:ext uri="{FF2B5EF4-FFF2-40B4-BE49-F238E27FC236}">
-                <a16:creationId xmlns:a16="http://schemas.microsoft.com/office/drawing/2014/main" id="{D4392FD3-E57A-6961-0A11-A10452906201}"/>
-              </a:ext>
-            </a:extLst>
-          </p:cNvPr>
-          <p:cNvGrpSpPr/>
-          <p:nvPr/>
-        </p:nvGrpSpPr>
-        <p:grpSpPr>
-          <a:xfrm>
-            <a:off x="1660846" y="2676223"/>
-            <a:ext cx="5542385" cy="3257930"/>
-            <a:chOff x="1639074" y="2183363"/>
-            <a:chExt cx="5542385" cy="3257930"/>
-          </a:xfrm>
-        </p:grpSpPr>
-        <p:sp>
-          <p:nvSpPr>
-            <p:cNvPr id="21" name="Rectangle 20">
-              <a:extLst>
-                <a:ext uri="{FF2B5EF4-FFF2-40B4-BE49-F238E27FC236}">
-                  <a16:creationId xmlns:a16="http://schemas.microsoft.com/office/drawing/2014/main" id="{E5063F51-C430-5E83-E441-DE974BCF473C}"/>
-                </a:ext>
-              </a:extLst>
-            </p:cNvPr>
-            <p:cNvSpPr/>
-            <p:nvPr/>
-          </p:nvSpPr>
-          <p:spPr>
-            <a:xfrm>
-              <a:off x="1639074" y="2183363"/>
-              <a:ext cx="5253135" cy="578498"/>
-            </a:xfrm>
-            <a:prstGeom prst="rect">
-              <a:avLst/>
-            </a:prstGeom>
-          </p:spPr>
-          <p:style>
-            <a:lnRef idx="2">
-              <a:schemeClr val="accent1">
-                <a:shade val="50000"/>
-              </a:schemeClr>
-            </a:lnRef>
-            <a:fillRef idx="1">
-              <a:schemeClr val="accent1"/>
-            </a:fillRef>
-            <a:effectRef idx="0">
-              <a:schemeClr val="accent1"/>
-            </a:effectRef>
-            <a:fontRef idx="minor">
-              <a:schemeClr val="lt1"/>
-            </a:fontRef>
-          </p:style>
-          <p:txBody>
-            <a:bodyPr rtlCol="0" anchor="ctr"/>
-            <a:lstStyle/>
-            <a:p>
-              <a:pPr algn="ctr"/>
-              <a:r>
-                <a:rPr lang="en-CA" dirty="0"/>
-                <a:t>Order 5 (New)</a:t>
-              </a:r>
-            </a:p>
-          </p:txBody>
-        </p:sp>
-        <p:sp>
-          <p:nvSpPr>
-            <p:cNvPr id="22" name="Rectangle 21">
-              <a:extLst>
-                <a:ext uri="{FF2B5EF4-FFF2-40B4-BE49-F238E27FC236}">
-                  <a16:creationId xmlns:a16="http://schemas.microsoft.com/office/drawing/2014/main" id="{49E67E62-E691-D77F-29D0-1896F644B6F6}"/>
-                </a:ext>
-              </a:extLst>
-            </p:cNvPr>
-            <p:cNvSpPr/>
-            <p:nvPr/>
-          </p:nvSpPr>
-          <p:spPr>
-            <a:xfrm>
-              <a:off x="1639077" y="2853221"/>
-              <a:ext cx="5253135" cy="578498"/>
-            </a:xfrm>
-            <a:prstGeom prst="rect">
-              <a:avLst/>
-            </a:prstGeom>
-          </p:spPr>
-          <p:style>
-            <a:lnRef idx="2">
-              <a:schemeClr val="accent1">
-                <a:shade val="50000"/>
-              </a:schemeClr>
-            </a:lnRef>
-            <a:fillRef idx="1">
-              <a:schemeClr val="accent1"/>
-            </a:fillRef>
-            <a:effectRef idx="0">
-              <a:schemeClr val="accent1"/>
-            </a:effectRef>
-            <a:fontRef idx="minor">
-              <a:schemeClr val="lt1"/>
-            </a:fontRef>
-          </p:style>
-          <p:txBody>
-            <a:bodyPr rtlCol="0" anchor="ctr"/>
-            <a:lstStyle/>
-            <a:p>
-              <a:pPr algn="ctr"/>
-              <a:r>
-                <a:rPr lang="en-CA" dirty="0"/>
-                <a:t>Order 4 (New)</a:t>
-              </a:r>
-            </a:p>
-          </p:txBody>
-        </p:sp>
-        <p:sp>
-          <p:nvSpPr>
-            <p:cNvPr id="23" name="Rectangle 22">
-              <a:extLst>
-                <a:ext uri="{FF2B5EF4-FFF2-40B4-BE49-F238E27FC236}">
-                  <a16:creationId xmlns:a16="http://schemas.microsoft.com/office/drawing/2014/main" id="{407B36D2-BF9F-E5C9-BB4F-689D08666E2B}"/>
-                </a:ext>
-              </a:extLst>
-            </p:cNvPr>
-            <p:cNvSpPr/>
-            <p:nvPr/>
-          </p:nvSpPr>
-          <p:spPr>
-            <a:xfrm>
-              <a:off x="1639076" y="3523079"/>
-              <a:ext cx="5542383" cy="578498"/>
-            </a:xfrm>
-            <a:prstGeom prst="rect">
-              <a:avLst/>
-            </a:prstGeom>
-          </p:spPr>
-          <p:style>
-            <a:lnRef idx="2">
-              <a:schemeClr val="accent1">
-                <a:shade val="50000"/>
-              </a:schemeClr>
-            </a:lnRef>
-            <a:fillRef idx="1">
-              <a:schemeClr val="accent1"/>
-            </a:fillRef>
-            <a:effectRef idx="0">
-              <a:schemeClr val="accent1"/>
-            </a:effectRef>
-            <a:fontRef idx="minor">
-              <a:schemeClr val="lt1"/>
-            </a:fontRef>
-          </p:style>
-          <p:txBody>
-            <a:bodyPr rtlCol="0" anchor="ctr"/>
-            <a:lstStyle/>
-            <a:p>
-              <a:pPr algn="ctr"/>
-              <a:r>
-                <a:rPr lang="en-CA" dirty="0"/>
-                <a:t>Order 3 (Pending)</a:t>
-              </a:r>
-            </a:p>
-          </p:txBody>
-        </p:sp>
-        <p:sp>
-          <p:nvSpPr>
-            <p:cNvPr id="24" name="Rectangle 23">
-              <a:extLst>
-                <a:ext uri="{FF2B5EF4-FFF2-40B4-BE49-F238E27FC236}">
-                  <a16:creationId xmlns:a16="http://schemas.microsoft.com/office/drawing/2014/main" id="{CE44C750-4B90-594C-D3DA-95E8B0ED4C32}"/>
-                </a:ext>
-              </a:extLst>
-            </p:cNvPr>
-            <p:cNvSpPr/>
-            <p:nvPr/>
-          </p:nvSpPr>
-          <p:spPr>
-            <a:xfrm>
-              <a:off x="1639075" y="4177768"/>
-              <a:ext cx="5253135" cy="608836"/>
-            </a:xfrm>
-            <a:prstGeom prst="rect">
-              <a:avLst/>
-            </a:prstGeom>
-          </p:spPr>
-          <p:style>
-            <a:lnRef idx="2">
-              <a:schemeClr val="accent1">
-                <a:shade val="50000"/>
-              </a:schemeClr>
-            </a:lnRef>
-            <a:fillRef idx="1">
-              <a:schemeClr val="accent1"/>
-            </a:fillRef>
-            <a:effectRef idx="0">
-              <a:schemeClr val="accent1"/>
-            </a:effectRef>
-            <a:fontRef idx="minor">
-              <a:schemeClr val="lt1"/>
-            </a:fontRef>
-          </p:style>
-          <p:txBody>
-            <a:bodyPr rtlCol="0" anchor="ctr"/>
-            <a:lstStyle/>
-            <a:p>
-              <a:pPr algn="ctr"/>
-              <a:r>
-                <a:rPr lang="en-CA" dirty="0"/>
-                <a:t>Order 2 (Pending)</a:t>
-              </a:r>
-            </a:p>
-          </p:txBody>
-        </p:sp>
-        <p:sp>
-          <p:nvSpPr>
-            <p:cNvPr id="25" name="Rectangle 24">
-              <a:extLst>
-                <a:ext uri="{FF2B5EF4-FFF2-40B4-BE49-F238E27FC236}">
-                  <a16:creationId xmlns:a16="http://schemas.microsoft.com/office/drawing/2014/main" id="{3C0DAF4F-AB43-9841-F5D6-A00E8320EF65}"/>
-                </a:ext>
-              </a:extLst>
-            </p:cNvPr>
-            <p:cNvSpPr/>
-            <p:nvPr/>
-          </p:nvSpPr>
-          <p:spPr>
-            <a:xfrm>
-              <a:off x="1639075" y="4862795"/>
-              <a:ext cx="5253136" cy="578498"/>
-            </a:xfrm>
-            <a:prstGeom prst="rect">
-              <a:avLst/>
-            </a:prstGeom>
-          </p:spPr>
-          <p:style>
-            <a:lnRef idx="2">
-              <a:schemeClr val="accent1">
-                <a:shade val="50000"/>
-              </a:schemeClr>
-            </a:lnRef>
-            <a:fillRef idx="1">
-              <a:schemeClr val="accent1"/>
-            </a:fillRef>
-            <a:effectRef idx="0">
-              <a:schemeClr val="accent1"/>
-            </a:effectRef>
-            <a:fontRef idx="minor">
-              <a:schemeClr val="lt1"/>
-            </a:fontRef>
-          </p:style>
-          <p:txBody>
-            <a:bodyPr rtlCol="0" anchor="ctr"/>
-            <a:lstStyle/>
-            <a:p>
-              <a:pPr algn="ctr"/>
-              <a:r>
-                <a:rPr lang="en-CA" dirty="0"/>
-                <a:t>Order 1 (Pending)</a:t>
-              </a:r>
-            </a:p>
-          </p:txBody>
-        </p:sp>
-      </p:grpSp>
-      <p:sp>
-        <p:nvSpPr>
-          <p:cNvPr id="26" name="TextBox 25">
-            <a:extLst>
-              <a:ext uri="{FF2B5EF4-FFF2-40B4-BE49-F238E27FC236}">
-                <a16:creationId xmlns:a16="http://schemas.microsoft.com/office/drawing/2014/main" id="{BC0991B4-7552-3DA1-61EE-9B9093C3C0C8}"/>
-              </a:ext>
-            </a:extLst>
-          </p:cNvPr>
-          <p:cNvSpPr txBox="1"/>
-          <p:nvPr/>
-        </p:nvSpPr>
-        <p:spPr>
-          <a:xfrm>
-            <a:off x="7203232" y="2265192"/>
-            <a:ext cx="3259494" cy="3139321"/>
-          </a:xfrm>
-          <a:prstGeom prst="rect">
-            <a:avLst/>
-          </a:prstGeom>
-          <a:noFill/>
-          <a:ln>
-            <a:solidFill>
-              <a:schemeClr val="tx1"/>
-            </a:solidFill>
-          </a:ln>
-        </p:spPr>
-        <p:txBody>
-          <a:bodyPr wrap="square" rtlCol="0">
-            <a:spAutoFit/>
-          </a:bodyPr>
-          <a:lstStyle/>
-          <a:p>
-            <a:r>
-              <a:rPr lang="en-CA" dirty="0"/>
-              <a:t>Food item 1 </a:t>
-            </a:r>
-          </a:p>
-          <a:p>
-            <a:r>
-              <a:rPr lang="en-CA" dirty="0"/>
-              <a:t>Food item 1 </a:t>
-            </a:r>
-          </a:p>
-          <a:p>
-            <a:r>
-              <a:rPr lang="en-CA" dirty="0"/>
-              <a:t>Food item 1 </a:t>
-            </a:r>
-          </a:p>
-          <a:p>
-            <a:r>
-              <a:rPr lang="en-CA" dirty="0"/>
-              <a:t>Food item 1 </a:t>
-            </a:r>
-          </a:p>
-          <a:p>
-            <a:endParaRPr lang="en-CA" dirty="0"/>
-          </a:p>
-          <a:p>
-            <a:r>
-              <a:rPr lang="en-CA" dirty="0"/>
-              <a:t>Special instruction:</a:t>
-            </a:r>
-          </a:p>
-          <a:p>
-            <a:r>
-              <a:rPr lang="en-CA" dirty="0" err="1"/>
-              <a:t>Alskf</a:t>
-            </a:r>
-            <a:endParaRPr lang="en-CA" dirty="0"/>
-          </a:p>
-          <a:p>
-            <a:r>
-              <a:rPr lang="en-CA" dirty="0" err="1"/>
-              <a:t>Laksdfh</a:t>
-            </a:r>
-            <a:endParaRPr lang="en-CA" dirty="0"/>
-          </a:p>
-          <a:p>
-            <a:r>
-              <a:rPr lang="en-CA" dirty="0" err="1"/>
-              <a:t>Klasdfhj</a:t>
-            </a:r>
-            <a:endParaRPr lang="en-CA" dirty="0"/>
-          </a:p>
-          <a:p>
-            <a:r>
-              <a:rPr lang="en-CA" dirty="0" err="1"/>
-              <a:t>Klasdhfj</a:t>
-            </a:r>
-            <a:endParaRPr lang="en-CA" dirty="0"/>
-          </a:p>
-          <a:p>
-            <a:r>
-              <a:rPr lang="en-CA" dirty="0" err="1"/>
-              <a:t>lksadhfj</a:t>
-            </a:r>
-            <a:endParaRPr lang="en-CA" dirty="0"/>
-          </a:p>
-        </p:txBody>
-      </p:sp>
-      <p:sp>
-        <p:nvSpPr>
-          <p:cNvPr id="27" name="Rectangle 26">
-            <a:extLst>
-              <a:ext uri="{FF2B5EF4-FFF2-40B4-BE49-F238E27FC236}">
-                <a16:creationId xmlns:a16="http://schemas.microsoft.com/office/drawing/2014/main" id="{36ECCED2-CB5B-3BA9-5779-5A356CCE07BE}"/>
-              </a:ext>
-            </a:extLst>
-          </p:cNvPr>
-          <p:cNvSpPr/>
-          <p:nvPr/>
-        </p:nvSpPr>
-        <p:spPr>
-          <a:xfrm>
-            <a:off x="8882741" y="5536315"/>
-            <a:ext cx="1514669" cy="397838"/>
-          </a:xfrm>
-          <a:prstGeom prst="rect">
-            <a:avLst/>
-          </a:prstGeom>
-        </p:spPr>
-        <p:style>
-          <a:lnRef idx="2">
-            <a:schemeClr val="accent1">
-              <a:shade val="50000"/>
-            </a:schemeClr>
-          </a:lnRef>
-          <a:fillRef idx="1">
-            <a:schemeClr val="accent1"/>
-          </a:fillRef>
-          <a:effectRef idx="0">
-            <a:schemeClr val="accent1"/>
-          </a:effectRef>
-          <a:fontRef idx="minor">
-            <a:schemeClr val="lt1"/>
-          </a:fontRef>
-        </p:style>
-        <p:txBody>
-          <a:bodyPr rtlCol="0" anchor="ctr"/>
-          <a:lstStyle/>
-          <a:p>
-            <a:pPr algn="ctr"/>
-            <a:r>
-              <a:rPr lang="en-CA" dirty="0"/>
-              <a:t>Mark Done</a:t>
-            </a:r>
-          </a:p>
-        </p:txBody>
-      </p:sp>
-      <p:sp>
-        <p:nvSpPr>
-          <p:cNvPr id="29" name="TextBox 28">
-            <a:extLst>
-              <a:ext uri="{FF2B5EF4-FFF2-40B4-BE49-F238E27FC236}">
-                <a16:creationId xmlns:a16="http://schemas.microsoft.com/office/drawing/2014/main" id="{86F80ABA-A5B3-C9D8-E03A-B6C9E35C1F38}"/>
-              </a:ext>
-            </a:extLst>
-          </p:cNvPr>
-          <p:cNvSpPr txBox="1"/>
-          <p:nvPr/>
-        </p:nvSpPr>
-        <p:spPr>
-          <a:xfrm>
-            <a:off x="1561322" y="2177922"/>
-            <a:ext cx="3915747" cy="369332"/>
-          </a:xfrm>
-          <a:prstGeom prst="rect">
-            <a:avLst/>
-          </a:prstGeom>
-          <a:noFill/>
-        </p:spPr>
-        <p:txBody>
-          <a:bodyPr wrap="square" rtlCol="0">
-            <a:spAutoFit/>
-          </a:bodyPr>
-          <a:lstStyle/>
-          <a:p>
-            <a:r>
-              <a:rPr lang="en-CA" dirty="0"/>
-              <a:t>Malecon Restaurant (Orders)</a:t>
-            </a:r>
-          </a:p>
-        </p:txBody>
-      </p:sp>
-    </p:spTree>
-    <p:extLst>
-      <p:ext uri="{BB962C8B-B14F-4D97-AF65-F5344CB8AC3E}">
-        <p14:creationId xmlns:p14="http://schemas.microsoft.com/office/powerpoint/2010/main" val="3276659321"/>
-      </p:ext>
-    </p:extLst>
-  </p:cSld>
-  <p:clrMapOvr>
-    <a:masterClrMapping/>
-  </p:clrMapOvr>
-</p:sld>
-</file>
-
-<file path=ppt/slides/slide9.xml><?xml version="1.0" encoding="utf-8"?>
-<p:sld xmlns:a="http://schemas.openxmlformats.org/drawingml/2006/main" xmlns:r="http://schemas.openxmlformats.org/officeDocument/2006/relationships" xmlns:p="http://schemas.openxmlformats.org/presentationml/2006/main">
-  <p:cSld>
-    <p:spTree>
-      <p:nvGrpSpPr>
-        <p:cNvPr id="1" name=""/>
-        <p:cNvGrpSpPr/>
-        <p:nvPr/>
-      </p:nvGrpSpPr>
-      <p:grpSpPr>
-        <a:xfrm>
-          <a:off x="0" y="0"/>
-          <a:ext cx="0" cy="0"/>
-          <a:chOff x="0" y="0"/>
-          <a:chExt cx="0" cy="0"/>
-        </a:xfrm>
-      </p:grpSpPr>
-      <p:sp>
-        <p:nvSpPr>
-          <p:cNvPr id="2" name="Rectangle 1">
-            <a:extLst>
-              <a:ext uri="{FF2B5EF4-FFF2-40B4-BE49-F238E27FC236}">
-                <a16:creationId xmlns:a16="http://schemas.microsoft.com/office/drawing/2014/main" id="{01C8981B-19D4-B0A3-1A1F-3E1F1C6B062C}"/>
-              </a:ext>
-            </a:extLst>
-          </p:cNvPr>
-          <p:cNvSpPr/>
-          <p:nvPr/>
-        </p:nvSpPr>
-        <p:spPr>
-          <a:xfrm>
-            <a:off x="1474237" y="1418253"/>
-            <a:ext cx="9078685" cy="4422710"/>
-          </a:xfrm>
-          <a:prstGeom prst="rect">
-            <a:avLst/>
-          </a:prstGeom>
-          <a:noFill/>
-          <a:ln>
-            <a:solidFill>
-              <a:schemeClr val="tx1"/>
-            </a:solidFill>
-          </a:ln>
-        </p:spPr>
-        <p:style>
-          <a:lnRef idx="2">
-            <a:schemeClr val="accent1">
-              <a:shade val="50000"/>
-            </a:schemeClr>
-          </a:lnRef>
-          <a:fillRef idx="1">
-            <a:schemeClr val="accent1"/>
-          </a:fillRef>
-          <a:effectRef idx="0">
-            <a:schemeClr val="accent1"/>
-          </a:effectRef>
-          <a:fontRef idx="minor">
-            <a:schemeClr val="lt1"/>
-          </a:fontRef>
-        </p:style>
-        <p:txBody>
-          <a:bodyPr rtlCol="0" anchor="ctr"/>
-          <a:lstStyle/>
-          <a:p>
-            <a:pPr algn="ctr"/>
-            <a:endParaRPr lang="en-CA"/>
-          </a:p>
-        </p:txBody>
-      </p:sp>
-      <p:sp>
-        <p:nvSpPr>
-          <p:cNvPr id="6" name="TextBox 5">
-            <a:extLst>
-              <a:ext uri="{FF2B5EF4-FFF2-40B4-BE49-F238E27FC236}">
-                <a16:creationId xmlns:a16="http://schemas.microsoft.com/office/drawing/2014/main" id="{E135E66C-3B8E-BFCF-31E7-CA814E4414D1}"/>
-              </a:ext>
-            </a:extLst>
-          </p:cNvPr>
-          <p:cNvSpPr txBox="1"/>
-          <p:nvPr/>
-        </p:nvSpPr>
-        <p:spPr>
-          <a:xfrm>
-            <a:off x="3407811" y="796222"/>
-            <a:ext cx="5376377" cy="369332"/>
-          </a:xfrm>
-          <a:prstGeom prst="rect">
-            <a:avLst/>
-          </a:prstGeom>
-          <a:noFill/>
-        </p:spPr>
-        <p:txBody>
-          <a:bodyPr wrap="square" rtlCol="0">
-            <a:spAutoFit/>
-          </a:bodyPr>
-          <a:lstStyle/>
-          <a:p>
-            <a:r>
-              <a:rPr lang="en-CA" dirty="0"/>
-              <a:t>Admin index page with list of restaurants</a:t>
-            </a:r>
-          </a:p>
-        </p:txBody>
-      </p:sp>
-      <p:sp>
-        <p:nvSpPr>
-          <p:cNvPr id="9" name="Rectangle 8">
-            <a:extLst>
-              <a:ext uri="{FF2B5EF4-FFF2-40B4-BE49-F238E27FC236}">
-                <a16:creationId xmlns:a16="http://schemas.microsoft.com/office/drawing/2014/main" id="{C01B5876-889A-A538-7541-8FF77B5D1B0A}"/>
-              </a:ext>
-            </a:extLst>
-          </p:cNvPr>
-          <p:cNvSpPr/>
-          <p:nvPr/>
-        </p:nvSpPr>
-        <p:spPr>
-          <a:xfrm>
-            <a:off x="1474237" y="1418253"/>
-            <a:ext cx="9078685" cy="578498"/>
-          </a:xfrm>
-          <a:prstGeom prst="rect">
-            <a:avLst/>
-          </a:prstGeom>
-        </p:spPr>
-        <p:style>
-          <a:lnRef idx="2">
-            <a:schemeClr val="accent1">
-              <a:shade val="50000"/>
-            </a:schemeClr>
-          </a:lnRef>
-          <a:fillRef idx="1">
-            <a:schemeClr val="accent1"/>
-          </a:fillRef>
-          <a:effectRef idx="0">
-            <a:schemeClr val="accent1"/>
-          </a:effectRef>
-          <a:fontRef idx="minor">
-            <a:schemeClr val="lt1"/>
-          </a:fontRef>
-        </p:style>
-        <p:txBody>
-          <a:bodyPr rtlCol="0" anchor="ctr"/>
-          <a:lstStyle/>
-          <a:p>
-            <a:pPr algn="ctr"/>
-            <a:endParaRPr lang="en-CA"/>
-          </a:p>
-        </p:txBody>
-      </p:sp>
-      <p:sp>
-        <p:nvSpPr>
-          <p:cNvPr id="10" name="TextBox 9">
-            <a:extLst>
-              <a:ext uri="{FF2B5EF4-FFF2-40B4-BE49-F238E27FC236}">
-                <a16:creationId xmlns:a16="http://schemas.microsoft.com/office/drawing/2014/main" id="{146EC0A1-3AB8-2234-35E4-D33406F676C7}"/>
-              </a:ext>
-            </a:extLst>
-          </p:cNvPr>
-          <p:cNvSpPr txBox="1"/>
-          <p:nvPr/>
-        </p:nvSpPr>
-        <p:spPr>
-          <a:xfrm>
-            <a:off x="1639078" y="1522836"/>
-            <a:ext cx="870857" cy="369332"/>
-          </a:xfrm>
-          <a:prstGeom prst="rect">
-            <a:avLst/>
-          </a:prstGeom>
-          <a:noFill/>
-        </p:spPr>
-        <p:txBody>
-          <a:bodyPr wrap="square" rtlCol="0">
-            <a:spAutoFit/>
-          </a:bodyPr>
-          <a:lstStyle/>
-          <a:p>
-            <a:r>
-              <a:rPr lang="en-CA" dirty="0">
-                <a:solidFill>
-                  <a:schemeClr val="bg1"/>
-                </a:solidFill>
-              </a:rPr>
-              <a:t>LOGO</a:t>
-            </a:r>
-          </a:p>
-        </p:txBody>
-      </p:sp>
-      <p:sp>
-        <p:nvSpPr>
-          <p:cNvPr id="11" name="TextBox 10">
-            <a:extLst>
-              <a:ext uri="{FF2B5EF4-FFF2-40B4-BE49-F238E27FC236}">
-                <a16:creationId xmlns:a16="http://schemas.microsoft.com/office/drawing/2014/main" id="{86D44AFA-62AB-95FB-8DFE-466382D1CC9E}"/>
-              </a:ext>
-            </a:extLst>
-          </p:cNvPr>
-          <p:cNvSpPr txBox="1"/>
-          <p:nvPr/>
-        </p:nvSpPr>
-        <p:spPr>
-          <a:xfrm>
-            <a:off x="9330612" y="1522836"/>
-            <a:ext cx="1132115" cy="369332"/>
-          </a:xfrm>
-          <a:prstGeom prst="rect">
-            <a:avLst/>
-          </a:prstGeom>
-          <a:noFill/>
-        </p:spPr>
-        <p:txBody>
-          <a:bodyPr wrap="square" rtlCol="0">
-            <a:spAutoFit/>
-          </a:bodyPr>
-          <a:lstStyle/>
-          <a:p>
-            <a:r>
-              <a:rPr lang="en-CA" dirty="0">
-                <a:solidFill>
-                  <a:schemeClr val="bg1"/>
-                </a:solidFill>
-              </a:rPr>
-              <a:t>Log out</a:t>
-            </a:r>
-          </a:p>
-        </p:txBody>
-      </p:sp>
-      <p:sp>
-        <p:nvSpPr>
-          <p:cNvPr id="12" name="TextBox 11">
-            <a:extLst>
-              <a:ext uri="{FF2B5EF4-FFF2-40B4-BE49-F238E27FC236}">
-                <a16:creationId xmlns:a16="http://schemas.microsoft.com/office/drawing/2014/main" id="{B9851B59-C76E-8125-B06E-222F333D61C0}"/>
-              </a:ext>
-            </a:extLst>
-          </p:cNvPr>
-          <p:cNvSpPr txBox="1"/>
-          <p:nvPr/>
-        </p:nvSpPr>
-        <p:spPr>
-          <a:xfrm>
-            <a:off x="8198497" y="1522836"/>
-            <a:ext cx="1132115" cy="369332"/>
-          </a:xfrm>
-          <a:prstGeom prst="rect">
-            <a:avLst/>
-          </a:prstGeom>
-          <a:noFill/>
-        </p:spPr>
-        <p:txBody>
-          <a:bodyPr wrap="square" rtlCol="0">
-            <a:spAutoFit/>
-          </a:bodyPr>
-          <a:lstStyle/>
-          <a:p>
-            <a:r>
-              <a:rPr lang="en-CA" dirty="0">
-                <a:solidFill>
-                  <a:schemeClr val="bg1"/>
-                </a:solidFill>
-              </a:rPr>
-              <a:t>Account</a:t>
-            </a:r>
-          </a:p>
-        </p:txBody>
-      </p:sp>
-      <p:grpSp>
-        <p:nvGrpSpPr>
-          <p:cNvPr id="16" name="Group 15">
-            <a:extLst>
-              <a:ext uri="{FF2B5EF4-FFF2-40B4-BE49-F238E27FC236}">
-                <a16:creationId xmlns:a16="http://schemas.microsoft.com/office/drawing/2014/main" id="{D692067B-9A39-8773-EE0D-E723EECA1BF1}"/>
-              </a:ext>
-            </a:extLst>
-          </p:cNvPr>
-          <p:cNvGrpSpPr/>
-          <p:nvPr/>
-        </p:nvGrpSpPr>
-        <p:grpSpPr>
-          <a:xfrm>
-            <a:off x="1740158" y="2341984"/>
-            <a:ext cx="8546842" cy="1087016"/>
-            <a:chOff x="1800807" y="2374249"/>
-            <a:chExt cx="8546842" cy="1087016"/>
-          </a:xfrm>
-        </p:grpSpPr>
-        <p:sp>
-          <p:nvSpPr>
-            <p:cNvPr id="13" name="Rectangle 12">
-              <a:extLst>
-                <a:ext uri="{FF2B5EF4-FFF2-40B4-BE49-F238E27FC236}">
-                  <a16:creationId xmlns:a16="http://schemas.microsoft.com/office/drawing/2014/main" id="{E3B792A3-5E88-8FB0-FEEE-6821DCE1133B}"/>
-                </a:ext>
-              </a:extLst>
-            </p:cNvPr>
-            <p:cNvSpPr/>
-            <p:nvPr/>
-          </p:nvSpPr>
-          <p:spPr>
-            <a:xfrm>
-              <a:off x="1800807" y="2374249"/>
-              <a:ext cx="2556588" cy="1087016"/>
-            </a:xfrm>
-            <a:prstGeom prst="rect">
-              <a:avLst/>
-            </a:prstGeom>
-          </p:spPr>
-          <p:style>
-            <a:lnRef idx="2">
-              <a:schemeClr val="accent1">
-                <a:shade val="50000"/>
-              </a:schemeClr>
-            </a:lnRef>
-            <a:fillRef idx="1">
-              <a:schemeClr val="accent1"/>
-            </a:fillRef>
-            <a:effectRef idx="0">
-              <a:schemeClr val="accent1"/>
-            </a:effectRef>
-            <a:fontRef idx="minor">
-              <a:schemeClr val="lt1"/>
-            </a:fontRef>
-          </p:style>
-          <p:txBody>
-            <a:bodyPr rtlCol="0" anchor="ctr"/>
-            <a:lstStyle/>
-            <a:p>
-              <a:pPr algn="ctr"/>
-              <a:r>
-                <a:rPr lang="en-CA" dirty="0"/>
-                <a:t>Malecon</a:t>
-              </a:r>
-            </a:p>
-          </p:txBody>
-        </p:sp>
-        <p:sp>
-          <p:nvSpPr>
-            <p:cNvPr id="14" name="Rectangle 13">
-              <a:extLst>
-                <a:ext uri="{FF2B5EF4-FFF2-40B4-BE49-F238E27FC236}">
-                  <a16:creationId xmlns:a16="http://schemas.microsoft.com/office/drawing/2014/main" id="{F4E8A5D4-272F-7574-35FD-27A5E57FA3C4}"/>
-                </a:ext>
-              </a:extLst>
-            </p:cNvPr>
-            <p:cNvSpPr/>
-            <p:nvPr/>
-          </p:nvSpPr>
-          <p:spPr>
-            <a:xfrm>
-              <a:off x="4817706" y="2419353"/>
-              <a:ext cx="2534816" cy="1041912"/>
-            </a:xfrm>
-            <a:prstGeom prst="rect">
-              <a:avLst/>
-            </a:prstGeom>
-          </p:spPr>
-          <p:style>
-            <a:lnRef idx="2">
-              <a:schemeClr val="accent1">
-                <a:shade val="50000"/>
-              </a:schemeClr>
-            </a:lnRef>
-            <a:fillRef idx="1">
-              <a:schemeClr val="accent1"/>
-            </a:fillRef>
-            <a:effectRef idx="0">
-              <a:schemeClr val="accent1"/>
-            </a:effectRef>
-            <a:fontRef idx="minor">
-              <a:schemeClr val="lt1"/>
-            </a:fontRef>
-          </p:style>
-          <p:txBody>
-            <a:bodyPr rtlCol="0" anchor="ctr"/>
-            <a:lstStyle/>
-            <a:p>
-              <a:pPr algn="ctr"/>
-              <a:r>
-                <a:rPr lang="en-CA" dirty="0"/>
-                <a:t>Pangea’s</a:t>
-              </a:r>
-            </a:p>
-          </p:txBody>
-        </p:sp>
-        <p:sp>
-          <p:nvSpPr>
-            <p:cNvPr id="15" name="Rectangle 14">
-              <a:extLst>
-                <a:ext uri="{FF2B5EF4-FFF2-40B4-BE49-F238E27FC236}">
-                  <a16:creationId xmlns:a16="http://schemas.microsoft.com/office/drawing/2014/main" id="{A13F7B90-9086-1CE3-8811-26806755912D}"/>
-                </a:ext>
-              </a:extLst>
-            </p:cNvPr>
-            <p:cNvSpPr/>
-            <p:nvPr/>
-          </p:nvSpPr>
-          <p:spPr>
-            <a:xfrm>
-              <a:off x="7812833" y="2419353"/>
-              <a:ext cx="2534816" cy="1041912"/>
-            </a:xfrm>
-            <a:prstGeom prst="rect">
-              <a:avLst/>
-            </a:prstGeom>
-          </p:spPr>
-          <p:style>
-            <a:lnRef idx="2">
-              <a:schemeClr val="accent1">
-                <a:shade val="50000"/>
-              </a:schemeClr>
-            </a:lnRef>
-            <a:fillRef idx="1">
-              <a:schemeClr val="accent1"/>
-            </a:fillRef>
-            <a:effectRef idx="0">
-              <a:schemeClr val="accent1"/>
-            </a:effectRef>
-            <a:fontRef idx="minor">
-              <a:schemeClr val="lt1"/>
-            </a:fontRef>
-          </p:style>
-          <p:txBody>
-            <a:bodyPr rtlCol="0" anchor="ctr"/>
-            <a:lstStyle/>
-            <a:p>
-              <a:pPr algn="ctr"/>
-              <a:r>
-                <a:rPr lang="en-CA" dirty="0"/>
-                <a:t>Dash</a:t>
-              </a:r>
-            </a:p>
-          </p:txBody>
-        </p:sp>
-      </p:grpSp>
-      <p:grpSp>
-        <p:nvGrpSpPr>
-          <p:cNvPr id="17" name="Group 16">
-            <a:extLst>
-              <a:ext uri="{FF2B5EF4-FFF2-40B4-BE49-F238E27FC236}">
-                <a16:creationId xmlns:a16="http://schemas.microsoft.com/office/drawing/2014/main" id="{1E8EA798-DA44-CDBC-7A2C-93703A8D81A7}"/>
-              </a:ext>
-            </a:extLst>
-          </p:cNvPr>
-          <p:cNvGrpSpPr/>
-          <p:nvPr/>
-        </p:nvGrpSpPr>
-        <p:grpSpPr>
-          <a:xfrm>
-            <a:off x="1751044" y="3819337"/>
-            <a:ext cx="8546842" cy="1087016"/>
-            <a:chOff x="1800807" y="2374249"/>
-            <a:chExt cx="8546842" cy="1087016"/>
-          </a:xfrm>
-        </p:grpSpPr>
-        <p:sp>
-          <p:nvSpPr>
-            <p:cNvPr id="18" name="Rectangle 17">
-              <a:extLst>
-                <a:ext uri="{FF2B5EF4-FFF2-40B4-BE49-F238E27FC236}">
-                  <a16:creationId xmlns:a16="http://schemas.microsoft.com/office/drawing/2014/main" id="{18199493-C51C-FC8A-65C4-36A9138CC8B5}"/>
-                </a:ext>
-              </a:extLst>
-            </p:cNvPr>
-            <p:cNvSpPr/>
-            <p:nvPr/>
-          </p:nvSpPr>
-          <p:spPr>
-            <a:xfrm>
-              <a:off x="1800807" y="2374249"/>
-              <a:ext cx="2556588" cy="1087016"/>
-            </a:xfrm>
-            <a:prstGeom prst="rect">
-              <a:avLst/>
-            </a:prstGeom>
-          </p:spPr>
-          <p:style>
-            <a:lnRef idx="2">
-              <a:schemeClr val="accent1">
-                <a:shade val="50000"/>
-              </a:schemeClr>
-            </a:lnRef>
-            <a:fillRef idx="1">
-              <a:schemeClr val="accent1"/>
-            </a:fillRef>
-            <a:effectRef idx="0">
-              <a:schemeClr val="accent1"/>
-            </a:effectRef>
-            <a:fontRef idx="minor">
-              <a:schemeClr val="lt1"/>
-            </a:fontRef>
-          </p:style>
-          <p:txBody>
-            <a:bodyPr rtlCol="0" anchor="ctr"/>
-            <a:lstStyle/>
-            <a:p>
-              <a:pPr algn="ctr"/>
-              <a:r>
-                <a:rPr lang="en-CA" dirty="0"/>
-                <a:t>Malecon 2</a:t>
-              </a:r>
-            </a:p>
-          </p:txBody>
-        </p:sp>
-        <p:sp>
-          <p:nvSpPr>
-            <p:cNvPr id="19" name="Rectangle 18">
-              <a:extLst>
-                <a:ext uri="{FF2B5EF4-FFF2-40B4-BE49-F238E27FC236}">
-                  <a16:creationId xmlns:a16="http://schemas.microsoft.com/office/drawing/2014/main" id="{911D8149-DCA3-C13C-A915-2E9340A06153}"/>
-                </a:ext>
-              </a:extLst>
-            </p:cNvPr>
-            <p:cNvSpPr/>
-            <p:nvPr/>
-          </p:nvSpPr>
-          <p:spPr>
-            <a:xfrm>
-              <a:off x="4817706" y="2419353"/>
-              <a:ext cx="2534816" cy="1041912"/>
-            </a:xfrm>
-            <a:prstGeom prst="rect">
-              <a:avLst/>
-            </a:prstGeom>
-          </p:spPr>
-          <p:style>
-            <a:lnRef idx="2">
-              <a:schemeClr val="accent1">
-                <a:shade val="50000"/>
-              </a:schemeClr>
-            </a:lnRef>
-            <a:fillRef idx="1">
-              <a:schemeClr val="accent1"/>
-            </a:fillRef>
-            <a:effectRef idx="0">
-              <a:schemeClr val="accent1"/>
-            </a:effectRef>
-            <a:fontRef idx="minor">
-              <a:schemeClr val="lt1"/>
-            </a:fontRef>
-          </p:style>
-          <p:txBody>
-            <a:bodyPr rtlCol="0" anchor="ctr"/>
-            <a:lstStyle/>
-            <a:p>
-              <a:pPr algn="ctr"/>
-              <a:r>
-                <a:rPr lang="en-CA" dirty="0"/>
-                <a:t>Pangea’s 2</a:t>
-              </a:r>
-            </a:p>
-          </p:txBody>
-        </p:sp>
-        <p:sp>
-          <p:nvSpPr>
-            <p:cNvPr id="20" name="Rectangle 19">
-              <a:extLst>
-                <a:ext uri="{FF2B5EF4-FFF2-40B4-BE49-F238E27FC236}">
-                  <a16:creationId xmlns:a16="http://schemas.microsoft.com/office/drawing/2014/main" id="{4C31A21A-BB56-C577-0811-4FDC96D6D368}"/>
-                </a:ext>
-              </a:extLst>
-            </p:cNvPr>
-            <p:cNvSpPr/>
-            <p:nvPr/>
-          </p:nvSpPr>
-          <p:spPr>
-            <a:xfrm>
-              <a:off x="7812833" y="2419353"/>
-              <a:ext cx="2534816" cy="1041912"/>
-            </a:xfrm>
-            <a:prstGeom prst="rect">
-              <a:avLst/>
-            </a:prstGeom>
-          </p:spPr>
-          <p:style>
-            <a:lnRef idx="2">
-              <a:schemeClr val="accent1">
-                <a:shade val="50000"/>
-              </a:schemeClr>
-            </a:lnRef>
-            <a:fillRef idx="1">
-              <a:schemeClr val="accent1"/>
-            </a:fillRef>
-            <a:effectRef idx="0">
-              <a:schemeClr val="accent1"/>
-            </a:effectRef>
-            <a:fontRef idx="minor">
-              <a:schemeClr val="lt1"/>
-            </a:fontRef>
-          </p:style>
-          <p:txBody>
-            <a:bodyPr rtlCol="0" anchor="ctr"/>
-            <a:lstStyle/>
-            <a:p>
-              <a:pPr algn="ctr"/>
-              <a:r>
-                <a:rPr lang="en-CA" dirty="0"/>
-                <a:t>Dash 2</a:t>
-              </a:r>
-            </a:p>
-          </p:txBody>
-        </p:sp>
-      </p:grpSp>
-      <p:sp>
-        <p:nvSpPr>
-          <p:cNvPr id="3" name="Rectangle 2">
-            <a:extLst>
-              <a:ext uri="{FF2B5EF4-FFF2-40B4-BE49-F238E27FC236}">
-                <a16:creationId xmlns:a16="http://schemas.microsoft.com/office/drawing/2014/main" id="{A39EE18A-62FC-45AB-A44D-357A54E49F34}"/>
-              </a:ext>
-            </a:extLst>
-          </p:cNvPr>
-          <p:cNvSpPr/>
-          <p:nvPr/>
-        </p:nvSpPr>
-        <p:spPr>
-          <a:xfrm>
-            <a:off x="4010608" y="5153415"/>
-            <a:ext cx="4049486" cy="440485"/>
-          </a:xfrm>
-          <a:prstGeom prst="rect">
-            <a:avLst/>
-          </a:prstGeom>
-        </p:spPr>
-        <p:style>
-          <a:lnRef idx="2">
-            <a:schemeClr val="accent1">
-              <a:shade val="50000"/>
-            </a:schemeClr>
-          </a:lnRef>
-          <a:fillRef idx="1">
-            <a:schemeClr val="accent1"/>
-          </a:fillRef>
-          <a:effectRef idx="0">
-            <a:schemeClr val="accent1"/>
-          </a:effectRef>
-          <a:fontRef idx="minor">
-            <a:schemeClr val="lt1"/>
-          </a:fontRef>
-        </p:style>
-        <p:txBody>
-          <a:bodyPr rtlCol="0" anchor="ctr"/>
-          <a:lstStyle/>
-          <a:p>
-            <a:pPr algn="ctr"/>
-            <a:r>
-              <a:rPr lang="en-CA" dirty="0"/>
-              <a:t>Add New Restaurant</a:t>
-            </a:r>
-          </a:p>
-        </p:txBody>
-      </p:sp>
-    </p:spTree>
-    <p:extLst>
-      <p:ext uri="{BB962C8B-B14F-4D97-AF65-F5344CB8AC3E}">
-        <p14:creationId xmlns:p14="http://schemas.microsoft.com/office/powerpoint/2010/main" val="3065866680"/>
       </p:ext>
     </p:extLst>
   </p:cSld>

--- a/ACS_3909_ProjectPPT.pptx
+++ b/ACS_3909_ProjectPPT.pptx
@@ -1075,7 +1075,7 @@
           </a:pPr>
           <a:r>
             <a:rPr lang="en-CA" dirty="0"/>
-            <a:t>Customers/Student’s can login using their credentials and can place order, give reviews/feedback etc..</a:t>
+            <a:t>Customers/Students can login using their credentials and can place order, give reviews/feedback etc..</a:t>
           </a:r>
           <a:endParaRPr lang="en-US" dirty="0"/>
         </a:p>
@@ -1121,10 +1121,10 @@
             </a:lnSpc>
           </a:pPr>
           <a:r>
-            <a:rPr lang="en-CA"/>
+            <a:rPr lang="en-CA" dirty="0"/>
             <a:t>When order placed, customer will get order number and approx.. Time for food preparation.</a:t>
           </a:r>
-          <a:endParaRPr lang="en-US"/>
+          <a:endParaRPr lang="en-US" dirty="0"/>
         </a:p>
       </dgm:t>
     </dgm:pt>
@@ -1168,10 +1168,10 @@
             </a:lnSpc>
           </a:pPr>
           <a:r>
-            <a:rPr lang="en-CA"/>
-            <a:t>Worker in Café can accept the order and when done notify customer that it’s ready to pickup.</a:t>
+            <a:rPr lang="en-CA" dirty="0"/>
+            <a:t>Workers in Café can accept the order and when done notify customer that it’s ready to pickup.</a:t>
           </a:r>
-          <a:endParaRPr lang="en-US"/>
+          <a:endParaRPr lang="en-US" dirty="0"/>
         </a:p>
       </dgm:t>
     </dgm:pt>
@@ -1216,7 +1216,7 @@
           </a:pPr>
           <a:r>
             <a:rPr lang="en-CA" dirty="0"/>
-            <a:t>Admin can add new cafes and menu items if needed.</a:t>
+            <a:t>Admins can add new cafes and menu items if needed.</a:t>
           </a:r>
           <a:endParaRPr lang="en-US" dirty="0"/>
         </a:p>
@@ -1262,10 +1262,10 @@
             </a:lnSpc>
           </a:pPr>
           <a:r>
-            <a:rPr lang="en-CA"/>
-            <a:t>Worker/Employess in café will have their own login page where they interact with orders.</a:t>
+            <a:rPr lang="en-CA" dirty="0"/>
+            <a:t>Worker/Employees in cafés will have their own login page where they interact with orders.</a:t>
           </a:r>
-          <a:endParaRPr lang="en-US"/>
+          <a:endParaRPr lang="en-US" dirty="0"/>
         </a:p>
       </dgm:t>
     </dgm:pt>
@@ -1562,7 +1562,7 @@
       <dgm:spPr/>
     </dgm:pt>
     <dgm:pt modelId="{7092DC91-F7F7-4B01-BE47-7DB4E093CC01}" type="pres">
-      <dgm:prSet presAssocID="{41FA3F04-F286-43F3-BFDA-88DE8A5CA109}" presName="textRect" presStyleLbl="revTx" presStyleIdx="4" presStyleCnt="5">
+      <dgm:prSet presAssocID="{41FA3F04-F286-43F3-BFDA-88DE8A5CA109}" presName="textRect" presStyleLbl="revTx" presStyleIdx="4" presStyleCnt="5" custScaleX="102523">
         <dgm:presLayoutVars>
           <dgm:chMax val="1"/>
           <dgm:chPref val="1"/>
@@ -1777,7 +1777,7 @@
           </a:pPr>
           <a:r>
             <a:rPr lang="en-CA" sz="1400" kern="1200" dirty="0"/>
-            <a:t>Customers/Student’s can login using their credentials and can place order, give reviews/feedback etc..</a:t>
+            <a:t>Customers/Students can login using their credentials and can place order, give reviews/feedback etc..</a:t>
           </a:r>
           <a:endParaRPr lang="en-US" sz="1400" kern="1200" dirty="0"/>
         </a:p>
@@ -1927,10 +1927,10 @@
             <a:buNone/>
           </a:pPr>
           <a:r>
-            <a:rPr lang="en-CA" sz="1400" kern="1200"/>
+            <a:rPr lang="en-CA" sz="1400" kern="1200" dirty="0"/>
             <a:t>When order placed, customer will get order number and approx.. Time for food preparation.</a:t>
           </a:r>
-          <a:endParaRPr lang="en-US" sz="1400" kern="1200"/>
+          <a:endParaRPr lang="en-US" sz="1400" kern="1200" dirty="0"/>
         </a:p>
       </dsp:txBody>
       <dsp:txXfrm>
@@ -2078,10 +2078,10 @@
             <a:buNone/>
           </a:pPr>
           <a:r>
-            <a:rPr lang="en-CA" sz="1400" kern="1200"/>
-            <a:t>Worker in Café can accept the order and when done notify customer that it’s ready to pickup.</a:t>
+            <a:rPr lang="en-CA" sz="1400" kern="1200" dirty="0"/>
+            <a:t>Workers in Café can accept the order and when done notify customer that it’s ready to pickup.</a:t>
           </a:r>
-          <a:endParaRPr lang="en-US" sz="1400" kern="1200"/>
+          <a:endParaRPr lang="en-US" sz="1400" kern="1200" dirty="0"/>
         </a:p>
       </dsp:txBody>
       <dsp:txXfrm>
@@ -2230,7 +2230,7 @@
           </a:pPr>
           <a:r>
             <a:rPr lang="en-CA" sz="1400" kern="1200" dirty="0"/>
-            <a:t>Admin can add new cafes and menu items if needed.</a:t>
+            <a:t>Admins can add new cafes and menu items if needed.</a:t>
           </a:r>
           <a:endParaRPr lang="en-US" sz="1400" kern="1200" dirty="0"/>
         </a:p>
@@ -2337,8 +2337,8 @@
       </dsp:nvSpPr>
       <dsp:spPr>
         <a:xfrm>
-          <a:off x="4942957" y="2452790"/>
-          <a:ext cx="2148945" cy="911674"/>
+          <a:off x="4915848" y="2452790"/>
+          <a:ext cx="2203163" cy="911674"/>
         </a:xfrm>
         <a:prstGeom prst="rect">
           <a:avLst/>
@@ -2380,15 +2380,15 @@
             <a:buNone/>
           </a:pPr>
           <a:r>
-            <a:rPr lang="en-CA" sz="1400" kern="1200"/>
-            <a:t>Worker/Employess in café will have their own login page where they interact with orders.</a:t>
+            <a:rPr lang="en-CA" sz="1400" kern="1200" dirty="0"/>
+            <a:t>Worker/Employees in cafés will have their own login page where they interact with orders.</a:t>
           </a:r>
-          <a:endParaRPr lang="en-US" sz="1400" kern="1200"/>
+          <a:endParaRPr lang="en-US" sz="1400" kern="1200" dirty="0"/>
         </a:p>
       </dsp:txBody>
       <dsp:txXfrm>
-        <a:off x="4942957" y="2452790"/>
-        <a:ext cx="2148945" cy="911674"/>
+        <a:off x="4915848" y="2452790"/>
+        <a:ext cx="2203163" cy="911674"/>
       </dsp:txXfrm>
     </dsp:sp>
   </dsp:spTree>
@@ -7610,38 +7610,33 @@
           </a:p>
           <a:p>
             <a:r>
-              <a:rPr lang="en-CA" dirty="0" err="1"/>
-              <a:t>Alskf</a:t>
-            </a:r>
-            <a:endParaRPr lang="en-CA" dirty="0"/>
-          </a:p>
-          <a:p>
-            <a:r>
-              <a:rPr lang="en-CA" dirty="0" err="1"/>
-              <a:t>Laksdfh</a:t>
-            </a:r>
-            <a:endParaRPr lang="en-CA" dirty="0"/>
-          </a:p>
-          <a:p>
-            <a:r>
-              <a:rPr lang="en-CA" dirty="0" err="1"/>
-              <a:t>Klasdfhj</a:t>
-            </a:r>
-            <a:endParaRPr lang="en-CA" dirty="0"/>
-          </a:p>
-          <a:p>
-            <a:r>
-              <a:rPr lang="en-CA" dirty="0" err="1"/>
-              <a:t>Klasdhfj</a:t>
-            </a:r>
-            <a:endParaRPr lang="en-CA" dirty="0"/>
-          </a:p>
-          <a:p>
-            <a:r>
-              <a:rPr lang="en-CA" dirty="0" err="1"/>
-              <a:t>lksadhfj</a:t>
-            </a:r>
-            <a:endParaRPr lang="en-CA" dirty="0"/>
+              <a:rPr lang="en-CA" dirty="0"/>
+              <a:t>Lorem Ipsum</a:t>
+            </a:r>
+          </a:p>
+          <a:p>
+            <a:r>
+              <a:rPr lang="en-CA" dirty="0"/>
+              <a:t>Lorem Ipsum</a:t>
+            </a:r>
+          </a:p>
+          <a:p>
+            <a:r>
+              <a:rPr lang="en-CA" dirty="0"/>
+              <a:t>Lorem Ipsum</a:t>
+            </a:r>
+          </a:p>
+          <a:p>
+            <a:r>
+              <a:rPr lang="en-CA" dirty="0"/>
+              <a:t>Lorem Ipsum</a:t>
+            </a:r>
+          </a:p>
+          <a:p>
+            <a:r>
+              <a:rPr lang="en-CA" dirty="0"/>
+              <a:t>Lorem Ipsum</a:t>
+            </a:r>
           </a:p>
         </p:txBody>
       </p:sp>
@@ -9868,7 +9863,7 @@
         <p:spPr>
           <a:xfrm>
             <a:off x="690467" y="899118"/>
-            <a:ext cx="11000790" cy="5262979"/>
+            <a:ext cx="11000790" cy="4154984"/>
           </a:xfrm>
           <a:prstGeom prst="rect">
             <a:avLst/>
@@ -9904,7 +9899,7 @@
             </a:pPr>
             <a:r>
               <a:rPr lang="en-CA" sz="2400" dirty="0"/>
-              <a:t>Upload food images and serve as static files from a folder. </a:t>
+              <a:t>Serve as static files from a folder. </a:t>
             </a:r>
           </a:p>
           <a:p>
@@ -9913,7 +9908,7 @@
             </a:pPr>
             <a:r>
               <a:rPr lang="en-CA" sz="2400" dirty="0"/>
-              <a:t>When a particular restaurant is opened, or edited, or menu item is edited, restaurant or menu id is passed as route or query string parameter.</a:t>
+              <a:t>Route or query string parameters.</a:t>
             </a:r>
           </a:p>
           <a:p>
@@ -9922,7 +9917,7 @@
             </a:pPr>
             <a:r>
               <a:rPr lang="en-CA" sz="2400" dirty="0"/>
-              <a:t>HTML Forms will be served for creating restaurants and menu items. </a:t>
+              <a:t>HTML Forms serving. </a:t>
             </a:r>
           </a:p>
           <a:p>
@@ -9931,7 +9926,7 @@
             </a:pPr>
             <a:r>
               <a:rPr lang="en-CA" sz="2400" dirty="0"/>
-              <a:t>Http-bodies will be processed when a form is submitted for creating restaurant or menu.</a:t>
+              <a:t>Http-bodies processing.</a:t>
             </a:r>
           </a:p>
           <a:p>
@@ -9940,7 +9935,7 @@
             </a:pPr>
             <a:r>
               <a:rPr lang="en-CA" sz="2400" dirty="0"/>
-              <a:t>Accept food image files uploaded by the customers and store it. </a:t>
+              <a:t>Accept uploaded files. </a:t>
             </a:r>
           </a:p>
           <a:p>
@@ -9949,7 +9944,7 @@
             </a:pPr>
             <a:r>
               <a:rPr lang="en-CA" sz="2400" dirty="0"/>
-              <a:t>Deleting menu items will be done through Ajax calls. </a:t>
+              <a:t>Ajax. </a:t>
             </a:r>
           </a:p>
           <a:p>
@@ -9957,17 +9952,10 @@
               <a:buAutoNum type="arabicPeriod"/>
             </a:pPr>
             <a:r>
-              <a:rPr lang="en-CA" sz="2400" dirty="0"/>
-              <a:t>All view files will use </a:t>
-            </a:r>
-            <a:r>
-              <a:rPr lang="en-CA" sz="2400" dirty="0" err="1"/>
-              <a:t>Nunjucks</a:t>
-            </a:r>
-            <a:r>
-              <a:rPr lang="en-CA" sz="2400" dirty="0"/>
-              <a:t> templates and include advanced features such as loops, conditions, and include/extends.  </a:t>
-            </a:r>
+              <a:rPr lang="en-CA" sz="2400"/>
+              <a:t>Templates.  </a:t>
+            </a:r>
+            <a:endParaRPr lang="en-CA" sz="2400" dirty="0"/>
           </a:p>
         </p:txBody>
       </p:sp>
@@ -10080,7 +10068,7 @@
             </a:pPr>
             <a:r>
               <a:rPr lang="en-US" sz="2000" dirty="0"/>
-              <a:t>It is a Food ordering system for University of Winnipeg, which include all the Cafe’s in U of W campus.</a:t>
+              <a:t>It is a Food ordering system for University of Winnipeg, which include all the Cafes in U of W campus.</a:t>
             </a:r>
           </a:p>
         </p:txBody>
@@ -10773,7 +10761,7 @@
             <p:ph idx="1"/>
             <p:extLst>
               <p:ext uri="{D42A27DB-BD31-4B8C-83A1-F6EECF244321}">
-                <p14:modId xmlns:p14="http://schemas.microsoft.com/office/powerpoint/2010/main" val="3234633913"/>
+                <p14:modId xmlns:p14="http://schemas.microsoft.com/office/powerpoint/2010/main" val="2415563354"/>
               </p:ext>
             </p:extLst>
           </p:nvPr>
@@ -12453,198 +12441,6 @@
               <a:rPr lang="en-CA" dirty="0"/>
               <a:t>Add to Cart</a:t>
             </a:r>
-          </a:p>
-        </p:txBody>
-      </p:sp>
-      <p:sp>
-        <p:nvSpPr>
-          <p:cNvPr id="32" name="Rectangle: Rounded Corners 31">
-            <a:extLst>
-              <a:ext uri="{FF2B5EF4-FFF2-40B4-BE49-F238E27FC236}">
-                <a16:creationId xmlns:a16="http://schemas.microsoft.com/office/drawing/2014/main" id="{7D9115BC-94C4-CB34-4895-93A3D0652DAF}"/>
-              </a:ext>
-            </a:extLst>
-          </p:cNvPr>
-          <p:cNvSpPr/>
-          <p:nvPr/>
-        </p:nvSpPr>
-        <p:spPr>
-          <a:xfrm>
-            <a:off x="1743269" y="2704388"/>
-            <a:ext cx="664029" cy="468020"/>
-          </a:xfrm>
-          <a:prstGeom prst="roundRect">
-            <a:avLst/>
-          </a:prstGeom>
-        </p:spPr>
-        <p:style>
-          <a:lnRef idx="2">
-            <a:schemeClr val="accent6"/>
-          </a:lnRef>
-          <a:fillRef idx="1">
-            <a:schemeClr val="lt1"/>
-          </a:fillRef>
-          <a:effectRef idx="0">
-            <a:schemeClr val="accent6"/>
-          </a:effectRef>
-          <a:fontRef idx="minor">
-            <a:schemeClr val="dk1"/>
-          </a:fontRef>
-        </p:style>
-        <p:txBody>
-          <a:bodyPr rtlCol="0" anchor="ctr"/>
-          <a:lstStyle/>
-          <a:p>
-            <a:pPr algn="ctr"/>
-            <a:r>
-              <a:rPr lang="en-CA" dirty="0" err="1"/>
-              <a:t>Img</a:t>
-            </a:r>
-            <a:endParaRPr lang="en-CA" dirty="0"/>
-          </a:p>
-        </p:txBody>
-      </p:sp>
-      <p:sp>
-        <p:nvSpPr>
-          <p:cNvPr id="33" name="Rectangle: Rounded Corners 32">
-            <a:extLst>
-              <a:ext uri="{FF2B5EF4-FFF2-40B4-BE49-F238E27FC236}">
-                <a16:creationId xmlns:a16="http://schemas.microsoft.com/office/drawing/2014/main" id="{72799BB6-7A77-6E8D-92EB-9049F4DA9BE7}"/>
-              </a:ext>
-            </a:extLst>
-          </p:cNvPr>
-          <p:cNvSpPr/>
-          <p:nvPr/>
-        </p:nvSpPr>
-        <p:spPr>
-          <a:xfrm>
-            <a:off x="1743269" y="3395652"/>
-            <a:ext cx="664029" cy="468020"/>
-          </a:xfrm>
-          <a:prstGeom prst="roundRect">
-            <a:avLst/>
-          </a:prstGeom>
-        </p:spPr>
-        <p:style>
-          <a:lnRef idx="2">
-            <a:schemeClr val="accent6"/>
-          </a:lnRef>
-          <a:fillRef idx="1">
-            <a:schemeClr val="lt1"/>
-          </a:fillRef>
-          <a:effectRef idx="0">
-            <a:schemeClr val="accent6"/>
-          </a:effectRef>
-          <a:fontRef idx="minor">
-            <a:schemeClr val="dk1"/>
-          </a:fontRef>
-        </p:style>
-        <p:txBody>
-          <a:bodyPr rtlCol="0" anchor="ctr"/>
-          <a:lstStyle/>
-          <a:p>
-            <a:pPr algn="ctr"/>
-            <a:r>
-              <a:rPr lang="en-CA" dirty="0" err="1"/>
-              <a:t>Img</a:t>
-            </a:r>
-            <a:endParaRPr lang="en-CA" dirty="0"/>
-          </a:p>
-        </p:txBody>
-      </p:sp>
-      <p:sp>
-        <p:nvSpPr>
-          <p:cNvPr id="34" name="Rectangle: Rounded Corners 33">
-            <a:extLst>
-              <a:ext uri="{FF2B5EF4-FFF2-40B4-BE49-F238E27FC236}">
-                <a16:creationId xmlns:a16="http://schemas.microsoft.com/office/drawing/2014/main" id="{BEACCBFC-3BA5-CCB0-E95B-5F29BB71AC42}"/>
-              </a:ext>
-            </a:extLst>
-          </p:cNvPr>
-          <p:cNvSpPr/>
-          <p:nvPr/>
-        </p:nvSpPr>
-        <p:spPr>
-          <a:xfrm>
-            <a:off x="1743269" y="4086916"/>
-            <a:ext cx="664029" cy="468020"/>
-          </a:xfrm>
-          <a:prstGeom prst="roundRect">
-            <a:avLst/>
-          </a:prstGeom>
-        </p:spPr>
-        <p:style>
-          <a:lnRef idx="2">
-            <a:schemeClr val="accent6"/>
-          </a:lnRef>
-          <a:fillRef idx="1">
-            <a:schemeClr val="lt1"/>
-          </a:fillRef>
-          <a:effectRef idx="0">
-            <a:schemeClr val="accent6"/>
-          </a:effectRef>
-          <a:fontRef idx="minor">
-            <a:schemeClr val="dk1"/>
-          </a:fontRef>
-        </p:style>
-        <p:txBody>
-          <a:bodyPr rtlCol="0" anchor="ctr"/>
-          <a:lstStyle/>
-          <a:p>
-            <a:pPr algn="ctr"/>
-            <a:r>
-              <a:rPr lang="en-CA" dirty="0" err="1"/>
-              <a:t>Img</a:t>
-            </a:r>
-            <a:endParaRPr lang="en-CA" dirty="0"/>
-          </a:p>
-        </p:txBody>
-      </p:sp>
-      <p:sp>
-        <p:nvSpPr>
-          <p:cNvPr id="35" name="Rectangle: Rounded Corners 34">
-            <a:extLst>
-              <a:ext uri="{FF2B5EF4-FFF2-40B4-BE49-F238E27FC236}">
-                <a16:creationId xmlns:a16="http://schemas.microsoft.com/office/drawing/2014/main" id="{33EB4D7C-B44E-1293-BB54-E3C3B910FE30}"/>
-              </a:ext>
-            </a:extLst>
-          </p:cNvPr>
-          <p:cNvSpPr/>
-          <p:nvPr/>
-        </p:nvSpPr>
-        <p:spPr>
-          <a:xfrm>
-            <a:off x="1743269" y="4768111"/>
-            <a:ext cx="664029" cy="468020"/>
-          </a:xfrm>
-          <a:prstGeom prst="roundRect">
-            <a:avLst/>
-          </a:prstGeom>
-        </p:spPr>
-        <p:style>
-          <a:lnRef idx="2">
-            <a:schemeClr val="accent6"/>
-          </a:lnRef>
-          <a:fillRef idx="1">
-            <a:schemeClr val="lt1"/>
-          </a:fillRef>
-          <a:effectRef idx="0">
-            <a:schemeClr val="accent6"/>
-          </a:effectRef>
-          <a:fontRef idx="minor">
-            <a:schemeClr val="dk1"/>
-          </a:fontRef>
-        </p:style>
-        <p:txBody>
-          <a:bodyPr rtlCol="0" anchor="ctr"/>
-          <a:lstStyle/>
-          <a:p>
-            <a:pPr algn="ctr"/>
-            <a:r>
-              <a:rPr lang="en-CA" dirty="0" err="1"/>
-              <a:t>Img</a:t>
-            </a:r>
-            <a:endParaRPr lang="en-CA" dirty="0"/>
           </a:p>
         </p:txBody>
       </p:sp>
@@ -14121,38 +13917,33 @@
           </a:p>
           <a:p>
             <a:r>
-              <a:rPr lang="en-CA" dirty="0" err="1"/>
-              <a:t>Alskf</a:t>
-            </a:r>
-            <a:endParaRPr lang="en-CA" dirty="0"/>
-          </a:p>
-          <a:p>
-            <a:r>
-              <a:rPr lang="en-CA" dirty="0" err="1"/>
-              <a:t>Laksdfh</a:t>
-            </a:r>
-            <a:endParaRPr lang="en-CA" dirty="0"/>
-          </a:p>
-          <a:p>
-            <a:r>
-              <a:rPr lang="en-CA" dirty="0" err="1"/>
-              <a:t>Klasdfhj</a:t>
-            </a:r>
-            <a:endParaRPr lang="en-CA" dirty="0"/>
-          </a:p>
-          <a:p>
-            <a:r>
-              <a:rPr lang="en-CA" dirty="0" err="1"/>
-              <a:t>Klasdhfj</a:t>
-            </a:r>
-            <a:endParaRPr lang="en-CA" dirty="0"/>
-          </a:p>
-          <a:p>
-            <a:r>
-              <a:rPr lang="en-CA" dirty="0" err="1"/>
-              <a:t>lksadhfj</a:t>
-            </a:r>
-            <a:endParaRPr lang="en-CA" dirty="0"/>
+              <a:rPr lang="en-CA" dirty="0"/>
+              <a:t>Lorem Ipsum</a:t>
+            </a:r>
+          </a:p>
+          <a:p>
+            <a:r>
+              <a:rPr lang="en-CA" dirty="0"/>
+              <a:t>Lorem Ipsum</a:t>
+            </a:r>
+          </a:p>
+          <a:p>
+            <a:r>
+              <a:rPr lang="en-CA" dirty="0"/>
+              <a:t>Lorem Ipsum</a:t>
+            </a:r>
+          </a:p>
+          <a:p>
+            <a:r>
+              <a:rPr lang="en-CA" dirty="0"/>
+              <a:t>Lorem Ipsum</a:t>
+            </a:r>
+          </a:p>
+          <a:p>
+            <a:r>
+              <a:rPr lang="en-CA" dirty="0"/>
+              <a:t>Lorem Ipsum</a:t>
+            </a:r>
           </a:p>
         </p:txBody>
       </p:sp>

--- a/ACS_3909_ProjectPPT.pptx
+++ b/ACS_3909_ProjectPPT.pptx
@@ -9863,7 +9863,7 @@
         <p:spPr>
           <a:xfrm>
             <a:off x="690467" y="899118"/>
-            <a:ext cx="11000790" cy="4154984"/>
+            <a:ext cx="11000790" cy="4524315"/>
           </a:xfrm>
           <a:prstGeom prst="rect">
             <a:avLst/>
@@ -9952,10 +9952,18 @@
               <a:buAutoNum type="arabicPeriod"/>
             </a:pPr>
             <a:r>
-              <a:rPr lang="en-CA" sz="2400"/>
+              <a:rPr lang="en-CA" sz="2400" dirty="0"/>
               <a:t>Templates.  </a:t>
             </a:r>
-            <a:endParaRPr lang="en-CA" sz="2400" dirty="0"/>
+          </a:p>
+          <a:p>
+            <a:pPr marL="342900" indent="-342900">
+              <a:buAutoNum type="arabicPeriod"/>
+            </a:pPr>
+            <a:r>
+              <a:rPr lang="en-CA" sz="2400" dirty="0"/>
+              <a:t>MongoDB </a:t>
+            </a:r>
           </a:p>
         </p:txBody>
       </p:sp>
